--- a/k-nearest-neighbors.pptx
+++ b/k-nearest-neighbors.pptx
@@ -5,7 +5,7 @@
     <p:sldMasterId id="2147483648" r:id="rId1"/>
   </p:sldMasterIdLst>
   <p:notesMasterIdLst>
-    <p:notesMasterId r:id="rId69"/>
+    <p:notesMasterId r:id="rId83"/>
   </p:notesMasterIdLst>
   <p:sldIdLst>
     <p:sldId id="256" r:id="rId2"/>
@@ -65,16 +65,30 @@
     <p:sldId id="306" r:id="rId56"/>
     <p:sldId id="307" r:id="rId57"/>
     <p:sldId id="273" r:id="rId58"/>
-    <p:sldId id="313" r:id="rId59"/>
-    <p:sldId id="332" r:id="rId60"/>
-    <p:sldId id="333" r:id="rId61"/>
-    <p:sldId id="312" r:id="rId62"/>
-    <p:sldId id="334" r:id="rId63"/>
-    <p:sldId id="335" r:id="rId64"/>
-    <p:sldId id="317" r:id="rId65"/>
-    <p:sldId id="336" r:id="rId66"/>
-    <p:sldId id="319" r:id="rId67"/>
-    <p:sldId id="318" r:id="rId68"/>
+    <p:sldId id="337" r:id="rId59"/>
+    <p:sldId id="338" r:id="rId60"/>
+    <p:sldId id="339" r:id="rId61"/>
+    <p:sldId id="340" r:id="rId62"/>
+    <p:sldId id="341" r:id="rId63"/>
+    <p:sldId id="342" r:id="rId64"/>
+    <p:sldId id="343" r:id="rId65"/>
+    <p:sldId id="344" r:id="rId66"/>
+    <p:sldId id="313" r:id="rId67"/>
+    <p:sldId id="332" r:id="rId68"/>
+    <p:sldId id="333" r:id="rId69"/>
+    <p:sldId id="312" r:id="rId70"/>
+    <p:sldId id="334" r:id="rId71"/>
+    <p:sldId id="335" r:id="rId72"/>
+    <p:sldId id="317" r:id="rId73"/>
+    <p:sldId id="345" r:id="rId74"/>
+    <p:sldId id="346" r:id="rId75"/>
+    <p:sldId id="347" r:id="rId76"/>
+    <p:sldId id="348" r:id="rId77"/>
+    <p:sldId id="336" r:id="rId78"/>
+    <p:sldId id="319" r:id="rId79"/>
+    <p:sldId id="350" r:id="rId80"/>
+    <p:sldId id="349" r:id="rId81"/>
+    <p:sldId id="318" r:id="rId82"/>
   </p:sldIdLst>
   <p:sldSz cx="9144000" cy="5143500" type="screen16x9"/>
   <p:notesSz cx="6858000" cy="9144000"/>
@@ -225,7 +239,7 @@
 <file path=ppt/revisionInfo.xml><?xml version="1.0" encoding="utf-8"?>
 <p1510:revInfo xmlns:a="http://schemas.openxmlformats.org/drawingml/2006/main" xmlns:r="http://schemas.openxmlformats.org/officeDocument/2006/relationships" xmlns:p1510="http://schemas.microsoft.com/office/powerpoint/2015/10/main">
   <p1510:revLst>
-    <p1510:client id="{98FB6949-0D5E-4FCD-B882-DDB7FE643806}" v="64" dt="2025-01-05T01:10:37.128"/>
+    <p1510:client id="{98FB6949-0D5E-4FCD-B882-DDB7FE643806}" v="87" dt="2025-01-05T22:39:23.145"/>
   </p1510:revLst>
 </p1510:revInfo>
 </file>
@@ -235,7 +249,7 @@
   <pc:docChgLst>
     <pc:chgData name="Kristopher Wilson" userId="d9235ecf0b42df88" providerId="LiveId" clId="{98FB6949-0D5E-4FCD-B882-DDB7FE643806}"/>
     <pc:docChg chg="undo custSel addSld delSld modSld sldOrd">
-      <pc:chgData name="Kristopher Wilson" userId="d9235ecf0b42df88" providerId="LiveId" clId="{98FB6949-0D5E-4FCD-B882-DDB7FE643806}" dt="2025-01-05T01:10:48.303" v="938" actId="478"/>
+      <pc:chgData name="Kristopher Wilson" userId="d9235ecf0b42df88" providerId="LiveId" clId="{98FB6949-0D5E-4FCD-B882-DDB7FE643806}" dt="2025-01-05T22:39:23.130" v="3182" actId="1076"/>
       <pc:docMkLst>
         <pc:docMk/>
       </pc:docMkLst>
@@ -498,6 +512,36 @@
           <pc:sldMk cId="2704533496" sldId="316"/>
         </pc:sldMkLst>
       </pc:sldChg>
+      <pc:sldChg chg="modSp mod">
+        <pc:chgData name="Kristopher Wilson" userId="d9235ecf0b42df88" providerId="LiveId" clId="{98FB6949-0D5E-4FCD-B882-DDB7FE643806}" dt="2025-01-05T21:28:42.367" v="1160" actId="20577"/>
+        <pc:sldMkLst>
+          <pc:docMk/>
+          <pc:sldMk cId="3498946490" sldId="317"/>
+        </pc:sldMkLst>
+        <pc:spChg chg="mod">
+          <ac:chgData name="Kristopher Wilson" userId="d9235ecf0b42df88" providerId="LiveId" clId="{98FB6949-0D5E-4FCD-B882-DDB7FE643806}" dt="2025-01-05T21:28:42.367" v="1160" actId="20577"/>
+          <ac:spMkLst>
+            <pc:docMk/>
+            <pc:sldMk cId="3498946490" sldId="317"/>
+            <ac:spMk id="2" creationId="{FD0D070A-F66E-9B9D-669B-FE0C1060C4C9}"/>
+          </ac:spMkLst>
+        </pc:spChg>
+      </pc:sldChg>
+      <pc:sldChg chg="modSp mod ord">
+        <pc:chgData name="Kristopher Wilson" userId="d9235ecf0b42df88" providerId="LiveId" clId="{98FB6949-0D5E-4FCD-B882-DDB7FE643806}" dt="2025-01-05T22:12:53.975" v="2975" actId="20577"/>
+        <pc:sldMkLst>
+          <pc:docMk/>
+          <pc:sldMk cId="4236198678" sldId="318"/>
+        </pc:sldMkLst>
+        <pc:spChg chg="mod">
+          <ac:chgData name="Kristopher Wilson" userId="d9235ecf0b42df88" providerId="LiveId" clId="{98FB6949-0D5E-4FCD-B882-DDB7FE643806}" dt="2025-01-05T22:12:53.975" v="2975" actId="20577"/>
+          <ac:spMkLst>
+            <pc:docMk/>
+            <pc:sldMk cId="4236198678" sldId="318"/>
+            <ac:spMk id="3" creationId="{7EF66D20-3C87-215E-F322-E6F32E6E51B3}"/>
+          </ac:spMkLst>
+        </pc:spChg>
+      </pc:sldChg>
       <pc:sldChg chg="modNotesTx">
         <pc:chgData name="Kristopher Wilson" userId="d9235ecf0b42df88" providerId="LiveId" clId="{98FB6949-0D5E-4FCD-B882-DDB7FE643806}" dt="2025-01-05T00:13:54.973" v="24" actId="20577"/>
         <pc:sldMkLst>
@@ -707,8 +751,8 @@
           </ac:graphicFrameMkLst>
         </pc:graphicFrameChg>
       </pc:sldChg>
-      <pc:sldChg chg="addSp delSp modSp add mod ord">
-        <pc:chgData name="Kristopher Wilson" userId="d9235ecf0b42df88" providerId="LiveId" clId="{98FB6949-0D5E-4FCD-B882-DDB7FE643806}" dt="2025-01-05T00:33:35.623" v="167" actId="1076"/>
+      <pc:sldChg chg="addSp delSp modSp add mod ord modNotesTx">
+        <pc:chgData name="Kristopher Wilson" userId="d9235ecf0b42df88" providerId="LiveId" clId="{98FB6949-0D5E-4FCD-B882-DDB7FE643806}" dt="2025-01-05T21:26:16.334" v="1128" actId="20577"/>
         <pc:sldMkLst>
           <pc:docMk/>
           <pc:sldMk cId="2198395137" sldId="330"/>
@@ -925,7 +969,7 @@
         </pc:picChg>
       </pc:sldChg>
       <pc:sldChg chg="addSp delSp modSp add mod chgLayout modNotesTx">
-        <pc:chgData name="Kristopher Wilson" userId="d9235ecf0b42df88" providerId="LiveId" clId="{98FB6949-0D5E-4FCD-B882-DDB7FE643806}" dt="2025-01-05T01:09:51.459" v="932" actId="20577"/>
+        <pc:chgData name="Kristopher Wilson" userId="d9235ecf0b42df88" providerId="LiveId" clId="{98FB6949-0D5E-4FCD-B882-DDB7FE643806}" dt="2025-01-05T22:34:47.768" v="3094" actId="20577"/>
         <pc:sldMkLst>
           <pc:docMk/>
           <pc:sldMk cId="3936327406" sldId="335"/>
@@ -939,7 +983,7 @@
           </ac:spMkLst>
         </pc:spChg>
         <pc:spChg chg="add del mod ord">
-          <ac:chgData name="Kristopher Wilson" userId="d9235ecf0b42df88" providerId="LiveId" clId="{98FB6949-0D5E-4FCD-B882-DDB7FE643806}" dt="2025-01-05T01:09:51.459" v="932" actId="20577"/>
+          <ac:chgData name="Kristopher Wilson" userId="d9235ecf0b42df88" providerId="LiveId" clId="{98FB6949-0D5E-4FCD-B882-DDB7FE643806}" dt="2025-01-05T22:34:47.768" v="3094" actId="20577"/>
           <ac:spMkLst>
             <pc:docMk/>
             <pc:sldMk cId="3936327406" sldId="335"/>
@@ -972,11 +1016,19 @@
         </pc:picChg>
       </pc:sldChg>
       <pc:sldChg chg="addSp delSp modSp add mod">
-        <pc:chgData name="Kristopher Wilson" userId="d9235ecf0b42df88" providerId="LiveId" clId="{98FB6949-0D5E-4FCD-B882-DDB7FE643806}" dt="2025-01-05T01:10:48.303" v="938" actId="478"/>
+        <pc:chgData name="Kristopher Wilson" userId="d9235ecf0b42df88" providerId="LiveId" clId="{98FB6949-0D5E-4FCD-B882-DDB7FE643806}" dt="2025-01-05T22:13:12.323" v="2976"/>
         <pc:sldMkLst>
           <pc:docMk/>
           <pc:sldMk cId="1721295034" sldId="336"/>
         </pc:sldMkLst>
+        <pc:spChg chg="mod">
+          <ac:chgData name="Kristopher Wilson" userId="d9235ecf0b42df88" providerId="LiveId" clId="{98FB6949-0D5E-4FCD-B882-DDB7FE643806}" dt="2025-01-05T22:13:12.323" v="2976"/>
+          <ac:spMkLst>
+            <pc:docMk/>
+            <pc:sldMk cId="1721295034" sldId="336"/>
+            <ac:spMk id="2" creationId="{DC1682A1-9910-7144-EF88-6D210E65FED4}"/>
+          </ac:spMkLst>
+        </pc:spChg>
         <pc:spChg chg="del">
           <ac:chgData name="Kristopher Wilson" userId="d9235ecf0b42df88" providerId="LiveId" clId="{98FB6949-0D5E-4FCD-B882-DDB7FE643806}" dt="2025-01-05T01:10:48.303" v="938" actId="478"/>
           <ac:spMkLst>
@@ -999,6 +1051,287 @@
             <pc:docMk/>
             <pc:sldMk cId="1721295034" sldId="336"/>
             <ac:picMk id="5" creationId="{51B0D0B0-193D-14E7-08DE-6B5CD715AEC4}"/>
+          </ac:picMkLst>
+        </pc:picChg>
+      </pc:sldChg>
+      <pc:sldChg chg="modSp add mod">
+        <pc:chgData name="Kristopher Wilson" userId="d9235ecf0b42df88" providerId="LiveId" clId="{98FB6949-0D5E-4FCD-B882-DDB7FE643806}" dt="2025-01-05T21:31:26.909" v="1194" actId="313"/>
+        <pc:sldMkLst>
+          <pc:docMk/>
+          <pc:sldMk cId="2597847957" sldId="337"/>
+        </pc:sldMkLst>
+        <pc:spChg chg="mod">
+          <ac:chgData name="Kristopher Wilson" userId="d9235ecf0b42df88" providerId="LiveId" clId="{98FB6949-0D5E-4FCD-B882-DDB7FE643806}" dt="2025-01-05T21:31:26.909" v="1194" actId="313"/>
+          <ac:spMkLst>
+            <pc:docMk/>
+            <pc:sldMk cId="2597847957" sldId="337"/>
+            <ac:spMk id="3" creationId="{5CDCD9C3-5114-C0AF-605F-A823E177DFE1}"/>
+          </ac:spMkLst>
+        </pc:spChg>
+      </pc:sldChg>
+      <pc:sldChg chg="modSp add mod">
+        <pc:chgData name="Kristopher Wilson" userId="d9235ecf0b42df88" providerId="LiveId" clId="{98FB6949-0D5E-4FCD-B882-DDB7FE643806}" dt="2025-01-05T21:34:32.203" v="1301" actId="20577"/>
+        <pc:sldMkLst>
+          <pc:docMk/>
+          <pc:sldMk cId="2372013364" sldId="338"/>
+        </pc:sldMkLst>
+        <pc:spChg chg="mod">
+          <ac:chgData name="Kristopher Wilson" userId="d9235ecf0b42df88" providerId="LiveId" clId="{98FB6949-0D5E-4FCD-B882-DDB7FE643806}" dt="2025-01-05T21:34:32.203" v="1301" actId="20577"/>
+          <ac:spMkLst>
+            <pc:docMk/>
+            <pc:sldMk cId="2372013364" sldId="338"/>
+            <ac:spMk id="3" creationId="{7422DDBE-6142-8F01-B17E-3C2728BE69F3}"/>
+          </ac:spMkLst>
+        </pc:spChg>
+      </pc:sldChg>
+      <pc:sldChg chg="modSp add mod">
+        <pc:chgData name="Kristopher Wilson" userId="d9235ecf0b42df88" providerId="LiveId" clId="{98FB6949-0D5E-4FCD-B882-DDB7FE643806}" dt="2025-01-05T22:11:15.786" v="2949" actId="20577"/>
+        <pc:sldMkLst>
+          <pc:docMk/>
+          <pc:sldMk cId="53646025" sldId="339"/>
+        </pc:sldMkLst>
+        <pc:spChg chg="mod">
+          <ac:chgData name="Kristopher Wilson" userId="d9235ecf0b42df88" providerId="LiveId" clId="{98FB6949-0D5E-4FCD-B882-DDB7FE643806}" dt="2025-01-05T22:11:15.786" v="2949" actId="20577"/>
+          <ac:spMkLst>
+            <pc:docMk/>
+            <pc:sldMk cId="53646025" sldId="339"/>
+            <ac:spMk id="3" creationId="{0EC9A167-FEC5-5BD9-F9DF-DFC761CF10FB}"/>
+          </ac:spMkLst>
+        </pc:spChg>
+      </pc:sldChg>
+      <pc:sldChg chg="modSp add mod">
+        <pc:chgData name="Kristopher Wilson" userId="d9235ecf0b42df88" providerId="LiveId" clId="{98FB6949-0D5E-4FCD-B882-DDB7FE643806}" dt="2025-01-05T22:10:58.440" v="2932" actId="5793"/>
+        <pc:sldMkLst>
+          <pc:docMk/>
+          <pc:sldMk cId="2288729008" sldId="340"/>
+        </pc:sldMkLst>
+        <pc:spChg chg="mod">
+          <ac:chgData name="Kristopher Wilson" userId="d9235ecf0b42df88" providerId="LiveId" clId="{98FB6949-0D5E-4FCD-B882-DDB7FE643806}" dt="2025-01-05T22:10:58.440" v="2932" actId="5793"/>
+          <ac:spMkLst>
+            <pc:docMk/>
+            <pc:sldMk cId="2288729008" sldId="340"/>
+            <ac:spMk id="3" creationId="{B7C5E6BC-5EF2-326E-2E12-CDE77E0E16FA}"/>
+          </ac:spMkLst>
+        </pc:spChg>
+      </pc:sldChg>
+      <pc:sldChg chg="addSp delSp modSp add mod">
+        <pc:chgData name="Kristopher Wilson" userId="d9235ecf0b42df88" providerId="LiveId" clId="{98FB6949-0D5E-4FCD-B882-DDB7FE643806}" dt="2025-01-05T21:39:47.047" v="1610" actId="207"/>
+        <pc:sldMkLst>
+          <pc:docMk/>
+          <pc:sldMk cId="1185489136" sldId="341"/>
+        </pc:sldMkLst>
+        <pc:spChg chg="del">
+          <ac:chgData name="Kristopher Wilson" userId="d9235ecf0b42df88" providerId="LiveId" clId="{98FB6949-0D5E-4FCD-B882-DDB7FE643806}" dt="2025-01-05T21:38:34.769" v="1602" actId="478"/>
+          <ac:spMkLst>
+            <pc:docMk/>
+            <pc:sldMk cId="1185489136" sldId="341"/>
+            <ac:spMk id="3" creationId="{F6ACAFF3-B5A9-01C5-33ED-130A6894DA0C}"/>
+          </ac:spMkLst>
+        </pc:spChg>
+        <pc:spChg chg="add del mod">
+          <ac:chgData name="Kristopher Wilson" userId="d9235ecf0b42df88" providerId="LiveId" clId="{98FB6949-0D5E-4FCD-B882-DDB7FE643806}" dt="2025-01-05T21:38:48.101" v="1605" actId="478"/>
+          <ac:spMkLst>
+            <pc:docMk/>
+            <pc:sldMk cId="1185489136" sldId="341"/>
+            <ac:spMk id="5" creationId="{705DC13C-F533-542E-C7CD-12426250C4AF}"/>
+          </ac:spMkLst>
+        </pc:spChg>
+        <pc:spChg chg="add mod">
+          <ac:chgData name="Kristopher Wilson" userId="d9235ecf0b42df88" providerId="LiveId" clId="{98FB6949-0D5E-4FCD-B882-DDB7FE643806}" dt="2025-01-05T21:39:47.047" v="1610" actId="207"/>
+          <ac:spMkLst>
+            <pc:docMk/>
+            <pc:sldMk cId="1185489136" sldId="341"/>
+            <ac:spMk id="6" creationId="{F21E9A7B-463E-83AC-7B55-70783A65AF93}"/>
+          </ac:spMkLst>
+        </pc:spChg>
+        <pc:picChg chg="add mod">
+          <ac:chgData name="Kristopher Wilson" userId="d9235ecf0b42df88" providerId="LiveId" clId="{98FB6949-0D5E-4FCD-B882-DDB7FE643806}" dt="2025-01-05T21:39:35.268" v="1608" actId="208"/>
+          <ac:picMkLst>
+            <pc:docMk/>
+            <pc:sldMk cId="1185489136" sldId="341"/>
+            <ac:picMk id="1026" creationId="{39DC8FC2-661C-8899-5E22-86F2A0905D10}"/>
+          </ac:picMkLst>
+        </pc:picChg>
+      </pc:sldChg>
+      <pc:sldChg chg="addSp modSp add mod modNotesTx">
+        <pc:chgData name="Kristopher Wilson" userId="d9235ecf0b42df88" providerId="LiveId" clId="{98FB6949-0D5E-4FCD-B882-DDB7FE643806}" dt="2025-01-05T21:56:11.688" v="2544" actId="20577"/>
+        <pc:sldMkLst>
+          <pc:docMk/>
+          <pc:sldMk cId="3385912420" sldId="342"/>
+        </pc:sldMkLst>
+        <pc:spChg chg="add mod">
+          <ac:chgData name="Kristopher Wilson" userId="d9235ecf0b42df88" providerId="LiveId" clId="{98FB6949-0D5E-4FCD-B882-DDB7FE643806}" dt="2025-01-05T21:40:14.608" v="1612" actId="207"/>
+          <ac:spMkLst>
+            <pc:docMk/>
+            <pc:sldMk cId="3385912420" sldId="342"/>
+            <ac:spMk id="3" creationId="{2DE08B81-BED9-C56E-AC80-3C753B5A388B}"/>
+          </ac:spMkLst>
+        </pc:spChg>
+        <pc:spChg chg="add mod">
+          <ac:chgData name="Kristopher Wilson" userId="d9235ecf0b42df88" providerId="LiveId" clId="{98FB6949-0D5E-4FCD-B882-DDB7FE643806}" dt="2025-01-05T21:40:45.456" v="1614" actId="207"/>
+          <ac:spMkLst>
+            <pc:docMk/>
+            <pc:sldMk cId="3385912420" sldId="342"/>
+            <ac:spMk id="4" creationId="{C7CF52AC-D77E-F937-C75E-677448C36CB1}"/>
+          </ac:spMkLst>
+        </pc:spChg>
+        <pc:spChg chg="add mod ord">
+          <ac:chgData name="Kristopher Wilson" userId="d9235ecf0b42df88" providerId="LiveId" clId="{98FB6949-0D5E-4FCD-B882-DDB7FE643806}" dt="2025-01-05T21:42:31.374" v="1643" actId="1076"/>
+          <ac:spMkLst>
+            <pc:docMk/>
+            <pc:sldMk cId="3385912420" sldId="342"/>
+            <ac:spMk id="5" creationId="{9C16AE27-68C6-079C-F1C4-D43A1E723118}"/>
+          </ac:spMkLst>
+        </pc:spChg>
+        <pc:picChg chg="mod">
+          <ac:chgData name="Kristopher Wilson" userId="d9235ecf0b42df88" providerId="LiveId" clId="{98FB6949-0D5E-4FCD-B882-DDB7FE643806}" dt="2025-01-05T21:42:21.167" v="1640" actId="1076"/>
+          <ac:picMkLst>
+            <pc:docMk/>
+            <pc:sldMk cId="3385912420" sldId="342"/>
+            <ac:picMk id="1026" creationId="{373B456B-8F93-2B45-D9A6-F93CC1CD7AA7}"/>
+          </ac:picMkLst>
+        </pc:picChg>
+      </pc:sldChg>
+      <pc:sldChg chg="addSp modSp add mod modNotesTx">
+        <pc:chgData name="Kristopher Wilson" userId="d9235ecf0b42df88" providerId="LiveId" clId="{98FB6949-0D5E-4FCD-B882-DDB7FE643806}" dt="2025-01-05T22:14:15.121" v="3022" actId="20577"/>
+        <pc:sldMkLst>
+          <pc:docMk/>
+          <pc:sldMk cId="3078689509" sldId="343"/>
+        </pc:sldMkLst>
+        <pc:spChg chg="add mod">
+          <ac:chgData name="Kristopher Wilson" userId="d9235ecf0b42df88" providerId="LiveId" clId="{98FB6949-0D5E-4FCD-B882-DDB7FE643806}" dt="2025-01-05T21:44:34.751" v="1767" actId="20577"/>
+          <ac:spMkLst>
+            <pc:docMk/>
+            <pc:sldMk cId="3078689509" sldId="343"/>
+            <ac:spMk id="6" creationId="{5A581534-1586-F902-2D5D-8712AA3D649F}"/>
+          </ac:spMkLst>
+        </pc:spChg>
+      </pc:sldChg>
+      <pc:sldChg chg="add modNotesTx">
+        <pc:chgData name="Kristopher Wilson" userId="d9235ecf0b42df88" providerId="LiveId" clId="{98FB6949-0D5E-4FCD-B882-DDB7FE643806}" dt="2025-01-05T22:14:04.164" v="3006" actId="20577"/>
+        <pc:sldMkLst>
+          <pc:docMk/>
+          <pc:sldMk cId="1346298762" sldId="344"/>
+        </pc:sldMkLst>
+      </pc:sldChg>
+      <pc:sldChg chg="modSp add mod">
+        <pc:chgData name="Kristopher Wilson" userId="d9235ecf0b42df88" providerId="LiveId" clId="{98FB6949-0D5E-4FCD-B882-DDB7FE643806}" dt="2025-01-05T21:47:17.048" v="2101" actId="20577"/>
+        <pc:sldMkLst>
+          <pc:docMk/>
+          <pc:sldMk cId="1260089647" sldId="345"/>
+        </pc:sldMkLst>
+        <pc:spChg chg="mod">
+          <ac:chgData name="Kristopher Wilson" userId="d9235ecf0b42df88" providerId="LiveId" clId="{98FB6949-0D5E-4FCD-B882-DDB7FE643806}" dt="2025-01-05T21:47:17.048" v="2101" actId="20577"/>
+          <ac:spMkLst>
+            <pc:docMk/>
+            <pc:sldMk cId="1260089647" sldId="345"/>
+            <ac:spMk id="3" creationId="{28C748E8-5D8D-51B5-3C84-B96FE080A1E6}"/>
+          </ac:spMkLst>
+        </pc:spChg>
+      </pc:sldChg>
+      <pc:sldChg chg="modSp add mod">
+        <pc:chgData name="Kristopher Wilson" userId="d9235ecf0b42df88" providerId="LiveId" clId="{98FB6949-0D5E-4FCD-B882-DDB7FE643806}" dt="2025-01-05T21:54:06.610" v="2486" actId="404"/>
+        <pc:sldMkLst>
+          <pc:docMk/>
+          <pc:sldMk cId="673009535" sldId="346"/>
+        </pc:sldMkLst>
+        <pc:spChg chg="mod">
+          <ac:chgData name="Kristopher Wilson" userId="d9235ecf0b42df88" providerId="LiveId" clId="{98FB6949-0D5E-4FCD-B882-DDB7FE643806}" dt="2025-01-05T21:54:06.610" v="2486" actId="404"/>
+          <ac:spMkLst>
+            <pc:docMk/>
+            <pc:sldMk cId="673009535" sldId="346"/>
+            <ac:spMk id="3" creationId="{76835A5C-2663-4DAD-48CD-00AF4B7B5EE9}"/>
+          </ac:spMkLst>
+        </pc:spChg>
+      </pc:sldChg>
+      <pc:sldChg chg="modSp add mod ord">
+        <pc:chgData name="Kristopher Wilson" userId="d9235ecf0b42df88" providerId="LiveId" clId="{98FB6949-0D5E-4FCD-B882-DDB7FE643806}" dt="2025-01-05T22:37:55.813" v="3136" actId="20577"/>
+        <pc:sldMkLst>
+          <pc:docMk/>
+          <pc:sldMk cId="2911196260" sldId="347"/>
+        </pc:sldMkLst>
+        <pc:spChg chg="mod">
+          <ac:chgData name="Kristopher Wilson" userId="d9235ecf0b42df88" providerId="LiveId" clId="{98FB6949-0D5E-4FCD-B882-DDB7FE643806}" dt="2025-01-05T21:48:25.509" v="2168"/>
+          <ac:spMkLst>
+            <pc:docMk/>
+            <pc:sldMk cId="2911196260" sldId="347"/>
+            <ac:spMk id="2" creationId="{DA3DC2BA-4DB2-9E5D-F713-7852BFC5BE94}"/>
+          </ac:spMkLst>
+        </pc:spChg>
+        <pc:spChg chg="mod">
+          <ac:chgData name="Kristopher Wilson" userId="d9235ecf0b42df88" providerId="LiveId" clId="{98FB6949-0D5E-4FCD-B882-DDB7FE643806}" dt="2025-01-05T22:37:55.813" v="3136" actId="20577"/>
+          <ac:spMkLst>
+            <pc:docMk/>
+            <pc:sldMk cId="2911196260" sldId="347"/>
+            <ac:spMk id="3" creationId="{8F7ED231-ECD0-4E01-AE09-0ABA98D347F8}"/>
+          </ac:spMkLst>
+        </pc:spChg>
+      </pc:sldChg>
+      <pc:sldChg chg="modSp add mod">
+        <pc:chgData name="Kristopher Wilson" userId="d9235ecf0b42df88" providerId="LiveId" clId="{98FB6949-0D5E-4FCD-B882-DDB7FE643806}" dt="2025-01-05T22:38:22.972" v="3178" actId="20577"/>
+        <pc:sldMkLst>
+          <pc:docMk/>
+          <pc:sldMk cId="1266372052" sldId="348"/>
+        </pc:sldMkLst>
+        <pc:spChg chg="mod">
+          <ac:chgData name="Kristopher Wilson" userId="d9235ecf0b42df88" providerId="LiveId" clId="{98FB6949-0D5E-4FCD-B882-DDB7FE643806}" dt="2025-01-05T22:38:22.972" v="3178" actId="20577"/>
+          <ac:spMkLst>
+            <pc:docMk/>
+            <pc:sldMk cId="1266372052" sldId="348"/>
+            <ac:spMk id="3" creationId="{CCB7AC8B-2C84-9BA0-3B06-2067987B6070}"/>
+          </ac:spMkLst>
+        </pc:spChg>
+      </pc:sldChg>
+      <pc:sldChg chg="modSp add del mod">
+        <pc:chgData name="Kristopher Wilson" userId="d9235ecf0b42df88" providerId="LiveId" clId="{98FB6949-0D5E-4FCD-B882-DDB7FE643806}" dt="2025-01-05T21:51:24.364" v="2346" actId="2890"/>
+        <pc:sldMkLst>
+          <pc:docMk/>
+          <pc:sldMk cId="2849645640" sldId="348"/>
+        </pc:sldMkLst>
+        <pc:spChg chg="mod">
+          <ac:chgData name="Kristopher Wilson" userId="d9235ecf0b42df88" providerId="LiveId" clId="{98FB6949-0D5E-4FCD-B882-DDB7FE643806}" dt="2025-01-05T21:51:23.945" v="2345" actId="20577"/>
+          <ac:spMkLst>
+            <pc:docMk/>
+            <pc:sldMk cId="2849645640" sldId="348"/>
+            <ac:spMk id="3" creationId="{4D942159-36ED-43AC-330D-1D1CDEC45D90}"/>
+          </ac:spMkLst>
+        </pc:spChg>
+      </pc:sldChg>
+      <pc:sldChg chg="modSp add mod modNotesTx">
+        <pc:chgData name="Kristopher Wilson" userId="d9235ecf0b42df88" providerId="LiveId" clId="{98FB6949-0D5E-4FCD-B882-DDB7FE643806}" dt="2025-01-05T22:05:46.011" v="2794" actId="14100"/>
+        <pc:sldMkLst>
+          <pc:docMk/>
+          <pc:sldMk cId="407703383" sldId="349"/>
+        </pc:sldMkLst>
+        <pc:spChg chg="mod">
+          <ac:chgData name="Kristopher Wilson" userId="d9235ecf0b42df88" providerId="LiveId" clId="{98FB6949-0D5E-4FCD-B882-DDB7FE643806}" dt="2025-01-05T21:56:53.626" v="2573" actId="20577"/>
+          <ac:spMkLst>
+            <pc:docMk/>
+            <pc:sldMk cId="407703383" sldId="349"/>
+            <ac:spMk id="2" creationId="{8BE15D5D-261D-72A7-937D-FA72BF615A85}"/>
+          </ac:spMkLst>
+        </pc:spChg>
+        <pc:spChg chg="mod">
+          <ac:chgData name="Kristopher Wilson" userId="d9235ecf0b42df88" providerId="LiveId" clId="{98FB6949-0D5E-4FCD-B882-DDB7FE643806}" dt="2025-01-05T22:05:46.011" v="2794" actId="14100"/>
+          <ac:spMkLst>
+            <pc:docMk/>
+            <pc:sldMk cId="407703383" sldId="349"/>
+            <ac:spMk id="3" creationId="{A1B1BEB4-AC70-4110-FA90-706CE05F734E}"/>
+          </ac:spMkLst>
+        </pc:spChg>
+      </pc:sldChg>
+      <pc:sldChg chg="addSp modSp add">
+        <pc:chgData name="Kristopher Wilson" userId="d9235ecf0b42df88" providerId="LiveId" clId="{98FB6949-0D5E-4FCD-B882-DDB7FE643806}" dt="2025-01-05T22:39:23.130" v="3182" actId="1076"/>
+        <pc:sldMkLst>
+          <pc:docMk/>
+          <pc:sldMk cId="3125979769" sldId="350"/>
+        </pc:sldMkLst>
+        <pc:picChg chg="add mod">
+          <ac:chgData name="Kristopher Wilson" userId="d9235ecf0b42df88" providerId="LiveId" clId="{98FB6949-0D5E-4FCD-B882-DDB7FE643806}" dt="2025-01-05T22:39:23.130" v="3182" actId="1076"/>
+          <ac:picMkLst>
+            <pc:docMk/>
+            <pc:sldMk cId="3125979769" sldId="350"/>
+            <ac:picMk id="1026" creationId="{AFF01538-6812-C6BD-FC5D-089D8DEB2CFC}"/>
           </ac:picMkLst>
         </pc:picChg>
       </pc:sldChg>
@@ -12869,7 +13202,7 @@
           <a:p>
             <a:fld id="{6D28F817-3C1E-4980-A2D0-234BDA11B01B}" type="datetimeFigureOut">
               <a:rPr lang="en-US" smtClean="0"/>
-              <a:t>1/4/2025</a:t>
+              <a:t>1/5/2025</a:t>
             </a:fld>
             <a:endParaRPr lang="en-US"/>
           </a:p>
@@ -13269,8 +13602,15 @@
           <a:p>
             <a:r>
               <a:rPr lang="en-US" dirty="0"/>
-              <a:t>Predefined = can be written down beforehand</a:t>
-            </a:r>
+              <a:t>Generally, more complex algorithms </a:t>
+            </a:r>
+            <a:r>
+              <a:rPr lang="en-US" dirty="0">
+                <a:sym typeface="Wingdings" panose="05000000000000000000" pitchFamily="2" charset="2"/>
+              </a:rPr>
+              <a:t> more accurate predictions, but at the cost of interpretability/explainability (“black box models”)</a:t>
+            </a:r>
+            <a:endParaRPr lang="en-US" dirty="0"/>
           </a:p>
         </p:txBody>
       </p:sp>
@@ -13291,7 +13631,7 @@
           <a:p>
             <a:fld id="{2CF3E296-9A10-4A48-B25C-C4EEE84E5793}" type="slidenum">
               <a:rPr lang="en-US" smtClean="0"/>
-              <a:t>34</a:t>
+              <a:t>21</a:t>
             </a:fld>
             <a:endParaRPr lang="en-US"/>
           </a:p>
@@ -13300,7 +13640,7 @@
     </p:spTree>
     <p:extLst>
       <p:ext uri="{BB962C8B-B14F-4D97-AF65-F5344CB8AC3E}">
-        <p14:creationId xmlns:p14="http://schemas.microsoft.com/office/powerpoint/2010/main" val="464802719"/>
+        <p14:creationId xmlns:p14="http://schemas.microsoft.com/office/powerpoint/2010/main" val="2881152196"/>
       </p:ext>
     </p:extLst>
   </p:cSld>
@@ -13356,7 +13696,7 @@
           <a:p>
             <a:r>
               <a:rPr lang="en-US" dirty="0"/>
-              <a:t>See previous slide</a:t>
+              <a:t>Predefined = can be written down beforehand</a:t>
             </a:r>
           </a:p>
         </p:txBody>
@@ -13378,7 +13718,7 @@
           <a:p>
             <a:fld id="{2CF3E296-9A10-4A48-B25C-C4EEE84E5793}" type="slidenum">
               <a:rPr lang="en-US" smtClean="0"/>
-              <a:t>35</a:t>
+              <a:t>34</a:t>
             </a:fld>
             <a:endParaRPr lang="en-US"/>
           </a:p>
@@ -13387,7 +13727,7 @@
     </p:spTree>
     <p:extLst>
       <p:ext uri="{BB962C8B-B14F-4D97-AF65-F5344CB8AC3E}">
-        <p14:creationId xmlns:p14="http://schemas.microsoft.com/office/powerpoint/2010/main" val="2213639559"/>
+        <p14:creationId xmlns:p14="http://schemas.microsoft.com/office/powerpoint/2010/main" val="464802719"/>
       </p:ext>
     </p:extLst>
   </p:cSld>
@@ -13443,19 +13783,7 @@
           <a:p>
             <a:r>
               <a:rPr lang="en-US" dirty="0"/>
-              <a:t>Sensitivity: true positives (“if it’s in there, the model gets it”)</a:t>
-            </a:r>
-          </a:p>
-          <a:p>
-            <a:r>
-              <a:rPr lang="en-US" dirty="0"/>
-              <a:t>Specificity: true negatives (“if it’s not in there, the model gets it”)</a:t>
-            </a:r>
-          </a:p>
-          <a:p>
-            <a:r>
-              <a:rPr lang="en-US" dirty="0"/>
-              <a:t>No info rate: success rate if you just guessed most common class for everything</a:t>
+              <a:t>See previous slide</a:t>
             </a:r>
           </a:p>
         </p:txBody>
@@ -13477,7 +13805,372 @@
           <a:p>
             <a:fld id="{2CF3E296-9A10-4A48-B25C-C4EEE84E5793}" type="slidenum">
               <a:rPr lang="en-US" smtClean="0"/>
+              <a:t>35</a:t>
+            </a:fld>
+            <a:endParaRPr lang="en-US"/>
+          </a:p>
+        </p:txBody>
+      </p:sp>
+    </p:spTree>
+    <p:extLst>
+      <p:ext uri="{BB962C8B-B14F-4D97-AF65-F5344CB8AC3E}">
+        <p14:creationId xmlns:p14="http://schemas.microsoft.com/office/powerpoint/2010/main" val="2213639559"/>
+      </p:ext>
+    </p:extLst>
+  </p:cSld>
+  <p:clrMapOvr>
+    <a:masterClrMapping/>
+  </p:clrMapOvr>
+</p:notes>
+</file>
+
+<file path=ppt/notesSlides/notesSlide5.xml><?xml version="1.0" encoding="utf-8"?>
+<p:notes xmlns:a="http://schemas.openxmlformats.org/drawingml/2006/main" xmlns:r="http://schemas.openxmlformats.org/officeDocument/2006/relationships" xmlns:p="http://schemas.openxmlformats.org/presentationml/2006/main">
+  <p:cSld>
+    <p:spTree>
+      <p:nvGrpSpPr>
+        <p:cNvPr id="1" name=""/>
+        <p:cNvGrpSpPr/>
+        <p:nvPr/>
+      </p:nvGrpSpPr>
+      <p:grpSpPr>
+        <a:xfrm>
+          <a:off x="0" y="0"/>
+          <a:ext cx="0" cy="0"/>
+          <a:chOff x="0" y="0"/>
+          <a:chExt cx="0" cy="0"/>
+        </a:xfrm>
+      </p:grpSpPr>
+      <p:sp>
+        <p:nvSpPr>
+          <p:cNvPr id="2" name="Slide Image Placeholder 1"/>
+          <p:cNvSpPr>
+            <a:spLocks noGrp="1" noRot="1" noChangeAspect="1"/>
+          </p:cNvSpPr>
+          <p:nvPr>
+            <p:ph type="sldImg"/>
+          </p:nvPr>
+        </p:nvSpPr>
+        <p:spPr/>
+      </p:sp>
+      <p:sp>
+        <p:nvSpPr>
+          <p:cNvPr id="3" name="Notes Placeholder 2"/>
+          <p:cNvSpPr>
+            <a:spLocks noGrp="1"/>
+          </p:cNvSpPr>
+          <p:nvPr>
+            <p:ph type="body" idx="1"/>
+          </p:nvPr>
+        </p:nvSpPr>
+        <p:spPr/>
+        <p:txBody>
+          <a:bodyPr/>
+          <a:lstStyle/>
+          <a:p>
+            <a:r>
+              <a:rPr lang="en-US" dirty="0"/>
+              <a:t>At this point: ask if KNN (non)parametric?</a:t>
+            </a:r>
+          </a:p>
+        </p:txBody>
+      </p:sp>
+      <p:sp>
+        <p:nvSpPr>
+          <p:cNvPr id="4" name="Slide Number Placeholder 3"/>
+          <p:cNvSpPr>
+            <a:spLocks noGrp="1"/>
+          </p:cNvSpPr>
+          <p:nvPr>
+            <p:ph type="sldNum" sz="quarter" idx="5"/>
+          </p:nvPr>
+        </p:nvSpPr>
+        <p:spPr/>
+        <p:txBody>
+          <a:bodyPr/>
+          <a:lstStyle/>
+          <a:p>
+            <a:fld id="{2CF3E296-9A10-4A48-B25C-C4EEE84E5793}" type="slidenum">
+              <a:rPr lang="en-US" smtClean="0"/>
               <a:t>63</a:t>
+            </a:fld>
+            <a:endParaRPr lang="en-US"/>
+          </a:p>
+        </p:txBody>
+      </p:sp>
+    </p:spTree>
+    <p:extLst>
+      <p:ext uri="{BB962C8B-B14F-4D97-AF65-F5344CB8AC3E}">
+        <p14:creationId xmlns:p14="http://schemas.microsoft.com/office/powerpoint/2010/main" val="607675037"/>
+      </p:ext>
+    </p:extLst>
+  </p:cSld>
+  <p:clrMapOvr>
+    <a:masterClrMapping/>
+  </p:clrMapOvr>
+</p:notes>
+</file>
+
+<file path=ppt/notesSlides/notesSlide6.xml><?xml version="1.0" encoding="utf-8"?>
+<p:notes xmlns:a="http://schemas.openxmlformats.org/drawingml/2006/main" xmlns:r="http://schemas.openxmlformats.org/officeDocument/2006/relationships" xmlns:p="http://schemas.openxmlformats.org/presentationml/2006/main">
+  <p:cSld>
+    <p:spTree>
+      <p:nvGrpSpPr>
+        <p:cNvPr id="1" name=""/>
+        <p:cNvGrpSpPr/>
+        <p:nvPr/>
+      </p:nvGrpSpPr>
+      <p:grpSpPr>
+        <a:xfrm>
+          <a:off x="0" y="0"/>
+          <a:ext cx="0" cy="0"/>
+          <a:chOff x="0" y="0"/>
+          <a:chExt cx="0" cy="0"/>
+        </a:xfrm>
+      </p:grpSpPr>
+      <p:sp>
+        <p:nvSpPr>
+          <p:cNvPr id="2" name="Slide Image Placeholder 1"/>
+          <p:cNvSpPr>
+            <a:spLocks noGrp="1" noRot="1" noChangeAspect="1"/>
+          </p:cNvSpPr>
+          <p:nvPr>
+            <p:ph type="sldImg"/>
+          </p:nvPr>
+        </p:nvSpPr>
+        <p:spPr/>
+      </p:sp>
+      <p:sp>
+        <p:nvSpPr>
+          <p:cNvPr id="3" name="Notes Placeholder 2"/>
+          <p:cNvSpPr>
+            <a:spLocks noGrp="1"/>
+          </p:cNvSpPr>
+          <p:nvPr>
+            <p:ph type="body" idx="1"/>
+          </p:nvPr>
+        </p:nvSpPr>
+        <p:spPr/>
+        <p:txBody>
+          <a:bodyPr/>
+          <a:lstStyle/>
+          <a:p>
+            <a:r>
+              <a:rPr lang="en-US" dirty="0"/>
+              <a:t>Close = Euclidean distance </a:t>
+            </a:r>
+            <a:r>
+              <a:rPr lang="en-US"/>
+              <a:t>(straight line)</a:t>
+            </a:r>
+            <a:endParaRPr lang="en-US" dirty="0"/>
+          </a:p>
+        </p:txBody>
+      </p:sp>
+      <p:sp>
+        <p:nvSpPr>
+          <p:cNvPr id="4" name="Slide Number Placeholder 3"/>
+          <p:cNvSpPr>
+            <a:spLocks noGrp="1"/>
+          </p:cNvSpPr>
+          <p:nvPr>
+            <p:ph type="sldNum" sz="quarter" idx="5"/>
+          </p:nvPr>
+        </p:nvSpPr>
+        <p:spPr/>
+        <p:txBody>
+          <a:bodyPr/>
+          <a:lstStyle/>
+          <a:p>
+            <a:fld id="{2CF3E296-9A10-4A48-B25C-C4EEE84E5793}" type="slidenum">
+              <a:rPr lang="en-US" smtClean="0"/>
+              <a:t>64</a:t>
+            </a:fld>
+            <a:endParaRPr lang="en-US"/>
+          </a:p>
+        </p:txBody>
+      </p:sp>
+    </p:spTree>
+    <p:extLst>
+      <p:ext uri="{BB962C8B-B14F-4D97-AF65-F5344CB8AC3E}">
+        <p14:creationId xmlns:p14="http://schemas.microsoft.com/office/powerpoint/2010/main" val="924124030"/>
+      </p:ext>
+    </p:extLst>
+  </p:cSld>
+  <p:clrMapOvr>
+    <a:masterClrMapping/>
+  </p:clrMapOvr>
+</p:notes>
+</file>
+
+<file path=ppt/notesSlides/notesSlide7.xml><?xml version="1.0" encoding="utf-8"?>
+<p:notes xmlns:a="http://schemas.openxmlformats.org/drawingml/2006/main" xmlns:r="http://schemas.openxmlformats.org/officeDocument/2006/relationships" xmlns:p="http://schemas.openxmlformats.org/presentationml/2006/main">
+  <p:cSld>
+    <p:spTree>
+      <p:nvGrpSpPr>
+        <p:cNvPr id="1" name=""/>
+        <p:cNvGrpSpPr/>
+        <p:nvPr/>
+      </p:nvGrpSpPr>
+      <p:grpSpPr>
+        <a:xfrm>
+          <a:off x="0" y="0"/>
+          <a:ext cx="0" cy="0"/>
+          <a:chOff x="0" y="0"/>
+          <a:chExt cx="0" cy="0"/>
+        </a:xfrm>
+      </p:grpSpPr>
+      <p:sp>
+        <p:nvSpPr>
+          <p:cNvPr id="2" name="Slide Image Placeholder 1"/>
+          <p:cNvSpPr>
+            <a:spLocks noGrp="1" noRot="1" noChangeAspect="1"/>
+          </p:cNvSpPr>
+          <p:nvPr>
+            <p:ph type="sldImg"/>
+          </p:nvPr>
+        </p:nvSpPr>
+        <p:spPr/>
+      </p:sp>
+      <p:sp>
+        <p:nvSpPr>
+          <p:cNvPr id="3" name="Notes Placeholder 2"/>
+          <p:cNvSpPr>
+            <a:spLocks noGrp="1"/>
+          </p:cNvSpPr>
+          <p:nvPr>
+            <p:ph type="body" idx="1"/>
+          </p:nvPr>
+        </p:nvSpPr>
+        <p:spPr/>
+        <p:txBody>
+          <a:bodyPr/>
+          <a:lstStyle/>
+          <a:p>
+            <a:r>
+              <a:rPr lang="en-US" dirty="0"/>
+              <a:t>Close = Euclidean distance (straight line). K is a hyperparameter—evaluation metrics help us choose</a:t>
+            </a:r>
+          </a:p>
+        </p:txBody>
+      </p:sp>
+      <p:sp>
+        <p:nvSpPr>
+          <p:cNvPr id="4" name="Slide Number Placeholder 3"/>
+          <p:cNvSpPr>
+            <a:spLocks noGrp="1"/>
+          </p:cNvSpPr>
+          <p:nvPr>
+            <p:ph type="sldNum" sz="quarter" idx="5"/>
+          </p:nvPr>
+        </p:nvSpPr>
+        <p:spPr/>
+        <p:txBody>
+          <a:bodyPr/>
+          <a:lstStyle/>
+          <a:p>
+            <a:fld id="{2CF3E296-9A10-4A48-B25C-C4EEE84E5793}" type="slidenum">
+              <a:rPr lang="en-US" smtClean="0"/>
+              <a:t>65</a:t>
+            </a:fld>
+            <a:endParaRPr lang="en-US"/>
+          </a:p>
+        </p:txBody>
+      </p:sp>
+    </p:spTree>
+    <p:extLst>
+      <p:ext uri="{BB962C8B-B14F-4D97-AF65-F5344CB8AC3E}">
+        <p14:creationId xmlns:p14="http://schemas.microsoft.com/office/powerpoint/2010/main" val="2095593833"/>
+      </p:ext>
+    </p:extLst>
+  </p:cSld>
+  <p:clrMapOvr>
+    <a:masterClrMapping/>
+  </p:clrMapOvr>
+</p:notes>
+</file>
+
+<file path=ppt/notesSlides/notesSlide8.xml><?xml version="1.0" encoding="utf-8"?>
+<p:notes xmlns:a="http://schemas.openxmlformats.org/drawingml/2006/main" xmlns:r="http://schemas.openxmlformats.org/officeDocument/2006/relationships" xmlns:p="http://schemas.openxmlformats.org/presentationml/2006/main">
+  <p:cSld>
+    <p:spTree>
+      <p:nvGrpSpPr>
+        <p:cNvPr id="1" name=""/>
+        <p:cNvGrpSpPr/>
+        <p:nvPr/>
+      </p:nvGrpSpPr>
+      <p:grpSpPr>
+        <a:xfrm>
+          <a:off x="0" y="0"/>
+          <a:ext cx="0" cy="0"/>
+          <a:chOff x="0" y="0"/>
+          <a:chExt cx="0" cy="0"/>
+        </a:xfrm>
+      </p:grpSpPr>
+      <p:sp>
+        <p:nvSpPr>
+          <p:cNvPr id="2" name="Slide Image Placeholder 1"/>
+          <p:cNvSpPr>
+            <a:spLocks noGrp="1" noRot="1" noChangeAspect="1"/>
+          </p:cNvSpPr>
+          <p:nvPr>
+            <p:ph type="sldImg"/>
+          </p:nvPr>
+        </p:nvSpPr>
+        <p:spPr/>
+      </p:sp>
+      <p:sp>
+        <p:nvSpPr>
+          <p:cNvPr id="3" name="Notes Placeholder 2"/>
+          <p:cNvSpPr>
+            <a:spLocks noGrp="1"/>
+          </p:cNvSpPr>
+          <p:nvPr>
+            <p:ph type="body" idx="1"/>
+          </p:nvPr>
+        </p:nvSpPr>
+        <p:spPr/>
+        <p:txBody>
+          <a:bodyPr/>
+          <a:lstStyle/>
+          <a:p>
+            <a:r>
+              <a:rPr lang="en-US" dirty="0"/>
+              <a:t>Sensitivity: true positives (“if it’s in there, the model gets it”)</a:t>
+            </a:r>
+          </a:p>
+          <a:p>
+            <a:r>
+              <a:rPr lang="en-US" dirty="0"/>
+              <a:t>Specificity: true negatives (“if it’s not in there, the model gets it”)</a:t>
+            </a:r>
+          </a:p>
+          <a:p>
+            <a:r>
+              <a:rPr lang="en-US" dirty="0"/>
+              <a:t>No info rate: success rate if you just guessed most common class for everything</a:t>
+            </a:r>
+          </a:p>
+        </p:txBody>
+      </p:sp>
+      <p:sp>
+        <p:nvSpPr>
+          <p:cNvPr id="4" name="Slide Number Placeholder 3"/>
+          <p:cNvSpPr>
+            <a:spLocks noGrp="1"/>
+          </p:cNvSpPr>
+          <p:nvPr>
+            <p:ph type="sldNum" sz="quarter" idx="5"/>
+          </p:nvPr>
+        </p:nvSpPr>
+        <p:spPr/>
+        <p:txBody>
+          <a:bodyPr/>
+          <a:lstStyle/>
+          <a:p>
+            <a:fld id="{2CF3E296-9A10-4A48-B25C-C4EEE84E5793}" type="slidenum">
+              <a:rPr lang="en-US" smtClean="0"/>
+              <a:t>71</a:t>
             </a:fld>
             <a:endParaRPr lang="en-US"/>
           </a:p>
@@ -13487,6 +14180,93 @@
     <p:extLst>
       <p:ext uri="{BB962C8B-B14F-4D97-AF65-F5344CB8AC3E}">
         <p14:creationId xmlns:p14="http://schemas.microsoft.com/office/powerpoint/2010/main" val="2146171382"/>
+      </p:ext>
+    </p:extLst>
+  </p:cSld>
+  <p:clrMapOvr>
+    <a:masterClrMapping/>
+  </p:clrMapOvr>
+</p:notes>
+</file>
+
+<file path=ppt/notesSlides/notesSlide9.xml><?xml version="1.0" encoding="utf-8"?>
+<p:notes xmlns:a="http://schemas.openxmlformats.org/drawingml/2006/main" xmlns:r="http://schemas.openxmlformats.org/officeDocument/2006/relationships" xmlns:p="http://schemas.openxmlformats.org/presentationml/2006/main">
+  <p:cSld>
+    <p:spTree>
+      <p:nvGrpSpPr>
+        <p:cNvPr id="1" name=""/>
+        <p:cNvGrpSpPr/>
+        <p:nvPr/>
+      </p:nvGrpSpPr>
+      <p:grpSpPr>
+        <a:xfrm>
+          <a:off x="0" y="0"/>
+          <a:ext cx="0" cy="0"/>
+          <a:chOff x="0" y="0"/>
+          <a:chExt cx="0" cy="0"/>
+        </a:xfrm>
+      </p:grpSpPr>
+      <p:sp>
+        <p:nvSpPr>
+          <p:cNvPr id="2" name="Slide Image Placeholder 1"/>
+          <p:cNvSpPr>
+            <a:spLocks noGrp="1" noRot="1" noChangeAspect="1"/>
+          </p:cNvSpPr>
+          <p:nvPr>
+            <p:ph type="sldImg"/>
+          </p:nvPr>
+        </p:nvSpPr>
+        <p:spPr/>
+      </p:sp>
+      <p:sp>
+        <p:nvSpPr>
+          <p:cNvPr id="3" name="Notes Placeholder 2"/>
+          <p:cNvSpPr>
+            <a:spLocks noGrp="1"/>
+          </p:cNvSpPr>
+          <p:nvPr>
+            <p:ph type="body" idx="1"/>
+          </p:nvPr>
+        </p:nvSpPr>
+        <p:spPr/>
+        <p:txBody>
+          <a:bodyPr/>
+          <a:lstStyle/>
+          <a:p>
+            <a:r>
+              <a:rPr lang="en-US" dirty="0"/>
+              <a:t>ISL: both R and Python!</a:t>
+            </a:r>
+          </a:p>
+        </p:txBody>
+      </p:sp>
+      <p:sp>
+        <p:nvSpPr>
+          <p:cNvPr id="4" name="Slide Number Placeholder 3"/>
+          <p:cNvSpPr>
+            <a:spLocks noGrp="1"/>
+          </p:cNvSpPr>
+          <p:nvPr>
+            <p:ph type="sldNum" sz="quarter" idx="5"/>
+          </p:nvPr>
+        </p:nvSpPr>
+        <p:spPr/>
+        <p:txBody>
+          <a:bodyPr/>
+          <a:lstStyle/>
+          <a:p>
+            <a:fld id="{2CF3E296-9A10-4A48-B25C-C4EEE84E5793}" type="slidenum">
+              <a:rPr lang="en-US" smtClean="0"/>
+              <a:t>80</a:t>
+            </a:fld>
+            <a:endParaRPr lang="en-US"/>
+          </a:p>
+        </p:txBody>
+      </p:sp>
+    </p:spTree>
+    <p:extLst>
+      <p:ext uri="{BB962C8B-B14F-4D97-AF65-F5344CB8AC3E}">
+        <p14:creationId xmlns:p14="http://schemas.microsoft.com/office/powerpoint/2010/main" val="2026070012"/>
       </p:ext>
     </p:extLst>
   </p:cSld>
@@ -13687,7 +14467,7 @@
               <a:pPr>
                 <a:defRPr/>
               </a:pPr>
-              <a:t>1/4/2025</a:t>
+              <a:t>1/5/2025</a:t>
             </a:fld>
             <a:endParaRPr lang="en-US"/>
           </a:p>
@@ -13883,7 +14663,7 @@
               <a:pPr>
                 <a:defRPr/>
               </a:pPr>
-              <a:t>1/4/2025</a:t>
+              <a:t>1/5/2025</a:t>
             </a:fld>
             <a:endParaRPr lang="en-US"/>
           </a:p>
@@ -14088,7 +14868,7 @@
               <a:pPr>
                 <a:defRPr/>
               </a:pPr>
-              <a:t>1/4/2025</a:t>
+              <a:t>1/5/2025</a:t>
             </a:fld>
             <a:endParaRPr lang="en-US"/>
           </a:p>
@@ -14285,7 +15065,7 @@
               <a:pPr>
                 <a:defRPr/>
               </a:pPr>
-              <a:t>1/4/2025</a:t>
+              <a:t>1/5/2025</a:t>
             </a:fld>
             <a:endParaRPr lang="en-US"/>
           </a:p>
@@ -14558,7 +15338,7 @@
               <a:pPr>
                 <a:defRPr/>
               </a:pPr>
-              <a:t>1/4/2025</a:t>
+              <a:t>1/5/2025</a:t>
             </a:fld>
             <a:endParaRPr lang="en-US"/>
           </a:p>
@@ -14872,7 +15652,7 @@
               <a:pPr>
                 <a:defRPr/>
               </a:pPr>
-              <a:t>1/4/2025</a:t>
+              <a:t>1/5/2025</a:t>
             </a:fld>
             <a:endParaRPr lang="en-US"/>
           </a:p>
@@ -15195,7 +15975,7 @@
               <a:pPr>
                 <a:defRPr/>
               </a:pPr>
-              <a:t>1/4/2025</a:t>
+              <a:t>1/5/2025</a:t>
             </a:fld>
             <a:endParaRPr lang="en-US"/>
           </a:p>
@@ -15339,7 +16119,7 @@
               <a:pPr>
                 <a:defRPr/>
               </a:pPr>
-              <a:t>1/4/2025</a:t>
+              <a:t>1/5/2025</a:t>
             </a:fld>
             <a:endParaRPr lang="en-US"/>
           </a:p>
@@ -15461,7 +16241,7 @@
               <a:pPr>
                 <a:defRPr/>
               </a:pPr>
-              <a:t>1/4/2025</a:t>
+              <a:t>1/5/2025</a:t>
             </a:fld>
             <a:endParaRPr lang="en-US"/>
           </a:p>
@@ -15763,7 +16543,7 @@
               <a:pPr>
                 <a:defRPr/>
               </a:pPr>
-              <a:t>1/4/2025</a:t>
+              <a:t>1/5/2025</a:t>
             </a:fld>
             <a:endParaRPr lang="en-US"/>
           </a:p>
@@ -16050,7 +16830,7 @@
               <a:pPr>
                 <a:defRPr/>
               </a:pPr>
-              <a:t>1/4/2025</a:t>
+              <a:t>1/5/2025</a:t>
             </a:fld>
             <a:endParaRPr lang="en-US"/>
           </a:p>
@@ -16174,14 +16954,14 @@
           </a:ln>
           <a:extLst>
             <a:ext uri="{909E8E84-426E-40dd-AFC4-6F175D3DCCD1}">
-              <a14:hiddenFill xmlns="" xmlns:a14="http://schemas.microsoft.com/office/drawing/2010/main">
+              <a14:hiddenFill xmlns:a14="http://schemas.microsoft.com/office/drawing/2010/main" xmlns="">
                 <a:solidFill>
                   <a:srgbClr val="FFFFFF"/>
                 </a:solidFill>
               </a14:hiddenFill>
             </a:ext>
             <a:ext uri="{91240B29-F687-4f45-9708-019B960494DF}">
-              <a14:hiddenLine xmlns="" xmlns:a14="http://schemas.microsoft.com/office/drawing/2010/main" w="9525">
+              <a14:hiddenLine xmlns:a14="http://schemas.microsoft.com/office/drawing/2010/main" xmlns="" w="9525">
                 <a:solidFill>
                   <a:srgbClr val="000000"/>
                 </a:solidFill>
@@ -16191,7 +16971,7 @@
               </a14:hiddenLine>
             </a:ext>
             <a:ext uri="{FAA26D3D-D897-4be2-8F04-BA451C77F1D7}">
-              <ma14:placeholderFlag xmlns="" xmlns:ma14="http://schemas.microsoft.com/office/mac/drawingml/2011/main" val="1"/>
+              <ma14:placeholderFlag xmlns:ma14="http://schemas.microsoft.com/office/mac/drawingml/2011/main" xmlns="" val="1"/>
             </a:ext>
           </a:extLst>
         </p:spPr>
@@ -16242,14 +17022,14 @@
           </a:ln>
           <a:extLst>
             <a:ext uri="{909E8E84-426E-40dd-AFC4-6F175D3DCCD1}">
-              <a14:hiddenFill xmlns="" xmlns:a14="http://schemas.microsoft.com/office/drawing/2010/main">
+              <a14:hiddenFill xmlns:a14="http://schemas.microsoft.com/office/drawing/2010/main" xmlns="">
                 <a:solidFill>
                   <a:srgbClr val="FFFFFF"/>
                 </a:solidFill>
               </a14:hiddenFill>
             </a:ext>
             <a:ext uri="{91240B29-F687-4f45-9708-019B960494DF}">
-              <a14:hiddenLine xmlns="" xmlns:a14="http://schemas.microsoft.com/office/drawing/2010/main" w="9525">
+              <a14:hiddenLine xmlns:a14="http://schemas.microsoft.com/office/drawing/2010/main" xmlns="" w="9525">
                 <a:solidFill>
                   <a:srgbClr val="000000"/>
                 </a:solidFill>
@@ -16259,7 +17039,7 @@
               </a14:hiddenLine>
             </a:ext>
             <a:ext uri="{FAA26D3D-D897-4be2-8F04-BA451C77F1D7}">
-              <ma14:placeholderFlag xmlns="" xmlns:ma14="http://schemas.microsoft.com/office/mac/drawingml/2011/main" val="1"/>
+              <ma14:placeholderFlag xmlns:ma14="http://schemas.microsoft.com/office/mac/drawingml/2011/main" xmlns="" val="1"/>
             </a:ext>
           </a:extLst>
         </p:spPr>
@@ -16358,7 +17138,7 @@
               <a:pPr>
                 <a:defRPr/>
               </a:pPr>
-              <a:t>1/4/2025</a:t>
+              <a:t>1/5/2025</a:t>
             </a:fld>
             <a:endParaRPr lang="en-US" dirty="0"/>
           </a:p>
@@ -19061,7 +19841,7 @@
           <p:nvPr/>
         </p:nvPicPr>
         <p:blipFill>
-          <a:blip r:embed="rId2">
+          <a:blip r:embed="rId3">
             <a:extLst>
               <a:ext uri="{28A0092B-C50C-407E-A947-70E740481C1C}">
                 <a14:useLocalDpi xmlns:a14="http://schemas.microsoft.com/office/drawing/2010/main" val="0"/>
@@ -23879,97 +24659,10 @@
   <p:cSld>
     <p:spTree>
       <p:nvGrpSpPr>
-        <p:cNvPr id="1" name=""/>
-        <p:cNvGrpSpPr/>
-        <p:nvPr/>
-      </p:nvGrpSpPr>
-      <p:grpSpPr>
-        <a:xfrm>
-          <a:off x="0" y="0"/>
-          <a:ext cx="0" cy="0"/>
-          <a:chOff x="0" y="0"/>
-          <a:chExt cx="0" cy="0"/>
-        </a:xfrm>
-      </p:grpSpPr>
-      <p:sp>
-        <p:nvSpPr>
-          <p:cNvPr id="2" name="Title 1">
-            <a:extLst>
-              <a:ext uri="{FF2B5EF4-FFF2-40B4-BE49-F238E27FC236}">
-                <a16:creationId xmlns:a16="http://schemas.microsoft.com/office/drawing/2014/main" id="{F103C0B2-B5E7-8470-7B49-B7D9ADA7CCBF}"/>
-              </a:ext>
-            </a:extLst>
-          </p:cNvPr>
-          <p:cNvSpPr>
-            <a:spLocks noGrp="1"/>
-          </p:cNvSpPr>
-          <p:nvPr>
-            <p:ph type="title"/>
-          </p:nvPr>
-        </p:nvSpPr>
-        <p:spPr/>
-        <p:txBody>
-          <a:bodyPr/>
-          <a:lstStyle/>
-          <a:p>
-            <a:pPr algn="l"/>
-            <a:r>
-              <a:rPr lang="en-US" dirty="0"/>
-              <a:t>Example 1: NFL field goal attempts</a:t>
-            </a:r>
-          </a:p>
-        </p:txBody>
-      </p:sp>
-      <p:sp>
-        <p:nvSpPr>
-          <p:cNvPr id="3" name="Content Placeholder 2">
-            <a:extLst>
-              <a:ext uri="{FF2B5EF4-FFF2-40B4-BE49-F238E27FC236}">
-                <a16:creationId xmlns:a16="http://schemas.microsoft.com/office/drawing/2014/main" id="{B8EB9AF8-28B0-7343-5437-7F20DA88AF37}"/>
-              </a:ext>
-            </a:extLst>
-          </p:cNvPr>
-          <p:cNvSpPr>
-            <a:spLocks noGrp="1"/>
-          </p:cNvSpPr>
-          <p:nvPr>
-            <p:ph idx="1"/>
-          </p:nvPr>
-        </p:nvSpPr>
-        <p:spPr/>
-        <p:txBody>
-          <a:bodyPr/>
-          <a:lstStyle/>
-          <a:p>
-            <a:pPr marL="0" indent="0">
-              <a:buNone/>
-            </a:pPr>
-            <a:endParaRPr lang="en-US" dirty="0"/>
-          </a:p>
-        </p:txBody>
-      </p:sp>
-    </p:spTree>
-    <p:extLst>
-      <p:ext uri="{BB962C8B-B14F-4D97-AF65-F5344CB8AC3E}">
-        <p14:creationId xmlns:p14="http://schemas.microsoft.com/office/powerpoint/2010/main" val="3753935443"/>
-      </p:ext>
-    </p:extLst>
-  </p:cSld>
-  <p:clrMapOvr>
-    <a:masterClrMapping/>
-  </p:clrMapOvr>
-</p:sld>
-</file>
-
-<file path=ppt/slides/slide59.xml><?xml version="1.0" encoding="utf-8"?>
-<p:sld xmlns:a="http://schemas.openxmlformats.org/drawingml/2006/main" xmlns:r="http://schemas.openxmlformats.org/officeDocument/2006/relationships" xmlns:p="http://schemas.openxmlformats.org/presentationml/2006/main">
-  <p:cSld>
-    <p:spTree>
-      <p:nvGrpSpPr>
         <p:cNvPr id="1" name="">
           <a:extLst>
             <a:ext uri="{FF2B5EF4-FFF2-40B4-BE49-F238E27FC236}">
-              <a16:creationId xmlns:a16="http://schemas.microsoft.com/office/drawing/2014/main" id="{FDB554AC-A079-4738-9A52-60BF8D2084E8}"/>
+              <a16:creationId xmlns:a16="http://schemas.microsoft.com/office/drawing/2014/main" id="{3FC39C6E-889F-253A-22BD-6AD7F700150F}"/>
             </a:ext>
           </a:extLst>
         </p:cNvPr>
@@ -23989,7 +24682,7 @@
           <p:cNvPr id="2" name="Title 1">
             <a:extLst>
               <a:ext uri="{FF2B5EF4-FFF2-40B4-BE49-F238E27FC236}">
-                <a16:creationId xmlns:a16="http://schemas.microsoft.com/office/drawing/2014/main" id="{3C22C43D-5E9C-3592-7A92-4DDFD8A9C1D8}"/>
+                <a16:creationId xmlns:a16="http://schemas.microsoft.com/office/drawing/2014/main" id="{E183D448-DFE0-1C48-A64F-393DBC199AB2}"/>
               </a:ext>
             </a:extLst>
           </p:cNvPr>
@@ -24008,45 +24701,166 @@
             <a:pPr algn="l"/>
             <a:r>
               <a:rPr lang="en-US" dirty="0"/>
-              <a:t>Example 1: NFL field goal attempts</a:t>
+              <a:t>K-Nearest Neighbors Explained</a:t>
             </a:r>
           </a:p>
         </p:txBody>
       </p:sp>
-      <p:pic>
-        <p:nvPicPr>
-          <p:cNvPr id="8" name="Picture 7">
+      <p:sp>
+        <p:nvSpPr>
+          <p:cNvPr id="3" name="Content Placeholder 2">
             <a:extLst>
               <a:ext uri="{FF2B5EF4-FFF2-40B4-BE49-F238E27FC236}">
-                <a16:creationId xmlns:a16="http://schemas.microsoft.com/office/drawing/2014/main" id="{EC6EE1F6-29FC-1B60-DA49-84D91856AF06}"/>
+                <a16:creationId xmlns:a16="http://schemas.microsoft.com/office/drawing/2014/main" id="{5CDCD9C3-5114-C0AF-605F-A823E177DFE1}"/>
               </a:ext>
             </a:extLst>
           </p:cNvPr>
-          <p:cNvPicPr>
-            <a:picLocks noChangeAspect="1"/>
-          </p:cNvPicPr>
-          <p:nvPr/>
-        </p:nvPicPr>
-        <p:blipFill>
-          <a:blip r:embed="rId2"/>
-          <a:stretch>
-            <a:fillRect/>
-          </a:stretch>
-        </p:blipFill>
+          <p:cNvSpPr>
+            <a:spLocks noGrp="1"/>
+          </p:cNvSpPr>
+          <p:nvPr>
+            <p:ph idx="1"/>
+          </p:nvPr>
+        </p:nvSpPr>
         <p:spPr>
           <a:xfrm>
-            <a:off x="1" y="1469513"/>
-            <a:ext cx="7707086" cy="3673987"/>
+            <a:off x="457200" y="1476375"/>
+            <a:ext cx="8229600" cy="3219912"/>
           </a:xfrm>
-          <a:prstGeom prst="rect">
-            <a:avLst/>
-          </a:prstGeom>
         </p:spPr>
-      </p:pic>
+        <p:txBody>
+          <a:bodyPr/>
+          <a:lstStyle/>
+          <a:p>
+            <a:r>
+              <a:rPr lang="en-US" dirty="0"/>
+              <a:t>KNN: “majority voting approach”</a:t>
+            </a:r>
+          </a:p>
+        </p:txBody>
+      </p:sp>
     </p:spTree>
     <p:extLst>
       <p:ext uri="{BB962C8B-B14F-4D97-AF65-F5344CB8AC3E}">
-        <p14:creationId xmlns:p14="http://schemas.microsoft.com/office/powerpoint/2010/main" val="3248761571"/>
+        <p14:creationId xmlns:p14="http://schemas.microsoft.com/office/powerpoint/2010/main" val="2597847957"/>
+      </p:ext>
+    </p:extLst>
+  </p:cSld>
+  <p:clrMapOvr>
+    <a:masterClrMapping/>
+  </p:clrMapOvr>
+</p:sld>
+</file>
+
+<file path=ppt/slides/slide59.xml><?xml version="1.0" encoding="utf-8"?>
+<p:sld xmlns:a="http://schemas.openxmlformats.org/drawingml/2006/main" xmlns:r="http://schemas.openxmlformats.org/officeDocument/2006/relationships" xmlns:p="http://schemas.openxmlformats.org/presentationml/2006/main">
+  <p:cSld>
+    <p:spTree>
+      <p:nvGrpSpPr>
+        <p:cNvPr id="1" name="">
+          <a:extLst>
+            <a:ext uri="{FF2B5EF4-FFF2-40B4-BE49-F238E27FC236}">
+              <a16:creationId xmlns:a16="http://schemas.microsoft.com/office/drawing/2014/main" id="{D09C6EB7-2047-B7C0-983C-4C8D0A5659D8}"/>
+            </a:ext>
+          </a:extLst>
+        </p:cNvPr>
+        <p:cNvGrpSpPr/>
+        <p:nvPr/>
+      </p:nvGrpSpPr>
+      <p:grpSpPr>
+        <a:xfrm>
+          <a:off x="0" y="0"/>
+          <a:ext cx="0" cy="0"/>
+          <a:chOff x="0" y="0"/>
+          <a:chExt cx="0" cy="0"/>
+        </a:xfrm>
+      </p:grpSpPr>
+      <p:sp>
+        <p:nvSpPr>
+          <p:cNvPr id="2" name="Title 1">
+            <a:extLst>
+              <a:ext uri="{FF2B5EF4-FFF2-40B4-BE49-F238E27FC236}">
+                <a16:creationId xmlns:a16="http://schemas.microsoft.com/office/drawing/2014/main" id="{5F55B98D-D605-5684-ED27-5D604C4BADA6}"/>
+              </a:ext>
+            </a:extLst>
+          </p:cNvPr>
+          <p:cNvSpPr>
+            <a:spLocks noGrp="1"/>
+          </p:cNvSpPr>
+          <p:nvPr>
+            <p:ph type="title"/>
+          </p:nvPr>
+        </p:nvSpPr>
+        <p:spPr/>
+        <p:txBody>
+          <a:bodyPr/>
+          <a:lstStyle/>
+          <a:p>
+            <a:pPr algn="l"/>
+            <a:r>
+              <a:rPr lang="en-US" dirty="0"/>
+              <a:t>K-Nearest Neighbors Explained</a:t>
+            </a:r>
+          </a:p>
+        </p:txBody>
+      </p:sp>
+      <p:sp>
+        <p:nvSpPr>
+          <p:cNvPr id="3" name="Content Placeholder 2">
+            <a:extLst>
+              <a:ext uri="{FF2B5EF4-FFF2-40B4-BE49-F238E27FC236}">
+                <a16:creationId xmlns:a16="http://schemas.microsoft.com/office/drawing/2014/main" id="{7422DDBE-6142-8F01-B17E-3C2728BE69F3}"/>
+              </a:ext>
+            </a:extLst>
+          </p:cNvPr>
+          <p:cNvSpPr>
+            <a:spLocks noGrp="1"/>
+          </p:cNvSpPr>
+          <p:nvPr>
+            <p:ph idx="1"/>
+          </p:nvPr>
+        </p:nvSpPr>
+        <p:spPr>
+          <a:xfrm>
+            <a:off x="457200" y="1476375"/>
+            <a:ext cx="8229600" cy="3219912"/>
+          </a:xfrm>
+        </p:spPr>
+        <p:txBody>
+          <a:bodyPr/>
+          <a:lstStyle/>
+          <a:p>
+            <a:r>
+              <a:rPr lang="en-US" dirty="0"/>
+              <a:t>KNN: “majority voting approach”</a:t>
+            </a:r>
+          </a:p>
+          <a:p>
+            <a:pPr lvl="1"/>
+            <a:r>
+              <a:rPr lang="en-US" sz="1800" i="1" dirty="0"/>
+              <a:t>Step 1: find the </a:t>
+            </a:r>
+            <a:r>
+              <a:rPr lang="en-US" sz="1800" b="1" i="1" dirty="0"/>
+              <a:t>k </a:t>
+            </a:r>
+            <a:r>
+              <a:rPr lang="en-US" sz="1800" i="1" dirty="0"/>
+              <a:t>observations closest to the new point </a:t>
+            </a:r>
+            <a:r>
+              <a:rPr lang="en-US" sz="1800" b="1" i="1" dirty="0"/>
+              <a:t>x</a:t>
+            </a:r>
+            <a:endParaRPr lang="en-US" sz="1800" i="1" dirty="0"/>
+          </a:p>
+        </p:txBody>
+      </p:sp>
+    </p:spTree>
+    <p:extLst>
+      <p:ext uri="{BB962C8B-B14F-4D97-AF65-F5344CB8AC3E}">
+        <p14:creationId xmlns:p14="http://schemas.microsoft.com/office/powerpoint/2010/main" val="2372013364"/>
       </p:ext>
     </p:extLst>
   </p:cSld>
@@ -24198,6 +25012,1438 @@
         <p:cNvPr id="1" name="">
           <a:extLst>
             <a:ext uri="{FF2B5EF4-FFF2-40B4-BE49-F238E27FC236}">
+              <a16:creationId xmlns:a16="http://schemas.microsoft.com/office/drawing/2014/main" id="{B108FB50-0D17-AB61-B8A7-414F4C158EA5}"/>
+            </a:ext>
+          </a:extLst>
+        </p:cNvPr>
+        <p:cNvGrpSpPr/>
+        <p:nvPr/>
+      </p:nvGrpSpPr>
+      <p:grpSpPr>
+        <a:xfrm>
+          <a:off x="0" y="0"/>
+          <a:ext cx="0" cy="0"/>
+          <a:chOff x="0" y="0"/>
+          <a:chExt cx="0" cy="0"/>
+        </a:xfrm>
+      </p:grpSpPr>
+      <p:sp>
+        <p:nvSpPr>
+          <p:cNvPr id="2" name="Title 1">
+            <a:extLst>
+              <a:ext uri="{FF2B5EF4-FFF2-40B4-BE49-F238E27FC236}">
+                <a16:creationId xmlns:a16="http://schemas.microsoft.com/office/drawing/2014/main" id="{DCF5A1D3-5395-8B96-1425-8FFB08DEFF72}"/>
+              </a:ext>
+            </a:extLst>
+          </p:cNvPr>
+          <p:cNvSpPr>
+            <a:spLocks noGrp="1"/>
+          </p:cNvSpPr>
+          <p:nvPr>
+            <p:ph type="title"/>
+          </p:nvPr>
+        </p:nvSpPr>
+        <p:spPr/>
+        <p:txBody>
+          <a:bodyPr/>
+          <a:lstStyle/>
+          <a:p>
+            <a:pPr algn="l"/>
+            <a:r>
+              <a:rPr lang="en-US" dirty="0"/>
+              <a:t>K-Nearest Neighbors Explained</a:t>
+            </a:r>
+          </a:p>
+        </p:txBody>
+      </p:sp>
+      <p:sp>
+        <p:nvSpPr>
+          <p:cNvPr id="3" name="Content Placeholder 2">
+            <a:extLst>
+              <a:ext uri="{FF2B5EF4-FFF2-40B4-BE49-F238E27FC236}">
+                <a16:creationId xmlns:a16="http://schemas.microsoft.com/office/drawing/2014/main" id="{0EC9A167-FEC5-5BD9-F9DF-DFC761CF10FB}"/>
+              </a:ext>
+            </a:extLst>
+          </p:cNvPr>
+          <p:cNvSpPr>
+            <a:spLocks noGrp="1"/>
+          </p:cNvSpPr>
+          <p:nvPr>
+            <p:ph idx="1"/>
+          </p:nvPr>
+        </p:nvSpPr>
+        <p:spPr>
+          <a:xfrm>
+            <a:off x="457200" y="1476375"/>
+            <a:ext cx="8229600" cy="3219912"/>
+          </a:xfrm>
+        </p:spPr>
+        <p:txBody>
+          <a:bodyPr/>
+          <a:lstStyle/>
+          <a:p>
+            <a:r>
+              <a:rPr lang="en-US" dirty="0"/>
+              <a:t>KNN: “majority voting approach”</a:t>
+            </a:r>
+          </a:p>
+          <a:p>
+            <a:pPr lvl="1"/>
+            <a:r>
+              <a:rPr lang="en-US" sz="1800" i="1" dirty="0"/>
+              <a:t>Step 1: find the </a:t>
+            </a:r>
+            <a:r>
+              <a:rPr lang="en-US" sz="1800" b="1" i="1" dirty="0"/>
+              <a:t>k </a:t>
+            </a:r>
+            <a:r>
+              <a:rPr lang="en-US" sz="1800" i="1" dirty="0"/>
+              <a:t>observations closest to the new point </a:t>
+            </a:r>
+            <a:r>
+              <a:rPr lang="en-US" sz="1800" b="1" i="1" dirty="0"/>
+              <a:t>x</a:t>
+            </a:r>
+          </a:p>
+          <a:p>
+            <a:pPr marL="457200" lvl="1" indent="0">
+              <a:buNone/>
+            </a:pPr>
+            <a:endParaRPr lang="en-US" sz="1800" b="1" i="1" dirty="0"/>
+          </a:p>
+          <a:p>
+            <a:pPr lvl="1"/>
+            <a:r>
+              <a:rPr lang="en-US" sz="1800" i="1" dirty="0"/>
+              <a:t>Step 2: determine the most common response from those </a:t>
+            </a:r>
+            <a:r>
+              <a:rPr lang="en-US" sz="1800" b="1" i="1" dirty="0"/>
+              <a:t>k </a:t>
+            </a:r>
+            <a:r>
+              <a:rPr lang="en-US" sz="1800" i="1" dirty="0"/>
+              <a:t>observations closest to </a:t>
+            </a:r>
+            <a:r>
+              <a:rPr lang="en-US" sz="1800" b="1" i="1" dirty="0"/>
+              <a:t>x</a:t>
+            </a:r>
+            <a:endParaRPr lang="en-US" sz="1800" i="1" dirty="0"/>
+          </a:p>
+        </p:txBody>
+      </p:sp>
+    </p:spTree>
+    <p:extLst>
+      <p:ext uri="{BB962C8B-B14F-4D97-AF65-F5344CB8AC3E}">
+        <p14:creationId xmlns:p14="http://schemas.microsoft.com/office/powerpoint/2010/main" val="53646025"/>
+      </p:ext>
+    </p:extLst>
+  </p:cSld>
+  <p:clrMapOvr>
+    <a:masterClrMapping/>
+  </p:clrMapOvr>
+</p:sld>
+</file>
+
+<file path=ppt/slides/slide61.xml><?xml version="1.0" encoding="utf-8"?>
+<p:sld xmlns:a="http://schemas.openxmlformats.org/drawingml/2006/main" xmlns:r="http://schemas.openxmlformats.org/officeDocument/2006/relationships" xmlns:p="http://schemas.openxmlformats.org/presentationml/2006/main">
+  <p:cSld>
+    <p:spTree>
+      <p:nvGrpSpPr>
+        <p:cNvPr id="1" name="">
+          <a:extLst>
+            <a:ext uri="{FF2B5EF4-FFF2-40B4-BE49-F238E27FC236}">
+              <a16:creationId xmlns:a16="http://schemas.microsoft.com/office/drawing/2014/main" id="{62B2ABE3-C273-E1E1-7767-2A1873011638}"/>
+            </a:ext>
+          </a:extLst>
+        </p:cNvPr>
+        <p:cNvGrpSpPr/>
+        <p:nvPr/>
+      </p:nvGrpSpPr>
+      <p:grpSpPr>
+        <a:xfrm>
+          <a:off x="0" y="0"/>
+          <a:ext cx="0" cy="0"/>
+          <a:chOff x="0" y="0"/>
+          <a:chExt cx="0" cy="0"/>
+        </a:xfrm>
+      </p:grpSpPr>
+      <p:sp>
+        <p:nvSpPr>
+          <p:cNvPr id="2" name="Title 1">
+            <a:extLst>
+              <a:ext uri="{FF2B5EF4-FFF2-40B4-BE49-F238E27FC236}">
+                <a16:creationId xmlns:a16="http://schemas.microsoft.com/office/drawing/2014/main" id="{3D90E693-517F-C956-9382-CD0E150803E2}"/>
+              </a:ext>
+            </a:extLst>
+          </p:cNvPr>
+          <p:cNvSpPr>
+            <a:spLocks noGrp="1"/>
+          </p:cNvSpPr>
+          <p:nvPr>
+            <p:ph type="title"/>
+          </p:nvPr>
+        </p:nvSpPr>
+        <p:spPr/>
+        <p:txBody>
+          <a:bodyPr/>
+          <a:lstStyle/>
+          <a:p>
+            <a:pPr algn="l"/>
+            <a:r>
+              <a:rPr lang="en-US" dirty="0"/>
+              <a:t>K-Nearest Neighbors Explained</a:t>
+            </a:r>
+          </a:p>
+        </p:txBody>
+      </p:sp>
+      <p:sp>
+        <p:nvSpPr>
+          <p:cNvPr id="3" name="Content Placeholder 2">
+            <a:extLst>
+              <a:ext uri="{FF2B5EF4-FFF2-40B4-BE49-F238E27FC236}">
+                <a16:creationId xmlns:a16="http://schemas.microsoft.com/office/drawing/2014/main" id="{B7C5E6BC-5EF2-326E-2E12-CDE77E0E16FA}"/>
+              </a:ext>
+            </a:extLst>
+          </p:cNvPr>
+          <p:cNvSpPr>
+            <a:spLocks noGrp="1"/>
+          </p:cNvSpPr>
+          <p:nvPr>
+            <p:ph idx="1"/>
+          </p:nvPr>
+        </p:nvSpPr>
+        <p:spPr>
+          <a:xfrm>
+            <a:off x="457200" y="1476375"/>
+            <a:ext cx="8229600" cy="3219912"/>
+          </a:xfrm>
+        </p:spPr>
+        <p:txBody>
+          <a:bodyPr/>
+          <a:lstStyle/>
+          <a:p>
+            <a:r>
+              <a:rPr lang="en-US" dirty="0"/>
+              <a:t>KNN: “majority voting approach”</a:t>
+            </a:r>
+          </a:p>
+          <a:p>
+            <a:pPr lvl="1"/>
+            <a:r>
+              <a:rPr lang="en-US" sz="1800" i="1" dirty="0"/>
+              <a:t>Step 1: find the </a:t>
+            </a:r>
+            <a:r>
+              <a:rPr lang="en-US" sz="1800" b="1" i="1" dirty="0"/>
+              <a:t>k </a:t>
+            </a:r>
+            <a:r>
+              <a:rPr lang="en-US" sz="1800" i="1" dirty="0"/>
+              <a:t>observations closest to the new point </a:t>
+            </a:r>
+            <a:r>
+              <a:rPr lang="en-US" sz="1800" b="1" i="1" dirty="0"/>
+              <a:t>x</a:t>
+            </a:r>
+          </a:p>
+          <a:p>
+            <a:pPr marL="457200" lvl="1" indent="0">
+              <a:buNone/>
+            </a:pPr>
+            <a:endParaRPr lang="en-US" sz="1800" b="1" i="1" dirty="0"/>
+          </a:p>
+          <a:p>
+            <a:pPr lvl="1"/>
+            <a:r>
+              <a:rPr lang="en-US" sz="1800" i="1" dirty="0"/>
+              <a:t>Step 2: determine the most common response from those </a:t>
+            </a:r>
+            <a:r>
+              <a:rPr lang="en-US" sz="1800" b="1" i="1" dirty="0"/>
+              <a:t>k </a:t>
+            </a:r>
+            <a:r>
+              <a:rPr lang="en-US" sz="1800" i="1" dirty="0"/>
+              <a:t>observations closest to </a:t>
+            </a:r>
+            <a:r>
+              <a:rPr lang="en-US" sz="1800" b="1" i="1" dirty="0"/>
+              <a:t>x</a:t>
+            </a:r>
+          </a:p>
+          <a:p>
+            <a:pPr marL="457200" lvl="1" indent="0">
+              <a:buNone/>
+            </a:pPr>
+            <a:endParaRPr lang="en-US" sz="1800" i="1" dirty="0"/>
+          </a:p>
+          <a:p>
+            <a:pPr lvl="1"/>
+            <a:r>
+              <a:rPr lang="en-US" sz="1800" i="1" dirty="0"/>
+              <a:t>Step 3: assign most common response from those </a:t>
+            </a:r>
+            <a:r>
+              <a:rPr lang="en-US" sz="1800" b="1" i="1" dirty="0"/>
+              <a:t>k </a:t>
+            </a:r>
+            <a:r>
+              <a:rPr lang="en-US" sz="1800" i="1" dirty="0"/>
+              <a:t>observations to the new point </a:t>
+            </a:r>
+            <a:r>
+              <a:rPr lang="en-US" sz="1800" b="1" i="1" dirty="0"/>
+              <a:t>x </a:t>
+            </a:r>
+          </a:p>
+          <a:p>
+            <a:pPr lvl="2"/>
+            <a:r>
+              <a:rPr lang="en-US" sz="1200" dirty="0"/>
+              <a:t>In other words, the prediction for </a:t>
+            </a:r>
+            <a:r>
+              <a:rPr lang="en-US" sz="1200" b="1" dirty="0"/>
+              <a:t>x </a:t>
+            </a:r>
+            <a:r>
+              <a:rPr lang="en-US" sz="1200" dirty="0"/>
+              <a:t>is the “majority vote” of the points closest to x</a:t>
+            </a:r>
+          </a:p>
+        </p:txBody>
+      </p:sp>
+    </p:spTree>
+    <p:extLst>
+      <p:ext uri="{BB962C8B-B14F-4D97-AF65-F5344CB8AC3E}">
+        <p14:creationId xmlns:p14="http://schemas.microsoft.com/office/powerpoint/2010/main" val="2288729008"/>
+      </p:ext>
+    </p:extLst>
+  </p:cSld>
+  <p:clrMapOvr>
+    <a:masterClrMapping/>
+  </p:clrMapOvr>
+</p:sld>
+</file>
+
+<file path=ppt/slides/slide62.xml><?xml version="1.0" encoding="utf-8"?>
+<p:sld xmlns:a="http://schemas.openxmlformats.org/drawingml/2006/main" xmlns:r="http://schemas.openxmlformats.org/officeDocument/2006/relationships" xmlns:p="http://schemas.openxmlformats.org/presentationml/2006/main">
+  <p:cSld>
+    <p:spTree>
+      <p:nvGrpSpPr>
+        <p:cNvPr id="1" name="">
+          <a:extLst>
+            <a:ext uri="{FF2B5EF4-FFF2-40B4-BE49-F238E27FC236}">
+              <a16:creationId xmlns:a16="http://schemas.microsoft.com/office/drawing/2014/main" id="{3939B8D5-32A7-9989-7BB2-2B17595B7B94}"/>
+            </a:ext>
+          </a:extLst>
+        </p:cNvPr>
+        <p:cNvGrpSpPr/>
+        <p:nvPr/>
+      </p:nvGrpSpPr>
+      <p:grpSpPr>
+        <a:xfrm>
+          <a:off x="0" y="0"/>
+          <a:ext cx="0" cy="0"/>
+          <a:chOff x="0" y="0"/>
+          <a:chExt cx="0" cy="0"/>
+        </a:xfrm>
+      </p:grpSpPr>
+      <p:sp>
+        <p:nvSpPr>
+          <p:cNvPr id="2" name="Title 1">
+            <a:extLst>
+              <a:ext uri="{FF2B5EF4-FFF2-40B4-BE49-F238E27FC236}">
+                <a16:creationId xmlns:a16="http://schemas.microsoft.com/office/drawing/2014/main" id="{64CEA454-A806-DBD0-8F10-7D8995854732}"/>
+              </a:ext>
+            </a:extLst>
+          </p:cNvPr>
+          <p:cNvSpPr>
+            <a:spLocks noGrp="1"/>
+          </p:cNvSpPr>
+          <p:nvPr>
+            <p:ph type="title"/>
+          </p:nvPr>
+        </p:nvSpPr>
+        <p:spPr/>
+        <p:txBody>
+          <a:bodyPr/>
+          <a:lstStyle/>
+          <a:p>
+            <a:pPr algn="l"/>
+            <a:r>
+              <a:rPr lang="en-US" dirty="0"/>
+              <a:t>K-Nearest Neighbors Explained</a:t>
+            </a:r>
+          </a:p>
+        </p:txBody>
+      </p:sp>
+      <p:pic>
+        <p:nvPicPr>
+          <p:cNvPr id="1026" name="Picture 2" descr="K-Nearest Neighbor(KNN) Algorithm for Machine Learning">
+            <a:extLst>
+              <a:ext uri="{FF2B5EF4-FFF2-40B4-BE49-F238E27FC236}">
+                <a16:creationId xmlns:a16="http://schemas.microsoft.com/office/drawing/2014/main" id="{39DC8FC2-661C-8899-5E22-86F2A0905D10}"/>
+              </a:ext>
+            </a:extLst>
+          </p:cNvPr>
+          <p:cNvPicPr>
+            <a:picLocks noChangeAspect="1" noChangeArrowheads="1"/>
+          </p:cNvPicPr>
+          <p:nvPr/>
+        </p:nvPicPr>
+        <p:blipFill rotWithShape="1">
+          <a:blip r:embed="rId2">
+            <a:extLst>
+              <a:ext uri="{28A0092B-C50C-407E-A947-70E740481C1C}">
+                <a14:useLocalDpi xmlns:a14="http://schemas.microsoft.com/office/drawing/2010/main" val="0"/>
+              </a:ext>
+            </a:extLst>
+          </a:blip>
+          <a:srcRect r="48333"/>
+          <a:stretch/>
+        </p:blipFill>
+        <p:spPr bwMode="auto">
+          <a:xfrm>
+            <a:off x="0" y="1476375"/>
+            <a:ext cx="3543300" cy="3429000"/>
+          </a:xfrm>
+          <a:prstGeom prst="rect">
+            <a:avLst/>
+          </a:prstGeom>
+          <a:noFill/>
+          <a:ln>
+            <a:solidFill>
+              <a:schemeClr val="bg1"/>
+            </a:solidFill>
+          </a:ln>
+          <a:extLst>
+            <a:ext uri="{909E8E84-426E-40DD-AFC4-6F175D3DCCD1}">
+              <a14:hiddenFill xmlns:a14="http://schemas.microsoft.com/office/drawing/2010/main">
+                <a:solidFill>
+                  <a:srgbClr val="FFFFFF"/>
+                </a:solidFill>
+              </a14:hiddenFill>
+            </a:ext>
+          </a:extLst>
+        </p:spPr>
+      </p:pic>
+      <p:sp>
+        <p:nvSpPr>
+          <p:cNvPr id="6" name="TextBox 5">
+            <a:extLst>
+              <a:ext uri="{FF2B5EF4-FFF2-40B4-BE49-F238E27FC236}">
+                <a16:creationId xmlns:a16="http://schemas.microsoft.com/office/drawing/2014/main" id="{F21E9A7B-463E-83AC-7B55-70783A65AF93}"/>
+              </a:ext>
+            </a:extLst>
+          </p:cNvPr>
+          <p:cNvSpPr txBox="1"/>
+          <p:nvPr/>
+        </p:nvSpPr>
+        <p:spPr>
+          <a:xfrm>
+            <a:off x="2506436" y="3461657"/>
+            <a:ext cx="955221" cy="710293"/>
+          </a:xfrm>
+          <a:prstGeom prst="rect">
+            <a:avLst/>
+          </a:prstGeom>
+          <a:solidFill>
+            <a:schemeClr val="bg1"/>
+          </a:solidFill>
+        </p:spPr>
+        <p:txBody>
+          <a:bodyPr wrap="square" rtlCol="0">
+            <a:spAutoFit/>
+          </a:bodyPr>
+          <a:lstStyle/>
+          <a:p>
+            <a:endParaRPr lang="en-US" dirty="0"/>
+          </a:p>
+        </p:txBody>
+      </p:sp>
+    </p:spTree>
+    <p:extLst>
+      <p:ext uri="{BB962C8B-B14F-4D97-AF65-F5344CB8AC3E}">
+        <p14:creationId xmlns:p14="http://schemas.microsoft.com/office/powerpoint/2010/main" val="1185489136"/>
+      </p:ext>
+    </p:extLst>
+  </p:cSld>
+  <p:clrMapOvr>
+    <a:masterClrMapping/>
+  </p:clrMapOvr>
+</p:sld>
+</file>
+
+<file path=ppt/slides/slide63.xml><?xml version="1.0" encoding="utf-8"?>
+<p:sld xmlns:a="http://schemas.openxmlformats.org/drawingml/2006/main" xmlns:r="http://schemas.openxmlformats.org/officeDocument/2006/relationships" xmlns:p="http://schemas.openxmlformats.org/presentationml/2006/main">
+  <p:cSld>
+    <p:spTree>
+      <p:nvGrpSpPr>
+        <p:cNvPr id="1" name="">
+          <a:extLst>
+            <a:ext uri="{FF2B5EF4-FFF2-40B4-BE49-F238E27FC236}">
+              <a16:creationId xmlns:a16="http://schemas.microsoft.com/office/drawing/2014/main" id="{45434554-E386-7BCA-96CB-28B6D3493749}"/>
+            </a:ext>
+          </a:extLst>
+        </p:cNvPr>
+        <p:cNvGrpSpPr/>
+        <p:nvPr/>
+      </p:nvGrpSpPr>
+      <p:grpSpPr>
+        <a:xfrm>
+          <a:off x="0" y="0"/>
+          <a:ext cx="0" cy="0"/>
+          <a:chOff x="0" y="0"/>
+          <a:chExt cx="0" cy="0"/>
+        </a:xfrm>
+      </p:grpSpPr>
+      <p:sp>
+        <p:nvSpPr>
+          <p:cNvPr id="2" name="Title 1">
+            <a:extLst>
+              <a:ext uri="{FF2B5EF4-FFF2-40B4-BE49-F238E27FC236}">
+                <a16:creationId xmlns:a16="http://schemas.microsoft.com/office/drawing/2014/main" id="{9080DA5B-5BF0-D714-D392-CBF4E39DC91A}"/>
+              </a:ext>
+            </a:extLst>
+          </p:cNvPr>
+          <p:cNvSpPr>
+            <a:spLocks noGrp="1"/>
+          </p:cNvSpPr>
+          <p:nvPr>
+            <p:ph type="title"/>
+          </p:nvPr>
+        </p:nvSpPr>
+        <p:spPr/>
+        <p:txBody>
+          <a:bodyPr/>
+          <a:lstStyle/>
+          <a:p>
+            <a:pPr algn="l"/>
+            <a:r>
+              <a:rPr lang="en-US" dirty="0"/>
+              <a:t>K-Nearest Neighbors Explained</a:t>
+            </a:r>
+          </a:p>
+        </p:txBody>
+      </p:sp>
+      <p:pic>
+        <p:nvPicPr>
+          <p:cNvPr id="1026" name="Picture 2" descr="K-Nearest Neighbor(KNN) Algorithm for Machine Learning">
+            <a:extLst>
+              <a:ext uri="{FF2B5EF4-FFF2-40B4-BE49-F238E27FC236}">
+                <a16:creationId xmlns:a16="http://schemas.microsoft.com/office/drawing/2014/main" id="{373B456B-8F93-2B45-D9A6-F93CC1CD7AA7}"/>
+              </a:ext>
+            </a:extLst>
+          </p:cNvPr>
+          <p:cNvPicPr>
+            <a:picLocks noChangeAspect="1" noChangeArrowheads="1"/>
+          </p:cNvPicPr>
+          <p:nvPr/>
+        </p:nvPicPr>
+        <p:blipFill>
+          <a:blip r:embed="rId3">
+            <a:extLst>
+              <a:ext uri="{28A0092B-C50C-407E-A947-70E740481C1C}">
+                <a14:useLocalDpi xmlns:a14="http://schemas.microsoft.com/office/drawing/2010/main" val="0"/>
+              </a:ext>
+            </a:extLst>
+          </a:blip>
+          <a:srcRect/>
+          <a:stretch>
+            <a:fillRect/>
+          </a:stretch>
+        </p:blipFill>
+        <p:spPr bwMode="auto">
+          <a:xfrm>
+            <a:off x="0" y="1476375"/>
+            <a:ext cx="6858000" cy="3429000"/>
+          </a:xfrm>
+          <a:prstGeom prst="rect">
+            <a:avLst/>
+          </a:prstGeom>
+          <a:noFill/>
+          <a:extLst>
+            <a:ext uri="{909E8E84-426E-40DD-AFC4-6F175D3DCCD1}">
+              <a14:hiddenFill xmlns:a14="http://schemas.microsoft.com/office/drawing/2010/main">
+                <a:solidFill>
+                  <a:srgbClr val="FFFFFF"/>
+                </a:solidFill>
+              </a14:hiddenFill>
+            </a:ext>
+          </a:extLst>
+        </p:spPr>
+      </p:pic>
+      <p:sp>
+        <p:nvSpPr>
+          <p:cNvPr id="3" name="TextBox 2">
+            <a:extLst>
+              <a:ext uri="{FF2B5EF4-FFF2-40B4-BE49-F238E27FC236}">
+                <a16:creationId xmlns:a16="http://schemas.microsoft.com/office/drawing/2014/main" id="{2DE08B81-BED9-C56E-AC80-3C753B5A388B}"/>
+              </a:ext>
+            </a:extLst>
+          </p:cNvPr>
+          <p:cNvSpPr txBox="1"/>
+          <p:nvPr/>
+        </p:nvSpPr>
+        <p:spPr>
+          <a:xfrm>
+            <a:off x="2498271" y="3535136"/>
+            <a:ext cx="1020536" cy="628650"/>
+          </a:xfrm>
+          <a:prstGeom prst="rect">
+            <a:avLst/>
+          </a:prstGeom>
+          <a:solidFill>
+            <a:schemeClr val="bg1"/>
+          </a:solidFill>
+        </p:spPr>
+        <p:txBody>
+          <a:bodyPr wrap="square" rtlCol="0">
+            <a:spAutoFit/>
+          </a:bodyPr>
+          <a:lstStyle/>
+          <a:p>
+            <a:endParaRPr lang="en-US" dirty="0"/>
+          </a:p>
+        </p:txBody>
+      </p:sp>
+      <p:sp>
+        <p:nvSpPr>
+          <p:cNvPr id="4" name="TextBox 3">
+            <a:extLst>
+              <a:ext uri="{FF2B5EF4-FFF2-40B4-BE49-F238E27FC236}">
+                <a16:creationId xmlns:a16="http://schemas.microsoft.com/office/drawing/2014/main" id="{C7CF52AC-D77E-F937-C75E-677448C36CB1}"/>
+              </a:ext>
+            </a:extLst>
+          </p:cNvPr>
+          <p:cNvSpPr txBox="1"/>
+          <p:nvPr/>
+        </p:nvSpPr>
+        <p:spPr>
+          <a:xfrm>
+            <a:off x="6025243" y="3943350"/>
+            <a:ext cx="97971" cy="369332"/>
+          </a:xfrm>
+          <a:prstGeom prst="rect">
+            <a:avLst/>
+          </a:prstGeom>
+          <a:solidFill>
+            <a:schemeClr val="bg1"/>
+          </a:solidFill>
+        </p:spPr>
+        <p:txBody>
+          <a:bodyPr wrap="square" rtlCol="0">
+            <a:spAutoFit/>
+          </a:bodyPr>
+          <a:lstStyle/>
+          <a:p>
+            <a:endParaRPr lang="en-US" dirty="0"/>
+          </a:p>
+        </p:txBody>
+      </p:sp>
+      <p:sp>
+        <p:nvSpPr>
+          <p:cNvPr id="5" name="TextBox 4">
+            <a:extLst>
+              <a:ext uri="{FF2B5EF4-FFF2-40B4-BE49-F238E27FC236}">
+                <a16:creationId xmlns:a16="http://schemas.microsoft.com/office/drawing/2014/main" id="{9C16AE27-68C6-079C-F1C4-D43A1E723118}"/>
+              </a:ext>
+            </a:extLst>
+          </p:cNvPr>
+          <p:cNvSpPr txBox="1"/>
+          <p:nvPr/>
+        </p:nvSpPr>
+        <p:spPr>
+          <a:xfrm>
+            <a:off x="5935434" y="3861707"/>
+            <a:ext cx="465365" cy="338554"/>
+          </a:xfrm>
+          <a:prstGeom prst="rect">
+            <a:avLst/>
+          </a:prstGeom>
+          <a:noFill/>
+        </p:spPr>
+        <p:txBody>
+          <a:bodyPr wrap="square" rtlCol="0">
+            <a:spAutoFit/>
+          </a:bodyPr>
+          <a:lstStyle/>
+          <a:p>
+            <a:r>
+              <a:rPr lang="en-US" sz="1600" dirty="0">
+                <a:solidFill>
+                  <a:srgbClr val="FF0000"/>
+                </a:solidFill>
+              </a:rPr>
+              <a:t>A</a:t>
+            </a:r>
+          </a:p>
+        </p:txBody>
+      </p:sp>
+    </p:spTree>
+    <p:extLst>
+      <p:ext uri="{BB962C8B-B14F-4D97-AF65-F5344CB8AC3E}">
+        <p14:creationId xmlns:p14="http://schemas.microsoft.com/office/powerpoint/2010/main" val="3385912420"/>
+      </p:ext>
+    </p:extLst>
+  </p:cSld>
+  <p:clrMapOvr>
+    <a:masterClrMapping/>
+  </p:clrMapOvr>
+</p:sld>
+</file>
+
+<file path=ppt/slides/slide64.xml><?xml version="1.0" encoding="utf-8"?>
+<p:sld xmlns:a="http://schemas.openxmlformats.org/drawingml/2006/main" xmlns:r="http://schemas.openxmlformats.org/officeDocument/2006/relationships" xmlns:p="http://schemas.openxmlformats.org/presentationml/2006/main">
+  <p:cSld>
+    <p:spTree>
+      <p:nvGrpSpPr>
+        <p:cNvPr id="1" name="">
+          <a:extLst>
+            <a:ext uri="{FF2B5EF4-FFF2-40B4-BE49-F238E27FC236}">
+              <a16:creationId xmlns:a16="http://schemas.microsoft.com/office/drawing/2014/main" id="{EE30F3AA-3B93-AB89-DCBD-59EA9396ADCF}"/>
+            </a:ext>
+          </a:extLst>
+        </p:cNvPr>
+        <p:cNvGrpSpPr/>
+        <p:nvPr/>
+      </p:nvGrpSpPr>
+      <p:grpSpPr>
+        <a:xfrm>
+          <a:off x="0" y="0"/>
+          <a:ext cx="0" cy="0"/>
+          <a:chOff x="0" y="0"/>
+          <a:chExt cx="0" cy="0"/>
+        </a:xfrm>
+      </p:grpSpPr>
+      <p:sp>
+        <p:nvSpPr>
+          <p:cNvPr id="2" name="Title 1">
+            <a:extLst>
+              <a:ext uri="{FF2B5EF4-FFF2-40B4-BE49-F238E27FC236}">
+                <a16:creationId xmlns:a16="http://schemas.microsoft.com/office/drawing/2014/main" id="{A841E15E-1DF8-07E5-C9B5-28DBAAC09758}"/>
+              </a:ext>
+            </a:extLst>
+          </p:cNvPr>
+          <p:cNvSpPr>
+            <a:spLocks noGrp="1"/>
+          </p:cNvSpPr>
+          <p:nvPr>
+            <p:ph type="title"/>
+          </p:nvPr>
+        </p:nvSpPr>
+        <p:spPr/>
+        <p:txBody>
+          <a:bodyPr/>
+          <a:lstStyle/>
+          <a:p>
+            <a:pPr algn="l"/>
+            <a:r>
+              <a:rPr lang="en-US" dirty="0"/>
+              <a:t>K-Nearest Neighbors Explained</a:t>
+            </a:r>
+          </a:p>
+        </p:txBody>
+      </p:sp>
+      <p:pic>
+        <p:nvPicPr>
+          <p:cNvPr id="1026" name="Picture 2" descr="K-Nearest Neighbor(KNN) Algorithm for Machine Learning">
+            <a:extLst>
+              <a:ext uri="{FF2B5EF4-FFF2-40B4-BE49-F238E27FC236}">
+                <a16:creationId xmlns:a16="http://schemas.microsoft.com/office/drawing/2014/main" id="{3BC40CEF-320C-BB6F-1C82-E6437E00F92F}"/>
+              </a:ext>
+            </a:extLst>
+          </p:cNvPr>
+          <p:cNvPicPr>
+            <a:picLocks noChangeAspect="1" noChangeArrowheads="1"/>
+          </p:cNvPicPr>
+          <p:nvPr/>
+        </p:nvPicPr>
+        <p:blipFill>
+          <a:blip r:embed="rId3">
+            <a:extLst>
+              <a:ext uri="{28A0092B-C50C-407E-A947-70E740481C1C}">
+                <a14:useLocalDpi xmlns:a14="http://schemas.microsoft.com/office/drawing/2010/main" val="0"/>
+              </a:ext>
+            </a:extLst>
+          </a:blip>
+          <a:srcRect/>
+          <a:stretch>
+            <a:fillRect/>
+          </a:stretch>
+        </p:blipFill>
+        <p:spPr bwMode="auto">
+          <a:xfrm>
+            <a:off x="0" y="1476375"/>
+            <a:ext cx="6858000" cy="3429000"/>
+          </a:xfrm>
+          <a:prstGeom prst="rect">
+            <a:avLst/>
+          </a:prstGeom>
+          <a:noFill/>
+          <a:extLst>
+            <a:ext uri="{909E8E84-426E-40DD-AFC4-6F175D3DCCD1}">
+              <a14:hiddenFill xmlns:a14="http://schemas.microsoft.com/office/drawing/2010/main">
+                <a:solidFill>
+                  <a:srgbClr val="FFFFFF"/>
+                </a:solidFill>
+              </a14:hiddenFill>
+            </a:ext>
+          </a:extLst>
+        </p:spPr>
+      </p:pic>
+      <p:sp>
+        <p:nvSpPr>
+          <p:cNvPr id="3" name="TextBox 2">
+            <a:extLst>
+              <a:ext uri="{FF2B5EF4-FFF2-40B4-BE49-F238E27FC236}">
+                <a16:creationId xmlns:a16="http://schemas.microsoft.com/office/drawing/2014/main" id="{62CD4081-CD1E-593A-F60E-0C85A295374D}"/>
+              </a:ext>
+            </a:extLst>
+          </p:cNvPr>
+          <p:cNvSpPr txBox="1"/>
+          <p:nvPr/>
+        </p:nvSpPr>
+        <p:spPr>
+          <a:xfrm>
+            <a:off x="2498271" y="3535136"/>
+            <a:ext cx="1020536" cy="628650"/>
+          </a:xfrm>
+          <a:prstGeom prst="rect">
+            <a:avLst/>
+          </a:prstGeom>
+          <a:solidFill>
+            <a:schemeClr val="bg1"/>
+          </a:solidFill>
+        </p:spPr>
+        <p:txBody>
+          <a:bodyPr wrap="square" rtlCol="0">
+            <a:spAutoFit/>
+          </a:bodyPr>
+          <a:lstStyle/>
+          <a:p>
+            <a:endParaRPr lang="en-US" dirty="0"/>
+          </a:p>
+        </p:txBody>
+      </p:sp>
+      <p:sp>
+        <p:nvSpPr>
+          <p:cNvPr id="4" name="TextBox 3">
+            <a:extLst>
+              <a:ext uri="{FF2B5EF4-FFF2-40B4-BE49-F238E27FC236}">
+                <a16:creationId xmlns:a16="http://schemas.microsoft.com/office/drawing/2014/main" id="{C6FEA5A6-9FF3-AED7-2DAB-2698148EA463}"/>
+              </a:ext>
+            </a:extLst>
+          </p:cNvPr>
+          <p:cNvSpPr txBox="1"/>
+          <p:nvPr/>
+        </p:nvSpPr>
+        <p:spPr>
+          <a:xfrm>
+            <a:off x="6025243" y="3943350"/>
+            <a:ext cx="97971" cy="369332"/>
+          </a:xfrm>
+          <a:prstGeom prst="rect">
+            <a:avLst/>
+          </a:prstGeom>
+          <a:solidFill>
+            <a:schemeClr val="bg1"/>
+          </a:solidFill>
+        </p:spPr>
+        <p:txBody>
+          <a:bodyPr wrap="square" rtlCol="0">
+            <a:spAutoFit/>
+          </a:bodyPr>
+          <a:lstStyle/>
+          <a:p>
+            <a:endParaRPr lang="en-US" dirty="0"/>
+          </a:p>
+        </p:txBody>
+      </p:sp>
+      <p:sp>
+        <p:nvSpPr>
+          <p:cNvPr id="5" name="TextBox 4">
+            <a:extLst>
+              <a:ext uri="{FF2B5EF4-FFF2-40B4-BE49-F238E27FC236}">
+                <a16:creationId xmlns:a16="http://schemas.microsoft.com/office/drawing/2014/main" id="{4B95E0DA-B81F-10F1-2795-8360778A3718}"/>
+              </a:ext>
+            </a:extLst>
+          </p:cNvPr>
+          <p:cNvSpPr txBox="1"/>
+          <p:nvPr/>
+        </p:nvSpPr>
+        <p:spPr>
+          <a:xfrm>
+            <a:off x="5935434" y="3861707"/>
+            <a:ext cx="465365" cy="338554"/>
+          </a:xfrm>
+          <a:prstGeom prst="rect">
+            <a:avLst/>
+          </a:prstGeom>
+          <a:noFill/>
+        </p:spPr>
+        <p:txBody>
+          <a:bodyPr wrap="square" rtlCol="0">
+            <a:spAutoFit/>
+          </a:bodyPr>
+          <a:lstStyle/>
+          <a:p>
+            <a:r>
+              <a:rPr lang="en-US" sz="1600" dirty="0">
+                <a:solidFill>
+                  <a:srgbClr val="FF0000"/>
+                </a:solidFill>
+              </a:rPr>
+              <a:t>A</a:t>
+            </a:r>
+          </a:p>
+        </p:txBody>
+      </p:sp>
+      <p:sp>
+        <p:nvSpPr>
+          <p:cNvPr id="6" name="TextBox 5">
+            <a:extLst>
+              <a:ext uri="{FF2B5EF4-FFF2-40B4-BE49-F238E27FC236}">
+                <a16:creationId xmlns:a16="http://schemas.microsoft.com/office/drawing/2014/main" id="{5A581534-1586-F902-2D5D-8712AA3D649F}"/>
+              </a:ext>
+            </a:extLst>
+          </p:cNvPr>
+          <p:cNvSpPr txBox="1"/>
+          <p:nvPr/>
+        </p:nvSpPr>
+        <p:spPr>
+          <a:xfrm>
+            <a:off x="6858000" y="1476375"/>
+            <a:ext cx="2228850" cy="1200329"/>
+          </a:xfrm>
+          <a:prstGeom prst="rect">
+            <a:avLst/>
+          </a:prstGeom>
+          <a:noFill/>
+        </p:spPr>
+        <p:txBody>
+          <a:bodyPr wrap="square" rtlCol="0">
+            <a:spAutoFit/>
+          </a:bodyPr>
+          <a:lstStyle/>
+          <a:p>
+            <a:pPr marL="285750" indent="-285750">
+              <a:buFont typeface="Arial" panose="020B0604020202020204" pitchFamily="34" charset="0"/>
+              <a:buChar char="•"/>
+            </a:pPr>
+            <a:r>
+              <a:rPr lang="en-US" sz="2400" dirty="0"/>
+              <a:t>What does it mean to be “close” to </a:t>
+            </a:r>
+            <a:r>
+              <a:rPr lang="en-US" sz="2400" b="1" dirty="0"/>
+              <a:t>x</a:t>
+            </a:r>
+            <a:r>
+              <a:rPr lang="en-US" sz="2400" dirty="0"/>
+              <a:t>?</a:t>
+            </a:r>
+          </a:p>
+        </p:txBody>
+      </p:sp>
+    </p:spTree>
+    <p:extLst>
+      <p:ext uri="{BB962C8B-B14F-4D97-AF65-F5344CB8AC3E}">
+        <p14:creationId xmlns:p14="http://schemas.microsoft.com/office/powerpoint/2010/main" val="3078689509"/>
+      </p:ext>
+    </p:extLst>
+  </p:cSld>
+  <p:clrMapOvr>
+    <a:masterClrMapping/>
+  </p:clrMapOvr>
+</p:sld>
+</file>
+
+<file path=ppt/slides/slide65.xml><?xml version="1.0" encoding="utf-8"?>
+<p:sld xmlns:a="http://schemas.openxmlformats.org/drawingml/2006/main" xmlns:r="http://schemas.openxmlformats.org/officeDocument/2006/relationships" xmlns:p="http://schemas.openxmlformats.org/presentationml/2006/main">
+  <p:cSld>
+    <p:spTree>
+      <p:nvGrpSpPr>
+        <p:cNvPr id="1" name="">
+          <a:extLst>
+            <a:ext uri="{FF2B5EF4-FFF2-40B4-BE49-F238E27FC236}">
+              <a16:creationId xmlns:a16="http://schemas.microsoft.com/office/drawing/2014/main" id="{0443BC13-26D7-FFA1-C7AB-014BE10839AE}"/>
+            </a:ext>
+          </a:extLst>
+        </p:cNvPr>
+        <p:cNvGrpSpPr/>
+        <p:nvPr/>
+      </p:nvGrpSpPr>
+      <p:grpSpPr>
+        <a:xfrm>
+          <a:off x="0" y="0"/>
+          <a:ext cx="0" cy="0"/>
+          <a:chOff x="0" y="0"/>
+          <a:chExt cx="0" cy="0"/>
+        </a:xfrm>
+      </p:grpSpPr>
+      <p:sp>
+        <p:nvSpPr>
+          <p:cNvPr id="2" name="Title 1">
+            <a:extLst>
+              <a:ext uri="{FF2B5EF4-FFF2-40B4-BE49-F238E27FC236}">
+                <a16:creationId xmlns:a16="http://schemas.microsoft.com/office/drawing/2014/main" id="{9804D82A-A1A3-E6F7-4650-38D319643723}"/>
+              </a:ext>
+            </a:extLst>
+          </p:cNvPr>
+          <p:cNvSpPr>
+            <a:spLocks noGrp="1"/>
+          </p:cNvSpPr>
+          <p:nvPr>
+            <p:ph type="title"/>
+          </p:nvPr>
+        </p:nvSpPr>
+        <p:spPr/>
+        <p:txBody>
+          <a:bodyPr/>
+          <a:lstStyle/>
+          <a:p>
+            <a:pPr algn="l"/>
+            <a:r>
+              <a:rPr lang="en-US" dirty="0"/>
+              <a:t>K-Nearest Neighbors Explained</a:t>
+            </a:r>
+          </a:p>
+        </p:txBody>
+      </p:sp>
+      <p:pic>
+        <p:nvPicPr>
+          <p:cNvPr id="1026" name="Picture 2" descr="K-Nearest Neighbor(KNN) Algorithm for Machine Learning">
+            <a:extLst>
+              <a:ext uri="{FF2B5EF4-FFF2-40B4-BE49-F238E27FC236}">
+                <a16:creationId xmlns:a16="http://schemas.microsoft.com/office/drawing/2014/main" id="{BF0B8F8C-DB55-9F5A-23C5-5892F6B54F3E}"/>
+              </a:ext>
+            </a:extLst>
+          </p:cNvPr>
+          <p:cNvPicPr>
+            <a:picLocks noChangeAspect="1" noChangeArrowheads="1"/>
+          </p:cNvPicPr>
+          <p:nvPr/>
+        </p:nvPicPr>
+        <p:blipFill>
+          <a:blip r:embed="rId3">
+            <a:extLst>
+              <a:ext uri="{28A0092B-C50C-407E-A947-70E740481C1C}">
+                <a14:useLocalDpi xmlns:a14="http://schemas.microsoft.com/office/drawing/2010/main" val="0"/>
+              </a:ext>
+            </a:extLst>
+          </a:blip>
+          <a:srcRect/>
+          <a:stretch>
+            <a:fillRect/>
+          </a:stretch>
+        </p:blipFill>
+        <p:spPr bwMode="auto">
+          <a:xfrm>
+            <a:off x="0" y="1476375"/>
+            <a:ext cx="6858000" cy="3429000"/>
+          </a:xfrm>
+          <a:prstGeom prst="rect">
+            <a:avLst/>
+          </a:prstGeom>
+          <a:noFill/>
+          <a:extLst>
+            <a:ext uri="{909E8E84-426E-40DD-AFC4-6F175D3DCCD1}">
+              <a14:hiddenFill xmlns:a14="http://schemas.microsoft.com/office/drawing/2010/main">
+                <a:solidFill>
+                  <a:srgbClr val="FFFFFF"/>
+                </a:solidFill>
+              </a14:hiddenFill>
+            </a:ext>
+          </a:extLst>
+        </p:spPr>
+      </p:pic>
+      <p:sp>
+        <p:nvSpPr>
+          <p:cNvPr id="3" name="TextBox 2">
+            <a:extLst>
+              <a:ext uri="{FF2B5EF4-FFF2-40B4-BE49-F238E27FC236}">
+                <a16:creationId xmlns:a16="http://schemas.microsoft.com/office/drawing/2014/main" id="{A105F1FE-FB94-2B21-85FD-AB68D0751A0E}"/>
+              </a:ext>
+            </a:extLst>
+          </p:cNvPr>
+          <p:cNvSpPr txBox="1"/>
+          <p:nvPr/>
+        </p:nvSpPr>
+        <p:spPr>
+          <a:xfrm>
+            <a:off x="2498271" y="3535136"/>
+            <a:ext cx="1020536" cy="628650"/>
+          </a:xfrm>
+          <a:prstGeom prst="rect">
+            <a:avLst/>
+          </a:prstGeom>
+          <a:solidFill>
+            <a:schemeClr val="bg1"/>
+          </a:solidFill>
+        </p:spPr>
+        <p:txBody>
+          <a:bodyPr wrap="square" rtlCol="0">
+            <a:spAutoFit/>
+          </a:bodyPr>
+          <a:lstStyle/>
+          <a:p>
+            <a:endParaRPr lang="en-US" dirty="0"/>
+          </a:p>
+        </p:txBody>
+      </p:sp>
+      <p:sp>
+        <p:nvSpPr>
+          <p:cNvPr id="4" name="TextBox 3">
+            <a:extLst>
+              <a:ext uri="{FF2B5EF4-FFF2-40B4-BE49-F238E27FC236}">
+                <a16:creationId xmlns:a16="http://schemas.microsoft.com/office/drawing/2014/main" id="{EDC52C8C-385F-D2CB-C6FD-0D3C8154E6F2}"/>
+              </a:ext>
+            </a:extLst>
+          </p:cNvPr>
+          <p:cNvSpPr txBox="1"/>
+          <p:nvPr/>
+        </p:nvSpPr>
+        <p:spPr>
+          <a:xfrm>
+            <a:off x="6025243" y="3943350"/>
+            <a:ext cx="97971" cy="369332"/>
+          </a:xfrm>
+          <a:prstGeom prst="rect">
+            <a:avLst/>
+          </a:prstGeom>
+          <a:solidFill>
+            <a:schemeClr val="bg1"/>
+          </a:solidFill>
+        </p:spPr>
+        <p:txBody>
+          <a:bodyPr wrap="square" rtlCol="0">
+            <a:spAutoFit/>
+          </a:bodyPr>
+          <a:lstStyle/>
+          <a:p>
+            <a:endParaRPr lang="en-US" dirty="0"/>
+          </a:p>
+        </p:txBody>
+      </p:sp>
+      <p:sp>
+        <p:nvSpPr>
+          <p:cNvPr id="5" name="TextBox 4">
+            <a:extLst>
+              <a:ext uri="{FF2B5EF4-FFF2-40B4-BE49-F238E27FC236}">
+                <a16:creationId xmlns:a16="http://schemas.microsoft.com/office/drawing/2014/main" id="{B00140FE-E676-60F9-C2C5-2ABE82FD7793}"/>
+              </a:ext>
+            </a:extLst>
+          </p:cNvPr>
+          <p:cNvSpPr txBox="1"/>
+          <p:nvPr/>
+        </p:nvSpPr>
+        <p:spPr>
+          <a:xfrm>
+            <a:off x="5935434" y="3861707"/>
+            <a:ext cx="465365" cy="338554"/>
+          </a:xfrm>
+          <a:prstGeom prst="rect">
+            <a:avLst/>
+          </a:prstGeom>
+          <a:noFill/>
+        </p:spPr>
+        <p:txBody>
+          <a:bodyPr wrap="square" rtlCol="0">
+            <a:spAutoFit/>
+          </a:bodyPr>
+          <a:lstStyle/>
+          <a:p>
+            <a:r>
+              <a:rPr lang="en-US" sz="1600" dirty="0">
+                <a:solidFill>
+                  <a:srgbClr val="FF0000"/>
+                </a:solidFill>
+              </a:rPr>
+              <a:t>A</a:t>
+            </a:r>
+          </a:p>
+        </p:txBody>
+      </p:sp>
+      <p:sp>
+        <p:nvSpPr>
+          <p:cNvPr id="6" name="TextBox 5">
+            <a:extLst>
+              <a:ext uri="{FF2B5EF4-FFF2-40B4-BE49-F238E27FC236}">
+                <a16:creationId xmlns:a16="http://schemas.microsoft.com/office/drawing/2014/main" id="{0FD4D4D8-1F07-F269-AA2A-071F33F824E6}"/>
+              </a:ext>
+            </a:extLst>
+          </p:cNvPr>
+          <p:cNvSpPr txBox="1"/>
+          <p:nvPr/>
+        </p:nvSpPr>
+        <p:spPr>
+          <a:xfrm>
+            <a:off x="6858000" y="1476375"/>
+            <a:ext cx="2228850" cy="3046988"/>
+          </a:xfrm>
+          <a:prstGeom prst="rect">
+            <a:avLst/>
+          </a:prstGeom>
+          <a:noFill/>
+        </p:spPr>
+        <p:txBody>
+          <a:bodyPr wrap="square" rtlCol="0">
+            <a:spAutoFit/>
+          </a:bodyPr>
+          <a:lstStyle/>
+          <a:p>
+            <a:pPr marL="285750" indent="-285750">
+              <a:buFont typeface="Arial" panose="020B0604020202020204" pitchFamily="34" charset="0"/>
+              <a:buChar char="•"/>
+            </a:pPr>
+            <a:r>
+              <a:rPr lang="en-US" sz="2400" dirty="0"/>
+              <a:t>What does it mean to be “close” to </a:t>
+            </a:r>
+            <a:r>
+              <a:rPr lang="en-US" sz="2400" b="1" dirty="0"/>
+              <a:t>x</a:t>
+            </a:r>
+            <a:r>
+              <a:rPr lang="en-US" sz="2400" dirty="0"/>
+              <a:t>?</a:t>
+            </a:r>
+          </a:p>
+          <a:p>
+            <a:pPr marL="285750" indent="-285750">
+              <a:buFont typeface="Arial" panose="020B0604020202020204" pitchFamily="34" charset="0"/>
+              <a:buChar char="•"/>
+            </a:pPr>
+            <a:endParaRPr lang="en-US" sz="2400" dirty="0"/>
+          </a:p>
+          <a:p>
+            <a:pPr marL="285750" indent="-285750">
+              <a:buFont typeface="Arial" panose="020B0604020202020204" pitchFamily="34" charset="0"/>
+              <a:buChar char="•"/>
+            </a:pPr>
+            <a:r>
+              <a:rPr lang="en-US" sz="2400" dirty="0"/>
+              <a:t>How many neighbors </a:t>
+            </a:r>
+            <a:r>
+              <a:rPr lang="en-US" sz="2400" b="1" dirty="0"/>
+              <a:t>k </a:t>
+            </a:r>
+            <a:r>
+              <a:rPr lang="en-US" sz="2400" dirty="0"/>
+              <a:t>should we choose?</a:t>
+            </a:r>
+          </a:p>
+        </p:txBody>
+      </p:sp>
+    </p:spTree>
+    <p:extLst>
+      <p:ext uri="{BB962C8B-B14F-4D97-AF65-F5344CB8AC3E}">
+        <p14:creationId xmlns:p14="http://schemas.microsoft.com/office/powerpoint/2010/main" val="1346298762"/>
+      </p:ext>
+    </p:extLst>
+  </p:cSld>
+  <p:clrMapOvr>
+    <a:masterClrMapping/>
+  </p:clrMapOvr>
+</p:sld>
+</file>
+
+<file path=ppt/slides/slide66.xml><?xml version="1.0" encoding="utf-8"?>
+<p:sld xmlns:a="http://schemas.openxmlformats.org/drawingml/2006/main" xmlns:r="http://schemas.openxmlformats.org/officeDocument/2006/relationships" xmlns:p="http://schemas.openxmlformats.org/presentationml/2006/main">
+  <p:cSld>
+    <p:spTree>
+      <p:nvGrpSpPr>
+        <p:cNvPr id="1" name=""/>
+        <p:cNvGrpSpPr/>
+        <p:nvPr/>
+      </p:nvGrpSpPr>
+      <p:grpSpPr>
+        <a:xfrm>
+          <a:off x="0" y="0"/>
+          <a:ext cx="0" cy="0"/>
+          <a:chOff x="0" y="0"/>
+          <a:chExt cx="0" cy="0"/>
+        </a:xfrm>
+      </p:grpSpPr>
+      <p:sp>
+        <p:nvSpPr>
+          <p:cNvPr id="2" name="Title 1">
+            <a:extLst>
+              <a:ext uri="{FF2B5EF4-FFF2-40B4-BE49-F238E27FC236}">
+                <a16:creationId xmlns:a16="http://schemas.microsoft.com/office/drawing/2014/main" id="{F103C0B2-B5E7-8470-7B49-B7D9ADA7CCBF}"/>
+              </a:ext>
+            </a:extLst>
+          </p:cNvPr>
+          <p:cNvSpPr>
+            <a:spLocks noGrp="1"/>
+          </p:cNvSpPr>
+          <p:nvPr>
+            <p:ph type="title"/>
+          </p:nvPr>
+        </p:nvSpPr>
+        <p:spPr/>
+        <p:txBody>
+          <a:bodyPr/>
+          <a:lstStyle/>
+          <a:p>
+            <a:pPr algn="l"/>
+            <a:r>
+              <a:rPr lang="en-US" dirty="0"/>
+              <a:t>Example 1: NFL field goal attempts</a:t>
+            </a:r>
+          </a:p>
+        </p:txBody>
+      </p:sp>
+      <p:sp>
+        <p:nvSpPr>
+          <p:cNvPr id="3" name="Content Placeholder 2">
+            <a:extLst>
+              <a:ext uri="{FF2B5EF4-FFF2-40B4-BE49-F238E27FC236}">
+                <a16:creationId xmlns:a16="http://schemas.microsoft.com/office/drawing/2014/main" id="{B8EB9AF8-28B0-7343-5437-7F20DA88AF37}"/>
+              </a:ext>
+            </a:extLst>
+          </p:cNvPr>
+          <p:cNvSpPr>
+            <a:spLocks noGrp="1"/>
+          </p:cNvSpPr>
+          <p:nvPr>
+            <p:ph idx="1"/>
+          </p:nvPr>
+        </p:nvSpPr>
+        <p:spPr/>
+        <p:txBody>
+          <a:bodyPr/>
+          <a:lstStyle/>
+          <a:p>
+            <a:pPr marL="0" indent="0">
+              <a:buNone/>
+            </a:pPr>
+            <a:endParaRPr lang="en-US" dirty="0"/>
+          </a:p>
+        </p:txBody>
+      </p:sp>
+    </p:spTree>
+    <p:extLst>
+      <p:ext uri="{BB962C8B-B14F-4D97-AF65-F5344CB8AC3E}">
+        <p14:creationId xmlns:p14="http://schemas.microsoft.com/office/powerpoint/2010/main" val="3753935443"/>
+      </p:ext>
+    </p:extLst>
+  </p:cSld>
+  <p:clrMapOvr>
+    <a:masterClrMapping/>
+  </p:clrMapOvr>
+</p:sld>
+</file>
+
+<file path=ppt/slides/slide67.xml><?xml version="1.0" encoding="utf-8"?>
+<p:sld xmlns:a="http://schemas.openxmlformats.org/drawingml/2006/main" xmlns:r="http://schemas.openxmlformats.org/officeDocument/2006/relationships" xmlns:p="http://schemas.openxmlformats.org/presentationml/2006/main">
+  <p:cSld>
+    <p:spTree>
+      <p:nvGrpSpPr>
+        <p:cNvPr id="1" name="">
+          <a:extLst>
+            <a:ext uri="{FF2B5EF4-FFF2-40B4-BE49-F238E27FC236}">
+              <a16:creationId xmlns:a16="http://schemas.microsoft.com/office/drawing/2014/main" id="{FDB554AC-A079-4738-9A52-60BF8D2084E8}"/>
+            </a:ext>
+          </a:extLst>
+        </p:cNvPr>
+        <p:cNvGrpSpPr/>
+        <p:nvPr/>
+      </p:nvGrpSpPr>
+      <p:grpSpPr>
+        <a:xfrm>
+          <a:off x="0" y="0"/>
+          <a:ext cx="0" cy="0"/>
+          <a:chOff x="0" y="0"/>
+          <a:chExt cx="0" cy="0"/>
+        </a:xfrm>
+      </p:grpSpPr>
+      <p:sp>
+        <p:nvSpPr>
+          <p:cNvPr id="2" name="Title 1">
+            <a:extLst>
+              <a:ext uri="{FF2B5EF4-FFF2-40B4-BE49-F238E27FC236}">
+                <a16:creationId xmlns:a16="http://schemas.microsoft.com/office/drawing/2014/main" id="{3C22C43D-5E9C-3592-7A92-4DDFD8A9C1D8}"/>
+              </a:ext>
+            </a:extLst>
+          </p:cNvPr>
+          <p:cNvSpPr>
+            <a:spLocks noGrp="1"/>
+          </p:cNvSpPr>
+          <p:nvPr>
+            <p:ph type="title"/>
+          </p:nvPr>
+        </p:nvSpPr>
+        <p:spPr/>
+        <p:txBody>
+          <a:bodyPr/>
+          <a:lstStyle/>
+          <a:p>
+            <a:pPr algn="l"/>
+            <a:r>
+              <a:rPr lang="en-US" dirty="0"/>
+              <a:t>Example 1: NFL field goal attempts</a:t>
+            </a:r>
+          </a:p>
+        </p:txBody>
+      </p:sp>
+      <p:pic>
+        <p:nvPicPr>
+          <p:cNvPr id="8" name="Picture 7">
+            <a:extLst>
+              <a:ext uri="{FF2B5EF4-FFF2-40B4-BE49-F238E27FC236}">
+                <a16:creationId xmlns:a16="http://schemas.microsoft.com/office/drawing/2014/main" id="{EC6EE1F6-29FC-1B60-DA49-84D91856AF06}"/>
+              </a:ext>
+            </a:extLst>
+          </p:cNvPr>
+          <p:cNvPicPr>
+            <a:picLocks noChangeAspect="1"/>
+          </p:cNvPicPr>
+          <p:nvPr/>
+        </p:nvPicPr>
+        <p:blipFill>
+          <a:blip r:embed="rId2"/>
+          <a:stretch>
+            <a:fillRect/>
+          </a:stretch>
+        </p:blipFill>
+        <p:spPr>
+          <a:xfrm>
+            <a:off x="1" y="1469513"/>
+            <a:ext cx="7707086" cy="3673987"/>
+          </a:xfrm>
+          <a:prstGeom prst="rect">
+            <a:avLst/>
+          </a:prstGeom>
+        </p:spPr>
+      </p:pic>
+    </p:spTree>
+    <p:extLst>
+      <p:ext uri="{BB962C8B-B14F-4D97-AF65-F5344CB8AC3E}">
+        <p14:creationId xmlns:p14="http://schemas.microsoft.com/office/powerpoint/2010/main" val="3248761571"/>
+      </p:ext>
+    </p:extLst>
+  </p:cSld>
+  <p:clrMapOvr>
+    <a:masterClrMapping/>
+  </p:clrMapOvr>
+</p:sld>
+</file>
+
+<file path=ppt/slides/slide68.xml><?xml version="1.0" encoding="utf-8"?>
+<p:sld xmlns:a="http://schemas.openxmlformats.org/drawingml/2006/main" xmlns:r="http://schemas.openxmlformats.org/officeDocument/2006/relationships" xmlns:p="http://schemas.openxmlformats.org/presentationml/2006/main">
+  <p:cSld>
+    <p:spTree>
+      <p:nvGrpSpPr>
+        <p:cNvPr id="1" name="">
+          <a:extLst>
+            <a:ext uri="{FF2B5EF4-FFF2-40B4-BE49-F238E27FC236}">
               <a16:creationId xmlns:a16="http://schemas.microsoft.com/office/drawing/2014/main" id="{28F9F267-D3C0-DFE8-146C-6304EE6484EC}"/>
             </a:ext>
           </a:extLst>
@@ -24285,7 +26531,7 @@
 </p:sld>
 </file>
 
-<file path=ppt/slides/slide61.xml><?xml version="1.0" encoding="utf-8"?>
+<file path=ppt/slides/slide69.xml><?xml version="1.0" encoding="utf-8"?>
 <p:sld xmlns:a="http://schemas.openxmlformats.org/drawingml/2006/main" xmlns:r="http://schemas.openxmlformats.org/officeDocument/2006/relationships" xmlns:p="http://schemas.openxmlformats.org/presentationml/2006/main">
   <p:cSld>
     <p:spTree>
@@ -24360,656 +26606,6 @@
     <p:extLst>
       <p:ext uri="{BB962C8B-B14F-4D97-AF65-F5344CB8AC3E}">
         <p14:creationId xmlns:p14="http://schemas.microsoft.com/office/powerpoint/2010/main" val="3238990568"/>
-      </p:ext>
-    </p:extLst>
-  </p:cSld>
-  <p:clrMapOvr>
-    <a:masterClrMapping/>
-  </p:clrMapOvr>
-</p:sld>
-</file>
-
-<file path=ppt/slides/slide62.xml><?xml version="1.0" encoding="utf-8"?>
-<p:sld xmlns:a="http://schemas.openxmlformats.org/drawingml/2006/main" xmlns:r="http://schemas.openxmlformats.org/officeDocument/2006/relationships" xmlns:p="http://schemas.openxmlformats.org/presentationml/2006/main">
-  <p:cSld>
-    <p:spTree>
-      <p:nvGrpSpPr>
-        <p:cNvPr id="1" name="">
-          <a:extLst>
-            <a:ext uri="{FF2B5EF4-FFF2-40B4-BE49-F238E27FC236}">
-              <a16:creationId xmlns:a16="http://schemas.microsoft.com/office/drawing/2014/main" id="{0FF21768-DD52-7BCC-606B-6E49D3CE54B4}"/>
-            </a:ext>
-          </a:extLst>
-        </p:cNvPr>
-        <p:cNvGrpSpPr/>
-        <p:nvPr/>
-      </p:nvGrpSpPr>
-      <p:grpSpPr>
-        <a:xfrm>
-          <a:off x="0" y="0"/>
-          <a:ext cx="0" cy="0"/>
-          <a:chOff x="0" y="0"/>
-          <a:chExt cx="0" cy="0"/>
-        </a:xfrm>
-      </p:grpSpPr>
-      <p:sp>
-        <p:nvSpPr>
-          <p:cNvPr id="2" name="Title 1">
-            <a:extLst>
-              <a:ext uri="{FF2B5EF4-FFF2-40B4-BE49-F238E27FC236}">
-                <a16:creationId xmlns:a16="http://schemas.microsoft.com/office/drawing/2014/main" id="{089B5EBD-6062-4524-5158-64D665AD6394}"/>
-              </a:ext>
-            </a:extLst>
-          </p:cNvPr>
-          <p:cNvSpPr>
-            <a:spLocks noGrp="1"/>
-          </p:cNvSpPr>
-          <p:nvPr>
-            <p:ph type="title"/>
-          </p:nvPr>
-        </p:nvSpPr>
-        <p:spPr/>
-        <p:txBody>
-          <a:bodyPr/>
-          <a:lstStyle/>
-          <a:p>
-            <a:pPr algn="l"/>
-            <a:r>
-              <a:rPr lang="en-US" dirty="0"/>
-              <a:t>Example 2: Predicting Student Success</a:t>
-            </a:r>
-          </a:p>
-        </p:txBody>
-      </p:sp>
-      <p:pic>
-        <p:nvPicPr>
-          <p:cNvPr id="4" name="Picture 3">
-            <a:extLst>
-              <a:ext uri="{FF2B5EF4-FFF2-40B4-BE49-F238E27FC236}">
-                <a16:creationId xmlns:a16="http://schemas.microsoft.com/office/drawing/2014/main" id="{E4FBA84E-D18D-D7A4-C7BA-15B043486957}"/>
-              </a:ext>
-            </a:extLst>
-          </p:cNvPr>
-          <p:cNvPicPr>
-            <a:picLocks noChangeAspect="1"/>
-          </p:cNvPicPr>
-          <p:nvPr/>
-        </p:nvPicPr>
-        <p:blipFill>
-          <a:blip r:embed="rId2"/>
-          <a:stretch>
-            <a:fillRect/>
-          </a:stretch>
-        </p:blipFill>
-        <p:spPr>
-          <a:xfrm>
-            <a:off x="0" y="1664110"/>
-            <a:ext cx="7298871" cy="3479390"/>
-          </a:xfrm>
-          <a:prstGeom prst="rect">
-            <a:avLst/>
-          </a:prstGeom>
-        </p:spPr>
-      </p:pic>
-    </p:spTree>
-    <p:extLst>
-      <p:ext uri="{BB962C8B-B14F-4D97-AF65-F5344CB8AC3E}">
-        <p14:creationId xmlns:p14="http://schemas.microsoft.com/office/powerpoint/2010/main" val="3950797710"/>
-      </p:ext>
-    </p:extLst>
-  </p:cSld>
-  <p:clrMapOvr>
-    <a:masterClrMapping/>
-  </p:clrMapOvr>
-</p:sld>
-</file>
-
-<file path=ppt/slides/slide63.xml><?xml version="1.0" encoding="utf-8"?>
-<p:sld xmlns:a="http://schemas.openxmlformats.org/drawingml/2006/main" xmlns:r="http://schemas.openxmlformats.org/officeDocument/2006/relationships" xmlns:p="http://schemas.openxmlformats.org/presentationml/2006/main">
-  <p:cSld>
-    <p:spTree>
-      <p:nvGrpSpPr>
-        <p:cNvPr id="1" name="">
-          <a:extLst>
-            <a:ext uri="{FF2B5EF4-FFF2-40B4-BE49-F238E27FC236}">
-              <a16:creationId xmlns:a16="http://schemas.microsoft.com/office/drawing/2014/main" id="{1A5A202A-90D7-8EBF-87E5-63CE123AD452}"/>
-            </a:ext>
-          </a:extLst>
-        </p:cNvPr>
-        <p:cNvGrpSpPr/>
-        <p:nvPr/>
-      </p:nvGrpSpPr>
-      <p:grpSpPr>
-        <a:xfrm>
-          <a:off x="0" y="0"/>
-          <a:ext cx="0" cy="0"/>
-          <a:chOff x="0" y="0"/>
-          <a:chExt cx="0" cy="0"/>
-        </a:xfrm>
-      </p:grpSpPr>
-      <p:sp>
-        <p:nvSpPr>
-          <p:cNvPr id="2" name="Title 1">
-            <a:extLst>
-              <a:ext uri="{FF2B5EF4-FFF2-40B4-BE49-F238E27FC236}">
-                <a16:creationId xmlns:a16="http://schemas.microsoft.com/office/drawing/2014/main" id="{C5D87504-5E0D-4DA5-0443-DCB7FEA7E295}"/>
-              </a:ext>
-            </a:extLst>
-          </p:cNvPr>
-          <p:cNvSpPr>
-            <a:spLocks noGrp="1"/>
-          </p:cNvSpPr>
-          <p:nvPr>
-            <p:ph type="title"/>
-          </p:nvPr>
-        </p:nvSpPr>
-        <p:spPr/>
-        <p:txBody>
-          <a:bodyPr/>
-          <a:lstStyle/>
-          <a:p>
-            <a:pPr algn="l"/>
-            <a:r>
-              <a:rPr lang="en-US" dirty="0"/>
-              <a:t>Example 2: Predicting Student Success</a:t>
-            </a:r>
-          </a:p>
-        </p:txBody>
-      </p:sp>
-      <p:sp>
-        <p:nvSpPr>
-          <p:cNvPr id="3" name="Content Placeholder 2">
-            <a:extLst>
-              <a:ext uri="{FF2B5EF4-FFF2-40B4-BE49-F238E27FC236}">
-                <a16:creationId xmlns:a16="http://schemas.microsoft.com/office/drawing/2014/main" id="{3F76013A-9653-D243-FEFE-6FD1FC6AFC67}"/>
-              </a:ext>
-            </a:extLst>
-          </p:cNvPr>
-          <p:cNvSpPr>
-            <a:spLocks noGrp="1"/>
-          </p:cNvSpPr>
-          <p:nvPr>
-            <p:ph idx="1"/>
-          </p:nvPr>
-        </p:nvSpPr>
-        <p:spPr>
-          <a:xfrm>
-            <a:off x="0" y="1493215"/>
-            <a:ext cx="8229600" cy="2327672"/>
-          </a:xfrm>
-        </p:spPr>
-        <p:txBody>
-          <a:bodyPr/>
-          <a:lstStyle/>
-          <a:p>
-            <a:r>
-              <a:rPr lang="en-US" dirty="0"/>
-              <a:t>Most accurate predicting </a:t>
-            </a:r>
-            <a:r>
-              <a:rPr lang="en-US" i="1" dirty="0"/>
-              <a:t>Graduate</a:t>
-            </a:r>
-          </a:p>
-          <a:p>
-            <a:pPr lvl="1"/>
-            <a:r>
-              <a:rPr lang="en-US" sz="2000" i="1" dirty="0"/>
-              <a:t>74.67% sensitivity, 64.49% precision.</a:t>
-            </a:r>
-          </a:p>
-          <a:p>
-            <a:pPr marL="0" indent="0">
-              <a:buNone/>
-            </a:pPr>
-            <a:endParaRPr lang="en-US" dirty="0"/>
-          </a:p>
-          <a:p>
-            <a:r>
-              <a:rPr lang="en-US" dirty="0"/>
-              <a:t>The model struggles with </a:t>
-            </a:r>
-            <a:r>
-              <a:rPr lang="en-US" i="1" dirty="0"/>
-              <a:t>Enrolled</a:t>
-            </a:r>
-            <a:r>
-              <a:rPr lang="en-US" dirty="0"/>
-              <a:t> </a:t>
-            </a:r>
-          </a:p>
-          <a:p>
-            <a:pPr lvl="1"/>
-            <a:r>
-              <a:rPr lang="en-US" sz="2000" i="1" dirty="0"/>
-              <a:t>16.22% sensitivity, 26.97% precision</a:t>
-            </a:r>
-          </a:p>
-          <a:p>
-            <a:pPr marL="457200" lvl="1" indent="0">
-              <a:buNone/>
-            </a:pPr>
-            <a:endParaRPr lang="en-US" dirty="0"/>
-          </a:p>
-          <a:p>
-            <a:r>
-              <a:rPr lang="en-US" dirty="0"/>
-              <a:t>Overall accuracy is 59.32%</a:t>
-            </a:r>
-          </a:p>
-          <a:p>
-            <a:pPr lvl="1"/>
-            <a:r>
-              <a:rPr lang="en-US" sz="2000" i="1" dirty="0"/>
-              <a:t>(No information rate is 50.85%)</a:t>
-            </a:r>
-          </a:p>
-        </p:txBody>
-      </p:sp>
-    </p:spTree>
-    <p:extLst>
-      <p:ext uri="{BB962C8B-B14F-4D97-AF65-F5344CB8AC3E}">
-        <p14:creationId xmlns:p14="http://schemas.microsoft.com/office/powerpoint/2010/main" val="3936327406"/>
-      </p:ext>
-    </p:extLst>
-  </p:cSld>
-  <p:clrMapOvr>
-    <a:masterClrMapping/>
-  </p:clrMapOvr>
-</p:sld>
-</file>
-
-<file path=ppt/slides/slide64.xml><?xml version="1.0" encoding="utf-8"?>
-<p:sld xmlns:a="http://schemas.openxmlformats.org/drawingml/2006/main" xmlns:r="http://schemas.openxmlformats.org/officeDocument/2006/relationships" xmlns:p="http://schemas.openxmlformats.org/presentationml/2006/main">
-  <p:cSld>
-    <p:spTree>
-      <p:nvGrpSpPr>
-        <p:cNvPr id="1" name=""/>
-        <p:cNvGrpSpPr/>
-        <p:nvPr/>
-      </p:nvGrpSpPr>
-      <p:grpSpPr>
-        <a:xfrm>
-          <a:off x="0" y="0"/>
-          <a:ext cx="0" cy="0"/>
-          <a:chOff x="0" y="0"/>
-          <a:chExt cx="0" cy="0"/>
-        </a:xfrm>
-      </p:grpSpPr>
-      <p:sp>
-        <p:nvSpPr>
-          <p:cNvPr id="2" name="Title 1">
-            <a:extLst>
-              <a:ext uri="{FF2B5EF4-FFF2-40B4-BE49-F238E27FC236}">
-                <a16:creationId xmlns:a16="http://schemas.microsoft.com/office/drawing/2014/main" id="{FD0D070A-F66E-9B9D-669B-FE0C1060C4C9}"/>
-              </a:ext>
-            </a:extLst>
-          </p:cNvPr>
-          <p:cNvSpPr>
-            <a:spLocks noGrp="1"/>
-          </p:cNvSpPr>
-          <p:nvPr>
-            <p:ph type="title"/>
-          </p:nvPr>
-        </p:nvSpPr>
-        <p:spPr/>
-        <p:txBody>
-          <a:bodyPr/>
-          <a:lstStyle/>
-          <a:p>
-            <a:pPr algn="l"/>
-            <a:r>
-              <a:rPr lang="en-US" dirty="0"/>
-              <a:t>Extension: KNN Regression</a:t>
-            </a:r>
-          </a:p>
-        </p:txBody>
-      </p:sp>
-      <p:sp>
-        <p:nvSpPr>
-          <p:cNvPr id="3" name="Content Placeholder 2">
-            <a:extLst>
-              <a:ext uri="{FF2B5EF4-FFF2-40B4-BE49-F238E27FC236}">
-                <a16:creationId xmlns:a16="http://schemas.microsoft.com/office/drawing/2014/main" id="{41938072-D7F2-B06E-8E9C-00B455DD474A}"/>
-              </a:ext>
-            </a:extLst>
-          </p:cNvPr>
-          <p:cNvSpPr>
-            <a:spLocks noGrp="1"/>
-          </p:cNvSpPr>
-          <p:nvPr>
-            <p:ph idx="1"/>
-          </p:nvPr>
-        </p:nvSpPr>
-        <p:spPr/>
-        <p:txBody>
-          <a:bodyPr/>
-          <a:lstStyle/>
-          <a:p>
-            <a:pPr marL="0" indent="0">
-              <a:buNone/>
-            </a:pPr>
-            <a:endParaRPr lang="en-US" dirty="0"/>
-          </a:p>
-        </p:txBody>
-      </p:sp>
-    </p:spTree>
-    <p:extLst>
-      <p:ext uri="{BB962C8B-B14F-4D97-AF65-F5344CB8AC3E}">
-        <p14:creationId xmlns:p14="http://schemas.microsoft.com/office/powerpoint/2010/main" val="3498946490"/>
-      </p:ext>
-    </p:extLst>
-  </p:cSld>
-  <p:clrMapOvr>
-    <a:masterClrMapping/>
-  </p:clrMapOvr>
-</p:sld>
-</file>
-
-<file path=ppt/slides/slide65.xml><?xml version="1.0" encoding="utf-8"?>
-<p:sld xmlns:a="http://schemas.openxmlformats.org/drawingml/2006/main" xmlns:r="http://schemas.openxmlformats.org/officeDocument/2006/relationships" xmlns:p="http://schemas.openxmlformats.org/presentationml/2006/main">
-  <p:cSld>
-    <p:spTree>
-      <p:nvGrpSpPr>
-        <p:cNvPr id="1" name="">
-          <a:extLst>
-            <a:ext uri="{FF2B5EF4-FFF2-40B4-BE49-F238E27FC236}">
-              <a16:creationId xmlns:a16="http://schemas.microsoft.com/office/drawing/2014/main" id="{6B79C853-D408-FDAF-2A03-E64338064D9A}"/>
-            </a:ext>
-          </a:extLst>
-        </p:cNvPr>
-        <p:cNvGrpSpPr/>
-        <p:nvPr/>
-      </p:nvGrpSpPr>
-      <p:grpSpPr>
-        <a:xfrm>
-          <a:off x="0" y="0"/>
-          <a:ext cx="0" cy="0"/>
-          <a:chOff x="0" y="0"/>
-          <a:chExt cx="0" cy="0"/>
-        </a:xfrm>
-      </p:grpSpPr>
-      <p:sp>
-        <p:nvSpPr>
-          <p:cNvPr id="2" name="Title 1">
-            <a:extLst>
-              <a:ext uri="{FF2B5EF4-FFF2-40B4-BE49-F238E27FC236}">
-                <a16:creationId xmlns:a16="http://schemas.microsoft.com/office/drawing/2014/main" id="{DC1682A1-9910-7144-EF88-6D210E65FED4}"/>
-              </a:ext>
-            </a:extLst>
-          </p:cNvPr>
-          <p:cNvSpPr>
-            <a:spLocks noGrp="1"/>
-          </p:cNvSpPr>
-          <p:nvPr>
-            <p:ph type="title"/>
-          </p:nvPr>
-        </p:nvSpPr>
-        <p:spPr/>
-        <p:txBody>
-          <a:bodyPr/>
-          <a:lstStyle/>
-          <a:p>
-            <a:pPr algn="l"/>
-            <a:r>
-              <a:rPr lang="en-US" dirty="0"/>
-              <a:t>Extension: KNN Regression</a:t>
-            </a:r>
-          </a:p>
-        </p:txBody>
-      </p:sp>
-      <p:pic>
-        <p:nvPicPr>
-          <p:cNvPr id="5" name="Picture 4">
-            <a:extLst>
-              <a:ext uri="{FF2B5EF4-FFF2-40B4-BE49-F238E27FC236}">
-                <a16:creationId xmlns:a16="http://schemas.microsoft.com/office/drawing/2014/main" id="{51B0D0B0-193D-14E7-08DE-6B5CD715AEC4}"/>
-              </a:ext>
-            </a:extLst>
-          </p:cNvPr>
-          <p:cNvPicPr>
-            <a:picLocks noChangeAspect="1"/>
-          </p:cNvPicPr>
-          <p:nvPr/>
-        </p:nvPicPr>
-        <p:blipFill>
-          <a:blip r:embed="rId2"/>
-          <a:stretch>
-            <a:fillRect/>
-          </a:stretch>
-        </p:blipFill>
-        <p:spPr>
-          <a:xfrm>
-            <a:off x="0" y="1531360"/>
-            <a:ext cx="7568293" cy="3612140"/>
-          </a:xfrm>
-          <a:prstGeom prst="rect">
-            <a:avLst/>
-          </a:prstGeom>
-        </p:spPr>
-      </p:pic>
-    </p:spTree>
-    <p:extLst>
-      <p:ext uri="{BB962C8B-B14F-4D97-AF65-F5344CB8AC3E}">
-        <p14:creationId xmlns:p14="http://schemas.microsoft.com/office/powerpoint/2010/main" val="1721295034"/>
-      </p:ext>
-    </p:extLst>
-  </p:cSld>
-  <p:clrMapOvr>
-    <a:masterClrMapping/>
-  </p:clrMapOvr>
-</p:sld>
-</file>
-
-<file path=ppt/slides/slide66.xml><?xml version="1.0" encoding="utf-8"?>
-<p:sld xmlns:a="http://schemas.openxmlformats.org/drawingml/2006/main" xmlns:r="http://schemas.openxmlformats.org/officeDocument/2006/relationships" xmlns:p="http://schemas.openxmlformats.org/presentationml/2006/main">
-  <p:cSld>
-    <p:spTree>
-      <p:nvGrpSpPr>
-        <p:cNvPr id="1" name="">
-          <a:extLst>
-            <a:ext uri="{FF2B5EF4-FFF2-40B4-BE49-F238E27FC236}">
-              <a16:creationId xmlns:a16="http://schemas.microsoft.com/office/drawing/2014/main" id="{BD5F6209-E3BF-7243-A679-36441F021E92}"/>
-            </a:ext>
-          </a:extLst>
-        </p:cNvPr>
-        <p:cNvGrpSpPr/>
-        <p:nvPr/>
-      </p:nvGrpSpPr>
-      <p:grpSpPr>
-        <a:xfrm>
-          <a:off x="0" y="0"/>
-          <a:ext cx="0" cy="0"/>
-          <a:chOff x="0" y="0"/>
-          <a:chExt cx="0" cy="0"/>
-        </a:xfrm>
-      </p:grpSpPr>
-      <p:sp>
-        <p:nvSpPr>
-          <p:cNvPr id="2" name="Title 1">
-            <a:extLst>
-              <a:ext uri="{FF2B5EF4-FFF2-40B4-BE49-F238E27FC236}">
-                <a16:creationId xmlns:a16="http://schemas.microsoft.com/office/drawing/2014/main" id="{EC3E0F93-C35A-D204-5AB6-96589EDCB3FC}"/>
-              </a:ext>
-            </a:extLst>
-          </p:cNvPr>
-          <p:cNvSpPr>
-            <a:spLocks noGrp="1"/>
-          </p:cNvSpPr>
-          <p:nvPr>
-            <p:ph type="title"/>
-          </p:nvPr>
-        </p:nvSpPr>
-        <p:spPr/>
-        <p:txBody>
-          <a:bodyPr/>
-          <a:lstStyle/>
-          <a:p>
-            <a:pPr algn="l"/>
-            <a:r>
-              <a:rPr lang="en-US" dirty="0"/>
-              <a:t>Learning Objectives Review</a:t>
-            </a:r>
-          </a:p>
-        </p:txBody>
-      </p:sp>
-      <p:sp>
-        <p:nvSpPr>
-          <p:cNvPr id="3" name="Content Placeholder 2">
-            <a:extLst>
-              <a:ext uri="{FF2B5EF4-FFF2-40B4-BE49-F238E27FC236}">
-                <a16:creationId xmlns:a16="http://schemas.microsoft.com/office/drawing/2014/main" id="{172D86D3-3AF5-48E8-EB45-6C99177D87B5}"/>
-              </a:ext>
-            </a:extLst>
-          </p:cNvPr>
-          <p:cNvSpPr>
-            <a:spLocks noGrp="1"/>
-          </p:cNvSpPr>
-          <p:nvPr>
-            <p:ph idx="1"/>
-          </p:nvPr>
-        </p:nvSpPr>
-        <p:spPr>
-          <a:xfrm>
-            <a:off x="457200" y="1476374"/>
-            <a:ext cx="8229600" cy="3202157"/>
-          </a:xfrm>
-        </p:spPr>
-        <p:txBody>
-          <a:bodyPr/>
-          <a:lstStyle/>
-          <a:p>
-            <a:r>
-              <a:rPr lang="en-US" sz="2000" dirty="0"/>
-              <a:t>Define supervised learning and unsupervised learning</a:t>
-            </a:r>
-          </a:p>
-          <a:p>
-            <a:pPr marL="0" indent="0">
-              <a:buNone/>
-            </a:pPr>
-            <a:endParaRPr lang="en-US" sz="2000" dirty="0"/>
-          </a:p>
-          <a:p>
-            <a:r>
-              <a:rPr lang="en-US" sz="2000" dirty="0"/>
-              <a:t>Compare and contrast parametric and nonparametric models</a:t>
-            </a:r>
-          </a:p>
-          <a:p>
-            <a:pPr marL="0" indent="0">
-              <a:buNone/>
-            </a:pPr>
-            <a:endParaRPr lang="en-US" sz="2000" dirty="0"/>
-          </a:p>
-          <a:p>
-            <a:r>
-              <a:rPr lang="en-US" sz="2000" dirty="0"/>
-              <a:t>Understand the difference between classification and regression</a:t>
-            </a:r>
-          </a:p>
-          <a:p>
-            <a:pPr marL="0" indent="0">
-              <a:buNone/>
-            </a:pPr>
-            <a:endParaRPr lang="en-US" sz="2000" dirty="0"/>
-          </a:p>
-          <a:p>
-            <a:r>
-              <a:rPr lang="en-US" sz="2000" dirty="0"/>
-              <a:t>Fit K-nearest neighbors (KNN) algorithm in R</a:t>
-            </a:r>
-          </a:p>
-        </p:txBody>
-      </p:sp>
-    </p:spTree>
-    <p:extLst>
-      <p:ext uri="{BB962C8B-B14F-4D97-AF65-F5344CB8AC3E}">
-        <p14:creationId xmlns:p14="http://schemas.microsoft.com/office/powerpoint/2010/main" val="2579033125"/>
-      </p:ext>
-    </p:extLst>
-  </p:cSld>
-  <p:clrMapOvr>
-    <a:masterClrMapping/>
-  </p:clrMapOvr>
-</p:sld>
-</file>
-
-<file path=ppt/slides/slide67.xml><?xml version="1.0" encoding="utf-8"?>
-<p:sld xmlns:a="http://schemas.openxmlformats.org/drawingml/2006/main" xmlns:r="http://schemas.openxmlformats.org/officeDocument/2006/relationships" xmlns:p="http://schemas.openxmlformats.org/presentationml/2006/main">
-  <p:cSld>
-    <p:spTree>
-      <p:nvGrpSpPr>
-        <p:cNvPr id="1" name=""/>
-        <p:cNvGrpSpPr/>
-        <p:nvPr/>
-      </p:nvGrpSpPr>
-      <p:grpSpPr>
-        <a:xfrm>
-          <a:off x="0" y="0"/>
-          <a:ext cx="0" cy="0"/>
-          <a:chOff x="0" y="0"/>
-          <a:chExt cx="0" cy="0"/>
-        </a:xfrm>
-      </p:grpSpPr>
-      <p:sp>
-        <p:nvSpPr>
-          <p:cNvPr id="2" name="Title 1">
-            <a:extLst>
-              <a:ext uri="{FF2B5EF4-FFF2-40B4-BE49-F238E27FC236}">
-                <a16:creationId xmlns:a16="http://schemas.microsoft.com/office/drawing/2014/main" id="{3A4D2D10-DB96-861E-D58F-E16F4048AB6D}"/>
-              </a:ext>
-            </a:extLst>
-          </p:cNvPr>
-          <p:cNvSpPr>
-            <a:spLocks noGrp="1"/>
-          </p:cNvSpPr>
-          <p:nvPr>
-            <p:ph type="title"/>
-          </p:nvPr>
-        </p:nvSpPr>
-        <p:spPr/>
-        <p:txBody>
-          <a:bodyPr/>
-          <a:lstStyle/>
-          <a:p>
-            <a:pPr algn="l"/>
-            <a:r>
-              <a:rPr lang="en-US" dirty="0"/>
-              <a:t>Acknowledgements</a:t>
-            </a:r>
-          </a:p>
-        </p:txBody>
-      </p:sp>
-      <p:sp>
-        <p:nvSpPr>
-          <p:cNvPr id="3" name="Content Placeholder 2">
-            <a:extLst>
-              <a:ext uri="{FF2B5EF4-FFF2-40B4-BE49-F238E27FC236}">
-                <a16:creationId xmlns:a16="http://schemas.microsoft.com/office/drawing/2014/main" id="{7EF66D20-3C87-215E-F322-E6F32E6E51B3}"/>
-              </a:ext>
-            </a:extLst>
-          </p:cNvPr>
-          <p:cNvSpPr>
-            <a:spLocks noGrp="1"/>
-          </p:cNvSpPr>
-          <p:nvPr>
-            <p:ph idx="1"/>
-          </p:nvPr>
-        </p:nvSpPr>
-        <p:spPr/>
-        <p:txBody>
-          <a:bodyPr/>
-          <a:lstStyle/>
-          <a:p>
-            <a:endParaRPr lang="en-US"/>
-          </a:p>
-        </p:txBody>
-      </p:sp>
-    </p:spTree>
-    <p:extLst>
-      <p:ext uri="{BB962C8B-B14F-4D97-AF65-F5344CB8AC3E}">
-        <p14:creationId xmlns:p14="http://schemas.microsoft.com/office/powerpoint/2010/main" val="4236198678"/>
       </p:ext>
     </p:extLst>
   </p:cSld>
@@ -25099,6 +26695,1325 @@
     <p:extLst>
       <p:ext uri="{BB962C8B-B14F-4D97-AF65-F5344CB8AC3E}">
         <p14:creationId xmlns:p14="http://schemas.microsoft.com/office/powerpoint/2010/main" val="858770862"/>
+      </p:ext>
+    </p:extLst>
+  </p:cSld>
+  <p:clrMapOvr>
+    <a:masterClrMapping/>
+  </p:clrMapOvr>
+</p:sld>
+</file>
+
+<file path=ppt/slides/slide70.xml><?xml version="1.0" encoding="utf-8"?>
+<p:sld xmlns:a="http://schemas.openxmlformats.org/drawingml/2006/main" xmlns:r="http://schemas.openxmlformats.org/officeDocument/2006/relationships" xmlns:p="http://schemas.openxmlformats.org/presentationml/2006/main">
+  <p:cSld>
+    <p:spTree>
+      <p:nvGrpSpPr>
+        <p:cNvPr id="1" name="">
+          <a:extLst>
+            <a:ext uri="{FF2B5EF4-FFF2-40B4-BE49-F238E27FC236}">
+              <a16:creationId xmlns:a16="http://schemas.microsoft.com/office/drawing/2014/main" id="{0FF21768-DD52-7BCC-606B-6E49D3CE54B4}"/>
+            </a:ext>
+          </a:extLst>
+        </p:cNvPr>
+        <p:cNvGrpSpPr/>
+        <p:nvPr/>
+      </p:nvGrpSpPr>
+      <p:grpSpPr>
+        <a:xfrm>
+          <a:off x="0" y="0"/>
+          <a:ext cx="0" cy="0"/>
+          <a:chOff x="0" y="0"/>
+          <a:chExt cx="0" cy="0"/>
+        </a:xfrm>
+      </p:grpSpPr>
+      <p:sp>
+        <p:nvSpPr>
+          <p:cNvPr id="2" name="Title 1">
+            <a:extLst>
+              <a:ext uri="{FF2B5EF4-FFF2-40B4-BE49-F238E27FC236}">
+                <a16:creationId xmlns:a16="http://schemas.microsoft.com/office/drawing/2014/main" id="{089B5EBD-6062-4524-5158-64D665AD6394}"/>
+              </a:ext>
+            </a:extLst>
+          </p:cNvPr>
+          <p:cNvSpPr>
+            <a:spLocks noGrp="1"/>
+          </p:cNvSpPr>
+          <p:nvPr>
+            <p:ph type="title"/>
+          </p:nvPr>
+        </p:nvSpPr>
+        <p:spPr/>
+        <p:txBody>
+          <a:bodyPr/>
+          <a:lstStyle/>
+          <a:p>
+            <a:pPr algn="l"/>
+            <a:r>
+              <a:rPr lang="en-US" dirty="0"/>
+              <a:t>Example 2: Predicting Student Success</a:t>
+            </a:r>
+          </a:p>
+        </p:txBody>
+      </p:sp>
+      <p:pic>
+        <p:nvPicPr>
+          <p:cNvPr id="4" name="Picture 3">
+            <a:extLst>
+              <a:ext uri="{FF2B5EF4-FFF2-40B4-BE49-F238E27FC236}">
+                <a16:creationId xmlns:a16="http://schemas.microsoft.com/office/drawing/2014/main" id="{E4FBA84E-D18D-D7A4-C7BA-15B043486957}"/>
+              </a:ext>
+            </a:extLst>
+          </p:cNvPr>
+          <p:cNvPicPr>
+            <a:picLocks noChangeAspect="1"/>
+          </p:cNvPicPr>
+          <p:nvPr/>
+        </p:nvPicPr>
+        <p:blipFill>
+          <a:blip r:embed="rId2"/>
+          <a:stretch>
+            <a:fillRect/>
+          </a:stretch>
+        </p:blipFill>
+        <p:spPr>
+          <a:xfrm>
+            <a:off x="0" y="1664110"/>
+            <a:ext cx="7298871" cy="3479390"/>
+          </a:xfrm>
+          <a:prstGeom prst="rect">
+            <a:avLst/>
+          </a:prstGeom>
+        </p:spPr>
+      </p:pic>
+    </p:spTree>
+    <p:extLst>
+      <p:ext uri="{BB962C8B-B14F-4D97-AF65-F5344CB8AC3E}">
+        <p14:creationId xmlns:p14="http://schemas.microsoft.com/office/powerpoint/2010/main" val="3950797710"/>
+      </p:ext>
+    </p:extLst>
+  </p:cSld>
+  <p:clrMapOvr>
+    <a:masterClrMapping/>
+  </p:clrMapOvr>
+</p:sld>
+</file>
+
+<file path=ppt/slides/slide71.xml><?xml version="1.0" encoding="utf-8"?>
+<p:sld xmlns:a="http://schemas.openxmlformats.org/drawingml/2006/main" xmlns:r="http://schemas.openxmlformats.org/officeDocument/2006/relationships" xmlns:p="http://schemas.openxmlformats.org/presentationml/2006/main">
+  <p:cSld>
+    <p:spTree>
+      <p:nvGrpSpPr>
+        <p:cNvPr id="1" name="">
+          <a:extLst>
+            <a:ext uri="{FF2B5EF4-FFF2-40B4-BE49-F238E27FC236}">
+              <a16:creationId xmlns:a16="http://schemas.microsoft.com/office/drawing/2014/main" id="{1A5A202A-90D7-8EBF-87E5-63CE123AD452}"/>
+            </a:ext>
+          </a:extLst>
+        </p:cNvPr>
+        <p:cNvGrpSpPr/>
+        <p:nvPr/>
+      </p:nvGrpSpPr>
+      <p:grpSpPr>
+        <a:xfrm>
+          <a:off x="0" y="0"/>
+          <a:ext cx="0" cy="0"/>
+          <a:chOff x="0" y="0"/>
+          <a:chExt cx="0" cy="0"/>
+        </a:xfrm>
+      </p:grpSpPr>
+      <p:sp>
+        <p:nvSpPr>
+          <p:cNvPr id="2" name="Title 1">
+            <a:extLst>
+              <a:ext uri="{FF2B5EF4-FFF2-40B4-BE49-F238E27FC236}">
+                <a16:creationId xmlns:a16="http://schemas.microsoft.com/office/drawing/2014/main" id="{C5D87504-5E0D-4DA5-0443-DCB7FEA7E295}"/>
+              </a:ext>
+            </a:extLst>
+          </p:cNvPr>
+          <p:cNvSpPr>
+            <a:spLocks noGrp="1"/>
+          </p:cNvSpPr>
+          <p:nvPr>
+            <p:ph type="title"/>
+          </p:nvPr>
+        </p:nvSpPr>
+        <p:spPr/>
+        <p:txBody>
+          <a:bodyPr/>
+          <a:lstStyle/>
+          <a:p>
+            <a:pPr algn="l"/>
+            <a:r>
+              <a:rPr lang="en-US" dirty="0"/>
+              <a:t>Example 2: Predicting Student Success</a:t>
+            </a:r>
+          </a:p>
+        </p:txBody>
+      </p:sp>
+      <p:sp>
+        <p:nvSpPr>
+          <p:cNvPr id="3" name="Content Placeholder 2">
+            <a:extLst>
+              <a:ext uri="{FF2B5EF4-FFF2-40B4-BE49-F238E27FC236}">
+                <a16:creationId xmlns:a16="http://schemas.microsoft.com/office/drawing/2014/main" id="{3F76013A-9653-D243-FEFE-6FD1FC6AFC67}"/>
+              </a:ext>
+            </a:extLst>
+          </p:cNvPr>
+          <p:cNvSpPr>
+            <a:spLocks noGrp="1"/>
+          </p:cNvSpPr>
+          <p:nvPr>
+            <p:ph idx="1"/>
+          </p:nvPr>
+        </p:nvSpPr>
+        <p:spPr>
+          <a:xfrm>
+            <a:off x="0" y="1493215"/>
+            <a:ext cx="8229600" cy="2327672"/>
+          </a:xfrm>
+        </p:spPr>
+        <p:txBody>
+          <a:bodyPr/>
+          <a:lstStyle/>
+          <a:p>
+            <a:r>
+              <a:rPr lang="en-US" dirty="0"/>
+              <a:t>Most accurate predicting </a:t>
+            </a:r>
+            <a:r>
+              <a:rPr lang="en-US" i="1" dirty="0"/>
+              <a:t>Graduate</a:t>
+            </a:r>
+          </a:p>
+          <a:p>
+            <a:pPr lvl="1"/>
+            <a:r>
+              <a:rPr lang="en-US" sz="2000" i="1" dirty="0"/>
+              <a:t>74.67% sensitivity, 57.47% specificity.</a:t>
+            </a:r>
+          </a:p>
+          <a:p>
+            <a:pPr marL="0" indent="0">
+              <a:buNone/>
+            </a:pPr>
+            <a:endParaRPr lang="en-US" dirty="0"/>
+          </a:p>
+          <a:p>
+            <a:r>
+              <a:rPr lang="en-US" dirty="0"/>
+              <a:t>The model struggles with </a:t>
+            </a:r>
+            <a:r>
+              <a:rPr lang="en-US" i="1" dirty="0"/>
+              <a:t>Enrolled</a:t>
+            </a:r>
+            <a:r>
+              <a:rPr lang="en-US" dirty="0"/>
+              <a:t> </a:t>
+            </a:r>
+          </a:p>
+          <a:p>
+            <a:pPr lvl="1"/>
+            <a:r>
+              <a:rPr lang="en-US" sz="2000" i="1" dirty="0"/>
+              <a:t>16.22% sensitivity, 91.18% specificity</a:t>
+            </a:r>
+          </a:p>
+          <a:p>
+            <a:pPr marL="457200" lvl="1" indent="0">
+              <a:buNone/>
+            </a:pPr>
+            <a:endParaRPr lang="en-US" dirty="0"/>
+          </a:p>
+          <a:p>
+            <a:r>
+              <a:rPr lang="en-US" dirty="0"/>
+              <a:t>Overall accuracy is 59.32%</a:t>
+            </a:r>
+          </a:p>
+          <a:p>
+            <a:pPr lvl="1"/>
+            <a:r>
+              <a:rPr lang="en-US" sz="2000" i="1" dirty="0"/>
+              <a:t>Fairly good performance (no information rate is 50.85%)</a:t>
+            </a:r>
+          </a:p>
+        </p:txBody>
+      </p:sp>
+    </p:spTree>
+    <p:extLst>
+      <p:ext uri="{BB962C8B-B14F-4D97-AF65-F5344CB8AC3E}">
+        <p14:creationId xmlns:p14="http://schemas.microsoft.com/office/powerpoint/2010/main" val="3936327406"/>
+      </p:ext>
+    </p:extLst>
+  </p:cSld>
+  <p:clrMapOvr>
+    <a:masterClrMapping/>
+  </p:clrMapOvr>
+</p:sld>
+</file>
+
+<file path=ppt/slides/slide72.xml><?xml version="1.0" encoding="utf-8"?>
+<p:sld xmlns:a="http://schemas.openxmlformats.org/drawingml/2006/main" xmlns:r="http://schemas.openxmlformats.org/officeDocument/2006/relationships" xmlns:p="http://schemas.openxmlformats.org/presentationml/2006/main">
+  <p:cSld>
+    <p:spTree>
+      <p:nvGrpSpPr>
+        <p:cNvPr id="1" name=""/>
+        <p:cNvGrpSpPr/>
+        <p:nvPr/>
+      </p:nvGrpSpPr>
+      <p:grpSpPr>
+        <a:xfrm>
+          <a:off x="0" y="0"/>
+          <a:ext cx="0" cy="0"/>
+          <a:chOff x="0" y="0"/>
+          <a:chExt cx="0" cy="0"/>
+        </a:xfrm>
+      </p:grpSpPr>
+      <p:sp>
+        <p:nvSpPr>
+          <p:cNvPr id="2" name="Title 1">
+            <a:extLst>
+              <a:ext uri="{FF2B5EF4-FFF2-40B4-BE49-F238E27FC236}">
+                <a16:creationId xmlns:a16="http://schemas.microsoft.com/office/drawing/2014/main" id="{FD0D070A-F66E-9B9D-669B-FE0C1060C4C9}"/>
+              </a:ext>
+            </a:extLst>
+          </p:cNvPr>
+          <p:cNvSpPr>
+            <a:spLocks noGrp="1"/>
+          </p:cNvSpPr>
+          <p:nvPr>
+            <p:ph type="title"/>
+          </p:nvPr>
+        </p:nvSpPr>
+        <p:spPr/>
+        <p:txBody>
+          <a:bodyPr/>
+          <a:lstStyle/>
+          <a:p>
+            <a:pPr algn="l"/>
+            <a:r>
+              <a:rPr lang="en-US" dirty="0"/>
+              <a:t>Extension: KNN regression with Scooby-Doo ratings</a:t>
+            </a:r>
+          </a:p>
+        </p:txBody>
+      </p:sp>
+      <p:sp>
+        <p:nvSpPr>
+          <p:cNvPr id="3" name="Content Placeholder 2">
+            <a:extLst>
+              <a:ext uri="{FF2B5EF4-FFF2-40B4-BE49-F238E27FC236}">
+                <a16:creationId xmlns:a16="http://schemas.microsoft.com/office/drawing/2014/main" id="{41938072-D7F2-B06E-8E9C-00B455DD474A}"/>
+              </a:ext>
+            </a:extLst>
+          </p:cNvPr>
+          <p:cNvSpPr>
+            <a:spLocks noGrp="1"/>
+          </p:cNvSpPr>
+          <p:nvPr>
+            <p:ph idx="1"/>
+          </p:nvPr>
+        </p:nvSpPr>
+        <p:spPr/>
+        <p:txBody>
+          <a:bodyPr/>
+          <a:lstStyle/>
+          <a:p>
+            <a:pPr marL="0" indent="0">
+              <a:buNone/>
+            </a:pPr>
+            <a:endParaRPr lang="en-US" dirty="0"/>
+          </a:p>
+        </p:txBody>
+      </p:sp>
+    </p:spTree>
+    <p:extLst>
+      <p:ext uri="{BB962C8B-B14F-4D97-AF65-F5344CB8AC3E}">
+        <p14:creationId xmlns:p14="http://schemas.microsoft.com/office/powerpoint/2010/main" val="3498946490"/>
+      </p:ext>
+    </p:extLst>
+  </p:cSld>
+  <p:clrMapOvr>
+    <a:masterClrMapping/>
+  </p:clrMapOvr>
+</p:sld>
+</file>
+
+<file path=ppt/slides/slide73.xml><?xml version="1.0" encoding="utf-8"?>
+<p:sld xmlns:a="http://schemas.openxmlformats.org/drawingml/2006/main" xmlns:r="http://schemas.openxmlformats.org/officeDocument/2006/relationships" xmlns:p="http://schemas.openxmlformats.org/presentationml/2006/main">
+  <p:cSld>
+    <p:spTree>
+      <p:nvGrpSpPr>
+        <p:cNvPr id="1" name="">
+          <a:extLst>
+            <a:ext uri="{FF2B5EF4-FFF2-40B4-BE49-F238E27FC236}">
+              <a16:creationId xmlns:a16="http://schemas.microsoft.com/office/drawing/2014/main" id="{3B04B7F1-B345-0EF0-11D8-1D98AEADF949}"/>
+            </a:ext>
+          </a:extLst>
+        </p:cNvPr>
+        <p:cNvGrpSpPr/>
+        <p:nvPr/>
+      </p:nvGrpSpPr>
+      <p:grpSpPr>
+        <a:xfrm>
+          <a:off x="0" y="0"/>
+          <a:ext cx="0" cy="0"/>
+          <a:chOff x="0" y="0"/>
+          <a:chExt cx="0" cy="0"/>
+        </a:xfrm>
+      </p:grpSpPr>
+      <p:sp>
+        <p:nvSpPr>
+          <p:cNvPr id="2" name="Title 1">
+            <a:extLst>
+              <a:ext uri="{FF2B5EF4-FFF2-40B4-BE49-F238E27FC236}">
+                <a16:creationId xmlns:a16="http://schemas.microsoft.com/office/drawing/2014/main" id="{4E1A611C-953F-7F8F-64FA-913F09D68DE2}"/>
+              </a:ext>
+            </a:extLst>
+          </p:cNvPr>
+          <p:cNvSpPr>
+            <a:spLocks noGrp="1"/>
+          </p:cNvSpPr>
+          <p:nvPr>
+            <p:ph type="title"/>
+          </p:nvPr>
+        </p:nvSpPr>
+        <p:spPr/>
+        <p:txBody>
+          <a:bodyPr/>
+          <a:lstStyle/>
+          <a:p>
+            <a:pPr algn="l"/>
+            <a:r>
+              <a:rPr lang="en-US" dirty="0"/>
+              <a:t>Extension: KNN regression with Scooby-Doo ratings</a:t>
+            </a:r>
+          </a:p>
+        </p:txBody>
+      </p:sp>
+      <p:sp>
+        <p:nvSpPr>
+          <p:cNvPr id="3" name="Content Placeholder 2">
+            <a:extLst>
+              <a:ext uri="{FF2B5EF4-FFF2-40B4-BE49-F238E27FC236}">
+                <a16:creationId xmlns:a16="http://schemas.microsoft.com/office/drawing/2014/main" id="{28C748E8-5D8D-51B5-3C84-B96FE080A1E6}"/>
+              </a:ext>
+            </a:extLst>
+          </p:cNvPr>
+          <p:cNvSpPr>
+            <a:spLocks noGrp="1"/>
+          </p:cNvSpPr>
+          <p:nvPr>
+            <p:ph idx="1"/>
+          </p:nvPr>
+        </p:nvSpPr>
+        <p:spPr>
+          <a:xfrm>
+            <a:off x="457200" y="1690007"/>
+            <a:ext cx="8229600" cy="2904615"/>
+          </a:xfrm>
+        </p:spPr>
+        <p:txBody>
+          <a:bodyPr/>
+          <a:lstStyle/>
+          <a:p>
+            <a:r>
+              <a:rPr lang="en-US" dirty="0"/>
+              <a:t>Response Y is no longer categorical, but numeric</a:t>
+            </a:r>
+          </a:p>
+        </p:txBody>
+      </p:sp>
+    </p:spTree>
+    <p:extLst>
+      <p:ext uri="{BB962C8B-B14F-4D97-AF65-F5344CB8AC3E}">
+        <p14:creationId xmlns:p14="http://schemas.microsoft.com/office/powerpoint/2010/main" val="1260089647"/>
+      </p:ext>
+    </p:extLst>
+  </p:cSld>
+  <p:clrMapOvr>
+    <a:masterClrMapping/>
+  </p:clrMapOvr>
+</p:sld>
+</file>
+
+<file path=ppt/slides/slide74.xml><?xml version="1.0" encoding="utf-8"?>
+<p:sld xmlns:a="http://schemas.openxmlformats.org/drawingml/2006/main" xmlns:r="http://schemas.openxmlformats.org/officeDocument/2006/relationships" xmlns:p="http://schemas.openxmlformats.org/presentationml/2006/main">
+  <p:cSld>
+    <p:spTree>
+      <p:nvGrpSpPr>
+        <p:cNvPr id="1" name="">
+          <a:extLst>
+            <a:ext uri="{FF2B5EF4-FFF2-40B4-BE49-F238E27FC236}">
+              <a16:creationId xmlns:a16="http://schemas.microsoft.com/office/drawing/2014/main" id="{D5589F16-F6B0-8E35-19AF-2D19052A1A78}"/>
+            </a:ext>
+          </a:extLst>
+        </p:cNvPr>
+        <p:cNvGrpSpPr/>
+        <p:nvPr/>
+      </p:nvGrpSpPr>
+      <p:grpSpPr>
+        <a:xfrm>
+          <a:off x="0" y="0"/>
+          <a:ext cx="0" cy="0"/>
+          <a:chOff x="0" y="0"/>
+          <a:chExt cx="0" cy="0"/>
+        </a:xfrm>
+      </p:grpSpPr>
+      <p:sp>
+        <p:nvSpPr>
+          <p:cNvPr id="2" name="Title 1">
+            <a:extLst>
+              <a:ext uri="{FF2B5EF4-FFF2-40B4-BE49-F238E27FC236}">
+                <a16:creationId xmlns:a16="http://schemas.microsoft.com/office/drawing/2014/main" id="{5A194FE0-A335-99AD-2CE2-8F122DFDDA97}"/>
+              </a:ext>
+            </a:extLst>
+          </p:cNvPr>
+          <p:cNvSpPr>
+            <a:spLocks noGrp="1"/>
+          </p:cNvSpPr>
+          <p:nvPr>
+            <p:ph type="title"/>
+          </p:nvPr>
+        </p:nvSpPr>
+        <p:spPr/>
+        <p:txBody>
+          <a:bodyPr/>
+          <a:lstStyle/>
+          <a:p>
+            <a:pPr algn="l"/>
+            <a:r>
+              <a:rPr lang="en-US" dirty="0"/>
+              <a:t>Extension: KNN regression with Scooby-Doo ratings</a:t>
+            </a:r>
+          </a:p>
+        </p:txBody>
+      </p:sp>
+      <p:sp>
+        <p:nvSpPr>
+          <p:cNvPr id="3" name="Content Placeholder 2">
+            <a:extLst>
+              <a:ext uri="{FF2B5EF4-FFF2-40B4-BE49-F238E27FC236}">
+                <a16:creationId xmlns:a16="http://schemas.microsoft.com/office/drawing/2014/main" id="{76835A5C-2663-4DAD-48CD-00AF4B7B5EE9}"/>
+              </a:ext>
+            </a:extLst>
+          </p:cNvPr>
+          <p:cNvSpPr>
+            <a:spLocks noGrp="1"/>
+          </p:cNvSpPr>
+          <p:nvPr>
+            <p:ph idx="1"/>
+          </p:nvPr>
+        </p:nvSpPr>
+        <p:spPr>
+          <a:xfrm>
+            <a:off x="457200" y="1690007"/>
+            <a:ext cx="8229600" cy="2904615"/>
+          </a:xfrm>
+        </p:spPr>
+        <p:txBody>
+          <a:bodyPr/>
+          <a:lstStyle/>
+          <a:p>
+            <a:r>
+              <a:rPr lang="en-US" dirty="0"/>
+              <a:t>Response Y is no longer categorical, but numeric</a:t>
+            </a:r>
+          </a:p>
+          <a:p>
+            <a:pPr lvl="1"/>
+            <a:r>
+              <a:rPr lang="en-US" sz="1800" i="1" dirty="0"/>
+              <a:t>Now we take the average value of the nearest neighbors!</a:t>
+            </a:r>
+          </a:p>
+        </p:txBody>
+      </p:sp>
+    </p:spTree>
+    <p:extLst>
+      <p:ext uri="{BB962C8B-B14F-4D97-AF65-F5344CB8AC3E}">
+        <p14:creationId xmlns:p14="http://schemas.microsoft.com/office/powerpoint/2010/main" val="673009535"/>
+      </p:ext>
+    </p:extLst>
+  </p:cSld>
+  <p:clrMapOvr>
+    <a:masterClrMapping/>
+  </p:clrMapOvr>
+</p:sld>
+</file>
+
+<file path=ppt/slides/slide75.xml><?xml version="1.0" encoding="utf-8"?>
+<p:sld xmlns:a="http://schemas.openxmlformats.org/drawingml/2006/main" xmlns:r="http://schemas.openxmlformats.org/officeDocument/2006/relationships" xmlns:p="http://schemas.openxmlformats.org/presentationml/2006/main">
+  <p:cSld>
+    <p:spTree>
+      <p:nvGrpSpPr>
+        <p:cNvPr id="1" name="">
+          <a:extLst>
+            <a:ext uri="{FF2B5EF4-FFF2-40B4-BE49-F238E27FC236}">
+              <a16:creationId xmlns:a16="http://schemas.microsoft.com/office/drawing/2014/main" id="{84DBBB91-0024-B242-413B-7AFB839E6CDC}"/>
+            </a:ext>
+          </a:extLst>
+        </p:cNvPr>
+        <p:cNvGrpSpPr/>
+        <p:nvPr/>
+      </p:nvGrpSpPr>
+      <p:grpSpPr>
+        <a:xfrm>
+          <a:off x="0" y="0"/>
+          <a:ext cx="0" cy="0"/>
+          <a:chOff x="0" y="0"/>
+          <a:chExt cx="0" cy="0"/>
+        </a:xfrm>
+      </p:grpSpPr>
+      <p:sp>
+        <p:nvSpPr>
+          <p:cNvPr id="2" name="Title 1">
+            <a:extLst>
+              <a:ext uri="{FF2B5EF4-FFF2-40B4-BE49-F238E27FC236}">
+                <a16:creationId xmlns:a16="http://schemas.microsoft.com/office/drawing/2014/main" id="{DA3DC2BA-4DB2-9E5D-F713-7852BFC5BE94}"/>
+              </a:ext>
+            </a:extLst>
+          </p:cNvPr>
+          <p:cNvSpPr>
+            <a:spLocks noGrp="1"/>
+          </p:cNvSpPr>
+          <p:nvPr>
+            <p:ph type="title"/>
+          </p:nvPr>
+        </p:nvSpPr>
+        <p:spPr/>
+        <p:txBody>
+          <a:bodyPr/>
+          <a:lstStyle/>
+          <a:p>
+            <a:pPr algn="l"/>
+            <a:r>
+              <a:rPr lang="en-US" dirty="0"/>
+              <a:t>Extension: KNN regression with Scooby-Doo ratings</a:t>
+            </a:r>
+          </a:p>
+        </p:txBody>
+      </p:sp>
+      <p:sp>
+        <p:nvSpPr>
+          <p:cNvPr id="3" name="Content Placeholder 2">
+            <a:extLst>
+              <a:ext uri="{FF2B5EF4-FFF2-40B4-BE49-F238E27FC236}">
+                <a16:creationId xmlns:a16="http://schemas.microsoft.com/office/drawing/2014/main" id="{8F7ED231-ECD0-4E01-AE09-0ABA98D347F8}"/>
+              </a:ext>
+            </a:extLst>
+          </p:cNvPr>
+          <p:cNvSpPr>
+            <a:spLocks noGrp="1"/>
+          </p:cNvSpPr>
+          <p:nvPr>
+            <p:ph idx="1"/>
+          </p:nvPr>
+        </p:nvSpPr>
+        <p:spPr>
+          <a:xfrm>
+            <a:off x="457200" y="1684565"/>
+            <a:ext cx="8229600" cy="3219912"/>
+          </a:xfrm>
+        </p:spPr>
+        <p:txBody>
+          <a:bodyPr/>
+          <a:lstStyle/>
+          <a:p>
+            <a:r>
+              <a:rPr lang="en-US" dirty="0"/>
+              <a:t>KNN regression: average value of the response</a:t>
+            </a:r>
+          </a:p>
+          <a:p>
+            <a:pPr lvl="1"/>
+            <a:r>
+              <a:rPr lang="en-US" sz="1800" i="1" dirty="0"/>
+              <a:t>Step 1: find the </a:t>
+            </a:r>
+            <a:r>
+              <a:rPr lang="en-US" sz="1800" b="1" i="1" dirty="0"/>
+              <a:t>k </a:t>
+            </a:r>
+            <a:r>
+              <a:rPr lang="en-US" sz="1800" i="1" dirty="0"/>
+              <a:t>observations closest to the new point </a:t>
+            </a:r>
+            <a:r>
+              <a:rPr lang="en-US" sz="1800" b="1" i="1" dirty="0"/>
+              <a:t>x</a:t>
+            </a:r>
+          </a:p>
+          <a:p>
+            <a:pPr marL="457200" lvl="1" indent="0">
+              <a:buNone/>
+            </a:pPr>
+            <a:endParaRPr lang="en-US" sz="1800" b="1" i="1" dirty="0"/>
+          </a:p>
+          <a:p>
+            <a:pPr lvl="1"/>
+            <a:r>
+              <a:rPr lang="en-US" sz="1800" i="1" dirty="0"/>
+              <a:t>Step 2: determine the </a:t>
+            </a:r>
+            <a:r>
+              <a:rPr lang="en-US" sz="1800" i="1" dirty="0">
+                <a:solidFill>
+                  <a:srgbClr val="C00000"/>
+                </a:solidFill>
+              </a:rPr>
+              <a:t>average value of the response</a:t>
+            </a:r>
+            <a:r>
+              <a:rPr lang="en-US" sz="1800" i="1" dirty="0"/>
+              <a:t> from those </a:t>
+            </a:r>
+            <a:r>
+              <a:rPr lang="en-US" sz="1800" b="1" i="1" dirty="0"/>
+              <a:t>k </a:t>
+            </a:r>
+            <a:r>
+              <a:rPr lang="en-US" sz="1800" i="1" dirty="0"/>
+              <a:t>observations closest to </a:t>
+            </a:r>
+            <a:r>
+              <a:rPr lang="en-US" sz="1800" b="1" i="1" dirty="0"/>
+              <a:t>x</a:t>
+            </a:r>
+          </a:p>
+          <a:p>
+            <a:pPr lvl="1"/>
+            <a:endParaRPr lang="en-US" sz="1800" i="1" dirty="0"/>
+          </a:p>
+        </p:txBody>
+      </p:sp>
+    </p:spTree>
+    <p:extLst>
+      <p:ext uri="{BB962C8B-B14F-4D97-AF65-F5344CB8AC3E}">
+        <p14:creationId xmlns:p14="http://schemas.microsoft.com/office/powerpoint/2010/main" val="2911196260"/>
+      </p:ext>
+    </p:extLst>
+  </p:cSld>
+  <p:clrMapOvr>
+    <a:masterClrMapping/>
+  </p:clrMapOvr>
+</p:sld>
+</file>
+
+<file path=ppt/slides/slide76.xml><?xml version="1.0" encoding="utf-8"?>
+<p:sld xmlns:a="http://schemas.openxmlformats.org/drawingml/2006/main" xmlns:r="http://schemas.openxmlformats.org/officeDocument/2006/relationships" xmlns:p="http://schemas.openxmlformats.org/presentationml/2006/main">
+  <p:cSld>
+    <p:spTree>
+      <p:nvGrpSpPr>
+        <p:cNvPr id="1" name="">
+          <a:extLst>
+            <a:ext uri="{FF2B5EF4-FFF2-40B4-BE49-F238E27FC236}">
+              <a16:creationId xmlns:a16="http://schemas.microsoft.com/office/drawing/2014/main" id="{86B33FF9-6E93-4EA4-5B14-D8C1901A571E}"/>
+            </a:ext>
+          </a:extLst>
+        </p:cNvPr>
+        <p:cNvGrpSpPr/>
+        <p:nvPr/>
+      </p:nvGrpSpPr>
+      <p:grpSpPr>
+        <a:xfrm>
+          <a:off x="0" y="0"/>
+          <a:ext cx="0" cy="0"/>
+          <a:chOff x="0" y="0"/>
+          <a:chExt cx="0" cy="0"/>
+        </a:xfrm>
+      </p:grpSpPr>
+      <p:sp>
+        <p:nvSpPr>
+          <p:cNvPr id="2" name="Title 1">
+            <a:extLst>
+              <a:ext uri="{FF2B5EF4-FFF2-40B4-BE49-F238E27FC236}">
+                <a16:creationId xmlns:a16="http://schemas.microsoft.com/office/drawing/2014/main" id="{4FE82301-42CA-A617-F334-92AC59E67BC0}"/>
+              </a:ext>
+            </a:extLst>
+          </p:cNvPr>
+          <p:cNvSpPr>
+            <a:spLocks noGrp="1"/>
+          </p:cNvSpPr>
+          <p:nvPr>
+            <p:ph type="title"/>
+          </p:nvPr>
+        </p:nvSpPr>
+        <p:spPr/>
+        <p:txBody>
+          <a:bodyPr/>
+          <a:lstStyle/>
+          <a:p>
+            <a:pPr algn="l"/>
+            <a:r>
+              <a:rPr lang="en-US" dirty="0"/>
+              <a:t>Extension: KNN regression with Scooby-Doo ratings</a:t>
+            </a:r>
+          </a:p>
+        </p:txBody>
+      </p:sp>
+      <p:sp>
+        <p:nvSpPr>
+          <p:cNvPr id="3" name="Content Placeholder 2">
+            <a:extLst>
+              <a:ext uri="{FF2B5EF4-FFF2-40B4-BE49-F238E27FC236}">
+                <a16:creationId xmlns:a16="http://schemas.microsoft.com/office/drawing/2014/main" id="{CCB7AC8B-2C84-9BA0-3B06-2067987B6070}"/>
+              </a:ext>
+            </a:extLst>
+          </p:cNvPr>
+          <p:cNvSpPr>
+            <a:spLocks noGrp="1"/>
+          </p:cNvSpPr>
+          <p:nvPr>
+            <p:ph idx="1"/>
+          </p:nvPr>
+        </p:nvSpPr>
+        <p:spPr>
+          <a:xfrm>
+            <a:off x="457200" y="1684565"/>
+            <a:ext cx="8229600" cy="3219912"/>
+          </a:xfrm>
+        </p:spPr>
+        <p:txBody>
+          <a:bodyPr/>
+          <a:lstStyle/>
+          <a:p>
+            <a:r>
+              <a:rPr lang="en-US" dirty="0"/>
+              <a:t>KNN regression: average value of the response</a:t>
+            </a:r>
+          </a:p>
+          <a:p>
+            <a:pPr lvl="1"/>
+            <a:r>
+              <a:rPr lang="en-US" sz="1800" i="1" dirty="0"/>
+              <a:t>Step 1: find the </a:t>
+            </a:r>
+            <a:r>
+              <a:rPr lang="en-US" sz="1800" b="1" i="1" dirty="0"/>
+              <a:t>k </a:t>
+            </a:r>
+            <a:r>
+              <a:rPr lang="en-US" sz="1800" i="1" dirty="0"/>
+              <a:t>observations closest to the new point </a:t>
+            </a:r>
+            <a:r>
+              <a:rPr lang="en-US" sz="1800" b="1" i="1" dirty="0"/>
+              <a:t>x</a:t>
+            </a:r>
+          </a:p>
+          <a:p>
+            <a:pPr marL="457200" lvl="1" indent="0">
+              <a:buNone/>
+            </a:pPr>
+            <a:endParaRPr lang="en-US" sz="1800" b="1" i="1" dirty="0"/>
+          </a:p>
+          <a:p>
+            <a:pPr lvl="1"/>
+            <a:r>
+              <a:rPr lang="en-US" sz="1800" i="1" dirty="0"/>
+              <a:t>Step 2: determine the </a:t>
+            </a:r>
+            <a:r>
+              <a:rPr lang="en-US" sz="1800" i="1" dirty="0">
+                <a:solidFill>
+                  <a:srgbClr val="C00000"/>
+                </a:solidFill>
+              </a:rPr>
+              <a:t>average value of the response</a:t>
+            </a:r>
+            <a:r>
+              <a:rPr lang="en-US" sz="1800" i="1" dirty="0"/>
+              <a:t> from those </a:t>
+            </a:r>
+            <a:r>
+              <a:rPr lang="en-US" sz="1800" b="1" i="1" dirty="0"/>
+              <a:t>k </a:t>
+            </a:r>
+            <a:r>
+              <a:rPr lang="en-US" sz="1800" i="1" dirty="0"/>
+              <a:t>observations closest to </a:t>
+            </a:r>
+            <a:r>
+              <a:rPr lang="en-US" sz="1800" b="1" i="1" dirty="0"/>
+              <a:t>x</a:t>
+            </a:r>
+          </a:p>
+          <a:p>
+            <a:pPr marL="457200" lvl="1" indent="0">
+              <a:buNone/>
+            </a:pPr>
+            <a:endParaRPr lang="en-US" sz="1800" b="1" i="1" dirty="0"/>
+          </a:p>
+          <a:p>
+            <a:pPr lvl="1"/>
+            <a:r>
+              <a:rPr lang="en-US" sz="1800" i="1" dirty="0"/>
+              <a:t>Step 3: assign </a:t>
+            </a:r>
+            <a:r>
+              <a:rPr lang="en-US" sz="1800" i="1" dirty="0">
+                <a:solidFill>
+                  <a:srgbClr val="C00000"/>
+                </a:solidFill>
+              </a:rPr>
+              <a:t>average value of the response</a:t>
+            </a:r>
+            <a:r>
+              <a:rPr lang="en-US" sz="1800" i="1" dirty="0"/>
+              <a:t> from those </a:t>
+            </a:r>
+            <a:r>
+              <a:rPr lang="en-US" sz="1800" b="1" i="1" dirty="0"/>
+              <a:t>k </a:t>
+            </a:r>
+            <a:r>
+              <a:rPr lang="en-US" sz="1800" i="1" dirty="0"/>
+              <a:t>observations to the new point </a:t>
+            </a:r>
+            <a:r>
+              <a:rPr lang="en-US" sz="1800" b="1" i="1" dirty="0"/>
+              <a:t>x </a:t>
+            </a:r>
+          </a:p>
+          <a:p>
+            <a:pPr lvl="2"/>
+            <a:r>
+              <a:rPr lang="en-US" sz="1200" dirty="0"/>
+              <a:t>In other words, the prediction for </a:t>
+            </a:r>
+            <a:r>
+              <a:rPr lang="en-US" sz="1200" b="1" dirty="0"/>
+              <a:t>x </a:t>
+            </a:r>
+            <a:r>
+              <a:rPr lang="en-US" sz="1200" dirty="0"/>
+              <a:t>is the average of the points closest to </a:t>
+            </a:r>
+            <a:r>
+              <a:rPr lang="en-US" sz="1200" b="1" dirty="0"/>
+              <a:t>x</a:t>
+            </a:r>
+            <a:endParaRPr lang="en-US" sz="1800" i="1" dirty="0"/>
+          </a:p>
+        </p:txBody>
+      </p:sp>
+    </p:spTree>
+    <p:extLst>
+      <p:ext uri="{BB962C8B-B14F-4D97-AF65-F5344CB8AC3E}">
+        <p14:creationId xmlns:p14="http://schemas.microsoft.com/office/powerpoint/2010/main" val="1266372052"/>
+      </p:ext>
+    </p:extLst>
+  </p:cSld>
+  <p:clrMapOvr>
+    <a:masterClrMapping/>
+  </p:clrMapOvr>
+</p:sld>
+</file>
+
+<file path=ppt/slides/slide77.xml><?xml version="1.0" encoding="utf-8"?>
+<p:sld xmlns:a="http://schemas.openxmlformats.org/drawingml/2006/main" xmlns:r="http://schemas.openxmlformats.org/officeDocument/2006/relationships" xmlns:p="http://schemas.openxmlformats.org/presentationml/2006/main">
+  <p:cSld>
+    <p:spTree>
+      <p:nvGrpSpPr>
+        <p:cNvPr id="1" name="">
+          <a:extLst>
+            <a:ext uri="{FF2B5EF4-FFF2-40B4-BE49-F238E27FC236}">
+              <a16:creationId xmlns:a16="http://schemas.microsoft.com/office/drawing/2014/main" id="{6B79C853-D408-FDAF-2A03-E64338064D9A}"/>
+            </a:ext>
+          </a:extLst>
+        </p:cNvPr>
+        <p:cNvGrpSpPr/>
+        <p:nvPr/>
+      </p:nvGrpSpPr>
+      <p:grpSpPr>
+        <a:xfrm>
+          <a:off x="0" y="0"/>
+          <a:ext cx="0" cy="0"/>
+          <a:chOff x="0" y="0"/>
+          <a:chExt cx="0" cy="0"/>
+        </a:xfrm>
+      </p:grpSpPr>
+      <p:sp>
+        <p:nvSpPr>
+          <p:cNvPr id="2" name="Title 1">
+            <a:extLst>
+              <a:ext uri="{FF2B5EF4-FFF2-40B4-BE49-F238E27FC236}">
+                <a16:creationId xmlns:a16="http://schemas.microsoft.com/office/drawing/2014/main" id="{DC1682A1-9910-7144-EF88-6D210E65FED4}"/>
+              </a:ext>
+            </a:extLst>
+          </p:cNvPr>
+          <p:cNvSpPr>
+            <a:spLocks noGrp="1"/>
+          </p:cNvSpPr>
+          <p:nvPr>
+            <p:ph type="title"/>
+          </p:nvPr>
+        </p:nvSpPr>
+        <p:spPr/>
+        <p:txBody>
+          <a:bodyPr/>
+          <a:lstStyle/>
+          <a:p>
+            <a:pPr algn="l"/>
+            <a:r>
+              <a:rPr lang="en-US" dirty="0"/>
+              <a:t>Extension: KNN regression with Scooby-Doo ratings</a:t>
+            </a:r>
+          </a:p>
+        </p:txBody>
+      </p:sp>
+      <p:pic>
+        <p:nvPicPr>
+          <p:cNvPr id="5" name="Picture 4">
+            <a:extLst>
+              <a:ext uri="{FF2B5EF4-FFF2-40B4-BE49-F238E27FC236}">
+                <a16:creationId xmlns:a16="http://schemas.microsoft.com/office/drawing/2014/main" id="{51B0D0B0-193D-14E7-08DE-6B5CD715AEC4}"/>
+              </a:ext>
+            </a:extLst>
+          </p:cNvPr>
+          <p:cNvPicPr>
+            <a:picLocks noChangeAspect="1"/>
+          </p:cNvPicPr>
+          <p:nvPr/>
+        </p:nvPicPr>
+        <p:blipFill>
+          <a:blip r:embed="rId2"/>
+          <a:stretch>
+            <a:fillRect/>
+          </a:stretch>
+        </p:blipFill>
+        <p:spPr>
+          <a:xfrm>
+            <a:off x="0" y="1531360"/>
+            <a:ext cx="7568293" cy="3612140"/>
+          </a:xfrm>
+          <a:prstGeom prst="rect">
+            <a:avLst/>
+          </a:prstGeom>
+        </p:spPr>
+      </p:pic>
+    </p:spTree>
+    <p:extLst>
+      <p:ext uri="{BB962C8B-B14F-4D97-AF65-F5344CB8AC3E}">
+        <p14:creationId xmlns:p14="http://schemas.microsoft.com/office/powerpoint/2010/main" val="1721295034"/>
+      </p:ext>
+    </p:extLst>
+  </p:cSld>
+  <p:clrMapOvr>
+    <a:masterClrMapping/>
+  </p:clrMapOvr>
+</p:sld>
+</file>
+
+<file path=ppt/slides/slide78.xml><?xml version="1.0" encoding="utf-8"?>
+<p:sld xmlns:a="http://schemas.openxmlformats.org/drawingml/2006/main" xmlns:r="http://schemas.openxmlformats.org/officeDocument/2006/relationships" xmlns:p="http://schemas.openxmlformats.org/presentationml/2006/main">
+  <p:cSld>
+    <p:spTree>
+      <p:nvGrpSpPr>
+        <p:cNvPr id="1" name="">
+          <a:extLst>
+            <a:ext uri="{FF2B5EF4-FFF2-40B4-BE49-F238E27FC236}">
+              <a16:creationId xmlns:a16="http://schemas.microsoft.com/office/drawing/2014/main" id="{BD5F6209-E3BF-7243-A679-36441F021E92}"/>
+            </a:ext>
+          </a:extLst>
+        </p:cNvPr>
+        <p:cNvGrpSpPr/>
+        <p:nvPr/>
+      </p:nvGrpSpPr>
+      <p:grpSpPr>
+        <a:xfrm>
+          <a:off x="0" y="0"/>
+          <a:ext cx="0" cy="0"/>
+          <a:chOff x="0" y="0"/>
+          <a:chExt cx="0" cy="0"/>
+        </a:xfrm>
+      </p:grpSpPr>
+      <p:sp>
+        <p:nvSpPr>
+          <p:cNvPr id="2" name="Title 1">
+            <a:extLst>
+              <a:ext uri="{FF2B5EF4-FFF2-40B4-BE49-F238E27FC236}">
+                <a16:creationId xmlns:a16="http://schemas.microsoft.com/office/drawing/2014/main" id="{EC3E0F93-C35A-D204-5AB6-96589EDCB3FC}"/>
+              </a:ext>
+            </a:extLst>
+          </p:cNvPr>
+          <p:cNvSpPr>
+            <a:spLocks noGrp="1"/>
+          </p:cNvSpPr>
+          <p:nvPr>
+            <p:ph type="title"/>
+          </p:nvPr>
+        </p:nvSpPr>
+        <p:spPr/>
+        <p:txBody>
+          <a:bodyPr/>
+          <a:lstStyle/>
+          <a:p>
+            <a:pPr algn="l"/>
+            <a:r>
+              <a:rPr lang="en-US" dirty="0"/>
+              <a:t>Learning Objectives Review</a:t>
+            </a:r>
+          </a:p>
+        </p:txBody>
+      </p:sp>
+      <p:sp>
+        <p:nvSpPr>
+          <p:cNvPr id="3" name="Content Placeholder 2">
+            <a:extLst>
+              <a:ext uri="{FF2B5EF4-FFF2-40B4-BE49-F238E27FC236}">
+                <a16:creationId xmlns:a16="http://schemas.microsoft.com/office/drawing/2014/main" id="{172D86D3-3AF5-48E8-EB45-6C99177D87B5}"/>
+              </a:ext>
+            </a:extLst>
+          </p:cNvPr>
+          <p:cNvSpPr>
+            <a:spLocks noGrp="1"/>
+          </p:cNvSpPr>
+          <p:nvPr>
+            <p:ph idx="1"/>
+          </p:nvPr>
+        </p:nvSpPr>
+        <p:spPr>
+          <a:xfrm>
+            <a:off x="457200" y="1476374"/>
+            <a:ext cx="8229600" cy="3202157"/>
+          </a:xfrm>
+        </p:spPr>
+        <p:txBody>
+          <a:bodyPr/>
+          <a:lstStyle/>
+          <a:p>
+            <a:r>
+              <a:rPr lang="en-US" sz="2000" dirty="0"/>
+              <a:t>Define supervised learning and unsupervised learning</a:t>
+            </a:r>
+          </a:p>
+          <a:p>
+            <a:pPr marL="0" indent="0">
+              <a:buNone/>
+            </a:pPr>
+            <a:endParaRPr lang="en-US" sz="2000" dirty="0"/>
+          </a:p>
+          <a:p>
+            <a:r>
+              <a:rPr lang="en-US" sz="2000" dirty="0"/>
+              <a:t>Compare and contrast parametric and nonparametric models</a:t>
+            </a:r>
+          </a:p>
+          <a:p>
+            <a:pPr marL="0" indent="0">
+              <a:buNone/>
+            </a:pPr>
+            <a:endParaRPr lang="en-US" sz="2000" dirty="0"/>
+          </a:p>
+          <a:p>
+            <a:r>
+              <a:rPr lang="en-US" sz="2000" dirty="0"/>
+              <a:t>Understand the difference between classification and regression</a:t>
+            </a:r>
+          </a:p>
+          <a:p>
+            <a:pPr marL="0" indent="0">
+              <a:buNone/>
+            </a:pPr>
+            <a:endParaRPr lang="en-US" sz="2000" dirty="0"/>
+          </a:p>
+          <a:p>
+            <a:r>
+              <a:rPr lang="en-US" sz="2000" dirty="0"/>
+              <a:t>Fit K-nearest neighbors (KNN) algorithm in R</a:t>
+            </a:r>
+          </a:p>
+        </p:txBody>
+      </p:sp>
+    </p:spTree>
+    <p:extLst>
+      <p:ext uri="{BB962C8B-B14F-4D97-AF65-F5344CB8AC3E}">
+        <p14:creationId xmlns:p14="http://schemas.microsoft.com/office/powerpoint/2010/main" val="2579033125"/>
+      </p:ext>
+    </p:extLst>
+  </p:cSld>
+  <p:clrMapOvr>
+    <a:masterClrMapping/>
+  </p:clrMapOvr>
+</p:sld>
+</file>
+
+<file path=ppt/slides/slide79.xml><?xml version="1.0" encoding="utf-8"?>
+<p:sld xmlns:a="http://schemas.openxmlformats.org/drawingml/2006/main" xmlns:r="http://schemas.openxmlformats.org/officeDocument/2006/relationships" xmlns:p="http://schemas.openxmlformats.org/presentationml/2006/main">
+  <p:cSld>
+    <p:spTree>
+      <p:nvGrpSpPr>
+        <p:cNvPr id="1" name="">
+          <a:extLst>
+            <a:ext uri="{FF2B5EF4-FFF2-40B4-BE49-F238E27FC236}">
+              <a16:creationId xmlns:a16="http://schemas.microsoft.com/office/drawing/2014/main" id="{F9CC3D3D-D246-55D4-8CA9-69C235A2CFF7}"/>
+            </a:ext>
+          </a:extLst>
+        </p:cNvPr>
+        <p:cNvGrpSpPr/>
+        <p:nvPr/>
+      </p:nvGrpSpPr>
+      <p:grpSpPr>
+        <a:xfrm>
+          <a:off x="0" y="0"/>
+          <a:ext cx="0" cy="0"/>
+          <a:chOff x="0" y="0"/>
+          <a:chExt cx="0" cy="0"/>
+        </a:xfrm>
+      </p:grpSpPr>
+      <p:sp>
+        <p:nvSpPr>
+          <p:cNvPr id="2" name="Title 1">
+            <a:extLst>
+              <a:ext uri="{FF2B5EF4-FFF2-40B4-BE49-F238E27FC236}">
+                <a16:creationId xmlns:a16="http://schemas.microsoft.com/office/drawing/2014/main" id="{C0AAF17C-94B3-2E53-919D-0A6E981F191B}"/>
+              </a:ext>
+            </a:extLst>
+          </p:cNvPr>
+          <p:cNvSpPr>
+            <a:spLocks noGrp="1"/>
+          </p:cNvSpPr>
+          <p:nvPr>
+            <p:ph type="title"/>
+          </p:nvPr>
+        </p:nvSpPr>
+        <p:spPr/>
+        <p:txBody>
+          <a:bodyPr/>
+          <a:lstStyle/>
+          <a:p>
+            <a:pPr algn="l"/>
+            <a:r>
+              <a:rPr lang="en-US" dirty="0"/>
+              <a:t>Learning Objectives Review</a:t>
+            </a:r>
+          </a:p>
+        </p:txBody>
+      </p:sp>
+      <p:sp>
+        <p:nvSpPr>
+          <p:cNvPr id="3" name="Content Placeholder 2">
+            <a:extLst>
+              <a:ext uri="{FF2B5EF4-FFF2-40B4-BE49-F238E27FC236}">
+                <a16:creationId xmlns:a16="http://schemas.microsoft.com/office/drawing/2014/main" id="{97484D8C-8B1F-3D54-A3EE-A8E39BC16C35}"/>
+              </a:ext>
+            </a:extLst>
+          </p:cNvPr>
+          <p:cNvSpPr>
+            <a:spLocks noGrp="1"/>
+          </p:cNvSpPr>
+          <p:nvPr>
+            <p:ph idx="1"/>
+          </p:nvPr>
+        </p:nvSpPr>
+        <p:spPr>
+          <a:xfrm>
+            <a:off x="457200" y="1476374"/>
+            <a:ext cx="8229600" cy="3202157"/>
+          </a:xfrm>
+        </p:spPr>
+        <p:txBody>
+          <a:bodyPr/>
+          <a:lstStyle/>
+          <a:p>
+            <a:r>
+              <a:rPr lang="en-US" sz="2000" dirty="0"/>
+              <a:t>Define supervised learning and unsupervised learning</a:t>
+            </a:r>
+          </a:p>
+          <a:p>
+            <a:pPr marL="0" indent="0">
+              <a:buNone/>
+            </a:pPr>
+            <a:endParaRPr lang="en-US" sz="2000" dirty="0"/>
+          </a:p>
+          <a:p>
+            <a:r>
+              <a:rPr lang="en-US" sz="2000" dirty="0"/>
+              <a:t>Compare and contrast parametric and nonparametric models</a:t>
+            </a:r>
+          </a:p>
+          <a:p>
+            <a:pPr marL="0" indent="0">
+              <a:buNone/>
+            </a:pPr>
+            <a:endParaRPr lang="en-US" sz="2000" dirty="0"/>
+          </a:p>
+          <a:p>
+            <a:r>
+              <a:rPr lang="en-US" sz="2000" dirty="0"/>
+              <a:t>Understand the difference between classification and regression</a:t>
+            </a:r>
+          </a:p>
+          <a:p>
+            <a:pPr marL="0" indent="0">
+              <a:buNone/>
+            </a:pPr>
+            <a:endParaRPr lang="en-US" sz="2000" dirty="0"/>
+          </a:p>
+          <a:p>
+            <a:r>
+              <a:rPr lang="en-US" sz="2000" dirty="0"/>
+              <a:t>Fit K-nearest neighbors (KNN) algorithm in R</a:t>
+            </a:r>
+          </a:p>
+        </p:txBody>
+      </p:sp>
+      <p:pic>
+        <p:nvPicPr>
+          <p:cNvPr id="1026" name="Picture 2" descr="Warner Bros. Entertainment Wiki | Fandom">
+            <a:extLst>
+              <a:ext uri="{FF2B5EF4-FFF2-40B4-BE49-F238E27FC236}">
+                <a16:creationId xmlns:a16="http://schemas.microsoft.com/office/drawing/2014/main" id="{AFF01538-6812-C6BD-FC5D-089D8DEB2CFC}"/>
+              </a:ext>
+            </a:extLst>
+          </p:cNvPr>
+          <p:cNvPicPr>
+            <a:picLocks noChangeAspect="1" noChangeArrowheads="1"/>
+          </p:cNvPicPr>
+          <p:nvPr/>
+        </p:nvPicPr>
+        <p:blipFill>
+          <a:blip r:embed="rId2">
+            <a:extLst>
+              <a:ext uri="{28A0092B-C50C-407E-A947-70E740481C1C}">
+                <a14:useLocalDpi xmlns:a14="http://schemas.microsoft.com/office/drawing/2010/main" val="0"/>
+              </a:ext>
+            </a:extLst>
+          </a:blip>
+          <a:srcRect/>
+          <a:stretch>
+            <a:fillRect/>
+          </a:stretch>
+        </p:blipFill>
+        <p:spPr bwMode="auto">
+          <a:xfrm>
+            <a:off x="6438900" y="3448050"/>
+            <a:ext cx="2705100" cy="1695450"/>
+          </a:xfrm>
+          <a:prstGeom prst="rect">
+            <a:avLst/>
+          </a:prstGeom>
+          <a:noFill/>
+          <a:extLst>
+            <a:ext uri="{909E8E84-426E-40DD-AFC4-6F175D3DCCD1}">
+              <a14:hiddenFill xmlns:a14="http://schemas.microsoft.com/office/drawing/2010/main">
+                <a:solidFill>
+                  <a:srgbClr val="FFFFFF"/>
+                </a:solidFill>
+              </a14:hiddenFill>
+            </a:ext>
+          </a:extLst>
+        </p:spPr>
+      </p:pic>
+    </p:spTree>
+    <p:extLst>
+      <p:ext uri="{BB962C8B-B14F-4D97-AF65-F5344CB8AC3E}">
+        <p14:creationId xmlns:p14="http://schemas.microsoft.com/office/powerpoint/2010/main" val="3125979769"/>
       </p:ext>
     </p:extLst>
   </p:cSld>
@@ -25205,6 +28120,247 @@
     <p:extLst>
       <p:ext uri="{BB962C8B-B14F-4D97-AF65-F5344CB8AC3E}">
         <p14:creationId xmlns:p14="http://schemas.microsoft.com/office/powerpoint/2010/main" val="159208069"/>
+      </p:ext>
+    </p:extLst>
+  </p:cSld>
+  <p:clrMapOvr>
+    <a:masterClrMapping/>
+  </p:clrMapOvr>
+</p:sld>
+</file>
+
+<file path=ppt/slides/slide80.xml><?xml version="1.0" encoding="utf-8"?>
+<p:sld xmlns:a="http://schemas.openxmlformats.org/drawingml/2006/main" xmlns:r="http://schemas.openxmlformats.org/officeDocument/2006/relationships" xmlns:p="http://schemas.openxmlformats.org/presentationml/2006/main">
+  <p:cSld>
+    <p:spTree>
+      <p:nvGrpSpPr>
+        <p:cNvPr id="1" name="">
+          <a:extLst>
+            <a:ext uri="{FF2B5EF4-FFF2-40B4-BE49-F238E27FC236}">
+              <a16:creationId xmlns:a16="http://schemas.microsoft.com/office/drawing/2014/main" id="{01D4EF6E-AB00-3774-E322-AC8FADE658FD}"/>
+            </a:ext>
+          </a:extLst>
+        </p:cNvPr>
+        <p:cNvGrpSpPr/>
+        <p:nvPr/>
+      </p:nvGrpSpPr>
+      <p:grpSpPr>
+        <a:xfrm>
+          <a:off x="0" y="0"/>
+          <a:ext cx="0" cy="0"/>
+          <a:chOff x="0" y="0"/>
+          <a:chExt cx="0" cy="0"/>
+        </a:xfrm>
+      </p:grpSpPr>
+      <p:sp>
+        <p:nvSpPr>
+          <p:cNvPr id="2" name="Title 1">
+            <a:extLst>
+              <a:ext uri="{FF2B5EF4-FFF2-40B4-BE49-F238E27FC236}">
+                <a16:creationId xmlns:a16="http://schemas.microsoft.com/office/drawing/2014/main" id="{8BE15D5D-261D-72A7-937D-FA72BF615A85}"/>
+              </a:ext>
+            </a:extLst>
+          </p:cNvPr>
+          <p:cNvSpPr>
+            <a:spLocks noGrp="1"/>
+          </p:cNvSpPr>
+          <p:nvPr>
+            <p:ph type="title"/>
+          </p:nvPr>
+        </p:nvSpPr>
+        <p:spPr/>
+        <p:txBody>
+          <a:bodyPr/>
+          <a:lstStyle/>
+          <a:p>
+            <a:pPr algn="l"/>
+            <a:r>
+              <a:rPr lang="en-US" dirty="0"/>
+              <a:t>More Resources</a:t>
+            </a:r>
+          </a:p>
+        </p:txBody>
+      </p:sp>
+      <p:sp>
+        <p:nvSpPr>
+          <p:cNvPr id="3" name="Content Placeholder 2">
+            <a:extLst>
+              <a:ext uri="{FF2B5EF4-FFF2-40B4-BE49-F238E27FC236}">
+                <a16:creationId xmlns:a16="http://schemas.microsoft.com/office/drawing/2014/main" id="{A1B1BEB4-AC70-4110-FA90-706CE05F734E}"/>
+              </a:ext>
+            </a:extLst>
+          </p:cNvPr>
+          <p:cNvSpPr>
+            <a:spLocks noGrp="1"/>
+          </p:cNvSpPr>
+          <p:nvPr>
+            <p:ph idx="1"/>
+          </p:nvPr>
+        </p:nvSpPr>
+        <p:spPr>
+          <a:xfrm>
+            <a:off x="457200" y="1581150"/>
+            <a:ext cx="8229600" cy="3121479"/>
+          </a:xfrm>
+        </p:spPr>
+        <p:txBody>
+          <a:bodyPr/>
+          <a:lstStyle/>
+          <a:p>
+            <a:r>
+              <a:rPr lang="en-US" dirty="0">
+                <a:hlinkClick r:id="rId3"/>
+              </a:rPr>
+              <a:t>An Introduction to Statistical Learning</a:t>
+            </a:r>
+            <a:r>
+              <a:rPr lang="en-US" dirty="0"/>
+              <a:t> (it’s free!)</a:t>
+            </a:r>
+          </a:p>
+          <a:p>
+            <a:pPr marL="0" indent="0">
+              <a:buNone/>
+            </a:pPr>
+            <a:endParaRPr lang="en-US" dirty="0"/>
+          </a:p>
+          <a:p>
+            <a:r>
+              <a:rPr lang="en-US" dirty="0">
+                <a:hlinkClick r:id="rId4"/>
+              </a:rPr>
+              <a:t>NC State’s Data Science Academy</a:t>
+            </a:r>
+            <a:endParaRPr lang="en-US" dirty="0"/>
+          </a:p>
+          <a:p>
+            <a:pPr marL="0" indent="0">
+              <a:buNone/>
+            </a:pPr>
+            <a:endParaRPr lang="en-US" dirty="0"/>
+          </a:p>
+          <a:p>
+            <a:r>
+              <a:rPr lang="en-US" dirty="0"/>
+              <a:t>ST 563 (Introduction to Statistical Learning) or ST 558 (Data Science for Statisticians)</a:t>
+            </a:r>
+          </a:p>
+        </p:txBody>
+      </p:sp>
+    </p:spTree>
+    <p:extLst>
+      <p:ext uri="{BB962C8B-B14F-4D97-AF65-F5344CB8AC3E}">
+        <p14:creationId xmlns:p14="http://schemas.microsoft.com/office/powerpoint/2010/main" val="407703383"/>
+      </p:ext>
+    </p:extLst>
+  </p:cSld>
+  <p:clrMapOvr>
+    <a:masterClrMapping/>
+  </p:clrMapOvr>
+</p:sld>
+</file>
+
+<file path=ppt/slides/slide81.xml><?xml version="1.0" encoding="utf-8"?>
+<p:sld xmlns:a="http://schemas.openxmlformats.org/drawingml/2006/main" xmlns:r="http://schemas.openxmlformats.org/officeDocument/2006/relationships" xmlns:p="http://schemas.openxmlformats.org/presentationml/2006/main">
+  <p:cSld>
+    <p:spTree>
+      <p:nvGrpSpPr>
+        <p:cNvPr id="1" name=""/>
+        <p:cNvGrpSpPr/>
+        <p:nvPr/>
+      </p:nvGrpSpPr>
+      <p:grpSpPr>
+        <a:xfrm>
+          <a:off x="0" y="0"/>
+          <a:ext cx="0" cy="0"/>
+          <a:chOff x="0" y="0"/>
+          <a:chExt cx="0" cy="0"/>
+        </a:xfrm>
+      </p:grpSpPr>
+      <p:sp>
+        <p:nvSpPr>
+          <p:cNvPr id="2" name="Title 1">
+            <a:extLst>
+              <a:ext uri="{FF2B5EF4-FFF2-40B4-BE49-F238E27FC236}">
+                <a16:creationId xmlns:a16="http://schemas.microsoft.com/office/drawing/2014/main" id="{3A4D2D10-DB96-861E-D58F-E16F4048AB6D}"/>
+              </a:ext>
+            </a:extLst>
+          </p:cNvPr>
+          <p:cNvSpPr>
+            <a:spLocks noGrp="1"/>
+          </p:cNvSpPr>
+          <p:nvPr>
+            <p:ph type="title"/>
+          </p:nvPr>
+        </p:nvSpPr>
+        <p:spPr/>
+        <p:txBody>
+          <a:bodyPr/>
+          <a:lstStyle/>
+          <a:p>
+            <a:pPr algn="l"/>
+            <a:r>
+              <a:rPr lang="en-US" dirty="0"/>
+              <a:t>Acknowledgements</a:t>
+            </a:r>
+          </a:p>
+        </p:txBody>
+      </p:sp>
+      <p:sp>
+        <p:nvSpPr>
+          <p:cNvPr id="3" name="Content Placeholder 2">
+            <a:extLst>
+              <a:ext uri="{FF2B5EF4-FFF2-40B4-BE49-F238E27FC236}">
+                <a16:creationId xmlns:a16="http://schemas.microsoft.com/office/drawing/2014/main" id="{7EF66D20-3C87-215E-F322-E6F32E6E51B3}"/>
+              </a:ext>
+            </a:extLst>
+          </p:cNvPr>
+          <p:cNvSpPr>
+            <a:spLocks noGrp="1"/>
+          </p:cNvSpPr>
+          <p:nvPr>
+            <p:ph idx="1"/>
+          </p:nvPr>
+        </p:nvSpPr>
+        <p:spPr>
+          <a:xfrm>
+            <a:off x="457200" y="1530803"/>
+            <a:ext cx="8229600" cy="3188153"/>
+          </a:xfrm>
+        </p:spPr>
+        <p:txBody>
+          <a:bodyPr/>
+          <a:lstStyle/>
+          <a:p>
+            <a:r>
+              <a:rPr lang="en-US" dirty="0"/>
+              <a:t>NCSU Libraries</a:t>
+            </a:r>
+          </a:p>
+          <a:p>
+            <a:endParaRPr lang="en-US" dirty="0"/>
+          </a:p>
+          <a:p>
+            <a:r>
+              <a:rPr lang="en-US" dirty="0"/>
+              <a:t>Carnegie Mellon University Department of Statistics and Data Science</a:t>
+            </a:r>
+          </a:p>
+          <a:p>
+            <a:endParaRPr lang="en-US" dirty="0"/>
+          </a:p>
+          <a:p>
+            <a:r>
+              <a:rPr lang="en-US" dirty="0"/>
+              <a:t>NC State University Department of Statistics</a:t>
+            </a:r>
+          </a:p>
+        </p:txBody>
+      </p:sp>
+    </p:spTree>
+    <p:extLst>
+      <p:ext uri="{BB962C8B-B14F-4D97-AF65-F5344CB8AC3E}">
+        <p14:creationId xmlns:p14="http://schemas.microsoft.com/office/powerpoint/2010/main" val="4236198678"/>
       </p:ext>
     </p:extLst>
   </p:cSld>

--- a/k-nearest-neighbors.pptx
+++ b/k-nearest-neighbors.pptx
@@ -239,7 +239,7 @@
 <file path=ppt/revisionInfo.xml><?xml version="1.0" encoding="utf-8"?>
 <p1510:revInfo xmlns:a="http://schemas.openxmlformats.org/drawingml/2006/main" xmlns:r="http://schemas.openxmlformats.org/officeDocument/2006/relationships" xmlns:p1510="http://schemas.microsoft.com/office/powerpoint/2015/10/main">
   <p1510:revLst>
-    <p1510:client id="{98FB6949-0D5E-4FCD-B882-DDB7FE643806}" v="87" dt="2025-01-05T22:39:23.145"/>
+    <p1510:client id="{98FB6949-0D5E-4FCD-B882-DDB7FE643806}" v="113" dt="2025-01-14T15:44:13.487"/>
   </p1510:revLst>
 </p1510:revInfo>
 </file>
@@ -249,12 +249,12 @@
   <pc:docChgLst>
     <pc:chgData name="Kristopher Wilson" userId="d9235ecf0b42df88" providerId="LiveId" clId="{98FB6949-0D5E-4FCD-B882-DDB7FE643806}"/>
     <pc:docChg chg="undo custSel addSld delSld modSld sldOrd">
-      <pc:chgData name="Kristopher Wilson" userId="d9235ecf0b42df88" providerId="LiveId" clId="{98FB6949-0D5E-4FCD-B882-DDB7FE643806}" dt="2025-01-05T22:39:23.130" v="3182" actId="1076"/>
+      <pc:chgData name="Kristopher Wilson" userId="d9235ecf0b42df88" providerId="LiveId" clId="{98FB6949-0D5E-4FCD-B882-DDB7FE643806}" dt="2025-01-14T16:03:13.885" v="5692" actId="20577"/>
       <pc:docMkLst>
         <pc:docMk/>
       </pc:docMkLst>
-      <pc:sldChg chg="modSp mod">
-        <pc:chgData name="Kristopher Wilson" userId="d9235ecf0b42df88" providerId="LiveId" clId="{98FB6949-0D5E-4FCD-B882-DDB7FE643806}" dt="2025-01-05T00:33:58.126" v="171" actId="120"/>
+      <pc:sldChg chg="modSp mod modNotesTx">
+        <pc:chgData name="Kristopher Wilson" userId="d9235ecf0b42df88" providerId="LiveId" clId="{98FB6949-0D5E-4FCD-B882-DDB7FE643806}" dt="2025-01-14T15:40:38.506" v="3400" actId="20577"/>
         <pc:sldMkLst>
           <pc:docMk/>
           <pc:sldMk cId="0" sldId="256"/>
@@ -299,18 +299,74 @@
           </ac:spMkLst>
         </pc:spChg>
       </pc:sldChg>
-      <pc:sldChg chg="addSp delSp modSp mod">
-        <pc:chgData name="Kristopher Wilson" userId="d9235ecf0b42df88" providerId="LiveId" clId="{98FB6949-0D5E-4FCD-B882-DDB7FE643806}" dt="2025-01-05T00:37:53.879" v="308" actId="207"/>
+      <pc:sldChg chg="modNotesTx">
+        <pc:chgData name="Kristopher Wilson" userId="d9235ecf0b42df88" providerId="LiveId" clId="{98FB6949-0D5E-4FCD-B882-DDB7FE643806}" dt="2025-01-14T15:41:44.708" v="3555" actId="20577"/>
+        <pc:sldMkLst>
+          <pc:docMk/>
+          <pc:sldMk cId="882672246" sldId="258"/>
+        </pc:sldMkLst>
+      </pc:sldChg>
+      <pc:sldChg chg="modNotesTx">
+        <pc:chgData name="Kristopher Wilson" userId="d9235ecf0b42df88" providerId="LiveId" clId="{98FB6949-0D5E-4FCD-B882-DDB7FE643806}" dt="2025-01-14T15:43:03.383" v="3740" actId="20577"/>
+        <pc:sldMkLst>
+          <pc:docMk/>
+          <pc:sldMk cId="4008082755" sldId="259"/>
+        </pc:sldMkLst>
+      </pc:sldChg>
+      <pc:sldChg chg="modNotesTx">
+        <pc:chgData name="Kristopher Wilson" userId="d9235ecf0b42df88" providerId="LiveId" clId="{98FB6949-0D5E-4FCD-B882-DDB7FE643806}" dt="2025-01-14T15:45:43.689" v="4114" actId="20577"/>
+        <pc:sldMkLst>
+          <pc:docMk/>
+          <pc:sldMk cId="429673183" sldId="260"/>
+        </pc:sldMkLst>
+      </pc:sldChg>
+      <pc:sldChg chg="modNotesTx">
+        <pc:chgData name="Kristopher Wilson" userId="d9235ecf0b42df88" providerId="LiveId" clId="{98FB6949-0D5E-4FCD-B882-DDB7FE643806}" dt="2025-01-14T15:41:32.730" v="3536" actId="20577"/>
+        <pc:sldMkLst>
+          <pc:docMk/>
+          <pc:sldMk cId="1002264300" sldId="274"/>
+        </pc:sldMkLst>
+      </pc:sldChg>
+      <pc:sldChg chg="modNotesTx">
+        <pc:chgData name="Kristopher Wilson" userId="d9235ecf0b42df88" providerId="LiveId" clId="{98FB6949-0D5E-4FCD-B882-DDB7FE643806}" dt="2025-01-14T15:42:12.872" v="3595" actId="20577"/>
+        <pc:sldMkLst>
+          <pc:docMk/>
+          <pc:sldMk cId="66861886" sldId="275"/>
+        </pc:sldMkLst>
+      </pc:sldChg>
+      <pc:sldChg chg="modNotesTx">
+        <pc:chgData name="Kristopher Wilson" userId="d9235ecf0b42df88" providerId="LiveId" clId="{98FB6949-0D5E-4FCD-B882-DDB7FE643806}" dt="2025-01-14T15:43:28.111" v="3850" actId="20577"/>
+        <pc:sldMkLst>
+          <pc:docMk/>
+          <pc:sldMk cId="2102535329" sldId="277"/>
+        </pc:sldMkLst>
+      </pc:sldChg>
+      <pc:sldChg chg="modNotesTx">
+        <pc:chgData name="Kristopher Wilson" userId="d9235ecf0b42df88" providerId="LiveId" clId="{98FB6949-0D5E-4FCD-B882-DDB7FE643806}" dt="2025-01-14T15:46:07.781" v="4148" actId="20577"/>
+        <pc:sldMkLst>
+          <pc:docMk/>
+          <pc:sldMk cId="1993618158" sldId="280"/>
+        </pc:sldMkLst>
+      </pc:sldChg>
+      <pc:sldChg chg="modNotesTx">
+        <pc:chgData name="Kristopher Wilson" userId="d9235ecf0b42df88" providerId="LiveId" clId="{98FB6949-0D5E-4FCD-B882-DDB7FE643806}" dt="2025-01-14T15:46:36.734" v="4194" actId="20577"/>
+        <pc:sldMkLst>
+          <pc:docMk/>
+          <pc:sldMk cId="436788954" sldId="281"/>
+        </pc:sldMkLst>
+      </pc:sldChg>
+      <pc:sldChg chg="addSp delSp modSp mod modNotesTx">
+        <pc:chgData name="Kristopher Wilson" userId="d9235ecf0b42df88" providerId="LiveId" clId="{98FB6949-0D5E-4FCD-B882-DDB7FE643806}" dt="2025-01-14T15:48:46.559" v="4466" actId="114"/>
         <pc:sldMkLst>
           <pc:docMk/>
           <pc:sldMk cId="3366460609" sldId="284"/>
         </pc:sldMkLst>
-        <pc:spChg chg="add del">
-          <ac:chgData name="Kristopher Wilson" userId="d9235ecf0b42df88" providerId="LiveId" clId="{98FB6949-0D5E-4FCD-B882-DDB7FE643806}" dt="2025-01-05T00:37:34.095" v="305" actId="478"/>
+        <pc:spChg chg="mod">
+          <ac:chgData name="Kristopher Wilson" userId="d9235ecf0b42df88" providerId="LiveId" clId="{98FB6949-0D5E-4FCD-B882-DDB7FE643806}" dt="2025-01-14T15:48:46.559" v="4466" actId="114"/>
           <ac:spMkLst>
             <pc:docMk/>
             <pc:sldMk cId="3366460609" sldId="284"/>
-            <ac:spMk id="4" creationId="{C33DE1D1-9B7D-0AE4-7181-48D3245D0CC5}"/>
+            <ac:spMk id="3" creationId="{D9021F52-9C1F-303F-41EC-6EEC9A0F2CD6}"/>
           </ac:spMkLst>
         </pc:spChg>
         <pc:spChg chg="add mod">
@@ -321,6 +377,13 @@
             <ac:spMk id="5" creationId="{296B692C-3628-9C7C-701D-3B60153DC5D1}"/>
           </ac:spMkLst>
         </pc:spChg>
+      </pc:sldChg>
+      <pc:sldChg chg="modNotesTx">
+        <pc:chgData name="Kristopher Wilson" userId="d9235ecf0b42df88" providerId="LiveId" clId="{98FB6949-0D5E-4FCD-B882-DDB7FE643806}" dt="2025-01-14T15:44:52.781" v="3976" actId="20577"/>
+        <pc:sldMkLst>
+          <pc:docMk/>
+          <pc:sldMk cId="816926912" sldId="285"/>
+        </pc:sldMkLst>
       </pc:sldChg>
       <pc:sldChg chg="modSp mod">
         <pc:chgData name="Kristopher Wilson" userId="d9235ecf0b42df88" providerId="LiveId" clId="{98FB6949-0D5E-4FCD-B882-DDB7FE643806}" dt="2025-01-05T00:37:08.859" v="303" actId="20577"/>
@@ -346,7 +409,7 @@
         </pc:spChg>
       </pc:sldChg>
       <pc:sldChg chg="modSp mod modNotesTx">
-        <pc:chgData name="Kristopher Wilson" userId="d9235ecf0b42df88" providerId="LiveId" clId="{98FB6949-0D5E-4FCD-B882-DDB7FE643806}" dt="2025-01-05T00:39:30.370" v="410" actId="20577"/>
+        <pc:chgData name="Kristopher Wilson" userId="d9235ecf0b42df88" providerId="LiveId" clId="{98FB6949-0D5E-4FCD-B882-DDB7FE643806}" dt="2025-01-14T15:49:26.606" v="4540" actId="20577"/>
         <pc:sldMkLst>
           <pc:docMk/>
           <pc:sldMk cId="2316342644" sldId="288"/>
@@ -391,28 +454,77 @@
           </ac:spMkLst>
         </pc:spChg>
       </pc:sldChg>
+      <pc:sldChg chg="modNotesTx">
+        <pc:chgData name="Kristopher Wilson" userId="d9235ecf0b42df88" providerId="LiveId" clId="{98FB6949-0D5E-4FCD-B882-DDB7FE643806}" dt="2025-01-14T15:49:45.532" v="4602" actId="20577"/>
+        <pc:sldMkLst>
+          <pc:docMk/>
+          <pc:sldMk cId="3876551106" sldId="290"/>
+        </pc:sldMkLst>
+      </pc:sldChg>
+      <pc:sldChg chg="modNotesTx">
+        <pc:chgData name="Kristopher Wilson" userId="d9235ecf0b42df88" providerId="LiveId" clId="{98FB6949-0D5E-4FCD-B882-DDB7FE643806}" dt="2025-01-14T15:50:02.860" v="4691" actId="20577"/>
+        <pc:sldMkLst>
+          <pc:docMk/>
+          <pc:sldMk cId="1522484694" sldId="291"/>
+        </pc:sldMkLst>
+      </pc:sldChg>
+      <pc:sldChg chg="modNotesTx">
+        <pc:chgData name="Kristopher Wilson" userId="d9235ecf0b42df88" providerId="LiveId" clId="{98FB6949-0D5E-4FCD-B882-DDB7FE643806}" dt="2025-01-14T15:51:22.125" v="4899" actId="20577"/>
+        <pc:sldMkLst>
+          <pc:docMk/>
+          <pc:sldMk cId="1981443278" sldId="294"/>
+        </pc:sldMkLst>
+      </pc:sldChg>
+      <pc:sldChg chg="modNotesTx">
+        <pc:chgData name="Kristopher Wilson" userId="d9235ecf0b42df88" providerId="LiveId" clId="{98FB6949-0D5E-4FCD-B882-DDB7FE643806}" dt="2025-01-14T15:52:38.607" v="5042" actId="20577"/>
+        <pc:sldMkLst>
+          <pc:docMk/>
+          <pc:sldMk cId="3954241241" sldId="304"/>
+        </pc:sldMkLst>
+      </pc:sldChg>
+      <pc:sldChg chg="modSp mod modNotesTx">
+        <pc:chgData name="Kristopher Wilson" userId="d9235ecf0b42df88" providerId="LiveId" clId="{98FB6949-0D5E-4FCD-B882-DDB7FE643806}" dt="2025-01-14T15:53:58.361" v="5089" actId="313"/>
+        <pc:sldMkLst>
+          <pc:docMk/>
+          <pc:sldMk cId="3778556512" sldId="306"/>
+        </pc:sldMkLst>
+        <pc:spChg chg="mod">
+          <ac:chgData name="Kristopher Wilson" userId="d9235ecf0b42df88" providerId="LiveId" clId="{98FB6949-0D5E-4FCD-B882-DDB7FE643806}" dt="2025-01-14T15:53:03.354" v="5046" actId="14100"/>
+          <ac:spMkLst>
+            <pc:docMk/>
+            <pc:sldMk cId="3778556512" sldId="306"/>
+            <ac:spMk id="3" creationId="{F851DE0E-7FBB-5088-45A4-C88B2C951827}"/>
+          </ac:spMkLst>
+        </pc:spChg>
+      </pc:sldChg>
+      <pc:sldChg chg="modSp mod">
+        <pc:chgData name="Kristopher Wilson" userId="d9235ecf0b42df88" providerId="LiveId" clId="{98FB6949-0D5E-4FCD-B882-DDB7FE643806}" dt="2025-01-14T15:53:09.399" v="5047" actId="14100"/>
+        <pc:sldMkLst>
+          <pc:docMk/>
+          <pc:sldMk cId="4075359980" sldId="307"/>
+        </pc:sldMkLst>
+        <pc:spChg chg="mod">
+          <ac:chgData name="Kristopher Wilson" userId="d9235ecf0b42df88" providerId="LiveId" clId="{98FB6949-0D5E-4FCD-B882-DDB7FE643806}" dt="2025-01-14T15:53:09.399" v="5047" actId="14100"/>
+          <ac:spMkLst>
+            <pc:docMk/>
+            <pc:sldMk cId="4075359980" sldId="307"/>
+            <ac:spMk id="3" creationId="{67B7C064-0699-D40E-6929-3CD7A30D03BD}"/>
+          </ac:spMkLst>
+        </pc:spChg>
+      </pc:sldChg>
+      <pc:sldChg chg="modNotesTx">
+        <pc:chgData name="Kristopher Wilson" userId="d9235ecf0b42df88" providerId="LiveId" clId="{98FB6949-0D5E-4FCD-B882-DDB7FE643806}" dt="2025-01-14T15:50:50.363" v="4842" actId="313"/>
+        <pc:sldMkLst>
+          <pc:docMk/>
+          <pc:sldMk cId="1761348202" sldId="309"/>
+        </pc:sldMkLst>
+      </pc:sldChg>
       <pc:sldChg chg="addSp delSp modSp del mod">
         <pc:chgData name="Kristopher Wilson" userId="d9235ecf0b42df88" providerId="LiveId" clId="{98FB6949-0D5E-4FCD-B882-DDB7FE643806}" dt="2025-01-05T00:53:38.587" v="419" actId="2696"/>
         <pc:sldMkLst>
           <pc:docMk/>
           <pc:sldMk cId="567612775" sldId="310"/>
         </pc:sldMkLst>
-        <pc:spChg chg="del">
-          <ac:chgData name="Kristopher Wilson" userId="d9235ecf0b42df88" providerId="LiveId" clId="{98FB6949-0D5E-4FCD-B882-DDB7FE643806}" dt="2025-01-05T00:53:34.096" v="418" actId="478"/>
-          <ac:spMkLst>
-            <pc:docMk/>
-            <pc:sldMk cId="567612775" sldId="310"/>
-            <ac:spMk id="3" creationId="{5BF8192C-D598-485E-F0D9-2848E42755AF}"/>
-          </ac:spMkLst>
-        </pc:spChg>
-        <pc:spChg chg="add mod">
-          <ac:chgData name="Kristopher Wilson" userId="d9235ecf0b42df88" providerId="LiveId" clId="{98FB6949-0D5E-4FCD-B882-DDB7FE643806}" dt="2025-01-05T00:53:34.096" v="418" actId="478"/>
-          <ac:spMkLst>
-            <pc:docMk/>
-            <pc:sldMk cId="567612775" sldId="310"/>
-            <ac:spMk id="5" creationId="{DCCFFE8C-8F93-272B-47D8-417AFE1D4FF9}"/>
-          </ac:spMkLst>
-        </pc:spChg>
       </pc:sldChg>
       <pc:sldChg chg="addSp delSp modSp del mod">
         <pc:chgData name="Kristopher Wilson" userId="d9235ecf0b42df88" providerId="LiveId" clId="{98FB6949-0D5E-4FCD-B882-DDB7FE643806}" dt="2025-01-05T00:56:21.580" v="447" actId="47"/>
@@ -420,25 +532,9 @@
           <pc:docMk/>
           <pc:sldMk cId="3490502577" sldId="311"/>
         </pc:sldMkLst>
-        <pc:spChg chg="del">
-          <ac:chgData name="Kristopher Wilson" userId="d9235ecf0b42df88" providerId="LiveId" clId="{98FB6949-0D5E-4FCD-B882-DDB7FE643806}" dt="2025-01-05T00:55:04.013" v="443" actId="478"/>
-          <ac:spMkLst>
-            <pc:docMk/>
-            <pc:sldMk cId="3490502577" sldId="311"/>
-            <ac:spMk id="3" creationId="{D5127ABA-79BB-77C6-497A-F46E71107838}"/>
-          </ac:spMkLst>
-        </pc:spChg>
-        <pc:spChg chg="add mod">
-          <ac:chgData name="Kristopher Wilson" userId="d9235ecf0b42df88" providerId="LiveId" clId="{98FB6949-0D5E-4FCD-B882-DDB7FE643806}" dt="2025-01-05T00:55:04.013" v="443" actId="478"/>
-          <ac:spMkLst>
-            <pc:docMk/>
-            <pc:sldMk cId="3490502577" sldId="311"/>
-            <ac:spMk id="5" creationId="{33E776C9-74B9-CC44-F50A-FB145D3212EA}"/>
-          </ac:spMkLst>
-        </pc:spChg>
       </pc:sldChg>
-      <pc:sldChg chg="addSp delSp modSp mod">
-        <pc:chgData name="Kristopher Wilson" userId="d9235ecf0b42df88" providerId="LiveId" clId="{98FB6949-0D5E-4FCD-B882-DDB7FE643806}" dt="2025-01-05T00:54:59.405" v="442" actId="478"/>
+      <pc:sldChg chg="addSp delSp modSp mod modNotesTx">
+        <pc:chgData name="Kristopher Wilson" userId="d9235ecf0b42df88" providerId="LiveId" clId="{98FB6949-0D5E-4FCD-B882-DDB7FE643806}" dt="2025-01-14T15:57:52.675" v="5460" actId="6549"/>
         <pc:sldMkLst>
           <pc:docMk/>
           <pc:sldMk cId="3238990568" sldId="312"/>
@@ -451,14 +547,6 @@
             <ac:spMk id="2" creationId="{F1B36A43-7826-7521-E812-B21AE7BD8F01}"/>
           </ac:spMkLst>
         </pc:spChg>
-        <pc:spChg chg="del">
-          <ac:chgData name="Kristopher Wilson" userId="d9235ecf0b42df88" providerId="LiveId" clId="{98FB6949-0D5E-4FCD-B882-DDB7FE643806}" dt="2025-01-05T00:54:59.405" v="442" actId="478"/>
-          <ac:spMkLst>
-            <pc:docMk/>
-            <pc:sldMk cId="3238990568" sldId="312"/>
-            <ac:spMk id="3" creationId="{E13C3D18-899B-55B7-1705-7521DD028A11}"/>
-          </ac:spMkLst>
-        </pc:spChg>
         <pc:spChg chg="add mod">
           <ac:chgData name="Kristopher Wilson" userId="d9235ecf0b42df88" providerId="LiveId" clId="{98FB6949-0D5E-4FCD-B882-DDB7FE643806}" dt="2025-01-05T00:54:59.405" v="442" actId="478"/>
           <ac:spMkLst>
@@ -468,8 +556,8 @@
           </ac:spMkLst>
         </pc:spChg>
       </pc:sldChg>
-      <pc:sldChg chg="modSp mod">
-        <pc:chgData name="Kristopher Wilson" userId="d9235ecf0b42df88" providerId="LiveId" clId="{98FB6949-0D5E-4FCD-B882-DDB7FE643806}" dt="2025-01-05T00:42:45.686" v="417" actId="20577"/>
+      <pc:sldChg chg="modSp mod modNotesTx">
+        <pc:chgData name="Kristopher Wilson" userId="d9235ecf0b42df88" providerId="LiveId" clId="{98FB6949-0D5E-4FCD-B882-DDB7FE643806}" dt="2025-01-14T15:54:36.138" v="5142" actId="20577"/>
         <pc:sldMkLst>
           <pc:docMk/>
           <pc:sldMk cId="3753935443" sldId="313"/>
@@ -512,8 +600,8 @@
           <pc:sldMk cId="2704533496" sldId="316"/>
         </pc:sldMkLst>
       </pc:sldChg>
-      <pc:sldChg chg="modSp mod">
-        <pc:chgData name="Kristopher Wilson" userId="d9235ecf0b42df88" providerId="LiveId" clId="{98FB6949-0D5E-4FCD-B882-DDB7FE643806}" dt="2025-01-05T21:28:42.367" v="1160" actId="20577"/>
+      <pc:sldChg chg="modSp mod modNotesTx">
+        <pc:chgData name="Kristopher Wilson" userId="d9235ecf0b42df88" providerId="LiveId" clId="{98FB6949-0D5E-4FCD-B882-DDB7FE643806}" dt="2025-01-14T16:00:08.301" v="5656" actId="20577"/>
         <pc:sldMkLst>
           <pc:docMk/>
           <pc:sldMk cId="3498946490" sldId="317"/>
@@ -543,10 +631,17 @@
         </pc:spChg>
       </pc:sldChg>
       <pc:sldChg chg="modNotesTx">
-        <pc:chgData name="Kristopher Wilson" userId="d9235ecf0b42df88" providerId="LiveId" clId="{98FB6949-0D5E-4FCD-B882-DDB7FE643806}" dt="2025-01-05T00:13:54.973" v="24" actId="20577"/>
+        <pc:chgData name="Kristopher Wilson" userId="d9235ecf0b42df88" providerId="LiveId" clId="{98FB6949-0D5E-4FCD-B882-DDB7FE643806}" dt="2025-01-14T15:41:01.979" v="3480" actId="20577"/>
         <pc:sldMkLst>
           <pc:docMk/>
           <pc:sldMk cId="858770862" sldId="320"/>
+        </pc:sldMkLst>
+      </pc:sldChg>
+      <pc:sldChg chg="modNotesTx">
+        <pc:chgData name="Kristopher Wilson" userId="d9235ecf0b42df88" providerId="LiveId" clId="{98FB6949-0D5E-4FCD-B882-DDB7FE643806}" dt="2025-01-14T15:41:14.986" v="3502" actId="20577"/>
+        <pc:sldMkLst>
+          <pc:docMk/>
+          <pc:sldMk cId="3915285650" sldId="322"/>
         </pc:sldMkLst>
       </pc:sldChg>
       <pc:sldChg chg="modSp mod">
@@ -571,6 +666,20 @@
             <ac:spMk id="3" creationId="{60FC461A-1603-E5E0-E26B-DCB986B0CB9E}"/>
           </ac:spMkLst>
         </pc:spChg>
+      </pc:sldChg>
+      <pc:sldChg chg="modNotesTx">
+        <pc:chgData name="Kristopher Wilson" userId="d9235ecf0b42df88" providerId="LiveId" clId="{98FB6949-0D5E-4FCD-B882-DDB7FE643806}" dt="2025-01-14T15:40:49.272" v="3447" actId="20577"/>
+        <pc:sldMkLst>
+          <pc:docMk/>
+          <pc:sldMk cId="3501753676" sldId="325"/>
+        </pc:sldMkLst>
+      </pc:sldChg>
+      <pc:sldChg chg="modNotesTx">
+        <pc:chgData name="Kristopher Wilson" userId="d9235ecf0b42df88" providerId="LiveId" clId="{98FB6949-0D5E-4FCD-B882-DDB7FE643806}" dt="2025-01-14T16:03:13.885" v="5692" actId="20577"/>
+        <pc:sldMkLst>
+          <pc:docMk/>
+          <pc:sldMk cId="599783447" sldId="326"/>
+        </pc:sldMkLst>
       </pc:sldChg>
       <pc:sldChg chg="add del">
         <pc:chgData name="Kristopher Wilson" userId="d9235ecf0b42df88" providerId="LiveId" clId="{98FB6949-0D5E-4FCD-B882-DDB7FE643806}" dt="2025-01-05T00:17:26.061" v="26" actId="47"/>
@@ -600,14 +709,6 @@
             <ac:spMk id="2" creationId="{0EE78915-CBAE-E09C-D39B-9C37510AAD14}"/>
           </ac:spMkLst>
         </pc:spChg>
-        <pc:spChg chg="del mod">
-          <ac:chgData name="Kristopher Wilson" userId="d9235ecf0b42df88" providerId="LiveId" clId="{98FB6949-0D5E-4FCD-B882-DDB7FE643806}" dt="2025-01-05T00:18:28.438" v="58" actId="478"/>
-          <ac:spMkLst>
-            <pc:docMk/>
-            <pc:sldMk cId="1430486210" sldId="327"/>
-            <ac:spMk id="3" creationId="{4B6270F1-E794-AD18-CB87-C28E9ADA8DF0}"/>
-          </ac:spMkLst>
-        </pc:spChg>
         <pc:spChg chg="add mod">
           <ac:chgData name="Kristopher Wilson" userId="d9235ecf0b42df88" providerId="LiveId" clId="{98FB6949-0D5E-4FCD-B882-DDB7FE643806}" dt="2025-01-05T00:18:28.438" v="58" actId="478"/>
           <ac:spMkLst>
@@ -616,55 +717,15 @@
             <ac:spMk id="5" creationId="{DC7C5BC1-3B98-AB1E-B9A2-07BEFD98C3F2}"/>
           </ac:spMkLst>
         </pc:spChg>
-        <pc:spChg chg="add mod">
-          <ac:chgData name="Kristopher Wilson" userId="d9235ecf0b42df88" providerId="LiveId" clId="{98FB6949-0D5E-4FCD-B882-DDB7FE643806}" dt="2025-01-05T00:18:37.192" v="60"/>
-          <ac:spMkLst>
-            <pc:docMk/>
-            <pc:sldMk cId="1430486210" sldId="327"/>
-            <ac:spMk id="7" creationId="{3DF88D33-EACF-3967-1310-C205590B1782}"/>
-          </ac:spMkLst>
-        </pc:spChg>
-        <pc:spChg chg="add mod">
-          <ac:chgData name="Kristopher Wilson" userId="d9235ecf0b42df88" providerId="LiveId" clId="{98FB6949-0D5E-4FCD-B882-DDB7FE643806}" dt="2025-01-05T00:18:37.192" v="60"/>
-          <ac:spMkLst>
-            <pc:docMk/>
-            <pc:sldMk cId="1430486210" sldId="327"/>
-            <ac:spMk id="8" creationId="{8C4C0ACC-5091-B5A0-090F-015022DE1BE8}"/>
-          </ac:spMkLst>
-        </pc:spChg>
-        <pc:grpChg chg="add mod">
-          <ac:chgData name="Kristopher Wilson" userId="d9235ecf0b42df88" providerId="LiveId" clId="{98FB6949-0D5E-4FCD-B882-DDB7FE643806}" dt="2025-01-05T00:18:37.192" v="60"/>
-          <ac:grpSpMkLst>
-            <pc:docMk/>
-            <pc:sldMk cId="1430486210" sldId="327"/>
-            <ac:grpSpMk id="6" creationId="{1D2C7324-0C5F-FF07-8F0A-CB71C1FE2FEB}"/>
-          </ac:grpSpMkLst>
-        </pc:grpChg>
-        <pc:picChg chg="add mod">
-          <ac:chgData name="Kristopher Wilson" userId="d9235ecf0b42df88" providerId="LiveId" clId="{98FB6949-0D5E-4FCD-B882-DDB7FE643806}" dt="2025-01-05T00:19:06.923" v="63" actId="1076"/>
-          <ac:picMkLst>
-            <pc:docMk/>
-            <pc:sldMk cId="1430486210" sldId="327"/>
-            <ac:picMk id="9" creationId="{00F60EA9-6E9E-EB92-B946-E22A2E5F69F4}"/>
-          </ac:picMkLst>
-        </pc:picChg>
       </pc:sldChg>
       <pc:sldChg chg="addSp delSp modSp add del mod">
-        <pc:chgData name="Kristopher Wilson" userId="d9235ecf0b42df88" providerId="LiveId" clId="{98FB6949-0D5E-4FCD-B882-DDB7FE643806}" dt="2025-01-05T00:23:29.166" v="118" actId="1076"/>
+        <pc:chgData name="Kristopher Wilson" userId="d9235ecf0b42df88" providerId="LiveId" clId="{98FB6949-0D5E-4FCD-B882-DDB7FE643806}" dt="2025-01-14T15:44:05.280" v="3857" actId="20577"/>
         <pc:sldMkLst>
           <pc:docMk/>
           <pc:sldMk cId="148941935" sldId="328"/>
         </pc:sldMkLst>
-        <pc:spChg chg="add mod">
-          <ac:chgData name="Kristopher Wilson" userId="d9235ecf0b42df88" providerId="LiveId" clId="{98FB6949-0D5E-4FCD-B882-DDB7FE643806}" dt="2025-01-05T00:20:12.539" v="75" actId="478"/>
-          <ac:spMkLst>
-            <pc:docMk/>
-            <pc:sldMk cId="148941935" sldId="328"/>
-            <ac:spMk id="3" creationId="{E729394D-CF71-0D7C-8FB5-07CC30DDB105}"/>
-          </ac:spMkLst>
-        </pc:spChg>
         <pc:graphicFrameChg chg="del mod">
-          <ac:chgData name="Kristopher Wilson" userId="d9235ecf0b42df88" providerId="LiveId" clId="{98FB6949-0D5E-4FCD-B882-DDB7FE643806}" dt="2025-01-05T00:23:29.166" v="118" actId="1076"/>
+          <ac:chgData name="Kristopher Wilson" userId="d9235ecf0b42df88" providerId="LiveId" clId="{98FB6949-0D5E-4FCD-B882-DDB7FE643806}" dt="2025-01-14T15:44:05.280" v="3857" actId="20577"/>
           <ac:graphicFrameMkLst>
             <pc:docMk/>
             <pc:sldMk cId="148941935" sldId="328"/>
@@ -673,19 +734,11 @@
         </pc:graphicFrameChg>
       </pc:sldChg>
       <pc:sldChg chg="addSp delSp modSp add del mod">
-        <pc:chgData name="Kristopher Wilson" userId="d9235ecf0b42df88" providerId="LiveId" clId="{98FB6949-0D5E-4FCD-B882-DDB7FE643806}" dt="2025-01-05T00:25:57.548" v="137" actId="478"/>
+        <pc:chgData name="Kristopher Wilson" userId="d9235ecf0b42df88" providerId="LiveId" clId="{98FB6949-0D5E-4FCD-B882-DDB7FE643806}" dt="2025-01-14T15:44:09.486" v="3864" actId="20577"/>
         <pc:sldMkLst>
           <pc:docMk/>
           <pc:sldMk cId="4138575850" sldId="329"/>
         </pc:sldMkLst>
-        <pc:spChg chg="add del mod">
-          <ac:chgData name="Kristopher Wilson" userId="d9235ecf0b42df88" providerId="LiveId" clId="{98FB6949-0D5E-4FCD-B882-DDB7FE643806}" dt="2025-01-05T00:25:57.548" v="137" actId="478"/>
-          <ac:spMkLst>
-            <pc:docMk/>
-            <pc:sldMk cId="4138575850" sldId="329"/>
-            <ac:spMk id="3" creationId="{CD7602BC-9F12-A6FB-A8F7-5624DE61E65D}"/>
-          </ac:spMkLst>
-        </pc:spChg>
         <pc:spChg chg="mod">
           <ac:chgData name="Kristopher Wilson" userId="d9235ecf0b42df88" providerId="LiveId" clId="{98FB6949-0D5E-4FCD-B882-DDB7FE643806}" dt="2025-01-05T00:24:22.770" v="127" actId="1076"/>
           <ac:spMkLst>
@@ -743,7 +796,7 @@
           </ac:grpSpMkLst>
         </pc:grpChg>
         <pc:graphicFrameChg chg="add del mod">
-          <ac:chgData name="Kristopher Wilson" userId="d9235ecf0b42df88" providerId="LiveId" clId="{98FB6949-0D5E-4FCD-B882-DDB7FE643806}" dt="2025-01-05T00:25:57.548" v="137" actId="478"/>
+          <ac:chgData name="Kristopher Wilson" userId="d9235ecf0b42df88" providerId="LiveId" clId="{98FB6949-0D5E-4FCD-B882-DDB7FE643806}" dt="2025-01-14T15:44:09.486" v="3864" actId="20577"/>
           <ac:graphicFrameMkLst>
             <pc:docMk/>
             <pc:sldMk cId="4138575850" sldId="329"/>
@@ -752,45 +805,29 @@
         </pc:graphicFrameChg>
       </pc:sldChg>
       <pc:sldChg chg="addSp delSp modSp add mod ord modNotesTx">
-        <pc:chgData name="Kristopher Wilson" userId="d9235ecf0b42df88" providerId="LiveId" clId="{98FB6949-0D5E-4FCD-B882-DDB7FE643806}" dt="2025-01-05T21:26:16.334" v="1128" actId="20577"/>
+        <pc:chgData name="Kristopher Wilson" userId="d9235ecf0b42df88" providerId="LiveId" clId="{98FB6949-0D5E-4FCD-B882-DDB7FE643806}" dt="2025-01-14T15:20:44.363" v="3265" actId="1076"/>
         <pc:sldMkLst>
           <pc:docMk/>
           <pc:sldMk cId="2198395137" sldId="330"/>
         </pc:sldMkLst>
         <pc:spChg chg="mod">
-          <ac:chgData name="Kristopher Wilson" userId="d9235ecf0b42df88" providerId="LiveId" clId="{98FB6949-0D5E-4FCD-B882-DDB7FE643806}" dt="2025-01-05T00:33:35.623" v="167" actId="1076"/>
+          <ac:chgData name="Kristopher Wilson" userId="d9235ecf0b42df88" providerId="LiveId" clId="{98FB6949-0D5E-4FCD-B882-DDB7FE643806}" dt="2025-01-14T15:18:55.541" v="3222" actId="20577"/>
           <ac:spMkLst>
             <pc:docMk/>
             <pc:sldMk cId="2198395137" sldId="330"/>
             <ac:spMk id="2" creationId="{BD41D16F-8433-A630-6036-2026ECCEA5BA}"/>
           </ac:spMkLst>
         </pc:spChg>
-        <pc:spChg chg="add del">
-          <ac:chgData name="Kristopher Wilson" userId="d9235ecf0b42df88" providerId="LiveId" clId="{98FB6949-0D5E-4FCD-B882-DDB7FE643806}" dt="2025-01-05T00:32:09.673" v="149" actId="22"/>
+        <pc:spChg chg="add mod">
+          <ac:chgData name="Kristopher Wilson" userId="d9235ecf0b42df88" providerId="LiveId" clId="{98FB6949-0D5E-4FCD-B882-DDB7FE643806}" dt="2025-01-14T15:20:44.363" v="3265" actId="1076"/>
           <ac:spMkLst>
             <pc:docMk/>
             <pc:sldMk cId="2198395137" sldId="330"/>
-            <ac:spMk id="4" creationId="{99080AC8-797D-6107-9939-195703CE2878}"/>
+            <ac:spMk id="3" creationId="{DAD5491E-D8C7-CB0B-1E1F-9AFE6D60605C}"/>
           </ac:spMkLst>
         </pc:spChg>
-        <pc:spChg chg="del">
-          <ac:chgData name="Kristopher Wilson" userId="d9235ecf0b42df88" providerId="LiveId" clId="{98FB6949-0D5E-4FCD-B882-DDB7FE643806}" dt="2025-01-05T00:32:32.714" v="156" actId="478"/>
-          <ac:spMkLst>
-            <pc:docMk/>
-            <pc:sldMk cId="2198395137" sldId="330"/>
-            <ac:spMk id="5" creationId="{7F91F162-F5FB-7F0C-B505-D7ED3ABF1399}"/>
-          </ac:spMkLst>
-        </pc:spChg>
-        <pc:picChg chg="add del mod">
-          <ac:chgData name="Kristopher Wilson" userId="d9235ecf0b42df88" providerId="LiveId" clId="{98FB6949-0D5E-4FCD-B882-DDB7FE643806}" dt="2025-01-05T00:32:08.539" v="147" actId="478"/>
-          <ac:picMkLst>
-            <pc:docMk/>
-            <pc:sldMk cId="2198395137" sldId="330"/>
-            <ac:picMk id="1026" creationId="{28B05C9C-DEB1-6458-5D81-D4F817FB63A4}"/>
-          </ac:picMkLst>
-        </pc:picChg>
         <pc:picChg chg="add mod">
-          <ac:chgData name="Kristopher Wilson" userId="d9235ecf0b42df88" providerId="LiveId" clId="{98FB6949-0D5E-4FCD-B882-DDB7FE643806}" dt="2025-01-05T00:32:36.289" v="157" actId="14100"/>
+          <ac:chgData name="Kristopher Wilson" userId="d9235ecf0b42df88" providerId="LiveId" clId="{98FB6949-0D5E-4FCD-B882-DDB7FE643806}" dt="2025-01-14T15:20:35.656" v="3264" actId="1076"/>
           <ac:picMkLst>
             <pc:docMk/>
             <pc:sldMk cId="2198395137" sldId="330"/>
@@ -804,14 +841,6 @@
           <pc:docMk/>
           <pc:sldMk cId="2301013034" sldId="330"/>
         </pc:sldMkLst>
-        <pc:graphicFrameChg chg="mod">
-          <ac:chgData name="Kristopher Wilson" userId="d9235ecf0b42df88" providerId="LiveId" clId="{98FB6949-0D5E-4FCD-B882-DDB7FE643806}" dt="2025-01-05T00:25:17.233" v="132"/>
-          <ac:graphicFrameMkLst>
-            <pc:docMk/>
-            <pc:sldMk cId="2301013034" sldId="330"/>
-            <ac:graphicFrameMk id="4" creationId="{84DE9011-71B2-E62B-FBD7-9B5D28B1830D}"/>
-          </ac:graphicFrameMkLst>
-        </pc:graphicFrameChg>
       </pc:sldChg>
       <pc:sldChg chg="new del">
         <pc:chgData name="Kristopher Wilson" userId="d9235ecf0b42df88" providerId="LiveId" clId="{98FB6949-0D5E-4FCD-B882-DDB7FE643806}" dt="2025-01-05T00:22:22.112" v="103" actId="680"/>
@@ -821,7 +850,7 @@
         </pc:sldMkLst>
       </pc:sldChg>
       <pc:sldChg chg="modSp add mod">
-        <pc:chgData name="Kristopher Wilson" userId="d9235ecf0b42df88" providerId="LiveId" clId="{98FB6949-0D5E-4FCD-B882-DDB7FE643806}" dt="2025-01-05T00:26:36.746" v="142" actId="207"/>
+        <pc:chgData name="Kristopher Wilson" userId="d9235ecf0b42df88" providerId="LiveId" clId="{98FB6949-0D5E-4FCD-B882-DDB7FE643806}" dt="2025-01-14T15:44:13.487" v="3871" actId="20577"/>
         <pc:sldMkLst>
           <pc:docMk/>
           <pc:sldMk cId="2398605309" sldId="331"/>
@@ -850,53 +879,21 @@
             <ac:grpSpMk id="8" creationId="{136F60AC-EF2B-7127-204D-C36ED8EDDE56}"/>
           </ac:grpSpMkLst>
         </pc:grpChg>
+        <pc:graphicFrameChg chg="mod">
+          <ac:chgData name="Kristopher Wilson" userId="d9235ecf0b42df88" providerId="LiveId" clId="{98FB6949-0D5E-4FCD-B882-DDB7FE643806}" dt="2025-01-14T15:44:13.487" v="3871" actId="20577"/>
+          <ac:graphicFrameMkLst>
+            <pc:docMk/>
+            <pc:sldMk cId="2398605309" sldId="331"/>
+            <ac:graphicFrameMk id="4" creationId="{8ECFA1A1-19E0-0B9C-BF2C-02F555A9A064}"/>
+          </ac:graphicFrameMkLst>
+        </pc:graphicFrameChg>
       </pc:sldChg>
-      <pc:sldChg chg="addSp delSp modSp add mod">
-        <pc:chgData name="Kristopher Wilson" userId="d9235ecf0b42df88" providerId="LiveId" clId="{98FB6949-0D5E-4FCD-B882-DDB7FE643806}" dt="2025-01-05T00:54:21.678" v="432" actId="14100"/>
+      <pc:sldChg chg="addSp delSp modSp add mod modNotesTx">
+        <pc:chgData name="Kristopher Wilson" userId="d9235ecf0b42df88" providerId="LiveId" clId="{98FB6949-0D5E-4FCD-B882-DDB7FE643806}" dt="2025-01-14T15:55:02.847" v="5260" actId="20577"/>
         <pc:sldMkLst>
           <pc:docMk/>
           <pc:sldMk cId="3248761571" sldId="332"/>
         </pc:sldMkLst>
-        <pc:spChg chg="add del">
-          <ac:chgData name="Kristopher Wilson" userId="d9235ecf0b42df88" providerId="LiveId" clId="{98FB6949-0D5E-4FCD-B882-DDB7FE643806}" dt="2025-01-05T00:54:10.198" v="428" actId="478"/>
-          <ac:spMkLst>
-            <pc:docMk/>
-            <pc:sldMk cId="3248761571" sldId="332"/>
-            <ac:spMk id="3" creationId="{C8824104-7593-CBDC-A726-FA12E3DB9188}"/>
-          </ac:spMkLst>
-        </pc:spChg>
-        <pc:spChg chg="add mod">
-          <ac:chgData name="Kristopher Wilson" userId="d9235ecf0b42df88" providerId="LiveId" clId="{98FB6949-0D5E-4FCD-B882-DDB7FE643806}" dt="2025-01-05T00:53:43.621" v="422"/>
-          <ac:spMkLst>
-            <pc:docMk/>
-            <pc:sldMk cId="3248761571" sldId="332"/>
-            <ac:spMk id="4" creationId="{7685D21A-D166-0C6F-F347-3F14A3455132}"/>
-          </ac:spMkLst>
-        </pc:spChg>
-        <pc:spChg chg="add del mod">
-          <ac:chgData name="Kristopher Wilson" userId="d9235ecf0b42df88" providerId="LiveId" clId="{98FB6949-0D5E-4FCD-B882-DDB7FE643806}" dt="2025-01-05T00:53:52.582" v="425" actId="478"/>
-          <ac:spMkLst>
-            <pc:docMk/>
-            <pc:sldMk cId="3248761571" sldId="332"/>
-            <ac:spMk id="5" creationId="{FE94F063-DA5E-B859-D859-0A223AF5FF37}"/>
-          </ac:spMkLst>
-        </pc:spChg>
-        <pc:spChg chg="add mod">
-          <ac:chgData name="Kristopher Wilson" userId="d9235ecf0b42df88" providerId="LiveId" clId="{98FB6949-0D5E-4FCD-B882-DDB7FE643806}" dt="2025-01-05T00:54:02.560" v="427"/>
-          <ac:spMkLst>
-            <pc:docMk/>
-            <pc:sldMk cId="3248761571" sldId="332"/>
-            <ac:spMk id="6" creationId="{1893900D-0A64-BB16-57A2-BBEA695B15E5}"/>
-          </ac:spMkLst>
-        </pc:spChg>
-        <pc:spChg chg="add">
-          <ac:chgData name="Kristopher Wilson" userId="d9235ecf0b42df88" providerId="LiveId" clId="{98FB6949-0D5E-4FCD-B882-DDB7FE643806}" dt="2025-01-05T00:54:11.195" v="429"/>
-          <ac:spMkLst>
-            <pc:docMk/>
-            <pc:sldMk cId="3248761571" sldId="332"/>
-            <ac:spMk id="7" creationId="{167C7DE1-3F6F-CB4E-975F-D22C37DD0305}"/>
-          </ac:spMkLst>
-        </pc:spChg>
         <pc:picChg chg="add mod">
           <ac:chgData name="Kristopher Wilson" userId="d9235ecf0b42df88" providerId="LiveId" clId="{98FB6949-0D5E-4FCD-B882-DDB7FE643806}" dt="2025-01-05T00:54:21.678" v="432" actId="14100"/>
           <ac:picMkLst>
@@ -912,22 +909,6 @@
           <pc:docMk/>
           <pc:sldMk cId="1050950386" sldId="333"/>
         </pc:sldMkLst>
-        <pc:spChg chg="del">
-          <ac:chgData name="Kristopher Wilson" userId="d9235ecf0b42df88" providerId="LiveId" clId="{98FB6949-0D5E-4FCD-B882-DDB7FE643806}" dt="2025-01-05T00:58:57.191" v="453" actId="478"/>
-          <ac:spMkLst>
-            <pc:docMk/>
-            <pc:sldMk cId="1050950386" sldId="333"/>
-            <ac:spMk id="3" creationId="{9017FE05-7FBB-60EA-1E94-E79A8475C0B8}"/>
-          </ac:spMkLst>
-        </pc:spChg>
-        <pc:spChg chg="add">
-          <ac:chgData name="Kristopher Wilson" userId="d9235ecf0b42df88" providerId="LiveId" clId="{98FB6949-0D5E-4FCD-B882-DDB7FE643806}" dt="2025-01-05T00:56:23.564" v="448"/>
-          <ac:spMkLst>
-            <pc:docMk/>
-            <pc:sldMk cId="1050950386" sldId="333"/>
-            <ac:spMk id="4" creationId="{DA0DFB7F-96F6-B8CA-2D4E-781EDABAA561}"/>
-          </ac:spMkLst>
-        </pc:spChg>
         <pc:picChg chg="add mod">
           <ac:chgData name="Kristopher Wilson" userId="d9235ecf0b42df88" providerId="LiveId" clId="{98FB6949-0D5E-4FCD-B882-DDB7FE643806}" dt="2025-01-05T00:56:33.356" v="452" actId="1076"/>
           <ac:picMkLst>
@@ -943,22 +924,6 @@
           <pc:docMk/>
           <pc:sldMk cId="3950797710" sldId="334"/>
         </pc:sldMkLst>
-        <pc:spChg chg="add">
-          <ac:chgData name="Kristopher Wilson" userId="d9235ecf0b42df88" providerId="LiveId" clId="{98FB6949-0D5E-4FCD-B882-DDB7FE643806}" dt="2025-01-05T01:01:01.415" v="456"/>
-          <ac:spMkLst>
-            <pc:docMk/>
-            <pc:sldMk cId="3950797710" sldId="334"/>
-            <ac:spMk id="3" creationId="{1D37FDCE-3844-4AAA-9AA3-70A105C7B991}"/>
-          </ac:spMkLst>
-        </pc:spChg>
-        <pc:spChg chg="del">
-          <ac:chgData name="Kristopher Wilson" userId="d9235ecf0b42df88" providerId="LiveId" clId="{98FB6949-0D5E-4FCD-B882-DDB7FE643806}" dt="2025-01-05T01:01:11.773" v="458" actId="478"/>
-          <ac:spMkLst>
-            <pc:docMk/>
-            <pc:sldMk cId="3950797710" sldId="334"/>
-            <ac:spMk id="5" creationId="{D6253486-C150-642F-A3B3-0FD245388BF1}"/>
-          </ac:spMkLst>
-        </pc:spChg>
         <pc:picChg chg="add mod">
           <ac:chgData name="Kristopher Wilson" userId="d9235ecf0b42df88" providerId="LiveId" clId="{98FB6949-0D5E-4FCD-B882-DDB7FE643806}" dt="2025-01-05T01:01:25.885" v="462" actId="1076"/>
           <ac:picMkLst>
@@ -969,7 +934,7 @@
         </pc:picChg>
       </pc:sldChg>
       <pc:sldChg chg="addSp delSp modSp add mod chgLayout modNotesTx">
-        <pc:chgData name="Kristopher Wilson" userId="d9235ecf0b42df88" providerId="LiveId" clId="{98FB6949-0D5E-4FCD-B882-DDB7FE643806}" dt="2025-01-05T22:34:47.768" v="3094" actId="20577"/>
+        <pc:chgData name="Kristopher Wilson" userId="d9235ecf0b42df88" providerId="LiveId" clId="{98FB6949-0D5E-4FCD-B882-DDB7FE643806}" dt="2025-01-14T15:58:28.824" v="5535" actId="20577"/>
         <pc:sldMkLst>
           <pc:docMk/>
           <pc:sldMk cId="3936327406" sldId="335"/>
@@ -990,30 +955,6 @@
             <ac:spMk id="3" creationId="{3F76013A-9653-D243-FEFE-6FD1FC6AFC67}"/>
           </ac:spMkLst>
         </pc:spChg>
-        <pc:spChg chg="add mod">
-          <ac:chgData name="Kristopher Wilson" userId="d9235ecf0b42df88" providerId="LiveId" clId="{98FB6949-0D5E-4FCD-B882-DDB7FE643806}" dt="2025-01-05T01:04:24.302" v="469"/>
-          <ac:spMkLst>
-            <pc:docMk/>
-            <pc:sldMk cId="3936327406" sldId="335"/>
-            <ac:spMk id="5" creationId="{9688B298-FF47-5042-691E-5B74961EE2E9}"/>
-          </ac:spMkLst>
-        </pc:spChg>
-        <pc:spChg chg="add mod">
-          <ac:chgData name="Kristopher Wilson" userId="d9235ecf0b42df88" providerId="LiveId" clId="{98FB6949-0D5E-4FCD-B882-DDB7FE643806}" dt="2025-01-05T01:04:29.888" v="473"/>
-          <ac:spMkLst>
-            <pc:docMk/>
-            <pc:sldMk cId="3936327406" sldId="335"/>
-            <ac:spMk id="6" creationId="{686E0A98-FAD9-DBF4-3752-76BCAE82578B}"/>
-          </ac:spMkLst>
-        </pc:spChg>
-        <pc:picChg chg="del">
-          <ac:chgData name="Kristopher Wilson" userId="d9235ecf0b42df88" providerId="LiveId" clId="{98FB6949-0D5E-4FCD-B882-DDB7FE643806}" dt="2025-01-05T01:02:29.751" v="466" actId="478"/>
-          <ac:picMkLst>
-            <pc:docMk/>
-            <pc:sldMk cId="3936327406" sldId="335"/>
-            <ac:picMk id="4" creationId="{EEAA28FE-8F57-B285-4EA9-2A268EB46695}"/>
-          </ac:picMkLst>
-        </pc:picChg>
       </pc:sldChg>
       <pc:sldChg chg="addSp delSp modSp add mod">
         <pc:chgData name="Kristopher Wilson" userId="d9235ecf0b42df88" providerId="LiveId" clId="{98FB6949-0D5E-4FCD-B882-DDB7FE643806}" dt="2025-01-05T22:13:12.323" v="2976"/>
@@ -1027,22 +968,6 @@
             <pc:docMk/>
             <pc:sldMk cId="1721295034" sldId="336"/>
             <ac:spMk id="2" creationId="{DC1682A1-9910-7144-EF88-6D210E65FED4}"/>
-          </ac:spMkLst>
-        </pc:spChg>
-        <pc:spChg chg="del">
-          <ac:chgData name="Kristopher Wilson" userId="d9235ecf0b42df88" providerId="LiveId" clId="{98FB6949-0D5E-4FCD-B882-DDB7FE643806}" dt="2025-01-05T01:10:48.303" v="938" actId="478"/>
-          <ac:spMkLst>
-            <pc:docMk/>
-            <pc:sldMk cId="1721295034" sldId="336"/>
-            <ac:spMk id="3" creationId="{4B9BE6CF-33E6-C23D-6374-CE2EA1CD6488}"/>
-          </ac:spMkLst>
-        </pc:spChg>
-        <pc:spChg chg="add">
-          <ac:chgData name="Kristopher Wilson" userId="d9235ecf0b42df88" providerId="LiveId" clId="{98FB6949-0D5E-4FCD-B882-DDB7FE643806}" dt="2025-01-05T01:10:35.343" v="934"/>
-          <ac:spMkLst>
-            <pc:docMk/>
-            <pc:sldMk cId="1721295034" sldId="336"/>
-            <ac:spMk id="4" creationId="{3A7E6CA5-4D5A-44AE-033C-B9738BECC854}"/>
           </ac:spMkLst>
         </pc:spChg>
         <pc:picChg chg="add mod">
@@ -1120,22 +1045,6 @@
           <pc:docMk/>
           <pc:sldMk cId="1185489136" sldId="341"/>
         </pc:sldMkLst>
-        <pc:spChg chg="del">
-          <ac:chgData name="Kristopher Wilson" userId="d9235ecf0b42df88" providerId="LiveId" clId="{98FB6949-0D5E-4FCD-B882-DDB7FE643806}" dt="2025-01-05T21:38:34.769" v="1602" actId="478"/>
-          <ac:spMkLst>
-            <pc:docMk/>
-            <pc:sldMk cId="1185489136" sldId="341"/>
-            <ac:spMk id="3" creationId="{F6ACAFF3-B5A9-01C5-33ED-130A6894DA0C}"/>
-          </ac:spMkLst>
-        </pc:spChg>
-        <pc:spChg chg="add del mod">
-          <ac:chgData name="Kristopher Wilson" userId="d9235ecf0b42df88" providerId="LiveId" clId="{98FB6949-0D5E-4FCD-B882-DDB7FE643806}" dt="2025-01-05T21:38:48.101" v="1605" actId="478"/>
-          <ac:spMkLst>
-            <pc:docMk/>
-            <pc:sldMk cId="1185489136" sldId="341"/>
-            <ac:spMk id="5" creationId="{705DC13C-F533-542E-C7CD-12426250C4AF}"/>
-          </ac:spMkLst>
-        </pc:spChg>
         <pc:spChg chg="add mod">
           <ac:chgData name="Kristopher Wilson" userId="d9235ecf0b42df88" providerId="LiveId" clId="{98FB6949-0D5E-4FCD-B882-DDB7FE643806}" dt="2025-01-05T21:39:47.047" v="1610" actId="207"/>
           <ac:spMkLst>
@@ -1288,14 +1197,6 @@
           <pc:docMk/>
           <pc:sldMk cId="2849645640" sldId="348"/>
         </pc:sldMkLst>
-        <pc:spChg chg="mod">
-          <ac:chgData name="Kristopher Wilson" userId="d9235ecf0b42df88" providerId="LiveId" clId="{98FB6949-0D5E-4FCD-B882-DDB7FE643806}" dt="2025-01-05T21:51:23.945" v="2345" actId="20577"/>
-          <ac:spMkLst>
-            <pc:docMk/>
-            <pc:sldMk cId="2849645640" sldId="348"/>
-            <ac:spMk id="3" creationId="{4D942159-36ED-43AC-330D-1D1CDEC45D90}"/>
-          </ac:spMkLst>
-        </pc:spChg>
       </pc:sldChg>
       <pc:sldChg chg="modSp add mod modNotesTx">
         <pc:chgData name="Kristopher Wilson" userId="d9235ecf0b42df88" providerId="LiveId" clId="{98FB6949-0D5E-4FCD-B882-DDB7FE643806}" dt="2025-01-05T22:05:46.011" v="2794" actId="14100"/>
@@ -4642,7 +4543,7 @@
         <a:p>
           <a:r>
             <a:rPr lang="en-US" sz="2800" dirty="0"/>
-            <a:t>Statistical Learning</a:t>
+            <a:t>Machine Learning</a:t>
           </a:r>
         </a:p>
       </dgm:t>
@@ -4926,7 +4827,7 @@
         <a:p>
           <a:r>
             <a:rPr lang="en-US" sz="2800" dirty="0"/>
-            <a:t>Statistical Learning</a:t>
+            <a:t>Machine Learning</a:t>
           </a:r>
         </a:p>
       </dgm:t>
@@ -5218,7 +5119,7 @@
         <a:p>
           <a:r>
             <a:rPr lang="en-US" sz="2800" dirty="0"/>
-            <a:t>Statistical Learning</a:t>
+            <a:t>Machine Learning</a:t>
           </a:r>
         </a:p>
       </dgm:t>
@@ -5685,7 +5586,7 @@
           </a:pPr>
           <a:r>
             <a:rPr lang="en-US" sz="2800" kern="1200" dirty="0"/>
-            <a:t>Statistical Learning</a:t>
+            <a:t>Machine Learning</a:t>
           </a:r>
         </a:p>
       </dsp:txBody>
@@ -6050,7 +5951,7 @@
           </a:pPr>
           <a:r>
             <a:rPr lang="en-US" sz="2800" kern="1200" dirty="0"/>
-            <a:t>Statistical Learning</a:t>
+            <a:t>Machine Learning</a:t>
           </a:r>
         </a:p>
       </dsp:txBody>
@@ -6414,7 +6315,7 @@
           </a:pPr>
           <a:r>
             <a:rPr lang="en-US" sz="2800" kern="1200" dirty="0"/>
-            <a:t>Statistical Learning</a:t>
+            <a:t>Machine Learning</a:t>
           </a:r>
         </a:p>
       </dsp:txBody>
@@ -13202,7 +13103,7 @@
           <a:p>
             <a:fld id="{6D28F817-3C1E-4980-A2D0-234BDA11B01B}" type="datetimeFigureOut">
               <a:rPr lang="en-US" smtClean="0"/>
-              <a:t>1/5/2025</a:t>
+              <a:t>1/14/2025</a:t>
             </a:fld>
             <a:endParaRPr lang="en-US"/>
           </a:p>
@@ -13515,7 +13416,7 @@
           <a:p>
             <a:r>
               <a:rPr lang="en-US" dirty="0"/>
-              <a:t>Audience participation!!</a:t>
+              <a:t>Reminder 1: don’t just read off the slides!!!</a:t>
             </a:r>
           </a:p>
         </p:txBody>
@@ -13537,7 +13438,7 @@
           <a:p>
             <a:fld id="{2CF3E296-9A10-4A48-B25C-C4EEE84E5793}" type="slidenum">
               <a:rPr lang="en-US" smtClean="0"/>
-              <a:t>7</a:t>
+              <a:t>1</a:t>
             </a:fld>
             <a:endParaRPr lang="en-US"/>
           </a:p>
@@ -13546,7 +13447,884 @@
     </p:spTree>
     <p:extLst>
       <p:ext uri="{BB962C8B-B14F-4D97-AF65-F5344CB8AC3E}">
-        <p14:creationId xmlns:p14="http://schemas.microsoft.com/office/powerpoint/2010/main" val="1031337221"/>
+        <p14:creationId xmlns:p14="http://schemas.microsoft.com/office/powerpoint/2010/main" val="875007024"/>
+      </p:ext>
+    </p:extLst>
+  </p:cSld>
+  <p:clrMapOvr>
+    <a:masterClrMapping/>
+  </p:clrMapOvr>
+</p:notes>
+</file>
+
+<file path=ppt/notesSlides/notesSlide10.xml><?xml version="1.0" encoding="utf-8"?>
+<p:notes xmlns:a="http://schemas.openxmlformats.org/drawingml/2006/main" xmlns:r="http://schemas.openxmlformats.org/officeDocument/2006/relationships" xmlns:p="http://schemas.openxmlformats.org/presentationml/2006/main">
+  <p:cSld>
+    <p:spTree>
+      <p:nvGrpSpPr>
+        <p:cNvPr id="1" name=""/>
+        <p:cNvGrpSpPr/>
+        <p:nvPr/>
+      </p:nvGrpSpPr>
+      <p:grpSpPr>
+        <a:xfrm>
+          <a:off x="0" y="0"/>
+          <a:ext cx="0" cy="0"/>
+          <a:chOff x="0" y="0"/>
+          <a:chExt cx="0" cy="0"/>
+        </a:xfrm>
+      </p:grpSpPr>
+      <p:sp>
+        <p:nvSpPr>
+          <p:cNvPr id="2" name="Slide Image Placeholder 1"/>
+          <p:cNvSpPr>
+            <a:spLocks noGrp="1" noRot="1" noChangeAspect="1"/>
+          </p:cNvSpPr>
+          <p:nvPr>
+            <p:ph type="sldImg"/>
+          </p:nvPr>
+        </p:nvSpPr>
+        <p:spPr/>
+      </p:sp>
+      <p:sp>
+        <p:nvSpPr>
+          <p:cNvPr id="3" name="Notes Placeholder 2"/>
+          <p:cNvSpPr>
+            <a:spLocks noGrp="1"/>
+          </p:cNvSpPr>
+          <p:nvPr>
+            <p:ph type="body" idx="1"/>
+          </p:nvPr>
+        </p:nvSpPr>
+        <p:spPr/>
+        <p:txBody>
+          <a:bodyPr/>
+          <a:lstStyle/>
+          <a:p>
+            <a:r>
+              <a:rPr lang="en-US" dirty="0"/>
+              <a:t>The other information we collected. We hope this can inform us/provide some information about the response</a:t>
+            </a:r>
+          </a:p>
+        </p:txBody>
+      </p:sp>
+      <p:sp>
+        <p:nvSpPr>
+          <p:cNvPr id="4" name="Slide Number Placeholder 3"/>
+          <p:cNvSpPr>
+            <a:spLocks noGrp="1"/>
+          </p:cNvSpPr>
+          <p:nvPr>
+            <p:ph type="sldNum" sz="quarter" idx="5"/>
+          </p:nvPr>
+        </p:nvSpPr>
+        <p:spPr/>
+        <p:txBody>
+          <a:bodyPr/>
+          <a:lstStyle/>
+          <a:p>
+            <a:fld id="{2CF3E296-9A10-4A48-B25C-C4EEE84E5793}" type="slidenum">
+              <a:rPr lang="en-US" smtClean="0"/>
+              <a:t>15</a:t>
+            </a:fld>
+            <a:endParaRPr lang="en-US"/>
+          </a:p>
+        </p:txBody>
+      </p:sp>
+    </p:spTree>
+    <p:extLst>
+      <p:ext uri="{BB962C8B-B14F-4D97-AF65-F5344CB8AC3E}">
+        <p14:creationId xmlns:p14="http://schemas.microsoft.com/office/powerpoint/2010/main" val="929575113"/>
+      </p:ext>
+    </p:extLst>
+  </p:cSld>
+  <p:clrMapOvr>
+    <a:masterClrMapping/>
+  </p:clrMapOvr>
+</p:notes>
+</file>
+
+<file path=ppt/notesSlides/notesSlide11.xml><?xml version="1.0" encoding="utf-8"?>
+<p:notes xmlns:a="http://schemas.openxmlformats.org/drawingml/2006/main" xmlns:r="http://schemas.openxmlformats.org/officeDocument/2006/relationships" xmlns:p="http://schemas.openxmlformats.org/presentationml/2006/main">
+  <p:cSld>
+    <p:spTree>
+      <p:nvGrpSpPr>
+        <p:cNvPr id="1" name=""/>
+        <p:cNvGrpSpPr/>
+        <p:nvPr/>
+      </p:nvGrpSpPr>
+      <p:grpSpPr>
+        <a:xfrm>
+          <a:off x="0" y="0"/>
+          <a:ext cx="0" cy="0"/>
+          <a:chOff x="0" y="0"/>
+          <a:chExt cx="0" cy="0"/>
+        </a:xfrm>
+      </p:grpSpPr>
+      <p:sp>
+        <p:nvSpPr>
+          <p:cNvPr id="2" name="Slide Image Placeholder 1"/>
+          <p:cNvSpPr>
+            <a:spLocks noGrp="1" noRot="1" noChangeAspect="1"/>
+          </p:cNvSpPr>
+          <p:nvPr>
+            <p:ph type="sldImg"/>
+          </p:nvPr>
+        </p:nvSpPr>
+        <p:spPr/>
+      </p:sp>
+      <p:sp>
+        <p:nvSpPr>
+          <p:cNvPr id="3" name="Notes Placeholder 2"/>
+          <p:cNvSpPr>
+            <a:spLocks noGrp="1"/>
+          </p:cNvSpPr>
+          <p:nvPr>
+            <p:ph type="body" idx="1"/>
+          </p:nvPr>
+        </p:nvSpPr>
+        <p:spPr/>
+        <p:txBody>
+          <a:bodyPr/>
+          <a:lstStyle/>
+          <a:p>
+            <a:r>
+              <a:rPr lang="en-US" dirty="0"/>
+              <a:t>Generally, more complex algorithms </a:t>
+            </a:r>
+            <a:r>
+              <a:rPr lang="en-US" dirty="0">
+                <a:sym typeface="Wingdings" panose="05000000000000000000" pitchFamily="2" charset="2"/>
+              </a:rPr>
+              <a:t> more accurate predictions, but at the cost of interpretability/explainability (“black box models”)</a:t>
+            </a:r>
+            <a:endParaRPr lang="en-US" dirty="0"/>
+          </a:p>
+        </p:txBody>
+      </p:sp>
+      <p:sp>
+        <p:nvSpPr>
+          <p:cNvPr id="4" name="Slide Number Placeholder 3"/>
+          <p:cNvSpPr>
+            <a:spLocks noGrp="1"/>
+          </p:cNvSpPr>
+          <p:nvPr>
+            <p:ph type="sldNum" sz="quarter" idx="5"/>
+          </p:nvPr>
+        </p:nvSpPr>
+        <p:spPr/>
+        <p:txBody>
+          <a:bodyPr/>
+          <a:lstStyle/>
+          <a:p>
+            <a:fld id="{2CF3E296-9A10-4A48-B25C-C4EEE84E5793}" type="slidenum">
+              <a:rPr lang="en-US" smtClean="0"/>
+              <a:t>21</a:t>
+            </a:fld>
+            <a:endParaRPr lang="en-US"/>
+          </a:p>
+        </p:txBody>
+      </p:sp>
+    </p:spTree>
+    <p:extLst>
+      <p:ext uri="{BB962C8B-B14F-4D97-AF65-F5344CB8AC3E}">
+        <p14:creationId xmlns:p14="http://schemas.microsoft.com/office/powerpoint/2010/main" val="2881152196"/>
+      </p:ext>
+    </p:extLst>
+  </p:cSld>
+  <p:clrMapOvr>
+    <a:masterClrMapping/>
+  </p:clrMapOvr>
+</p:notes>
+</file>
+
+<file path=ppt/notesSlides/notesSlide12.xml><?xml version="1.0" encoding="utf-8"?>
+<p:notes xmlns:a="http://schemas.openxmlformats.org/drawingml/2006/main" xmlns:r="http://schemas.openxmlformats.org/officeDocument/2006/relationships" xmlns:p="http://schemas.openxmlformats.org/presentationml/2006/main">
+  <p:cSld>
+    <p:spTree>
+      <p:nvGrpSpPr>
+        <p:cNvPr id="1" name=""/>
+        <p:cNvGrpSpPr/>
+        <p:nvPr/>
+      </p:nvGrpSpPr>
+      <p:grpSpPr>
+        <a:xfrm>
+          <a:off x="0" y="0"/>
+          <a:ext cx="0" cy="0"/>
+          <a:chOff x="0" y="0"/>
+          <a:chExt cx="0" cy="0"/>
+        </a:xfrm>
+      </p:grpSpPr>
+      <p:sp>
+        <p:nvSpPr>
+          <p:cNvPr id="2" name="Slide Image Placeholder 1"/>
+          <p:cNvSpPr>
+            <a:spLocks noGrp="1" noRot="1" noChangeAspect="1"/>
+          </p:cNvSpPr>
+          <p:nvPr>
+            <p:ph type="sldImg"/>
+          </p:nvPr>
+        </p:nvSpPr>
+        <p:spPr/>
+      </p:sp>
+      <p:sp>
+        <p:nvSpPr>
+          <p:cNvPr id="3" name="Notes Placeholder 2"/>
+          <p:cNvSpPr>
+            <a:spLocks noGrp="1"/>
+          </p:cNvSpPr>
+          <p:nvPr>
+            <p:ph type="body" idx="1"/>
+          </p:nvPr>
+        </p:nvSpPr>
+        <p:spPr/>
+        <p:txBody>
+          <a:bodyPr/>
+          <a:lstStyle/>
+          <a:p>
+            <a:r>
+              <a:rPr lang="en-US" dirty="0"/>
+              <a:t>No target outcome we want to predict. What’s the point, then???</a:t>
+            </a:r>
+          </a:p>
+        </p:txBody>
+      </p:sp>
+      <p:sp>
+        <p:nvSpPr>
+          <p:cNvPr id="4" name="Slide Number Placeholder 3"/>
+          <p:cNvSpPr>
+            <a:spLocks noGrp="1"/>
+          </p:cNvSpPr>
+          <p:nvPr>
+            <p:ph type="sldNum" sz="quarter" idx="5"/>
+          </p:nvPr>
+        </p:nvSpPr>
+        <p:spPr/>
+        <p:txBody>
+          <a:bodyPr/>
+          <a:lstStyle/>
+          <a:p>
+            <a:fld id="{2CF3E296-9A10-4A48-B25C-C4EEE84E5793}" type="slidenum">
+              <a:rPr lang="en-US" smtClean="0"/>
+              <a:t>22</a:t>
+            </a:fld>
+            <a:endParaRPr lang="en-US"/>
+          </a:p>
+        </p:txBody>
+      </p:sp>
+    </p:spTree>
+    <p:extLst>
+      <p:ext uri="{BB962C8B-B14F-4D97-AF65-F5344CB8AC3E}">
+        <p14:creationId xmlns:p14="http://schemas.microsoft.com/office/powerpoint/2010/main" val="251919592"/>
+      </p:ext>
+    </p:extLst>
+  </p:cSld>
+  <p:clrMapOvr>
+    <a:masterClrMapping/>
+  </p:clrMapOvr>
+</p:notes>
+</file>
+
+<file path=ppt/notesSlides/notesSlide13.xml><?xml version="1.0" encoding="utf-8"?>
+<p:notes xmlns:a="http://schemas.openxmlformats.org/drawingml/2006/main" xmlns:r="http://schemas.openxmlformats.org/officeDocument/2006/relationships" xmlns:p="http://schemas.openxmlformats.org/presentationml/2006/main">
+  <p:cSld>
+    <p:spTree>
+      <p:nvGrpSpPr>
+        <p:cNvPr id="1" name=""/>
+        <p:cNvGrpSpPr/>
+        <p:nvPr/>
+      </p:nvGrpSpPr>
+      <p:grpSpPr>
+        <a:xfrm>
+          <a:off x="0" y="0"/>
+          <a:ext cx="0" cy="0"/>
+          <a:chOff x="0" y="0"/>
+          <a:chExt cx="0" cy="0"/>
+        </a:xfrm>
+      </p:grpSpPr>
+      <p:sp>
+        <p:nvSpPr>
+          <p:cNvPr id="2" name="Slide Image Placeholder 1"/>
+          <p:cNvSpPr>
+            <a:spLocks noGrp="1" noRot="1" noChangeAspect="1"/>
+          </p:cNvSpPr>
+          <p:nvPr>
+            <p:ph type="sldImg"/>
+          </p:nvPr>
+        </p:nvSpPr>
+        <p:spPr/>
+      </p:sp>
+      <p:sp>
+        <p:nvSpPr>
+          <p:cNvPr id="3" name="Notes Placeholder 2"/>
+          <p:cNvSpPr>
+            <a:spLocks noGrp="1"/>
+          </p:cNvSpPr>
+          <p:nvPr>
+            <p:ph type="body" idx="1"/>
+          </p:nvPr>
+        </p:nvSpPr>
+        <p:spPr/>
+        <p:txBody>
+          <a:bodyPr/>
+          <a:lstStyle/>
+          <a:p>
+            <a:r>
+              <a:rPr lang="en-US" dirty="0"/>
+              <a:t>Did we collect redundant information? Is there a natural grouping/structure within the data?</a:t>
+            </a:r>
+          </a:p>
+        </p:txBody>
+      </p:sp>
+      <p:sp>
+        <p:nvSpPr>
+          <p:cNvPr id="4" name="Slide Number Placeholder 3"/>
+          <p:cNvSpPr>
+            <a:spLocks noGrp="1"/>
+          </p:cNvSpPr>
+          <p:nvPr>
+            <p:ph type="sldNum" sz="quarter" idx="5"/>
+          </p:nvPr>
+        </p:nvSpPr>
+        <p:spPr/>
+        <p:txBody>
+          <a:bodyPr/>
+          <a:lstStyle/>
+          <a:p>
+            <a:fld id="{2CF3E296-9A10-4A48-B25C-C4EEE84E5793}" type="slidenum">
+              <a:rPr lang="en-US" smtClean="0"/>
+              <a:t>23</a:t>
+            </a:fld>
+            <a:endParaRPr lang="en-US"/>
+          </a:p>
+        </p:txBody>
+      </p:sp>
+    </p:spTree>
+    <p:extLst>
+      <p:ext uri="{BB962C8B-B14F-4D97-AF65-F5344CB8AC3E}">
+        <p14:creationId xmlns:p14="http://schemas.microsoft.com/office/powerpoint/2010/main" val="2363736193"/>
+      </p:ext>
+    </p:extLst>
+  </p:cSld>
+  <p:clrMapOvr>
+    <a:masterClrMapping/>
+  </p:clrMapOvr>
+</p:notes>
+</file>
+
+<file path=ppt/notesSlides/notesSlide14.xml><?xml version="1.0" encoding="utf-8"?>
+<p:notes xmlns:a="http://schemas.openxmlformats.org/drawingml/2006/main" xmlns:r="http://schemas.openxmlformats.org/officeDocument/2006/relationships" xmlns:p="http://schemas.openxmlformats.org/presentationml/2006/main">
+  <p:cSld>
+    <p:spTree>
+      <p:nvGrpSpPr>
+        <p:cNvPr id="1" name=""/>
+        <p:cNvGrpSpPr/>
+        <p:nvPr/>
+      </p:nvGrpSpPr>
+      <p:grpSpPr>
+        <a:xfrm>
+          <a:off x="0" y="0"/>
+          <a:ext cx="0" cy="0"/>
+          <a:chOff x="0" y="0"/>
+          <a:chExt cx="0" cy="0"/>
+        </a:xfrm>
+      </p:grpSpPr>
+      <p:sp>
+        <p:nvSpPr>
+          <p:cNvPr id="2" name="Slide Image Placeholder 1"/>
+          <p:cNvSpPr>
+            <a:spLocks noGrp="1" noRot="1" noChangeAspect="1"/>
+          </p:cNvSpPr>
+          <p:nvPr>
+            <p:ph type="sldImg"/>
+          </p:nvPr>
+        </p:nvSpPr>
+        <p:spPr/>
+      </p:sp>
+      <p:sp>
+        <p:nvSpPr>
+          <p:cNvPr id="3" name="Notes Placeholder 2"/>
+          <p:cNvSpPr>
+            <a:spLocks noGrp="1"/>
+          </p:cNvSpPr>
+          <p:nvPr>
+            <p:ph type="body" idx="1"/>
+          </p:nvPr>
+        </p:nvSpPr>
+        <p:spPr/>
+        <p:txBody>
+          <a:bodyPr/>
+          <a:lstStyle/>
+          <a:p>
+            <a:r>
+              <a:rPr lang="en-US" dirty="0"/>
+              <a:t>What does this look like in math?</a:t>
+            </a:r>
+          </a:p>
+        </p:txBody>
+      </p:sp>
+      <p:sp>
+        <p:nvSpPr>
+          <p:cNvPr id="4" name="Slide Number Placeholder 3"/>
+          <p:cNvSpPr>
+            <a:spLocks noGrp="1"/>
+          </p:cNvSpPr>
+          <p:nvPr>
+            <p:ph type="sldNum" sz="quarter" idx="5"/>
+          </p:nvPr>
+        </p:nvSpPr>
+        <p:spPr/>
+        <p:txBody>
+          <a:bodyPr/>
+          <a:lstStyle/>
+          <a:p>
+            <a:fld id="{2CF3E296-9A10-4A48-B25C-C4EEE84E5793}" type="slidenum">
+              <a:rPr lang="en-US" smtClean="0"/>
+              <a:t>28</a:t>
+            </a:fld>
+            <a:endParaRPr lang="en-US"/>
+          </a:p>
+        </p:txBody>
+      </p:sp>
+    </p:spTree>
+    <p:extLst>
+      <p:ext uri="{BB962C8B-B14F-4D97-AF65-F5344CB8AC3E}">
+        <p14:creationId xmlns:p14="http://schemas.microsoft.com/office/powerpoint/2010/main" val="3677732957"/>
+      </p:ext>
+    </p:extLst>
+  </p:cSld>
+  <p:clrMapOvr>
+    <a:masterClrMapping/>
+  </p:clrMapOvr>
+</p:notes>
+</file>
+
+<file path=ppt/notesSlides/notesSlide15.xml><?xml version="1.0" encoding="utf-8"?>
+<p:notes xmlns:a="http://schemas.openxmlformats.org/drawingml/2006/main" xmlns:r="http://schemas.openxmlformats.org/officeDocument/2006/relationships" xmlns:p="http://schemas.openxmlformats.org/presentationml/2006/main">
+  <p:cSld>
+    <p:spTree>
+      <p:nvGrpSpPr>
+        <p:cNvPr id="1" name=""/>
+        <p:cNvGrpSpPr/>
+        <p:nvPr/>
+      </p:nvGrpSpPr>
+      <p:grpSpPr>
+        <a:xfrm>
+          <a:off x="0" y="0"/>
+          <a:ext cx="0" cy="0"/>
+          <a:chOff x="0" y="0"/>
+          <a:chExt cx="0" cy="0"/>
+        </a:xfrm>
+      </p:grpSpPr>
+      <p:sp>
+        <p:nvSpPr>
+          <p:cNvPr id="2" name="Slide Image Placeholder 1"/>
+          <p:cNvSpPr>
+            <a:spLocks noGrp="1" noRot="1" noChangeAspect="1"/>
+          </p:cNvSpPr>
+          <p:nvPr>
+            <p:ph type="sldImg"/>
+          </p:nvPr>
+        </p:nvSpPr>
+        <p:spPr/>
+      </p:sp>
+      <p:sp>
+        <p:nvSpPr>
+          <p:cNvPr id="3" name="Notes Placeholder 2"/>
+          <p:cNvSpPr>
+            <a:spLocks noGrp="1"/>
+          </p:cNvSpPr>
+          <p:nvPr>
+            <p:ph type="body" idx="1"/>
+          </p:nvPr>
+        </p:nvSpPr>
+        <p:spPr/>
+        <p:txBody>
+          <a:bodyPr/>
+          <a:lstStyle/>
+          <a:p>
+            <a:r>
+              <a:rPr lang="en-US" dirty="0"/>
+              <a:t>Apply some function f to our data X to get Y!</a:t>
+            </a:r>
+          </a:p>
+        </p:txBody>
+      </p:sp>
+      <p:sp>
+        <p:nvSpPr>
+          <p:cNvPr id="4" name="Slide Number Placeholder 3"/>
+          <p:cNvSpPr>
+            <a:spLocks noGrp="1"/>
+          </p:cNvSpPr>
+          <p:nvPr>
+            <p:ph type="sldNum" sz="quarter" idx="5"/>
+          </p:nvPr>
+        </p:nvSpPr>
+        <p:spPr/>
+        <p:txBody>
+          <a:bodyPr/>
+          <a:lstStyle/>
+          <a:p>
+            <a:fld id="{2CF3E296-9A10-4A48-B25C-C4EEE84E5793}" type="slidenum">
+              <a:rPr lang="en-US" smtClean="0"/>
+              <a:t>30</a:t>
+            </a:fld>
+            <a:endParaRPr lang="en-US"/>
+          </a:p>
+        </p:txBody>
+      </p:sp>
+    </p:spTree>
+    <p:extLst>
+      <p:ext uri="{BB962C8B-B14F-4D97-AF65-F5344CB8AC3E}">
+        <p14:creationId xmlns:p14="http://schemas.microsoft.com/office/powerpoint/2010/main" val="155432929"/>
+      </p:ext>
+    </p:extLst>
+  </p:cSld>
+  <p:clrMapOvr>
+    <a:masterClrMapping/>
+  </p:clrMapOvr>
+</p:notes>
+</file>
+
+<file path=ppt/notesSlides/notesSlide16.xml><?xml version="1.0" encoding="utf-8"?>
+<p:notes xmlns:a="http://schemas.openxmlformats.org/drawingml/2006/main" xmlns:r="http://schemas.openxmlformats.org/officeDocument/2006/relationships" xmlns:p="http://schemas.openxmlformats.org/presentationml/2006/main">
+  <p:cSld>
+    <p:spTree>
+      <p:nvGrpSpPr>
+        <p:cNvPr id="1" name=""/>
+        <p:cNvGrpSpPr/>
+        <p:nvPr/>
+      </p:nvGrpSpPr>
+      <p:grpSpPr>
+        <a:xfrm>
+          <a:off x="0" y="0"/>
+          <a:ext cx="0" cy="0"/>
+          <a:chOff x="0" y="0"/>
+          <a:chExt cx="0" cy="0"/>
+        </a:xfrm>
+      </p:grpSpPr>
+      <p:sp>
+        <p:nvSpPr>
+          <p:cNvPr id="2" name="Slide Image Placeholder 1"/>
+          <p:cNvSpPr>
+            <a:spLocks noGrp="1" noRot="1" noChangeAspect="1"/>
+          </p:cNvSpPr>
+          <p:nvPr>
+            <p:ph type="sldImg"/>
+          </p:nvPr>
+        </p:nvSpPr>
+        <p:spPr/>
+      </p:sp>
+      <p:sp>
+        <p:nvSpPr>
+          <p:cNvPr id="3" name="Notes Placeholder 2"/>
+          <p:cNvSpPr>
+            <a:spLocks noGrp="1"/>
+          </p:cNvSpPr>
+          <p:nvPr>
+            <p:ph type="body" idx="1"/>
+          </p:nvPr>
+        </p:nvSpPr>
+        <p:spPr/>
+        <p:txBody>
+          <a:bodyPr/>
+          <a:lstStyle/>
+          <a:p>
+            <a:r>
+              <a:rPr lang="en-US" dirty="0"/>
+              <a:t>Could be measurement error, data entry error, “lack of information” (cause we’ll never know everything), could be due to budget (i.e., costs for another study/bigger study are too high)</a:t>
+            </a:r>
+          </a:p>
+        </p:txBody>
+      </p:sp>
+      <p:sp>
+        <p:nvSpPr>
+          <p:cNvPr id="4" name="Slide Number Placeholder 3"/>
+          <p:cNvSpPr>
+            <a:spLocks noGrp="1"/>
+          </p:cNvSpPr>
+          <p:nvPr>
+            <p:ph type="sldNum" sz="quarter" idx="5"/>
+          </p:nvPr>
+        </p:nvSpPr>
+        <p:spPr/>
+        <p:txBody>
+          <a:bodyPr/>
+          <a:lstStyle/>
+          <a:p>
+            <a:fld id="{2CF3E296-9A10-4A48-B25C-C4EEE84E5793}" type="slidenum">
+              <a:rPr lang="en-US" smtClean="0"/>
+              <a:t>32</a:t>
+            </a:fld>
+            <a:endParaRPr lang="en-US"/>
+          </a:p>
+        </p:txBody>
+      </p:sp>
+    </p:spTree>
+    <p:extLst>
+      <p:ext uri="{BB962C8B-B14F-4D97-AF65-F5344CB8AC3E}">
+        <p14:creationId xmlns:p14="http://schemas.microsoft.com/office/powerpoint/2010/main" val="2353719568"/>
+      </p:ext>
+    </p:extLst>
+  </p:cSld>
+  <p:clrMapOvr>
+    <a:masterClrMapping/>
+  </p:clrMapOvr>
+</p:notes>
+</file>
+
+<file path=ppt/notesSlides/notesSlide17.xml><?xml version="1.0" encoding="utf-8"?>
+<p:notes xmlns:a="http://schemas.openxmlformats.org/drawingml/2006/main" xmlns:r="http://schemas.openxmlformats.org/officeDocument/2006/relationships" xmlns:p="http://schemas.openxmlformats.org/presentationml/2006/main">
+  <p:cSld>
+    <p:spTree>
+      <p:nvGrpSpPr>
+        <p:cNvPr id="1" name=""/>
+        <p:cNvGrpSpPr/>
+        <p:nvPr/>
+      </p:nvGrpSpPr>
+      <p:grpSpPr>
+        <a:xfrm>
+          <a:off x="0" y="0"/>
+          <a:ext cx="0" cy="0"/>
+          <a:chOff x="0" y="0"/>
+          <a:chExt cx="0" cy="0"/>
+        </a:xfrm>
+      </p:grpSpPr>
+      <p:sp>
+        <p:nvSpPr>
+          <p:cNvPr id="2" name="Slide Image Placeholder 1"/>
+          <p:cNvSpPr>
+            <a:spLocks noGrp="1" noRot="1" noChangeAspect="1"/>
+          </p:cNvSpPr>
+          <p:nvPr>
+            <p:ph type="sldImg"/>
+          </p:nvPr>
+        </p:nvSpPr>
+        <p:spPr/>
+      </p:sp>
+      <p:sp>
+        <p:nvSpPr>
+          <p:cNvPr id="3" name="Notes Placeholder 2"/>
+          <p:cNvSpPr>
+            <a:spLocks noGrp="1"/>
+          </p:cNvSpPr>
+          <p:nvPr>
+            <p:ph type="body" idx="1"/>
+          </p:nvPr>
+        </p:nvSpPr>
+        <p:spPr/>
+        <p:txBody>
+          <a:bodyPr/>
+          <a:lstStyle/>
+          <a:p>
+            <a:r>
+              <a:rPr lang="en-US" dirty="0"/>
+              <a:t>Predefined = can be written down beforehand. You know what it looks like before it’s fit. Not specific to the data</a:t>
+            </a:r>
+          </a:p>
+        </p:txBody>
+      </p:sp>
+      <p:sp>
+        <p:nvSpPr>
+          <p:cNvPr id="4" name="Slide Number Placeholder 3"/>
+          <p:cNvSpPr>
+            <a:spLocks noGrp="1"/>
+          </p:cNvSpPr>
+          <p:nvPr>
+            <p:ph type="sldNum" sz="quarter" idx="5"/>
+          </p:nvPr>
+        </p:nvSpPr>
+        <p:spPr/>
+        <p:txBody>
+          <a:bodyPr/>
+          <a:lstStyle/>
+          <a:p>
+            <a:fld id="{2CF3E296-9A10-4A48-B25C-C4EEE84E5793}" type="slidenum">
+              <a:rPr lang="en-US" smtClean="0"/>
+              <a:t>34</a:t>
+            </a:fld>
+            <a:endParaRPr lang="en-US"/>
+          </a:p>
+        </p:txBody>
+      </p:sp>
+    </p:spTree>
+    <p:extLst>
+      <p:ext uri="{BB962C8B-B14F-4D97-AF65-F5344CB8AC3E}">
+        <p14:creationId xmlns:p14="http://schemas.microsoft.com/office/powerpoint/2010/main" val="464802719"/>
+      </p:ext>
+    </p:extLst>
+  </p:cSld>
+  <p:clrMapOvr>
+    <a:masterClrMapping/>
+  </p:clrMapOvr>
+</p:notes>
+</file>
+
+<file path=ppt/notesSlides/notesSlide18.xml><?xml version="1.0" encoding="utf-8"?>
+<p:notes xmlns:a="http://schemas.openxmlformats.org/drawingml/2006/main" xmlns:r="http://schemas.openxmlformats.org/officeDocument/2006/relationships" xmlns:p="http://schemas.openxmlformats.org/presentationml/2006/main">
+  <p:cSld>
+    <p:spTree>
+      <p:nvGrpSpPr>
+        <p:cNvPr id="1" name=""/>
+        <p:cNvGrpSpPr/>
+        <p:nvPr/>
+      </p:nvGrpSpPr>
+      <p:grpSpPr>
+        <a:xfrm>
+          <a:off x="0" y="0"/>
+          <a:ext cx="0" cy="0"/>
+          <a:chOff x="0" y="0"/>
+          <a:chExt cx="0" cy="0"/>
+        </a:xfrm>
+      </p:grpSpPr>
+      <p:sp>
+        <p:nvSpPr>
+          <p:cNvPr id="2" name="Slide Image Placeholder 1"/>
+          <p:cNvSpPr>
+            <a:spLocks noGrp="1" noRot="1" noChangeAspect="1"/>
+          </p:cNvSpPr>
+          <p:nvPr>
+            <p:ph type="sldImg"/>
+          </p:nvPr>
+        </p:nvSpPr>
+        <p:spPr/>
+      </p:sp>
+      <p:sp>
+        <p:nvSpPr>
+          <p:cNvPr id="3" name="Notes Placeholder 2"/>
+          <p:cNvSpPr>
+            <a:spLocks noGrp="1"/>
+          </p:cNvSpPr>
+          <p:nvPr>
+            <p:ph type="body" idx="1"/>
+          </p:nvPr>
+        </p:nvSpPr>
+        <p:spPr/>
+        <p:txBody>
+          <a:bodyPr/>
+          <a:lstStyle/>
+          <a:p>
+            <a:r>
+              <a:rPr lang="en-US" dirty="0"/>
+              <a:t>See previous slide</a:t>
+            </a:r>
+          </a:p>
+        </p:txBody>
+      </p:sp>
+      <p:sp>
+        <p:nvSpPr>
+          <p:cNvPr id="4" name="Slide Number Placeholder 3"/>
+          <p:cNvSpPr>
+            <a:spLocks noGrp="1"/>
+          </p:cNvSpPr>
+          <p:nvPr>
+            <p:ph type="sldNum" sz="quarter" idx="5"/>
+          </p:nvPr>
+        </p:nvSpPr>
+        <p:spPr/>
+        <p:txBody>
+          <a:bodyPr/>
+          <a:lstStyle/>
+          <a:p>
+            <a:fld id="{2CF3E296-9A10-4A48-B25C-C4EEE84E5793}" type="slidenum">
+              <a:rPr lang="en-US" smtClean="0"/>
+              <a:t>35</a:t>
+            </a:fld>
+            <a:endParaRPr lang="en-US"/>
+          </a:p>
+        </p:txBody>
+      </p:sp>
+    </p:spTree>
+    <p:extLst>
+      <p:ext uri="{BB962C8B-B14F-4D97-AF65-F5344CB8AC3E}">
+        <p14:creationId xmlns:p14="http://schemas.microsoft.com/office/powerpoint/2010/main" val="2213639559"/>
+      </p:ext>
+    </p:extLst>
+  </p:cSld>
+  <p:clrMapOvr>
+    <a:masterClrMapping/>
+  </p:clrMapOvr>
+</p:notes>
+</file>
+
+<file path=ppt/notesSlides/notesSlide19.xml><?xml version="1.0" encoding="utf-8"?>
+<p:notes xmlns:a="http://schemas.openxmlformats.org/drawingml/2006/main" xmlns:r="http://schemas.openxmlformats.org/officeDocument/2006/relationships" xmlns:p="http://schemas.openxmlformats.org/presentationml/2006/main">
+  <p:cSld>
+    <p:spTree>
+      <p:nvGrpSpPr>
+        <p:cNvPr id="1" name=""/>
+        <p:cNvGrpSpPr/>
+        <p:nvPr/>
+      </p:nvGrpSpPr>
+      <p:grpSpPr>
+        <a:xfrm>
+          <a:off x="0" y="0"/>
+          <a:ext cx="0" cy="0"/>
+          <a:chOff x="0" y="0"/>
+          <a:chExt cx="0" cy="0"/>
+        </a:xfrm>
+      </p:grpSpPr>
+      <p:sp>
+        <p:nvSpPr>
+          <p:cNvPr id="2" name="Slide Image Placeholder 1"/>
+          <p:cNvSpPr>
+            <a:spLocks noGrp="1" noRot="1" noChangeAspect="1"/>
+          </p:cNvSpPr>
+          <p:nvPr>
+            <p:ph type="sldImg"/>
+          </p:nvPr>
+        </p:nvSpPr>
+        <p:spPr/>
+      </p:sp>
+      <p:sp>
+        <p:nvSpPr>
+          <p:cNvPr id="3" name="Notes Placeholder 2"/>
+          <p:cNvSpPr>
+            <a:spLocks noGrp="1"/>
+          </p:cNvSpPr>
+          <p:nvPr>
+            <p:ph type="body" idx="1"/>
+          </p:nvPr>
+        </p:nvSpPr>
+        <p:spPr/>
+        <p:txBody>
+          <a:bodyPr/>
+          <a:lstStyle/>
+          <a:p>
+            <a:r>
+              <a:rPr lang="en-US" dirty="0"/>
+              <a:t>Can’t write it down beforehand, no idea what it looks like. </a:t>
+            </a:r>
+          </a:p>
+        </p:txBody>
+      </p:sp>
+      <p:sp>
+        <p:nvSpPr>
+          <p:cNvPr id="4" name="Slide Number Placeholder 3"/>
+          <p:cNvSpPr>
+            <a:spLocks noGrp="1"/>
+          </p:cNvSpPr>
+          <p:nvPr>
+            <p:ph type="sldNum" sz="quarter" idx="5"/>
+          </p:nvPr>
+        </p:nvSpPr>
+        <p:spPr/>
+        <p:txBody>
+          <a:bodyPr/>
+          <a:lstStyle/>
+          <a:p>
+            <a:fld id="{2CF3E296-9A10-4A48-B25C-C4EEE84E5793}" type="slidenum">
+              <a:rPr lang="en-US" smtClean="0"/>
+              <a:t>36</a:t>
+            </a:fld>
+            <a:endParaRPr lang="en-US"/>
+          </a:p>
+        </p:txBody>
+      </p:sp>
+    </p:spTree>
+    <p:extLst>
+      <p:ext uri="{BB962C8B-B14F-4D97-AF65-F5344CB8AC3E}">
+        <p14:creationId xmlns:p14="http://schemas.microsoft.com/office/powerpoint/2010/main" val="549175503"/>
       </p:ext>
     </p:extLst>
   </p:cSld>
@@ -13602,13 +14380,11 @@
           <a:p>
             <a:r>
               <a:rPr lang="en-US" dirty="0"/>
-              <a:t>Generally, more complex algorithms </a:t>
-            </a:r>
-            <a:r>
-              <a:rPr lang="en-US" dirty="0">
-                <a:sym typeface="Wingdings" panose="05000000000000000000" pitchFamily="2" charset="2"/>
-              </a:rPr>
-              <a:t> more accurate predictions, but at the cost of interpretability/explainability (“black box models”)</a:t>
+              <a:t>Leave ~45 mins </a:t>
+            </a:r>
+            <a:r>
+              <a:rPr lang="en-US"/>
+              <a:t>for workshop demos</a:t>
             </a:r>
             <a:endParaRPr lang="en-US" dirty="0"/>
           </a:p>
@@ -13631,7 +14407,7 @@
           <a:p>
             <a:fld id="{2CF3E296-9A10-4A48-B25C-C4EEE84E5793}" type="slidenum">
               <a:rPr lang="en-US" smtClean="0"/>
-              <a:t>21</a:t>
+              <a:t>2</a:t>
             </a:fld>
             <a:endParaRPr lang="en-US"/>
           </a:p>
@@ -13640,7 +14416,893 @@
     </p:spTree>
     <p:extLst>
       <p:ext uri="{BB962C8B-B14F-4D97-AF65-F5344CB8AC3E}">
-        <p14:creationId xmlns:p14="http://schemas.microsoft.com/office/powerpoint/2010/main" val="2881152196"/>
+        <p14:creationId xmlns:p14="http://schemas.microsoft.com/office/powerpoint/2010/main" val="3933435657"/>
+      </p:ext>
+    </p:extLst>
+  </p:cSld>
+  <p:clrMapOvr>
+    <a:masterClrMapping/>
+  </p:clrMapOvr>
+</p:notes>
+</file>
+
+<file path=ppt/notesSlides/notesSlide20.xml><?xml version="1.0" encoding="utf-8"?>
+<p:notes xmlns:a="http://schemas.openxmlformats.org/drawingml/2006/main" xmlns:r="http://schemas.openxmlformats.org/officeDocument/2006/relationships" xmlns:p="http://schemas.openxmlformats.org/presentationml/2006/main">
+  <p:cSld>
+    <p:spTree>
+      <p:nvGrpSpPr>
+        <p:cNvPr id="1" name=""/>
+        <p:cNvGrpSpPr/>
+        <p:nvPr/>
+      </p:nvGrpSpPr>
+      <p:grpSpPr>
+        <a:xfrm>
+          <a:off x="0" y="0"/>
+          <a:ext cx="0" cy="0"/>
+          <a:chOff x="0" y="0"/>
+          <a:chExt cx="0" cy="0"/>
+        </a:xfrm>
+      </p:grpSpPr>
+      <p:sp>
+        <p:nvSpPr>
+          <p:cNvPr id="2" name="Slide Image Placeholder 1"/>
+          <p:cNvSpPr>
+            <a:spLocks noGrp="1" noRot="1" noChangeAspect="1"/>
+          </p:cNvSpPr>
+          <p:nvPr>
+            <p:ph type="sldImg"/>
+          </p:nvPr>
+        </p:nvSpPr>
+        <p:spPr/>
+      </p:sp>
+      <p:sp>
+        <p:nvSpPr>
+          <p:cNvPr id="3" name="Notes Placeholder 2"/>
+          <p:cNvSpPr>
+            <a:spLocks noGrp="1"/>
+          </p:cNvSpPr>
+          <p:nvPr>
+            <p:ph type="body" idx="1"/>
+          </p:nvPr>
+        </p:nvSpPr>
+        <p:spPr/>
+        <p:txBody>
+          <a:bodyPr/>
+          <a:lstStyle/>
+          <a:p>
+            <a:r>
+              <a:rPr lang="en-US" dirty="0"/>
+              <a:t>You may be able to know how it works or what it’s doing, but can’t write down the form</a:t>
+            </a:r>
+          </a:p>
+        </p:txBody>
+      </p:sp>
+      <p:sp>
+        <p:nvSpPr>
+          <p:cNvPr id="4" name="Slide Number Placeholder 3"/>
+          <p:cNvSpPr>
+            <a:spLocks noGrp="1"/>
+          </p:cNvSpPr>
+          <p:nvPr>
+            <p:ph type="sldNum" sz="quarter" idx="5"/>
+          </p:nvPr>
+        </p:nvSpPr>
+        <p:spPr/>
+        <p:txBody>
+          <a:bodyPr/>
+          <a:lstStyle/>
+          <a:p>
+            <a:fld id="{2CF3E296-9A10-4A48-B25C-C4EEE84E5793}" type="slidenum">
+              <a:rPr lang="en-US" smtClean="0"/>
+              <a:t>37</a:t>
+            </a:fld>
+            <a:endParaRPr lang="en-US"/>
+          </a:p>
+        </p:txBody>
+      </p:sp>
+    </p:spTree>
+    <p:extLst>
+      <p:ext uri="{BB962C8B-B14F-4D97-AF65-F5344CB8AC3E}">
+        <p14:creationId xmlns:p14="http://schemas.microsoft.com/office/powerpoint/2010/main" val="2271134127"/>
+      </p:ext>
+    </p:extLst>
+  </p:cSld>
+  <p:clrMapOvr>
+    <a:masterClrMapping/>
+  </p:clrMapOvr>
+</p:notes>
+</file>
+
+<file path=ppt/notesSlides/notesSlide21.xml><?xml version="1.0" encoding="utf-8"?>
+<p:notes xmlns:a="http://schemas.openxmlformats.org/drawingml/2006/main" xmlns:r="http://schemas.openxmlformats.org/officeDocument/2006/relationships" xmlns:p="http://schemas.openxmlformats.org/presentationml/2006/main">
+  <p:cSld>
+    <p:spTree>
+      <p:nvGrpSpPr>
+        <p:cNvPr id="1" name=""/>
+        <p:cNvGrpSpPr/>
+        <p:nvPr/>
+      </p:nvGrpSpPr>
+      <p:grpSpPr>
+        <a:xfrm>
+          <a:off x="0" y="0"/>
+          <a:ext cx="0" cy="0"/>
+          <a:chOff x="0" y="0"/>
+          <a:chExt cx="0" cy="0"/>
+        </a:xfrm>
+      </p:grpSpPr>
+      <p:sp>
+        <p:nvSpPr>
+          <p:cNvPr id="2" name="Slide Image Placeholder 1"/>
+          <p:cNvSpPr>
+            <a:spLocks noGrp="1" noRot="1" noChangeAspect="1"/>
+          </p:cNvSpPr>
+          <p:nvPr>
+            <p:ph type="sldImg"/>
+          </p:nvPr>
+        </p:nvSpPr>
+        <p:spPr/>
+      </p:sp>
+      <p:sp>
+        <p:nvSpPr>
+          <p:cNvPr id="3" name="Notes Placeholder 2"/>
+          <p:cNvSpPr>
+            <a:spLocks noGrp="1"/>
+          </p:cNvSpPr>
+          <p:nvPr>
+            <p:ph type="body" idx="1"/>
+          </p:nvPr>
+        </p:nvSpPr>
+        <p:spPr/>
+        <p:txBody>
+          <a:bodyPr/>
+          <a:lstStyle/>
+          <a:p>
+            <a:r>
+              <a:rPr lang="en-US" dirty="0"/>
+              <a:t>Overfitting </a:t>
+            </a:r>
+            <a:r>
+              <a:rPr lang="en-US" dirty="0">
+                <a:sym typeface="Wingdings" panose="05000000000000000000" pitchFamily="2" charset="2"/>
+              </a:rPr>
+              <a:t> fits particular data(set) too well, bad at generalizing to unseen data. “Capturing the error”</a:t>
+            </a:r>
+            <a:endParaRPr lang="en-US" dirty="0"/>
+          </a:p>
+        </p:txBody>
+      </p:sp>
+      <p:sp>
+        <p:nvSpPr>
+          <p:cNvPr id="4" name="Slide Number Placeholder 3"/>
+          <p:cNvSpPr>
+            <a:spLocks noGrp="1"/>
+          </p:cNvSpPr>
+          <p:nvPr>
+            <p:ph type="sldNum" sz="quarter" idx="5"/>
+          </p:nvPr>
+        </p:nvSpPr>
+        <p:spPr/>
+        <p:txBody>
+          <a:bodyPr/>
+          <a:lstStyle/>
+          <a:p>
+            <a:fld id="{2CF3E296-9A10-4A48-B25C-C4EEE84E5793}" type="slidenum">
+              <a:rPr lang="en-US" smtClean="0"/>
+              <a:t>38</a:t>
+            </a:fld>
+            <a:endParaRPr lang="en-US"/>
+          </a:p>
+        </p:txBody>
+      </p:sp>
+    </p:spTree>
+    <p:extLst>
+      <p:ext uri="{BB962C8B-B14F-4D97-AF65-F5344CB8AC3E}">
+        <p14:creationId xmlns:p14="http://schemas.microsoft.com/office/powerpoint/2010/main" val="1676855827"/>
+      </p:ext>
+    </p:extLst>
+  </p:cSld>
+  <p:clrMapOvr>
+    <a:masterClrMapping/>
+  </p:clrMapOvr>
+</p:notes>
+</file>
+
+<file path=ppt/notesSlides/notesSlide22.xml><?xml version="1.0" encoding="utf-8"?>
+<p:notes xmlns:a="http://schemas.openxmlformats.org/drawingml/2006/main" xmlns:r="http://schemas.openxmlformats.org/officeDocument/2006/relationships" xmlns:p="http://schemas.openxmlformats.org/presentationml/2006/main">
+  <p:cSld>
+    <p:spTree>
+      <p:nvGrpSpPr>
+        <p:cNvPr id="1" name=""/>
+        <p:cNvGrpSpPr/>
+        <p:nvPr/>
+      </p:nvGrpSpPr>
+      <p:grpSpPr>
+        <a:xfrm>
+          <a:off x="0" y="0"/>
+          <a:ext cx="0" cy="0"/>
+          <a:chOff x="0" y="0"/>
+          <a:chExt cx="0" cy="0"/>
+        </a:xfrm>
+      </p:grpSpPr>
+      <p:sp>
+        <p:nvSpPr>
+          <p:cNvPr id="2" name="Slide Image Placeholder 1"/>
+          <p:cNvSpPr>
+            <a:spLocks noGrp="1" noRot="1" noChangeAspect="1"/>
+          </p:cNvSpPr>
+          <p:nvPr>
+            <p:ph type="sldImg"/>
+          </p:nvPr>
+        </p:nvSpPr>
+        <p:spPr/>
+      </p:sp>
+      <p:sp>
+        <p:nvSpPr>
+          <p:cNvPr id="3" name="Notes Placeholder 2"/>
+          <p:cNvSpPr>
+            <a:spLocks noGrp="1"/>
+          </p:cNvSpPr>
+          <p:nvPr>
+            <p:ph type="body" idx="1"/>
+          </p:nvPr>
+        </p:nvSpPr>
+        <p:spPr/>
+        <p:txBody>
+          <a:bodyPr/>
+          <a:lstStyle/>
+          <a:p>
+            <a:r>
+              <a:rPr lang="en-US" dirty="0" err="1"/>
+              <a:t>Mse</a:t>
+            </a:r>
+            <a:r>
+              <a:rPr lang="en-US" dirty="0"/>
+              <a:t> for regression, misclassification for classification</a:t>
+            </a:r>
+          </a:p>
+        </p:txBody>
+      </p:sp>
+      <p:sp>
+        <p:nvSpPr>
+          <p:cNvPr id="4" name="Slide Number Placeholder 3"/>
+          <p:cNvSpPr>
+            <a:spLocks noGrp="1"/>
+          </p:cNvSpPr>
+          <p:nvPr>
+            <p:ph type="sldNum" sz="quarter" idx="5"/>
+          </p:nvPr>
+        </p:nvSpPr>
+        <p:spPr/>
+        <p:txBody>
+          <a:bodyPr/>
+          <a:lstStyle/>
+          <a:p>
+            <a:fld id="{2CF3E296-9A10-4A48-B25C-C4EEE84E5793}" type="slidenum">
+              <a:rPr lang="en-US" smtClean="0"/>
+              <a:t>43</a:t>
+            </a:fld>
+            <a:endParaRPr lang="en-US"/>
+          </a:p>
+        </p:txBody>
+      </p:sp>
+    </p:spTree>
+    <p:extLst>
+      <p:ext uri="{BB962C8B-B14F-4D97-AF65-F5344CB8AC3E}">
+        <p14:creationId xmlns:p14="http://schemas.microsoft.com/office/powerpoint/2010/main" val="4099778450"/>
+      </p:ext>
+    </p:extLst>
+  </p:cSld>
+  <p:clrMapOvr>
+    <a:masterClrMapping/>
+  </p:clrMapOvr>
+</p:notes>
+</file>
+
+<file path=ppt/notesSlides/notesSlide23.xml><?xml version="1.0" encoding="utf-8"?>
+<p:notes xmlns:a="http://schemas.openxmlformats.org/drawingml/2006/main" xmlns:r="http://schemas.openxmlformats.org/officeDocument/2006/relationships" xmlns:p="http://schemas.openxmlformats.org/presentationml/2006/main">
+  <p:cSld>
+    <p:spTree>
+      <p:nvGrpSpPr>
+        <p:cNvPr id="1" name=""/>
+        <p:cNvGrpSpPr/>
+        <p:nvPr/>
+      </p:nvGrpSpPr>
+      <p:grpSpPr>
+        <a:xfrm>
+          <a:off x="0" y="0"/>
+          <a:ext cx="0" cy="0"/>
+          <a:chOff x="0" y="0"/>
+          <a:chExt cx="0" cy="0"/>
+        </a:xfrm>
+      </p:grpSpPr>
+      <p:sp>
+        <p:nvSpPr>
+          <p:cNvPr id="2" name="Slide Image Placeholder 1"/>
+          <p:cNvSpPr>
+            <a:spLocks noGrp="1" noRot="1" noChangeAspect="1"/>
+          </p:cNvSpPr>
+          <p:nvPr>
+            <p:ph type="sldImg"/>
+          </p:nvPr>
+        </p:nvSpPr>
+        <p:spPr/>
+      </p:sp>
+      <p:sp>
+        <p:nvSpPr>
+          <p:cNvPr id="3" name="Notes Placeholder 2"/>
+          <p:cNvSpPr>
+            <a:spLocks noGrp="1"/>
+          </p:cNvSpPr>
+          <p:nvPr>
+            <p:ph type="body" idx="1"/>
+          </p:nvPr>
+        </p:nvSpPr>
+        <p:spPr/>
+        <p:txBody>
+          <a:bodyPr/>
+          <a:lstStyle/>
+          <a:p>
+            <a:r>
+              <a:rPr lang="en-US" dirty="0"/>
+              <a:t>Ask someone up front what their favorite ice cream flavor is, then use that to “predict” the favorite flavor of someone next to them</a:t>
+            </a:r>
+          </a:p>
+        </p:txBody>
+      </p:sp>
+      <p:sp>
+        <p:nvSpPr>
+          <p:cNvPr id="4" name="Slide Number Placeholder 3"/>
+          <p:cNvSpPr>
+            <a:spLocks noGrp="1"/>
+          </p:cNvSpPr>
+          <p:nvPr>
+            <p:ph type="sldNum" sz="quarter" idx="5"/>
+          </p:nvPr>
+        </p:nvSpPr>
+        <p:spPr/>
+        <p:txBody>
+          <a:bodyPr/>
+          <a:lstStyle/>
+          <a:p>
+            <a:fld id="{2CF3E296-9A10-4A48-B25C-C4EEE84E5793}" type="slidenum">
+              <a:rPr lang="en-US" smtClean="0"/>
+              <a:t>53</a:t>
+            </a:fld>
+            <a:endParaRPr lang="en-US"/>
+          </a:p>
+        </p:txBody>
+      </p:sp>
+    </p:spTree>
+    <p:extLst>
+      <p:ext uri="{BB962C8B-B14F-4D97-AF65-F5344CB8AC3E}">
+        <p14:creationId xmlns:p14="http://schemas.microsoft.com/office/powerpoint/2010/main" val="1804735113"/>
+      </p:ext>
+    </p:extLst>
+  </p:cSld>
+  <p:clrMapOvr>
+    <a:masterClrMapping/>
+  </p:clrMapOvr>
+</p:notes>
+</file>
+
+<file path=ppt/notesSlides/notesSlide24.xml><?xml version="1.0" encoding="utf-8"?>
+<p:notes xmlns:a="http://schemas.openxmlformats.org/drawingml/2006/main" xmlns:r="http://schemas.openxmlformats.org/officeDocument/2006/relationships" xmlns:p="http://schemas.openxmlformats.org/presentationml/2006/main">
+  <p:cSld>
+    <p:spTree>
+      <p:nvGrpSpPr>
+        <p:cNvPr id="1" name=""/>
+        <p:cNvGrpSpPr/>
+        <p:nvPr/>
+      </p:nvGrpSpPr>
+      <p:grpSpPr>
+        <a:xfrm>
+          <a:off x="0" y="0"/>
+          <a:ext cx="0" cy="0"/>
+          <a:chOff x="0" y="0"/>
+          <a:chExt cx="0" cy="0"/>
+        </a:xfrm>
+      </p:grpSpPr>
+      <p:sp>
+        <p:nvSpPr>
+          <p:cNvPr id="2" name="Slide Image Placeholder 1"/>
+          <p:cNvSpPr>
+            <a:spLocks noGrp="1" noRot="1" noChangeAspect="1"/>
+          </p:cNvSpPr>
+          <p:nvPr>
+            <p:ph type="sldImg"/>
+          </p:nvPr>
+        </p:nvSpPr>
+        <p:spPr/>
+      </p:sp>
+      <p:sp>
+        <p:nvSpPr>
+          <p:cNvPr id="3" name="Notes Placeholder 2"/>
+          <p:cNvSpPr>
+            <a:spLocks noGrp="1"/>
+          </p:cNvSpPr>
+          <p:nvPr>
+            <p:ph type="body" idx="1"/>
+          </p:nvPr>
+        </p:nvSpPr>
+        <p:spPr/>
+        <p:txBody>
+          <a:bodyPr/>
+          <a:lstStyle/>
+          <a:p>
+            <a:r>
+              <a:rPr lang="en-US" dirty="0"/>
+              <a:t>“how many hours do you sleep a night?”</a:t>
+            </a:r>
+          </a:p>
+        </p:txBody>
+      </p:sp>
+      <p:sp>
+        <p:nvSpPr>
+          <p:cNvPr id="4" name="Slide Number Placeholder 3"/>
+          <p:cNvSpPr>
+            <a:spLocks noGrp="1"/>
+          </p:cNvSpPr>
+          <p:nvPr>
+            <p:ph type="sldNum" sz="quarter" idx="5"/>
+          </p:nvPr>
+        </p:nvSpPr>
+        <p:spPr/>
+        <p:txBody>
+          <a:bodyPr/>
+          <a:lstStyle/>
+          <a:p>
+            <a:fld id="{2CF3E296-9A10-4A48-B25C-C4EEE84E5793}" type="slidenum">
+              <a:rPr lang="en-US" smtClean="0"/>
+              <a:t>55</a:t>
+            </a:fld>
+            <a:endParaRPr lang="en-US"/>
+          </a:p>
+        </p:txBody>
+      </p:sp>
+    </p:spTree>
+    <p:extLst>
+      <p:ext uri="{BB962C8B-B14F-4D97-AF65-F5344CB8AC3E}">
+        <p14:creationId xmlns:p14="http://schemas.microsoft.com/office/powerpoint/2010/main" val="1716042750"/>
+      </p:ext>
+    </p:extLst>
+  </p:cSld>
+  <p:clrMapOvr>
+    <a:masterClrMapping/>
+  </p:clrMapOvr>
+</p:notes>
+</file>
+
+<file path=ppt/notesSlides/notesSlide25.xml><?xml version="1.0" encoding="utf-8"?>
+<p:notes xmlns:a="http://schemas.openxmlformats.org/drawingml/2006/main" xmlns:r="http://schemas.openxmlformats.org/officeDocument/2006/relationships" xmlns:p="http://schemas.openxmlformats.org/presentationml/2006/main">
+  <p:cSld>
+    <p:spTree>
+      <p:nvGrpSpPr>
+        <p:cNvPr id="1" name=""/>
+        <p:cNvGrpSpPr/>
+        <p:nvPr/>
+      </p:nvGrpSpPr>
+      <p:grpSpPr>
+        <a:xfrm>
+          <a:off x="0" y="0"/>
+          <a:ext cx="0" cy="0"/>
+          <a:chOff x="0" y="0"/>
+          <a:chExt cx="0" cy="0"/>
+        </a:xfrm>
+      </p:grpSpPr>
+      <p:sp>
+        <p:nvSpPr>
+          <p:cNvPr id="2" name="Slide Image Placeholder 1"/>
+          <p:cNvSpPr>
+            <a:spLocks noGrp="1" noRot="1" noChangeAspect="1"/>
+          </p:cNvSpPr>
+          <p:nvPr>
+            <p:ph type="sldImg"/>
+          </p:nvPr>
+        </p:nvSpPr>
+        <p:spPr/>
+      </p:sp>
+      <p:sp>
+        <p:nvSpPr>
+          <p:cNvPr id="3" name="Notes Placeholder 2"/>
+          <p:cNvSpPr>
+            <a:spLocks noGrp="1"/>
+          </p:cNvSpPr>
+          <p:nvPr>
+            <p:ph type="body" idx="1"/>
+          </p:nvPr>
+        </p:nvSpPr>
+        <p:spPr/>
+        <p:txBody>
+          <a:bodyPr/>
+          <a:lstStyle/>
+          <a:p>
+            <a:r>
+              <a:rPr lang="en-US" dirty="0"/>
+              <a:t>At this point: ask if KNN (non)parametric?</a:t>
+            </a:r>
+          </a:p>
+        </p:txBody>
+      </p:sp>
+      <p:sp>
+        <p:nvSpPr>
+          <p:cNvPr id="4" name="Slide Number Placeholder 3"/>
+          <p:cNvSpPr>
+            <a:spLocks noGrp="1"/>
+          </p:cNvSpPr>
+          <p:nvPr>
+            <p:ph type="sldNum" sz="quarter" idx="5"/>
+          </p:nvPr>
+        </p:nvSpPr>
+        <p:spPr/>
+        <p:txBody>
+          <a:bodyPr/>
+          <a:lstStyle/>
+          <a:p>
+            <a:fld id="{2CF3E296-9A10-4A48-B25C-C4EEE84E5793}" type="slidenum">
+              <a:rPr lang="en-US" smtClean="0"/>
+              <a:t>63</a:t>
+            </a:fld>
+            <a:endParaRPr lang="en-US"/>
+          </a:p>
+        </p:txBody>
+      </p:sp>
+    </p:spTree>
+    <p:extLst>
+      <p:ext uri="{BB962C8B-B14F-4D97-AF65-F5344CB8AC3E}">
+        <p14:creationId xmlns:p14="http://schemas.microsoft.com/office/powerpoint/2010/main" val="607675037"/>
+      </p:ext>
+    </p:extLst>
+  </p:cSld>
+  <p:clrMapOvr>
+    <a:masterClrMapping/>
+  </p:clrMapOvr>
+</p:notes>
+</file>
+
+<file path=ppt/notesSlides/notesSlide26.xml><?xml version="1.0" encoding="utf-8"?>
+<p:notes xmlns:a="http://schemas.openxmlformats.org/drawingml/2006/main" xmlns:r="http://schemas.openxmlformats.org/officeDocument/2006/relationships" xmlns:p="http://schemas.openxmlformats.org/presentationml/2006/main">
+  <p:cSld>
+    <p:spTree>
+      <p:nvGrpSpPr>
+        <p:cNvPr id="1" name=""/>
+        <p:cNvGrpSpPr/>
+        <p:nvPr/>
+      </p:nvGrpSpPr>
+      <p:grpSpPr>
+        <a:xfrm>
+          <a:off x="0" y="0"/>
+          <a:ext cx="0" cy="0"/>
+          <a:chOff x="0" y="0"/>
+          <a:chExt cx="0" cy="0"/>
+        </a:xfrm>
+      </p:grpSpPr>
+      <p:sp>
+        <p:nvSpPr>
+          <p:cNvPr id="2" name="Slide Image Placeholder 1"/>
+          <p:cNvSpPr>
+            <a:spLocks noGrp="1" noRot="1" noChangeAspect="1"/>
+          </p:cNvSpPr>
+          <p:nvPr>
+            <p:ph type="sldImg"/>
+          </p:nvPr>
+        </p:nvSpPr>
+        <p:spPr/>
+      </p:sp>
+      <p:sp>
+        <p:nvSpPr>
+          <p:cNvPr id="3" name="Notes Placeholder 2"/>
+          <p:cNvSpPr>
+            <a:spLocks noGrp="1"/>
+          </p:cNvSpPr>
+          <p:nvPr>
+            <p:ph type="body" idx="1"/>
+          </p:nvPr>
+        </p:nvSpPr>
+        <p:spPr/>
+        <p:txBody>
+          <a:bodyPr/>
+          <a:lstStyle/>
+          <a:p>
+            <a:r>
+              <a:rPr lang="en-US" dirty="0"/>
+              <a:t>Close = Euclidean distance </a:t>
+            </a:r>
+            <a:r>
+              <a:rPr lang="en-US"/>
+              <a:t>(straight line)</a:t>
+            </a:r>
+            <a:endParaRPr lang="en-US" dirty="0"/>
+          </a:p>
+        </p:txBody>
+      </p:sp>
+      <p:sp>
+        <p:nvSpPr>
+          <p:cNvPr id="4" name="Slide Number Placeholder 3"/>
+          <p:cNvSpPr>
+            <a:spLocks noGrp="1"/>
+          </p:cNvSpPr>
+          <p:nvPr>
+            <p:ph type="sldNum" sz="quarter" idx="5"/>
+          </p:nvPr>
+        </p:nvSpPr>
+        <p:spPr/>
+        <p:txBody>
+          <a:bodyPr/>
+          <a:lstStyle/>
+          <a:p>
+            <a:fld id="{2CF3E296-9A10-4A48-B25C-C4EEE84E5793}" type="slidenum">
+              <a:rPr lang="en-US" smtClean="0"/>
+              <a:t>64</a:t>
+            </a:fld>
+            <a:endParaRPr lang="en-US"/>
+          </a:p>
+        </p:txBody>
+      </p:sp>
+    </p:spTree>
+    <p:extLst>
+      <p:ext uri="{BB962C8B-B14F-4D97-AF65-F5344CB8AC3E}">
+        <p14:creationId xmlns:p14="http://schemas.microsoft.com/office/powerpoint/2010/main" val="924124030"/>
+      </p:ext>
+    </p:extLst>
+  </p:cSld>
+  <p:clrMapOvr>
+    <a:masterClrMapping/>
+  </p:clrMapOvr>
+</p:notes>
+</file>
+
+<file path=ppt/notesSlides/notesSlide27.xml><?xml version="1.0" encoding="utf-8"?>
+<p:notes xmlns:a="http://schemas.openxmlformats.org/drawingml/2006/main" xmlns:r="http://schemas.openxmlformats.org/officeDocument/2006/relationships" xmlns:p="http://schemas.openxmlformats.org/presentationml/2006/main">
+  <p:cSld>
+    <p:spTree>
+      <p:nvGrpSpPr>
+        <p:cNvPr id="1" name=""/>
+        <p:cNvGrpSpPr/>
+        <p:nvPr/>
+      </p:nvGrpSpPr>
+      <p:grpSpPr>
+        <a:xfrm>
+          <a:off x="0" y="0"/>
+          <a:ext cx="0" cy="0"/>
+          <a:chOff x="0" y="0"/>
+          <a:chExt cx="0" cy="0"/>
+        </a:xfrm>
+      </p:grpSpPr>
+      <p:sp>
+        <p:nvSpPr>
+          <p:cNvPr id="2" name="Slide Image Placeholder 1"/>
+          <p:cNvSpPr>
+            <a:spLocks noGrp="1" noRot="1" noChangeAspect="1"/>
+          </p:cNvSpPr>
+          <p:nvPr>
+            <p:ph type="sldImg"/>
+          </p:nvPr>
+        </p:nvSpPr>
+        <p:spPr/>
+      </p:sp>
+      <p:sp>
+        <p:nvSpPr>
+          <p:cNvPr id="3" name="Notes Placeholder 2"/>
+          <p:cNvSpPr>
+            <a:spLocks noGrp="1"/>
+          </p:cNvSpPr>
+          <p:nvPr>
+            <p:ph type="body" idx="1"/>
+          </p:nvPr>
+        </p:nvSpPr>
+        <p:spPr/>
+        <p:txBody>
+          <a:bodyPr/>
+          <a:lstStyle/>
+          <a:p>
+            <a:r>
+              <a:rPr lang="en-US" dirty="0"/>
+              <a:t>Close = Euclidean distance (straight line). K is a hyperparameter—evaluation metrics help us choose</a:t>
+            </a:r>
+          </a:p>
+        </p:txBody>
+      </p:sp>
+      <p:sp>
+        <p:nvSpPr>
+          <p:cNvPr id="4" name="Slide Number Placeholder 3"/>
+          <p:cNvSpPr>
+            <a:spLocks noGrp="1"/>
+          </p:cNvSpPr>
+          <p:nvPr>
+            <p:ph type="sldNum" sz="quarter" idx="5"/>
+          </p:nvPr>
+        </p:nvSpPr>
+        <p:spPr/>
+        <p:txBody>
+          <a:bodyPr/>
+          <a:lstStyle/>
+          <a:p>
+            <a:fld id="{2CF3E296-9A10-4A48-B25C-C4EEE84E5793}" type="slidenum">
+              <a:rPr lang="en-US" smtClean="0"/>
+              <a:t>65</a:t>
+            </a:fld>
+            <a:endParaRPr lang="en-US"/>
+          </a:p>
+        </p:txBody>
+      </p:sp>
+    </p:spTree>
+    <p:extLst>
+      <p:ext uri="{BB962C8B-B14F-4D97-AF65-F5344CB8AC3E}">
+        <p14:creationId xmlns:p14="http://schemas.microsoft.com/office/powerpoint/2010/main" val="2095593833"/>
+      </p:ext>
+    </p:extLst>
+  </p:cSld>
+  <p:clrMapOvr>
+    <a:masterClrMapping/>
+  </p:clrMapOvr>
+</p:notes>
+</file>
+
+<file path=ppt/notesSlides/notesSlide28.xml><?xml version="1.0" encoding="utf-8"?>
+<p:notes xmlns:a="http://schemas.openxmlformats.org/drawingml/2006/main" xmlns:r="http://schemas.openxmlformats.org/officeDocument/2006/relationships" xmlns:p="http://schemas.openxmlformats.org/presentationml/2006/main">
+  <p:cSld>
+    <p:spTree>
+      <p:nvGrpSpPr>
+        <p:cNvPr id="1" name=""/>
+        <p:cNvGrpSpPr/>
+        <p:nvPr/>
+      </p:nvGrpSpPr>
+      <p:grpSpPr>
+        <a:xfrm>
+          <a:off x="0" y="0"/>
+          <a:ext cx="0" cy="0"/>
+          <a:chOff x="0" y="0"/>
+          <a:chExt cx="0" cy="0"/>
+        </a:xfrm>
+      </p:grpSpPr>
+      <p:sp>
+        <p:nvSpPr>
+          <p:cNvPr id="2" name="Slide Image Placeholder 1"/>
+          <p:cNvSpPr>
+            <a:spLocks noGrp="1" noRot="1" noChangeAspect="1"/>
+          </p:cNvSpPr>
+          <p:nvPr>
+            <p:ph type="sldImg"/>
+          </p:nvPr>
+        </p:nvSpPr>
+        <p:spPr/>
+      </p:sp>
+      <p:sp>
+        <p:nvSpPr>
+          <p:cNvPr id="3" name="Notes Placeholder 2"/>
+          <p:cNvSpPr>
+            <a:spLocks noGrp="1"/>
+          </p:cNvSpPr>
+          <p:nvPr>
+            <p:ph type="body" idx="1"/>
+          </p:nvPr>
+        </p:nvSpPr>
+        <p:spPr/>
+        <p:txBody>
+          <a:bodyPr/>
+          <a:lstStyle/>
+          <a:p>
+            <a:r>
+              <a:rPr lang="en-US" dirty="0"/>
+              <a:t>Play-by-play data from 2014 NFL regular season. </a:t>
+            </a:r>
+          </a:p>
+        </p:txBody>
+      </p:sp>
+      <p:sp>
+        <p:nvSpPr>
+          <p:cNvPr id="4" name="Slide Number Placeholder 3"/>
+          <p:cNvSpPr>
+            <a:spLocks noGrp="1"/>
+          </p:cNvSpPr>
+          <p:nvPr>
+            <p:ph type="sldNum" sz="quarter" idx="5"/>
+          </p:nvPr>
+        </p:nvSpPr>
+        <p:spPr/>
+        <p:txBody>
+          <a:bodyPr/>
+          <a:lstStyle/>
+          <a:p>
+            <a:fld id="{2CF3E296-9A10-4A48-B25C-C4EEE84E5793}" type="slidenum">
+              <a:rPr lang="en-US" smtClean="0"/>
+              <a:t>66</a:t>
+            </a:fld>
+            <a:endParaRPr lang="en-US"/>
+          </a:p>
+        </p:txBody>
+      </p:sp>
+    </p:spTree>
+    <p:extLst>
+      <p:ext uri="{BB962C8B-B14F-4D97-AF65-F5344CB8AC3E}">
+        <p14:creationId xmlns:p14="http://schemas.microsoft.com/office/powerpoint/2010/main" val="2917592355"/>
+      </p:ext>
+    </p:extLst>
+  </p:cSld>
+  <p:clrMapOvr>
+    <a:masterClrMapping/>
+  </p:clrMapOvr>
+</p:notes>
+</file>
+
+<file path=ppt/notesSlides/notesSlide29.xml><?xml version="1.0" encoding="utf-8"?>
+<p:notes xmlns:a="http://schemas.openxmlformats.org/drawingml/2006/main" xmlns:r="http://schemas.openxmlformats.org/officeDocument/2006/relationships" xmlns:p="http://schemas.openxmlformats.org/presentationml/2006/main">
+  <p:cSld>
+    <p:spTree>
+      <p:nvGrpSpPr>
+        <p:cNvPr id="1" name=""/>
+        <p:cNvGrpSpPr/>
+        <p:nvPr/>
+      </p:nvGrpSpPr>
+      <p:grpSpPr>
+        <a:xfrm>
+          <a:off x="0" y="0"/>
+          <a:ext cx="0" cy="0"/>
+          <a:chOff x="0" y="0"/>
+          <a:chExt cx="0" cy="0"/>
+        </a:xfrm>
+      </p:grpSpPr>
+      <p:sp>
+        <p:nvSpPr>
+          <p:cNvPr id="2" name="Slide Image Placeholder 1"/>
+          <p:cNvSpPr>
+            <a:spLocks noGrp="1" noRot="1" noChangeAspect="1"/>
+          </p:cNvSpPr>
+          <p:nvPr>
+            <p:ph type="sldImg"/>
+          </p:nvPr>
+        </p:nvSpPr>
+        <p:spPr/>
+      </p:sp>
+      <p:sp>
+        <p:nvSpPr>
+          <p:cNvPr id="3" name="Notes Placeholder 2"/>
+          <p:cNvSpPr>
+            <a:spLocks noGrp="1"/>
+          </p:cNvSpPr>
+          <p:nvPr>
+            <p:ph type="body" idx="1"/>
+          </p:nvPr>
+        </p:nvSpPr>
+        <p:spPr/>
+        <p:txBody>
+          <a:bodyPr/>
+          <a:lstStyle/>
+          <a:p>
+            <a:r>
+              <a:rPr lang="en-US" dirty="0"/>
+              <a:t>Kickers usually make under 35 yards. Doesn’t appear to be related to score differential</a:t>
+            </a:r>
+          </a:p>
+        </p:txBody>
+      </p:sp>
+      <p:sp>
+        <p:nvSpPr>
+          <p:cNvPr id="4" name="Slide Number Placeholder 3"/>
+          <p:cNvSpPr>
+            <a:spLocks noGrp="1"/>
+          </p:cNvSpPr>
+          <p:nvPr>
+            <p:ph type="sldNum" sz="quarter" idx="5"/>
+          </p:nvPr>
+        </p:nvSpPr>
+        <p:spPr/>
+        <p:txBody>
+          <a:bodyPr/>
+          <a:lstStyle/>
+          <a:p>
+            <a:fld id="{2CF3E296-9A10-4A48-B25C-C4EEE84E5793}" type="slidenum">
+              <a:rPr lang="en-US" smtClean="0"/>
+              <a:t>67</a:t>
+            </a:fld>
+            <a:endParaRPr lang="en-US"/>
+          </a:p>
+        </p:txBody>
+      </p:sp>
+    </p:spTree>
+    <p:extLst>
+      <p:ext uri="{BB962C8B-B14F-4D97-AF65-F5344CB8AC3E}">
+        <p14:creationId xmlns:p14="http://schemas.microsoft.com/office/powerpoint/2010/main" val="1004045761"/>
       </p:ext>
     </p:extLst>
   </p:cSld>
@@ -13696,7 +15358,7 @@
           <a:p>
             <a:r>
               <a:rPr lang="en-US" dirty="0"/>
-              <a:t>Predefined = can be written down beforehand</a:t>
+              <a:t>Reminder 2: don’t just read off the slides!!!</a:t>
             </a:r>
           </a:p>
         </p:txBody>
@@ -13718,7 +15380,7 @@
           <a:p>
             <a:fld id="{2CF3E296-9A10-4A48-B25C-C4EEE84E5793}" type="slidenum">
               <a:rPr lang="en-US" smtClean="0"/>
-              <a:t>34</a:t>
+              <a:t>6</a:t>
             </a:fld>
             <a:endParaRPr lang="en-US"/>
           </a:p>
@@ -13727,7 +15389,510 @@
     </p:spTree>
     <p:extLst>
       <p:ext uri="{BB962C8B-B14F-4D97-AF65-F5344CB8AC3E}">
-        <p14:creationId xmlns:p14="http://schemas.microsoft.com/office/powerpoint/2010/main" val="464802719"/>
+        <p14:creationId xmlns:p14="http://schemas.microsoft.com/office/powerpoint/2010/main" val="2336631692"/>
+      </p:ext>
+    </p:extLst>
+  </p:cSld>
+  <p:clrMapOvr>
+    <a:masterClrMapping/>
+  </p:clrMapOvr>
+</p:notes>
+</file>
+
+<file path=ppt/notesSlides/notesSlide30.xml><?xml version="1.0" encoding="utf-8"?>
+<p:notes xmlns:a="http://schemas.openxmlformats.org/drawingml/2006/main" xmlns:r="http://schemas.openxmlformats.org/officeDocument/2006/relationships" xmlns:p="http://schemas.openxmlformats.org/presentationml/2006/main">
+  <p:cSld>
+    <p:spTree>
+      <p:nvGrpSpPr>
+        <p:cNvPr id="1" name=""/>
+        <p:cNvGrpSpPr/>
+        <p:nvPr/>
+      </p:nvGrpSpPr>
+      <p:grpSpPr>
+        <a:xfrm>
+          <a:off x="0" y="0"/>
+          <a:ext cx="0" cy="0"/>
+          <a:chOff x="0" y="0"/>
+          <a:chExt cx="0" cy="0"/>
+        </a:xfrm>
+      </p:grpSpPr>
+      <p:sp>
+        <p:nvSpPr>
+          <p:cNvPr id="2" name="Slide Image Placeholder 1"/>
+          <p:cNvSpPr>
+            <a:spLocks noGrp="1" noRot="1" noChangeAspect="1"/>
+          </p:cNvSpPr>
+          <p:nvPr>
+            <p:ph type="sldImg"/>
+          </p:nvPr>
+        </p:nvSpPr>
+        <p:spPr/>
+      </p:sp>
+      <p:sp>
+        <p:nvSpPr>
+          <p:cNvPr id="3" name="Notes Placeholder 2"/>
+          <p:cNvSpPr>
+            <a:spLocks noGrp="1"/>
+          </p:cNvSpPr>
+          <p:nvPr>
+            <p:ph type="body" idx="1"/>
+          </p:nvPr>
+        </p:nvSpPr>
+        <p:spPr/>
+        <p:txBody>
+          <a:bodyPr/>
+          <a:lstStyle/>
+          <a:p>
+            <a:r>
+              <a:rPr lang="en-US" b="0" i="0" dirty="0">
+                <a:solidFill>
+                  <a:srgbClr val="303030"/>
+                </a:solidFill>
+                <a:effectLst/>
+                <a:latin typeface="ui-sans-serif"/>
+              </a:rPr>
+              <a:t>Dataset of student enrollment information (academic path, undergraduate major, demographics, and socioeconomic factors) and the students' academic performance at the end of the first and second semesters. Three classes—graduate, enrolled, dropout—with a strong imbalance towards one of the classes.</a:t>
+            </a:r>
+            <a:endParaRPr lang="en-US" dirty="0"/>
+          </a:p>
+        </p:txBody>
+      </p:sp>
+      <p:sp>
+        <p:nvSpPr>
+          <p:cNvPr id="4" name="Slide Number Placeholder 3"/>
+          <p:cNvSpPr>
+            <a:spLocks noGrp="1"/>
+          </p:cNvSpPr>
+          <p:nvPr>
+            <p:ph type="sldNum" sz="quarter" idx="5"/>
+          </p:nvPr>
+        </p:nvSpPr>
+        <p:spPr/>
+        <p:txBody>
+          <a:bodyPr/>
+          <a:lstStyle/>
+          <a:p>
+            <a:fld id="{2CF3E296-9A10-4A48-B25C-C4EEE84E5793}" type="slidenum">
+              <a:rPr lang="en-US" smtClean="0"/>
+              <a:t>69</a:t>
+            </a:fld>
+            <a:endParaRPr lang="en-US"/>
+          </a:p>
+        </p:txBody>
+      </p:sp>
+    </p:spTree>
+    <p:extLst>
+      <p:ext uri="{BB962C8B-B14F-4D97-AF65-F5344CB8AC3E}">
+        <p14:creationId xmlns:p14="http://schemas.microsoft.com/office/powerpoint/2010/main" val="1418350244"/>
+      </p:ext>
+    </p:extLst>
+  </p:cSld>
+  <p:clrMapOvr>
+    <a:masterClrMapping/>
+  </p:clrMapOvr>
+</p:notes>
+</file>
+
+<file path=ppt/notesSlides/notesSlide31.xml><?xml version="1.0" encoding="utf-8"?>
+<p:notes xmlns:a="http://schemas.openxmlformats.org/drawingml/2006/main" xmlns:r="http://schemas.openxmlformats.org/officeDocument/2006/relationships" xmlns:p="http://schemas.openxmlformats.org/presentationml/2006/main">
+  <p:cSld>
+    <p:spTree>
+      <p:nvGrpSpPr>
+        <p:cNvPr id="1" name=""/>
+        <p:cNvGrpSpPr/>
+        <p:nvPr/>
+      </p:nvGrpSpPr>
+      <p:grpSpPr>
+        <a:xfrm>
+          <a:off x="0" y="0"/>
+          <a:ext cx="0" cy="0"/>
+          <a:chOff x="0" y="0"/>
+          <a:chExt cx="0" cy="0"/>
+        </a:xfrm>
+      </p:grpSpPr>
+      <p:sp>
+        <p:nvSpPr>
+          <p:cNvPr id="2" name="Slide Image Placeholder 1"/>
+          <p:cNvSpPr>
+            <a:spLocks noGrp="1" noRot="1" noChangeAspect="1"/>
+          </p:cNvSpPr>
+          <p:nvPr>
+            <p:ph type="sldImg"/>
+          </p:nvPr>
+        </p:nvSpPr>
+        <p:spPr/>
+      </p:sp>
+      <p:sp>
+        <p:nvSpPr>
+          <p:cNvPr id="3" name="Notes Placeholder 2"/>
+          <p:cNvSpPr>
+            <a:spLocks noGrp="1"/>
+          </p:cNvSpPr>
+          <p:nvPr>
+            <p:ph type="body" idx="1"/>
+          </p:nvPr>
+        </p:nvSpPr>
+        <p:spPr/>
+        <p:txBody>
+          <a:bodyPr/>
+          <a:lstStyle/>
+          <a:p>
+            <a:endParaRPr lang="en-US" dirty="0"/>
+          </a:p>
+        </p:txBody>
+      </p:sp>
+      <p:sp>
+        <p:nvSpPr>
+          <p:cNvPr id="4" name="Slide Number Placeholder 3"/>
+          <p:cNvSpPr>
+            <a:spLocks noGrp="1"/>
+          </p:cNvSpPr>
+          <p:nvPr>
+            <p:ph type="sldNum" sz="quarter" idx="5"/>
+          </p:nvPr>
+        </p:nvSpPr>
+        <p:spPr/>
+        <p:txBody>
+          <a:bodyPr/>
+          <a:lstStyle/>
+          <a:p>
+            <a:fld id="{2CF3E296-9A10-4A48-B25C-C4EEE84E5793}" type="slidenum">
+              <a:rPr lang="en-US" smtClean="0"/>
+              <a:t>70</a:t>
+            </a:fld>
+            <a:endParaRPr lang="en-US"/>
+          </a:p>
+        </p:txBody>
+      </p:sp>
+    </p:spTree>
+    <p:extLst>
+      <p:ext uri="{BB962C8B-B14F-4D97-AF65-F5344CB8AC3E}">
+        <p14:creationId xmlns:p14="http://schemas.microsoft.com/office/powerpoint/2010/main" val="4252193329"/>
+      </p:ext>
+    </p:extLst>
+  </p:cSld>
+  <p:clrMapOvr>
+    <a:masterClrMapping/>
+  </p:clrMapOvr>
+</p:notes>
+</file>
+
+<file path=ppt/notesSlides/notesSlide32.xml><?xml version="1.0" encoding="utf-8"?>
+<p:notes xmlns:a="http://schemas.openxmlformats.org/drawingml/2006/main" xmlns:r="http://schemas.openxmlformats.org/officeDocument/2006/relationships" xmlns:p="http://schemas.openxmlformats.org/presentationml/2006/main">
+  <p:cSld>
+    <p:spTree>
+      <p:nvGrpSpPr>
+        <p:cNvPr id="1" name=""/>
+        <p:cNvGrpSpPr/>
+        <p:nvPr/>
+      </p:nvGrpSpPr>
+      <p:grpSpPr>
+        <a:xfrm>
+          <a:off x="0" y="0"/>
+          <a:ext cx="0" cy="0"/>
+          <a:chOff x="0" y="0"/>
+          <a:chExt cx="0" cy="0"/>
+        </a:xfrm>
+      </p:grpSpPr>
+      <p:sp>
+        <p:nvSpPr>
+          <p:cNvPr id="2" name="Slide Image Placeholder 1"/>
+          <p:cNvSpPr>
+            <a:spLocks noGrp="1" noRot="1" noChangeAspect="1"/>
+          </p:cNvSpPr>
+          <p:nvPr>
+            <p:ph type="sldImg"/>
+          </p:nvPr>
+        </p:nvSpPr>
+        <p:spPr/>
+      </p:sp>
+      <p:sp>
+        <p:nvSpPr>
+          <p:cNvPr id="3" name="Notes Placeholder 2"/>
+          <p:cNvSpPr>
+            <a:spLocks noGrp="1"/>
+          </p:cNvSpPr>
+          <p:nvPr>
+            <p:ph type="body" idx="1"/>
+          </p:nvPr>
+        </p:nvSpPr>
+        <p:spPr/>
+        <p:txBody>
+          <a:bodyPr/>
+          <a:lstStyle/>
+          <a:p>
+            <a:r>
+              <a:rPr lang="en-US" dirty="0"/>
+              <a:t>Struggles with enrolled </a:t>
+            </a:r>
+            <a:r>
+              <a:rPr lang="en-US" dirty="0" err="1"/>
+              <a:t>bc</a:t>
+            </a:r>
+            <a:r>
+              <a:rPr lang="en-US" dirty="0"/>
+              <a:t> class with least amount of responses</a:t>
+            </a:r>
+          </a:p>
+          <a:p>
+            <a:r>
+              <a:rPr lang="en-US" dirty="0"/>
+              <a:t>Sensitivity: true positives (“if it’s in there, the model gets it”)</a:t>
+            </a:r>
+          </a:p>
+          <a:p>
+            <a:r>
+              <a:rPr lang="en-US" dirty="0"/>
+              <a:t>Specificity: true negatives (“if it’s not in there, the model gets it”)</a:t>
+            </a:r>
+          </a:p>
+          <a:p>
+            <a:r>
+              <a:rPr lang="en-US" dirty="0"/>
+              <a:t>No info rate: success rate if you just guessed most common class for everything</a:t>
+            </a:r>
+          </a:p>
+        </p:txBody>
+      </p:sp>
+      <p:sp>
+        <p:nvSpPr>
+          <p:cNvPr id="4" name="Slide Number Placeholder 3"/>
+          <p:cNvSpPr>
+            <a:spLocks noGrp="1"/>
+          </p:cNvSpPr>
+          <p:nvPr>
+            <p:ph type="sldNum" sz="quarter" idx="5"/>
+          </p:nvPr>
+        </p:nvSpPr>
+        <p:spPr/>
+        <p:txBody>
+          <a:bodyPr/>
+          <a:lstStyle/>
+          <a:p>
+            <a:fld id="{2CF3E296-9A10-4A48-B25C-C4EEE84E5793}" type="slidenum">
+              <a:rPr lang="en-US" smtClean="0"/>
+              <a:t>71</a:t>
+            </a:fld>
+            <a:endParaRPr lang="en-US"/>
+          </a:p>
+        </p:txBody>
+      </p:sp>
+    </p:spTree>
+    <p:extLst>
+      <p:ext uri="{BB962C8B-B14F-4D97-AF65-F5344CB8AC3E}">
+        <p14:creationId xmlns:p14="http://schemas.microsoft.com/office/powerpoint/2010/main" val="2146171382"/>
+      </p:ext>
+    </p:extLst>
+  </p:cSld>
+  <p:clrMapOvr>
+    <a:masterClrMapping/>
+  </p:clrMapOvr>
+</p:notes>
+</file>
+
+<file path=ppt/notesSlides/notesSlide33.xml><?xml version="1.0" encoding="utf-8"?>
+<p:notes xmlns:a="http://schemas.openxmlformats.org/drawingml/2006/main" xmlns:r="http://schemas.openxmlformats.org/officeDocument/2006/relationships" xmlns:p="http://schemas.openxmlformats.org/presentationml/2006/main">
+  <p:cSld>
+    <p:spTree>
+      <p:nvGrpSpPr>
+        <p:cNvPr id="1" name=""/>
+        <p:cNvGrpSpPr/>
+        <p:nvPr/>
+      </p:nvGrpSpPr>
+      <p:grpSpPr>
+        <a:xfrm>
+          <a:off x="0" y="0"/>
+          <a:ext cx="0" cy="0"/>
+          <a:chOff x="0" y="0"/>
+          <a:chExt cx="0" cy="0"/>
+        </a:xfrm>
+      </p:grpSpPr>
+      <p:sp>
+        <p:nvSpPr>
+          <p:cNvPr id="2" name="Slide Image Placeholder 1"/>
+          <p:cNvSpPr>
+            <a:spLocks noGrp="1" noRot="1" noChangeAspect="1"/>
+          </p:cNvSpPr>
+          <p:nvPr>
+            <p:ph type="sldImg"/>
+          </p:nvPr>
+        </p:nvSpPr>
+        <p:spPr/>
+      </p:sp>
+      <p:sp>
+        <p:nvSpPr>
+          <p:cNvPr id="3" name="Notes Placeholder 2"/>
+          <p:cNvSpPr>
+            <a:spLocks noGrp="1"/>
+          </p:cNvSpPr>
+          <p:nvPr>
+            <p:ph type="body" idx="1"/>
+          </p:nvPr>
+        </p:nvSpPr>
+        <p:spPr/>
+        <p:txBody>
+          <a:bodyPr/>
+          <a:lstStyle/>
+          <a:p>
+            <a:r>
+              <a:rPr lang="en-US" b="0" i="0" dirty="0">
+                <a:solidFill>
+                  <a:srgbClr val="9198A1"/>
+                </a:solidFill>
+                <a:effectLst/>
+                <a:latin typeface="-apple-system"/>
+              </a:rPr>
+              <a:t>Every Scooby-Doo episode and movie's various variables. Collected by hand and some subjectivity, but it’s fun! If you’re unaware, The show follows the iconic mystery solving detectives, know as Mystery Inc., as they set out to solve crime and unmask criminals, bent on revenge or committing criminal acts for their own personal gain</a:t>
+            </a:r>
+          </a:p>
+          <a:p>
+            <a:endParaRPr lang="en-US" b="0" i="0" dirty="0">
+              <a:solidFill>
+                <a:srgbClr val="9198A1"/>
+              </a:solidFill>
+              <a:effectLst/>
+              <a:latin typeface="-apple-system"/>
+            </a:endParaRPr>
+          </a:p>
+          <a:p>
+            <a:r>
+              <a:rPr lang="en-US" b="0" i="0" dirty="0">
+                <a:solidFill>
+                  <a:srgbClr val="9198A1"/>
+                </a:solidFill>
+                <a:effectLst/>
+                <a:latin typeface="-apple-system"/>
+              </a:rPr>
+              <a:t>Goal: predict </a:t>
+            </a:r>
+            <a:r>
+              <a:rPr lang="en-US" b="0" i="0">
+                <a:solidFill>
+                  <a:srgbClr val="9198A1"/>
+                </a:solidFill>
+                <a:effectLst/>
+                <a:latin typeface="-apple-system"/>
+              </a:rPr>
+              <a:t>IMDB rating</a:t>
+            </a:r>
+            <a:endParaRPr lang="en-US" dirty="0"/>
+          </a:p>
+        </p:txBody>
+      </p:sp>
+      <p:sp>
+        <p:nvSpPr>
+          <p:cNvPr id="4" name="Slide Number Placeholder 3"/>
+          <p:cNvSpPr>
+            <a:spLocks noGrp="1"/>
+          </p:cNvSpPr>
+          <p:nvPr>
+            <p:ph type="sldNum" sz="quarter" idx="5"/>
+          </p:nvPr>
+        </p:nvSpPr>
+        <p:spPr/>
+        <p:txBody>
+          <a:bodyPr/>
+          <a:lstStyle/>
+          <a:p>
+            <a:fld id="{2CF3E296-9A10-4A48-B25C-C4EEE84E5793}" type="slidenum">
+              <a:rPr lang="en-US" smtClean="0"/>
+              <a:t>72</a:t>
+            </a:fld>
+            <a:endParaRPr lang="en-US"/>
+          </a:p>
+        </p:txBody>
+      </p:sp>
+    </p:spTree>
+    <p:extLst>
+      <p:ext uri="{BB962C8B-B14F-4D97-AF65-F5344CB8AC3E}">
+        <p14:creationId xmlns:p14="http://schemas.microsoft.com/office/powerpoint/2010/main" val="2203474969"/>
+      </p:ext>
+    </p:extLst>
+  </p:cSld>
+  <p:clrMapOvr>
+    <a:masterClrMapping/>
+  </p:clrMapOvr>
+</p:notes>
+</file>
+
+<file path=ppt/notesSlides/notesSlide34.xml><?xml version="1.0" encoding="utf-8"?>
+<p:notes xmlns:a="http://schemas.openxmlformats.org/drawingml/2006/main" xmlns:r="http://schemas.openxmlformats.org/officeDocument/2006/relationships" xmlns:p="http://schemas.openxmlformats.org/presentationml/2006/main">
+  <p:cSld>
+    <p:spTree>
+      <p:nvGrpSpPr>
+        <p:cNvPr id="1" name=""/>
+        <p:cNvGrpSpPr/>
+        <p:nvPr/>
+      </p:nvGrpSpPr>
+      <p:grpSpPr>
+        <a:xfrm>
+          <a:off x="0" y="0"/>
+          <a:ext cx="0" cy="0"/>
+          <a:chOff x="0" y="0"/>
+          <a:chExt cx="0" cy="0"/>
+        </a:xfrm>
+      </p:grpSpPr>
+      <p:sp>
+        <p:nvSpPr>
+          <p:cNvPr id="2" name="Slide Image Placeholder 1"/>
+          <p:cNvSpPr>
+            <a:spLocks noGrp="1" noRot="1" noChangeAspect="1"/>
+          </p:cNvSpPr>
+          <p:nvPr>
+            <p:ph type="sldImg"/>
+          </p:nvPr>
+        </p:nvSpPr>
+        <p:spPr/>
+      </p:sp>
+      <p:sp>
+        <p:nvSpPr>
+          <p:cNvPr id="3" name="Notes Placeholder 2"/>
+          <p:cNvSpPr>
+            <a:spLocks noGrp="1"/>
+          </p:cNvSpPr>
+          <p:nvPr>
+            <p:ph type="body" idx="1"/>
+          </p:nvPr>
+        </p:nvSpPr>
+        <p:spPr/>
+        <p:txBody>
+          <a:bodyPr/>
+          <a:lstStyle/>
+          <a:p>
+            <a:r>
+              <a:rPr lang="en-US" dirty="0"/>
+              <a:t>ISL: both R and Python!</a:t>
+            </a:r>
+          </a:p>
+        </p:txBody>
+      </p:sp>
+      <p:sp>
+        <p:nvSpPr>
+          <p:cNvPr id="4" name="Slide Number Placeholder 3"/>
+          <p:cNvSpPr>
+            <a:spLocks noGrp="1"/>
+          </p:cNvSpPr>
+          <p:nvPr>
+            <p:ph type="sldNum" sz="quarter" idx="5"/>
+          </p:nvPr>
+        </p:nvSpPr>
+        <p:spPr/>
+        <p:txBody>
+          <a:bodyPr/>
+          <a:lstStyle/>
+          <a:p>
+            <a:fld id="{2CF3E296-9A10-4A48-B25C-C4EEE84E5793}" type="slidenum">
+              <a:rPr lang="en-US" smtClean="0"/>
+              <a:t>80</a:t>
+            </a:fld>
+            <a:endParaRPr lang="en-US"/>
+          </a:p>
+        </p:txBody>
+      </p:sp>
+    </p:spTree>
+    <p:extLst>
+      <p:ext uri="{BB962C8B-B14F-4D97-AF65-F5344CB8AC3E}">
+        <p14:creationId xmlns:p14="http://schemas.microsoft.com/office/powerpoint/2010/main" val="2026070012"/>
       </p:ext>
     </p:extLst>
   </p:cSld>
@@ -13783,7 +15948,7 @@
           <a:p>
             <a:r>
               <a:rPr lang="en-US" dirty="0"/>
-              <a:t>See previous slide</a:t>
+              <a:t>Audience participation!! Ask them why they’re here</a:t>
             </a:r>
           </a:p>
         </p:txBody>
@@ -13805,7 +15970,7 @@
           <a:p>
             <a:fld id="{2CF3E296-9A10-4A48-B25C-C4EEE84E5793}" type="slidenum">
               <a:rPr lang="en-US" smtClean="0"/>
-              <a:t>35</a:t>
+              <a:t>7</a:t>
             </a:fld>
             <a:endParaRPr lang="en-US"/>
           </a:p>
@@ -13814,7 +15979,7 @@
     </p:spTree>
     <p:extLst>
       <p:ext uri="{BB962C8B-B14F-4D97-AF65-F5344CB8AC3E}">
-        <p14:creationId xmlns:p14="http://schemas.microsoft.com/office/powerpoint/2010/main" val="2213639559"/>
+        <p14:creationId xmlns:p14="http://schemas.microsoft.com/office/powerpoint/2010/main" val="1031337221"/>
       </p:ext>
     </p:extLst>
   </p:cSld>
@@ -13870,7 +16035,7 @@
           <a:p>
             <a:r>
               <a:rPr lang="en-US" dirty="0"/>
-              <a:t>At this point: ask if KNN (non)parametric?</a:t>
+              <a:t>But what is ML?</a:t>
             </a:r>
           </a:p>
         </p:txBody>
@@ -13892,7 +16057,7 @@
           <a:p>
             <a:fld id="{2CF3E296-9A10-4A48-B25C-C4EEE84E5793}" type="slidenum">
               <a:rPr lang="en-US" smtClean="0"/>
-              <a:t>63</a:t>
+              <a:t>9</a:t>
             </a:fld>
             <a:endParaRPr lang="en-US"/>
           </a:p>
@@ -13901,7 +16066,7 @@
     </p:spTree>
     <p:extLst>
       <p:ext uri="{BB962C8B-B14F-4D97-AF65-F5344CB8AC3E}">
-        <p14:creationId xmlns:p14="http://schemas.microsoft.com/office/powerpoint/2010/main" val="607675037"/>
+        <p14:creationId xmlns:p14="http://schemas.microsoft.com/office/powerpoint/2010/main" val="1503036601"/>
       </p:ext>
     </p:extLst>
   </p:cSld>
@@ -13957,13 +16122,8 @@
           <a:p>
             <a:r>
               <a:rPr lang="en-US" dirty="0"/>
-              <a:t>Close = Euclidean distance </a:t>
-            </a:r>
-            <a:r>
-              <a:rPr lang="en-US"/>
-              <a:t>(straight line)</a:t>
-            </a:r>
-            <a:endParaRPr lang="en-US" dirty="0"/>
+              <a:t>(poll the audience)</a:t>
+            </a:r>
           </a:p>
         </p:txBody>
       </p:sp>
@@ -13984,7 +16144,7 @@
           <a:p>
             <a:fld id="{2CF3E296-9A10-4A48-B25C-C4EEE84E5793}" type="slidenum">
               <a:rPr lang="en-US" smtClean="0"/>
-              <a:t>64</a:t>
+              <a:t>10</a:t>
             </a:fld>
             <a:endParaRPr lang="en-US"/>
           </a:p>
@@ -13993,7 +16153,7 @@
     </p:spTree>
     <p:extLst>
       <p:ext uri="{BB962C8B-B14F-4D97-AF65-F5344CB8AC3E}">
-        <p14:creationId xmlns:p14="http://schemas.microsoft.com/office/powerpoint/2010/main" val="924124030"/>
+        <p14:creationId xmlns:p14="http://schemas.microsoft.com/office/powerpoint/2010/main" val="3704413672"/>
       </p:ext>
     </p:extLst>
   </p:cSld>
@@ -14049,7 +16209,7 @@
           <a:p>
             <a:r>
               <a:rPr lang="en-US" dirty="0"/>
-              <a:t>Close = Euclidean distance (straight line). K is a hyperparameter—evaluation metrics help us choose</a:t>
+              <a:t>A subset of statistical learning </a:t>
             </a:r>
           </a:p>
         </p:txBody>
@@ -14071,7 +16231,7 @@
           <a:p>
             <a:fld id="{2CF3E296-9A10-4A48-B25C-C4EEE84E5793}" type="slidenum">
               <a:rPr lang="en-US" smtClean="0"/>
-              <a:t>65</a:t>
+              <a:t>11</a:t>
             </a:fld>
             <a:endParaRPr lang="en-US"/>
           </a:p>
@@ -14080,7 +16240,7 @@
     </p:spTree>
     <p:extLst>
       <p:ext uri="{BB962C8B-B14F-4D97-AF65-F5344CB8AC3E}">
-        <p14:creationId xmlns:p14="http://schemas.microsoft.com/office/powerpoint/2010/main" val="2095593833"/>
+        <p14:creationId xmlns:p14="http://schemas.microsoft.com/office/powerpoint/2010/main" val="2523311261"/>
       </p:ext>
     </p:extLst>
   </p:cSld>
@@ -14136,19 +16296,7 @@
           <a:p>
             <a:r>
               <a:rPr lang="en-US" dirty="0"/>
-              <a:t>Sensitivity: true positives (“if it’s in there, the model gets it”)</a:t>
-            </a:r>
-          </a:p>
-          <a:p>
-            <a:r>
-              <a:rPr lang="en-US" dirty="0"/>
-              <a:t>Specificity: true negatives (“if it’s not in there, the model gets it”)</a:t>
-            </a:r>
-          </a:p>
-          <a:p>
-            <a:r>
-              <a:rPr lang="en-US" dirty="0"/>
-              <a:t>No info rate: success rate if you just guessed most common class for everything</a:t>
+              <a:t>ML cares more about prediction than SL</a:t>
             </a:r>
           </a:p>
         </p:txBody>
@@ -14170,7 +16318,7 @@
           <a:p>
             <a:fld id="{2CF3E296-9A10-4A48-B25C-C4EEE84E5793}" type="slidenum">
               <a:rPr lang="en-US" smtClean="0"/>
-              <a:t>71</a:t>
+              <a:t>12</a:t>
             </a:fld>
             <a:endParaRPr lang="en-US"/>
           </a:p>
@@ -14179,7 +16327,7 @@
     </p:spTree>
     <p:extLst>
       <p:ext uri="{BB962C8B-B14F-4D97-AF65-F5344CB8AC3E}">
-        <p14:creationId xmlns:p14="http://schemas.microsoft.com/office/powerpoint/2010/main" val="2146171382"/>
+        <p14:creationId xmlns:p14="http://schemas.microsoft.com/office/powerpoint/2010/main" val="723009719"/>
       </p:ext>
     </p:extLst>
   </p:cSld>
@@ -14235,7 +16383,7 @@
           <a:p>
             <a:r>
               <a:rPr lang="en-US" dirty="0"/>
-              <a:t>ISL: both R and Python!</a:t>
+              <a:t>Data is collected via experiments, studies, surveys, etc., and there’s usually an outcome or target variable that we’re interested in.</a:t>
             </a:r>
           </a:p>
         </p:txBody>
@@ -14257,7 +16405,7 @@
           <a:p>
             <a:fld id="{2CF3E296-9A10-4A48-B25C-C4EEE84E5793}" type="slidenum">
               <a:rPr lang="en-US" smtClean="0"/>
-              <a:t>80</a:t>
+              <a:t>13</a:t>
             </a:fld>
             <a:endParaRPr lang="en-US"/>
           </a:p>
@@ -14266,7 +16414,7 @@
     </p:spTree>
     <p:extLst>
       <p:ext uri="{BB962C8B-B14F-4D97-AF65-F5344CB8AC3E}">
-        <p14:creationId xmlns:p14="http://schemas.microsoft.com/office/powerpoint/2010/main" val="2026070012"/>
+        <p14:creationId xmlns:p14="http://schemas.microsoft.com/office/powerpoint/2010/main" val="3885747687"/>
       </p:ext>
     </p:extLst>
   </p:cSld>
@@ -14467,7 +16615,7 @@
               <a:pPr>
                 <a:defRPr/>
               </a:pPr>
-              <a:t>1/5/2025</a:t>
+              <a:t>1/14/2025</a:t>
             </a:fld>
             <a:endParaRPr lang="en-US"/>
           </a:p>
@@ -14663,7 +16811,7 @@
               <a:pPr>
                 <a:defRPr/>
               </a:pPr>
-              <a:t>1/5/2025</a:t>
+              <a:t>1/14/2025</a:t>
             </a:fld>
             <a:endParaRPr lang="en-US"/>
           </a:p>
@@ -14868,7 +17016,7 @@
               <a:pPr>
                 <a:defRPr/>
               </a:pPr>
-              <a:t>1/5/2025</a:t>
+              <a:t>1/14/2025</a:t>
             </a:fld>
             <a:endParaRPr lang="en-US"/>
           </a:p>
@@ -15065,7 +17213,7 @@
               <a:pPr>
                 <a:defRPr/>
               </a:pPr>
-              <a:t>1/5/2025</a:t>
+              <a:t>1/14/2025</a:t>
             </a:fld>
             <a:endParaRPr lang="en-US"/>
           </a:p>
@@ -15338,7 +17486,7 @@
               <a:pPr>
                 <a:defRPr/>
               </a:pPr>
-              <a:t>1/5/2025</a:t>
+              <a:t>1/14/2025</a:t>
             </a:fld>
             <a:endParaRPr lang="en-US"/>
           </a:p>
@@ -15652,7 +17800,7 @@
               <a:pPr>
                 <a:defRPr/>
               </a:pPr>
-              <a:t>1/5/2025</a:t>
+              <a:t>1/14/2025</a:t>
             </a:fld>
             <a:endParaRPr lang="en-US"/>
           </a:p>
@@ -15975,7 +18123,7 @@
               <a:pPr>
                 <a:defRPr/>
               </a:pPr>
-              <a:t>1/5/2025</a:t>
+              <a:t>1/14/2025</a:t>
             </a:fld>
             <a:endParaRPr lang="en-US"/>
           </a:p>
@@ -16119,7 +18267,7 @@
               <a:pPr>
                 <a:defRPr/>
               </a:pPr>
-              <a:t>1/5/2025</a:t>
+              <a:t>1/14/2025</a:t>
             </a:fld>
             <a:endParaRPr lang="en-US"/>
           </a:p>
@@ -16241,7 +18389,7 @@
               <a:pPr>
                 <a:defRPr/>
               </a:pPr>
-              <a:t>1/5/2025</a:t>
+              <a:t>1/14/2025</a:t>
             </a:fld>
             <a:endParaRPr lang="en-US"/>
           </a:p>
@@ -16543,7 +18691,7 @@
               <a:pPr>
                 <a:defRPr/>
               </a:pPr>
-              <a:t>1/5/2025</a:t>
+              <a:t>1/14/2025</a:t>
             </a:fld>
             <a:endParaRPr lang="en-US"/>
           </a:p>
@@ -16830,7 +18978,7 @@
               <a:pPr>
                 <a:defRPr/>
               </a:pPr>
-              <a:t>1/5/2025</a:t>
+              <a:t>1/14/2025</a:t>
             </a:fld>
             <a:endParaRPr lang="en-US"/>
           </a:p>
@@ -17138,7 +19286,7 @@
               <a:pPr>
                 <a:defRPr/>
               </a:pPr>
-              <a:t>1/5/2025</a:t>
+              <a:t>1/14/2025</a:t>
             </a:fld>
             <a:endParaRPr lang="en-US" dirty="0"/>
           </a:p>
@@ -18712,7 +20860,7 @@
             <p:ph idx="1"/>
             <p:extLst>
               <p:ext uri="{D42A27DB-BD31-4B8C-83A1-F6EECF244321}">
-                <p14:modId xmlns:p14="http://schemas.microsoft.com/office/powerpoint/2010/main" val="2407580128"/>
+                <p14:modId xmlns:p14="http://schemas.microsoft.com/office/powerpoint/2010/main" val="1296648888"/>
               </p:ext>
             </p:extLst>
           </p:nvPr>
@@ -18767,7 +20915,7 @@
             <p:ph idx="1"/>
             <p:extLst>
               <p:ext uri="{D42A27DB-BD31-4B8C-83A1-F6EECF244321}">
-                <p14:modId xmlns:p14="http://schemas.microsoft.com/office/powerpoint/2010/main" val="684120205"/>
+                <p14:modId xmlns:p14="http://schemas.microsoft.com/office/powerpoint/2010/main" val="451856306"/>
               </p:ext>
             </p:extLst>
           </p:nvPr>
@@ -19313,6 +21461,11 @@
           </p:cNvGraphicFramePr>
           <p:nvPr>
             <p:ph idx="1"/>
+            <p:extLst>
+              <p:ext uri="{D42A27DB-BD31-4B8C-83A1-F6EECF244321}">
+                <p14:modId xmlns:p14="http://schemas.microsoft.com/office/powerpoint/2010/main" val="870730470"/>
+              </p:ext>
+            </p:extLst>
           </p:nvPr>
         </p:nvGraphicFramePr>
         <p:xfrm>
@@ -19821,7 +21974,7 @@
             <a:pPr algn="l"/>
             <a:r>
               <a:rPr lang="en-US" dirty="0"/>
-              <a:t>Types of Machine Learning</a:t>
+              <a:t>Not All Machine Learning Models Are Created Equally</a:t>
             </a:r>
           </a:p>
         </p:txBody>
@@ -19873,6 +22026,43 @@
           </a:extLst>
         </p:spPr>
       </p:pic>
+      <p:sp>
+        <p:nvSpPr>
+          <p:cNvPr id="3" name="TextBox 2">
+            <a:extLst>
+              <a:ext uri="{FF2B5EF4-FFF2-40B4-BE49-F238E27FC236}">
+                <a16:creationId xmlns:a16="http://schemas.microsoft.com/office/drawing/2014/main" id="{DAD5491E-D8C7-CB0B-1E1F-9AFE6D60605C}"/>
+              </a:ext>
+            </a:extLst>
+          </p:cNvPr>
+          <p:cNvSpPr txBox="1"/>
+          <p:nvPr/>
+        </p:nvSpPr>
+        <p:spPr>
+          <a:xfrm>
+            <a:off x="1035094" y="2052524"/>
+            <a:ext cx="1659120" cy="307777"/>
+          </a:xfrm>
+          <a:prstGeom prst="rect">
+            <a:avLst/>
+          </a:prstGeom>
+          <a:solidFill>
+            <a:schemeClr val="bg1"/>
+          </a:solidFill>
+        </p:spPr>
+        <p:txBody>
+          <a:bodyPr wrap="square" rtlCol="0">
+            <a:spAutoFit/>
+          </a:bodyPr>
+          <a:lstStyle/>
+          <a:p>
+            <a:r>
+              <a:rPr lang="en-US" sz="1400" b="1" dirty="0"/>
+              <a:t>Linear Regression</a:t>
+            </a:r>
+          </a:p>
+        </p:txBody>
+      </p:sp>
     </p:spTree>
     <p:extLst>
       <p:ext uri="{BB962C8B-B14F-4D97-AF65-F5344CB8AC3E}">
@@ -21279,7 +23469,7 @@
             </a:r>
             <a:r>
               <a:rPr lang="en-US" sz="1400" i="1" dirty="0"/>
-              <a:t>random error</a:t>
+              <a:t>(unobservable) error</a:t>
             </a:r>
             <a:endParaRPr lang="en-US" sz="1400" dirty="0"/>
           </a:p>
@@ -24337,8 +26527,8 @@
         </p:nvSpPr>
         <p:spPr>
           <a:xfrm>
-            <a:off x="457200" y="1476375"/>
-            <a:ext cx="8229600" cy="3219912"/>
+            <a:off x="457199" y="1476375"/>
+            <a:ext cx="8531680" cy="3219912"/>
           </a:xfrm>
         </p:spPr>
         <p:txBody>
@@ -24392,7 +26582,7 @@
             <a:pPr lvl="3"/>
             <a:r>
               <a:rPr lang="en-US" dirty="0"/>
-              <a:t>Task: estimate the average value of the response</a:t>
+              <a:t>Task: estimate the average value of the response for a given value of the predictor(s)</a:t>
             </a:r>
           </a:p>
         </p:txBody>
@@ -24480,8 +26670,8 @@
         </p:nvSpPr>
         <p:spPr>
           <a:xfrm>
-            <a:off x="457200" y="1476375"/>
-            <a:ext cx="8229600" cy="3219912"/>
+            <a:off x="457199" y="1476375"/>
+            <a:ext cx="8482693" cy="3219912"/>
           </a:xfrm>
         </p:spPr>
         <p:txBody>
@@ -24535,7 +26725,7 @@
             <a:pPr lvl="3"/>
             <a:r>
               <a:rPr lang="en-US" dirty="0"/>
-              <a:t>Task: estimate the average value of the response</a:t>
+              <a:t>Task: estimate the average value of the response for a given value of the predictor(s)</a:t>
             </a:r>
           </a:p>
           <a:p>
@@ -26408,7 +28598,7 @@
           <p:nvPr/>
         </p:nvPicPr>
         <p:blipFill>
-          <a:blip r:embed="rId2"/>
+          <a:blip r:embed="rId3"/>
           <a:stretch>
             <a:fillRect/>
           </a:stretch>
@@ -26771,7 +28961,7 @@
           <p:nvPr/>
         </p:nvPicPr>
         <p:blipFill>
-          <a:blip r:embed="rId2"/>
+          <a:blip r:embed="rId3"/>
           <a:stretch>
             <a:fillRect/>
           </a:stretch>

--- a/k-nearest-neighbors.pptx
+++ b/k-nearest-neighbors.pptx
@@ -239,7 +239,7 @@
 <file path=ppt/revisionInfo.xml><?xml version="1.0" encoding="utf-8"?>
 <p1510:revInfo xmlns:a="http://schemas.openxmlformats.org/drawingml/2006/main" xmlns:r="http://schemas.openxmlformats.org/officeDocument/2006/relationships" xmlns:p1510="http://schemas.microsoft.com/office/powerpoint/2015/10/main">
   <p1510:revLst>
-    <p1510:client id="{98FB6949-0D5E-4FCD-B882-DDB7FE643806}" v="113" dt="2025-01-14T15:44:13.487"/>
+    <p1510:client id="{98FB6949-0D5E-4FCD-B882-DDB7FE643806}" v="116" dt="2025-02-13T18:58:19.897"/>
   </p1510:revLst>
 </p1510:revInfo>
 </file>
@@ -249,7 +249,7 @@
   <pc:docChgLst>
     <pc:chgData name="Kristopher Wilson" userId="d9235ecf0b42df88" providerId="LiveId" clId="{98FB6949-0D5E-4FCD-B882-DDB7FE643806}"/>
     <pc:docChg chg="undo custSel addSld delSld modSld sldOrd">
-      <pc:chgData name="Kristopher Wilson" userId="d9235ecf0b42df88" providerId="LiveId" clId="{98FB6949-0D5E-4FCD-B882-DDB7FE643806}" dt="2025-01-14T16:03:13.885" v="5692" actId="20577"/>
+      <pc:chgData name="Kristopher Wilson" userId="d9235ecf0b42df88" providerId="LiveId" clId="{98FB6949-0D5E-4FCD-B882-DDB7FE643806}" dt="2025-02-13T18:57:54.870" v="5872" actId="20577"/>
       <pc:docMkLst>
         <pc:docMk/>
       </pc:docMkLst>
@@ -534,7 +534,7 @@
         </pc:sldMkLst>
       </pc:sldChg>
       <pc:sldChg chg="addSp delSp modSp mod modNotesTx">
-        <pc:chgData name="Kristopher Wilson" userId="d9235ecf0b42df88" providerId="LiveId" clId="{98FB6949-0D5E-4FCD-B882-DDB7FE643806}" dt="2025-01-14T15:57:52.675" v="5460" actId="6549"/>
+        <pc:chgData name="Kristopher Wilson" userId="d9235ecf0b42df88" providerId="LiveId" clId="{98FB6949-0D5E-4FCD-B882-DDB7FE643806}" dt="2025-02-13T18:57:54.870" v="5872" actId="20577"/>
         <pc:sldMkLst>
           <pc:docMk/>
           <pc:sldMk cId="3238990568" sldId="312"/>
@@ -548,7 +548,7 @@
           </ac:spMkLst>
         </pc:spChg>
         <pc:spChg chg="add mod">
-          <ac:chgData name="Kristopher Wilson" userId="d9235ecf0b42df88" providerId="LiveId" clId="{98FB6949-0D5E-4FCD-B882-DDB7FE643806}" dt="2025-01-05T00:54:59.405" v="442" actId="478"/>
+          <ac:chgData name="Kristopher Wilson" userId="d9235ecf0b42df88" providerId="LiveId" clId="{98FB6949-0D5E-4FCD-B882-DDB7FE643806}" dt="2025-02-13T18:57:54.870" v="5872" actId="20577"/>
           <ac:spMkLst>
             <pc:docMk/>
             <pc:sldMk cId="3238990568" sldId="312"/>
@@ -557,7 +557,7 @@
         </pc:spChg>
       </pc:sldChg>
       <pc:sldChg chg="modSp mod modNotesTx">
-        <pc:chgData name="Kristopher Wilson" userId="d9235ecf0b42df88" providerId="LiveId" clId="{98FB6949-0D5E-4FCD-B882-DDB7FE643806}" dt="2025-01-14T15:54:36.138" v="5142" actId="20577"/>
+        <pc:chgData name="Kristopher Wilson" userId="d9235ecf0b42df88" providerId="LiveId" clId="{98FB6949-0D5E-4FCD-B882-DDB7FE643806}" dt="2025-02-13T18:57:16.606" v="5795" actId="20577"/>
         <pc:sldMkLst>
           <pc:docMk/>
           <pc:sldMk cId="3753935443" sldId="313"/>
@@ -571,7 +571,7 @@
           </ac:spMkLst>
         </pc:spChg>
         <pc:spChg chg="mod">
-          <ac:chgData name="Kristopher Wilson" userId="d9235ecf0b42df88" providerId="LiveId" clId="{98FB6949-0D5E-4FCD-B882-DDB7FE643806}" dt="2025-01-05T00:42:42.523" v="414" actId="21"/>
+          <ac:chgData name="Kristopher Wilson" userId="d9235ecf0b42df88" providerId="LiveId" clId="{98FB6949-0D5E-4FCD-B882-DDB7FE643806}" dt="2025-02-13T18:57:16.606" v="5795" actId="20577"/>
           <ac:spMkLst>
             <pc:docMk/>
             <pc:sldMk cId="3753935443" sldId="313"/>
@@ -601,7 +601,7 @@
         </pc:sldMkLst>
       </pc:sldChg>
       <pc:sldChg chg="modSp mod modNotesTx">
-        <pc:chgData name="Kristopher Wilson" userId="d9235ecf0b42df88" providerId="LiveId" clId="{98FB6949-0D5E-4FCD-B882-DDB7FE643806}" dt="2025-01-14T16:00:08.301" v="5656" actId="20577"/>
+        <pc:chgData name="Kristopher Wilson" userId="d9235ecf0b42df88" providerId="LiveId" clId="{98FB6949-0D5E-4FCD-B882-DDB7FE643806}" dt="2025-02-13T18:55:22.992" v="5726" actId="20577"/>
         <pc:sldMkLst>
           <pc:docMk/>
           <pc:sldMk cId="3498946490" sldId="317"/>
@@ -612,6 +612,14 @@
             <pc:docMk/>
             <pc:sldMk cId="3498946490" sldId="317"/>
             <ac:spMk id="2" creationId="{FD0D070A-F66E-9B9D-669B-FE0C1060C4C9}"/>
+          </ac:spMkLst>
+        </pc:spChg>
+        <pc:spChg chg="mod">
+          <ac:chgData name="Kristopher Wilson" userId="d9235ecf0b42df88" providerId="LiveId" clId="{98FB6949-0D5E-4FCD-B882-DDB7FE643806}" dt="2025-02-13T18:55:22.992" v="5726" actId="20577"/>
+          <ac:spMkLst>
+            <pc:docMk/>
+            <pc:sldMk cId="3498946490" sldId="317"/>
+            <ac:spMk id="3" creationId="{41938072-D7F2-B06E-8E9C-00B455DD474A}"/>
           </ac:spMkLst>
         </pc:spChg>
       </pc:sldChg>
@@ -13103,7 +13111,7 @@
           <a:p>
             <a:fld id="{6D28F817-3C1E-4980-A2D0-234BDA11B01B}" type="datetimeFigureOut">
               <a:rPr lang="en-US" smtClean="0"/>
-              <a:t>1/14/2025</a:t>
+              <a:t>2/13/2025</a:t>
             </a:fld>
             <a:endParaRPr lang="en-US"/>
           </a:p>
@@ -16615,7 +16623,7 @@
               <a:pPr>
                 <a:defRPr/>
               </a:pPr>
-              <a:t>1/14/2025</a:t>
+              <a:t>2/13/2025</a:t>
             </a:fld>
             <a:endParaRPr lang="en-US"/>
           </a:p>
@@ -16811,7 +16819,7 @@
               <a:pPr>
                 <a:defRPr/>
               </a:pPr>
-              <a:t>1/14/2025</a:t>
+              <a:t>2/13/2025</a:t>
             </a:fld>
             <a:endParaRPr lang="en-US"/>
           </a:p>
@@ -17016,7 +17024,7 @@
               <a:pPr>
                 <a:defRPr/>
               </a:pPr>
-              <a:t>1/14/2025</a:t>
+              <a:t>2/13/2025</a:t>
             </a:fld>
             <a:endParaRPr lang="en-US"/>
           </a:p>
@@ -17213,7 +17221,7 @@
               <a:pPr>
                 <a:defRPr/>
               </a:pPr>
-              <a:t>1/14/2025</a:t>
+              <a:t>2/13/2025</a:t>
             </a:fld>
             <a:endParaRPr lang="en-US"/>
           </a:p>
@@ -17486,7 +17494,7 @@
               <a:pPr>
                 <a:defRPr/>
               </a:pPr>
-              <a:t>1/14/2025</a:t>
+              <a:t>2/13/2025</a:t>
             </a:fld>
             <a:endParaRPr lang="en-US"/>
           </a:p>
@@ -17800,7 +17808,7 @@
               <a:pPr>
                 <a:defRPr/>
               </a:pPr>
-              <a:t>1/14/2025</a:t>
+              <a:t>2/13/2025</a:t>
             </a:fld>
             <a:endParaRPr lang="en-US"/>
           </a:p>
@@ -18123,7 +18131,7 @@
               <a:pPr>
                 <a:defRPr/>
               </a:pPr>
-              <a:t>1/14/2025</a:t>
+              <a:t>2/13/2025</a:t>
             </a:fld>
             <a:endParaRPr lang="en-US"/>
           </a:p>
@@ -18267,7 +18275,7 @@
               <a:pPr>
                 <a:defRPr/>
               </a:pPr>
-              <a:t>1/14/2025</a:t>
+              <a:t>2/13/2025</a:t>
             </a:fld>
             <a:endParaRPr lang="en-US"/>
           </a:p>
@@ -18389,7 +18397,7 @@
               <a:pPr>
                 <a:defRPr/>
               </a:pPr>
-              <a:t>1/14/2025</a:t>
+              <a:t>2/13/2025</a:t>
             </a:fld>
             <a:endParaRPr lang="en-US"/>
           </a:p>
@@ -18691,7 +18699,7 @@
               <a:pPr>
                 <a:defRPr/>
               </a:pPr>
-              <a:t>1/14/2025</a:t>
+              <a:t>2/13/2025</a:t>
             </a:fld>
             <a:endParaRPr lang="en-US"/>
           </a:p>
@@ -18978,7 +18986,7 @@
               <a:pPr>
                 <a:defRPr/>
               </a:pPr>
-              <a:t>1/14/2025</a:t>
+              <a:t>2/13/2025</a:t>
             </a:fld>
             <a:endParaRPr lang="en-US"/>
           </a:p>
@@ -19102,14 +19110,14 @@
           </a:ln>
           <a:extLst>
             <a:ext uri="{909E8E84-426E-40dd-AFC4-6F175D3DCCD1}">
-              <a14:hiddenFill xmlns:a14="http://schemas.microsoft.com/office/drawing/2010/main" xmlns="">
+              <a14:hiddenFill xmlns="" xmlns:a14="http://schemas.microsoft.com/office/drawing/2010/main">
                 <a:solidFill>
                   <a:srgbClr val="FFFFFF"/>
                 </a:solidFill>
               </a14:hiddenFill>
             </a:ext>
             <a:ext uri="{91240B29-F687-4f45-9708-019B960494DF}">
-              <a14:hiddenLine xmlns:a14="http://schemas.microsoft.com/office/drawing/2010/main" xmlns="" w="9525">
+              <a14:hiddenLine xmlns="" xmlns:a14="http://schemas.microsoft.com/office/drawing/2010/main" w="9525">
                 <a:solidFill>
                   <a:srgbClr val="000000"/>
                 </a:solidFill>
@@ -19119,7 +19127,7 @@
               </a14:hiddenLine>
             </a:ext>
             <a:ext uri="{FAA26D3D-D897-4be2-8F04-BA451C77F1D7}">
-              <ma14:placeholderFlag xmlns:ma14="http://schemas.microsoft.com/office/mac/drawingml/2011/main" xmlns="" val="1"/>
+              <ma14:placeholderFlag xmlns="" xmlns:ma14="http://schemas.microsoft.com/office/mac/drawingml/2011/main" val="1"/>
             </a:ext>
           </a:extLst>
         </p:spPr>
@@ -19170,14 +19178,14 @@
           </a:ln>
           <a:extLst>
             <a:ext uri="{909E8E84-426E-40dd-AFC4-6F175D3DCCD1}">
-              <a14:hiddenFill xmlns:a14="http://schemas.microsoft.com/office/drawing/2010/main" xmlns="">
+              <a14:hiddenFill xmlns="" xmlns:a14="http://schemas.microsoft.com/office/drawing/2010/main">
                 <a:solidFill>
                   <a:srgbClr val="FFFFFF"/>
                 </a:solidFill>
               </a14:hiddenFill>
             </a:ext>
             <a:ext uri="{91240B29-F687-4f45-9708-019B960494DF}">
-              <a14:hiddenLine xmlns:a14="http://schemas.microsoft.com/office/drawing/2010/main" xmlns="" w="9525">
+              <a14:hiddenLine xmlns="" xmlns:a14="http://schemas.microsoft.com/office/drawing/2010/main" w="9525">
                 <a:solidFill>
                   <a:srgbClr val="000000"/>
                 </a:solidFill>
@@ -19187,7 +19195,7 @@
               </a14:hiddenLine>
             </a:ext>
             <a:ext uri="{FAA26D3D-D897-4be2-8F04-BA451C77F1D7}">
-              <ma14:placeholderFlag xmlns:ma14="http://schemas.microsoft.com/office/mac/drawingml/2011/main" xmlns="" val="1"/>
+              <ma14:placeholderFlag xmlns="" xmlns:ma14="http://schemas.microsoft.com/office/mac/drawingml/2011/main" val="1"/>
             </a:ext>
           </a:extLst>
         </p:spPr>
@@ -19286,7 +19294,7 @@
               <a:pPr>
                 <a:defRPr/>
               </a:pPr>
-              <a:t>1/14/2025</a:t>
+              <a:t>2/13/2025</a:t>
             </a:fld>
             <a:endParaRPr lang="en-US" dirty="0"/>
           </a:p>
@@ -28514,7 +28522,10 @@
             <a:pPr marL="0" indent="0">
               <a:buNone/>
             </a:pPr>
-            <a:endParaRPr lang="en-US" dirty="0"/>
+            <a:r>
+              <a:rPr lang="en-US" dirty="0"/>
+              <a:t>Dataset contains play-by-play data from the 2014 NFL regular season</a:t>
+            </a:r>
           </a:p>
         </p:txBody>
       </p:sp>
@@ -28788,7 +28799,16 @@
           <a:bodyPr/>
           <a:lstStyle/>
           <a:p>
-            <a:endParaRPr lang="en-US"/>
+            <a:pPr marL="0" indent="0">
+              <a:buNone/>
+            </a:pPr>
+            <a:r>
+              <a:rPr lang="en-US" dirty="0">
+                <a:hlinkClick r:id="rId3"/>
+              </a:rPr>
+              <a:t>Information about the dataset</a:t>
+            </a:r>
+            <a:endParaRPr lang="en-US" dirty="0"/>
           </a:p>
         </p:txBody>
       </p:sp>
@@ -29214,6 +29234,12 @@
             <a:pPr marL="0" indent="0">
               <a:buNone/>
             </a:pPr>
+            <a:r>
+              <a:rPr lang="en-US" dirty="0">
+                <a:hlinkClick r:id="rId3"/>
+              </a:rPr>
+              <a:t>Link to repository</a:t>
+            </a:r>
             <a:endParaRPr lang="en-US" dirty="0"/>
           </a:p>
         </p:txBody>

--- a/k-nearest-neighbors.pptx
+++ b/k-nearest-neighbors.pptx
@@ -5,7 +5,7 @@
     <p:sldMasterId id="2147483648" r:id="rId1"/>
   </p:sldMasterIdLst>
   <p:notesMasterIdLst>
-    <p:notesMasterId r:id="rId83"/>
+    <p:notesMasterId r:id="rId84"/>
   </p:notesMasterIdLst>
   <p:sldIdLst>
     <p:sldId id="256" r:id="rId2"/>
@@ -74,21 +74,22 @@
     <p:sldId id="343" r:id="rId65"/>
     <p:sldId id="344" r:id="rId66"/>
     <p:sldId id="313" r:id="rId67"/>
-    <p:sldId id="332" r:id="rId68"/>
-    <p:sldId id="333" r:id="rId69"/>
-    <p:sldId id="312" r:id="rId70"/>
-    <p:sldId id="334" r:id="rId71"/>
-    <p:sldId id="335" r:id="rId72"/>
-    <p:sldId id="317" r:id="rId73"/>
-    <p:sldId id="345" r:id="rId74"/>
-    <p:sldId id="346" r:id="rId75"/>
-    <p:sldId id="347" r:id="rId76"/>
-    <p:sldId id="348" r:id="rId77"/>
-    <p:sldId id="336" r:id="rId78"/>
-    <p:sldId id="319" r:id="rId79"/>
-    <p:sldId id="350" r:id="rId80"/>
-    <p:sldId id="349" r:id="rId81"/>
-    <p:sldId id="318" r:id="rId82"/>
+    <p:sldId id="351" r:id="rId68"/>
+    <p:sldId id="332" r:id="rId69"/>
+    <p:sldId id="333" r:id="rId70"/>
+    <p:sldId id="312" r:id="rId71"/>
+    <p:sldId id="334" r:id="rId72"/>
+    <p:sldId id="335" r:id="rId73"/>
+    <p:sldId id="317" r:id="rId74"/>
+    <p:sldId id="345" r:id="rId75"/>
+    <p:sldId id="346" r:id="rId76"/>
+    <p:sldId id="347" r:id="rId77"/>
+    <p:sldId id="348" r:id="rId78"/>
+    <p:sldId id="336" r:id="rId79"/>
+    <p:sldId id="319" r:id="rId80"/>
+    <p:sldId id="350" r:id="rId81"/>
+    <p:sldId id="349" r:id="rId82"/>
+    <p:sldId id="318" r:id="rId83"/>
   </p:sldIdLst>
   <p:sldSz cx="9144000" cy="5143500" type="screen16x9"/>
   <p:notesSz cx="6858000" cy="9144000"/>
@@ -239,7 +240,7 @@
 <file path=ppt/revisionInfo.xml><?xml version="1.0" encoding="utf-8"?>
 <p1510:revInfo xmlns:a="http://schemas.openxmlformats.org/drawingml/2006/main" xmlns:r="http://schemas.openxmlformats.org/officeDocument/2006/relationships" xmlns:p1510="http://schemas.microsoft.com/office/powerpoint/2015/10/main">
   <p1510:revLst>
-    <p1510:client id="{98FB6949-0D5E-4FCD-B882-DDB7FE643806}" v="116" dt="2025-02-13T18:58:19.897"/>
+    <p1510:client id="{92B5EAFA-E965-443A-83E5-24B74068C74E}" v="3" dt="2025-04-07T03:51:10.979"/>
   </p1510:revLst>
 </p1510:revInfo>
 </file>
@@ -259,22 +260,6 @@
           <pc:docMk/>
           <pc:sldMk cId="0" sldId="256"/>
         </pc:sldMkLst>
-        <pc:spChg chg="mod">
-          <ac:chgData name="Kristopher Wilson" userId="d9235ecf0b42df88" providerId="LiveId" clId="{98FB6949-0D5E-4FCD-B882-DDB7FE643806}" dt="2025-01-05T00:33:58.126" v="171" actId="120"/>
-          <ac:spMkLst>
-            <pc:docMk/>
-            <pc:sldMk cId="0" sldId="256"/>
-            <ac:spMk id="3" creationId="{00000000-0000-0000-0000-000000000000}"/>
-          </ac:spMkLst>
-        </pc:spChg>
-        <pc:spChg chg="mod">
-          <ac:chgData name="Kristopher Wilson" userId="d9235ecf0b42df88" providerId="LiveId" clId="{98FB6949-0D5E-4FCD-B882-DDB7FE643806}" dt="2025-01-05T00:33:54.609" v="170" actId="120"/>
-          <ac:spMkLst>
-            <pc:docMk/>
-            <pc:sldMk cId="0" sldId="256"/>
-            <ac:spMk id="2049" creationId="{00000000-0000-0000-0000-000000000000}"/>
-          </ac:spMkLst>
-        </pc:spChg>
       </pc:sldChg>
       <pc:sldChg chg="modSp mod">
         <pc:chgData name="Kristopher Wilson" userId="d9235ecf0b42df88" providerId="LiveId" clId="{98FB6949-0D5E-4FCD-B882-DDB7FE643806}" dt="2025-01-05T00:33:34.880" v="166" actId="1076"/>
@@ -282,22 +267,6 @@
           <pc:docMk/>
           <pc:sldMk cId="2836881828" sldId="257"/>
         </pc:sldMkLst>
-        <pc:spChg chg="mod">
-          <ac:chgData name="Kristopher Wilson" userId="d9235ecf0b42df88" providerId="LiveId" clId="{98FB6949-0D5E-4FCD-B882-DDB7FE643806}" dt="2025-01-05T00:33:34.880" v="166" actId="1076"/>
-          <ac:spMkLst>
-            <pc:docMk/>
-            <pc:sldMk cId="2836881828" sldId="257"/>
-            <ac:spMk id="2" creationId="{0D0A4555-9C90-B311-1F43-828EBD6EAC19}"/>
-          </ac:spMkLst>
-        </pc:spChg>
-        <pc:spChg chg="mod">
-          <ac:chgData name="Kristopher Wilson" userId="d9235ecf0b42df88" providerId="LiveId" clId="{98FB6949-0D5E-4FCD-B882-DDB7FE643806}" dt="2025-01-05T00:33:34.409" v="165" actId="1076"/>
-          <ac:spMkLst>
-            <pc:docMk/>
-            <pc:sldMk cId="2836881828" sldId="257"/>
-            <ac:spMk id="3" creationId="{BFA3BD3C-BB43-6C85-615C-D801D30A35B4}"/>
-          </ac:spMkLst>
-        </pc:spChg>
       </pc:sldChg>
       <pc:sldChg chg="modNotesTx">
         <pc:chgData name="Kristopher Wilson" userId="d9235ecf0b42df88" providerId="LiveId" clId="{98FB6949-0D5E-4FCD-B882-DDB7FE643806}" dt="2025-01-14T15:41:44.708" v="3555" actId="20577"/>
@@ -369,14 +338,6 @@
             <ac:spMk id="3" creationId="{D9021F52-9C1F-303F-41EC-6EEC9A0F2CD6}"/>
           </ac:spMkLst>
         </pc:spChg>
-        <pc:spChg chg="add mod">
-          <ac:chgData name="Kristopher Wilson" userId="d9235ecf0b42df88" providerId="LiveId" clId="{98FB6949-0D5E-4FCD-B882-DDB7FE643806}" dt="2025-01-05T00:37:53.879" v="308" actId="207"/>
-          <ac:spMkLst>
-            <pc:docMk/>
-            <pc:sldMk cId="3366460609" sldId="284"/>
-            <ac:spMk id="5" creationId="{296B692C-3628-9C7C-701D-3B60153DC5D1}"/>
-          </ac:spMkLst>
-        </pc:spChg>
       </pc:sldChg>
       <pc:sldChg chg="modNotesTx">
         <pc:chgData name="Kristopher Wilson" userId="d9235ecf0b42df88" providerId="LiveId" clId="{98FB6949-0D5E-4FCD-B882-DDB7FE643806}" dt="2025-01-14T15:44:52.781" v="3976" actId="20577"/>
@@ -391,22 +352,6 @@
           <pc:docMk/>
           <pc:sldMk cId="1181845431" sldId="286"/>
         </pc:sldMkLst>
-        <pc:spChg chg="mod">
-          <ac:chgData name="Kristopher Wilson" userId="d9235ecf0b42df88" providerId="LiveId" clId="{98FB6949-0D5E-4FCD-B882-DDB7FE643806}" dt="2025-01-05T00:34:32.869" v="173" actId="20577"/>
-          <ac:spMkLst>
-            <pc:docMk/>
-            <pc:sldMk cId="1181845431" sldId="286"/>
-            <ac:spMk id="2" creationId="{D5374FD7-6CC8-C110-7BD6-A03715FFD922}"/>
-          </ac:spMkLst>
-        </pc:spChg>
-        <pc:spChg chg="mod">
-          <ac:chgData name="Kristopher Wilson" userId="d9235ecf0b42df88" providerId="LiveId" clId="{98FB6949-0D5E-4FCD-B882-DDB7FE643806}" dt="2025-01-05T00:37:08.859" v="303" actId="20577"/>
-          <ac:spMkLst>
-            <pc:docMk/>
-            <pc:sldMk cId="1181845431" sldId="286"/>
-            <ac:spMk id="3" creationId="{93AF2E06-ADFD-4C07-8F40-4DCD6E537236}"/>
-          </ac:spMkLst>
-        </pc:spChg>
       </pc:sldChg>
       <pc:sldChg chg="modSp mod modNotesTx">
         <pc:chgData name="Kristopher Wilson" userId="d9235ecf0b42df88" providerId="LiveId" clId="{98FB6949-0D5E-4FCD-B882-DDB7FE643806}" dt="2025-01-14T15:49:26.606" v="4540" actId="20577"/>
@@ -414,22 +359,6 @@
           <pc:docMk/>
           <pc:sldMk cId="2316342644" sldId="288"/>
         </pc:sldMkLst>
-        <pc:spChg chg="mod">
-          <ac:chgData name="Kristopher Wilson" userId="d9235ecf0b42df88" providerId="LiveId" clId="{98FB6949-0D5E-4FCD-B882-DDB7FE643806}" dt="2025-01-05T00:39:20.772" v="360" actId="20577"/>
-          <ac:spMkLst>
-            <pc:docMk/>
-            <pc:sldMk cId="2316342644" sldId="288"/>
-            <ac:spMk id="2" creationId="{BE001372-1801-9186-75CF-F546FBAB0508}"/>
-          </ac:spMkLst>
-        </pc:spChg>
-        <pc:spChg chg="mod">
-          <ac:chgData name="Kristopher Wilson" userId="d9235ecf0b42df88" providerId="LiveId" clId="{98FB6949-0D5E-4FCD-B882-DDB7FE643806}" dt="2025-01-05T00:39:16.770" v="358" actId="115"/>
-          <ac:spMkLst>
-            <pc:docMk/>
-            <pc:sldMk cId="2316342644" sldId="288"/>
-            <ac:spMk id="3" creationId="{EBBFE19F-C6A0-F400-8CA5-6C900F885502}"/>
-          </ac:spMkLst>
-        </pc:spChg>
       </pc:sldChg>
       <pc:sldChg chg="modSp mod">
         <pc:chgData name="Kristopher Wilson" userId="d9235ecf0b42df88" providerId="LiveId" clId="{98FB6949-0D5E-4FCD-B882-DDB7FE643806}" dt="2025-01-05T00:39:53.671" v="413"/>
@@ -437,22 +366,6 @@
           <pc:docMk/>
           <pc:sldMk cId="4035132302" sldId="289"/>
         </pc:sldMkLst>
-        <pc:spChg chg="mod">
-          <ac:chgData name="Kristopher Wilson" userId="d9235ecf0b42df88" providerId="LiveId" clId="{98FB6949-0D5E-4FCD-B882-DDB7FE643806}" dt="2025-01-05T00:39:48.158" v="412" actId="20577"/>
-          <ac:spMkLst>
-            <pc:docMk/>
-            <pc:sldMk cId="4035132302" sldId="289"/>
-            <ac:spMk id="2" creationId="{958AC994-EEE8-A262-BBB1-C19E23CBB2ED}"/>
-          </ac:spMkLst>
-        </pc:spChg>
-        <pc:spChg chg="mod">
-          <ac:chgData name="Kristopher Wilson" userId="d9235ecf0b42df88" providerId="LiveId" clId="{98FB6949-0D5E-4FCD-B882-DDB7FE643806}" dt="2025-01-05T00:39:53.671" v="413"/>
-          <ac:spMkLst>
-            <pc:docMk/>
-            <pc:sldMk cId="4035132302" sldId="289"/>
-            <ac:spMk id="3" creationId="{21A82464-6E08-6B12-BA78-3D3C5F2CAD45}"/>
-          </ac:spMkLst>
-        </pc:spChg>
       </pc:sldChg>
       <pc:sldChg chg="modNotesTx">
         <pc:chgData name="Kristopher Wilson" userId="d9235ecf0b42df88" providerId="LiveId" clId="{98FB6949-0D5E-4FCD-B882-DDB7FE643806}" dt="2025-01-14T15:49:45.532" v="4602" actId="20577"/>
@@ -539,14 +452,6 @@
           <pc:docMk/>
           <pc:sldMk cId="3238990568" sldId="312"/>
         </pc:sldMkLst>
-        <pc:spChg chg="mod">
-          <ac:chgData name="Kristopher Wilson" userId="d9235ecf0b42df88" providerId="LiveId" clId="{98FB6949-0D5E-4FCD-B882-DDB7FE643806}" dt="2025-01-05T00:54:57.580" v="441" actId="20577"/>
-          <ac:spMkLst>
-            <pc:docMk/>
-            <pc:sldMk cId="3238990568" sldId="312"/>
-            <ac:spMk id="2" creationId="{F1B36A43-7826-7521-E812-B21AE7BD8F01}"/>
-          </ac:spMkLst>
-        </pc:spChg>
         <pc:spChg chg="add mod">
           <ac:chgData name="Kristopher Wilson" userId="d9235ecf0b42df88" providerId="LiveId" clId="{98FB6949-0D5E-4FCD-B882-DDB7FE643806}" dt="2025-02-13T18:57:54.870" v="5872" actId="20577"/>
           <ac:spMkLst>
@@ -562,14 +467,6 @@
           <pc:docMk/>
           <pc:sldMk cId="3753935443" sldId="313"/>
         </pc:sldMkLst>
-        <pc:spChg chg="mod">
-          <ac:chgData name="Kristopher Wilson" userId="d9235ecf0b42df88" providerId="LiveId" clId="{98FB6949-0D5E-4FCD-B882-DDB7FE643806}" dt="2025-01-05T00:42:45.686" v="417" actId="20577"/>
-          <ac:spMkLst>
-            <pc:docMk/>
-            <pc:sldMk cId="3753935443" sldId="313"/>
-            <ac:spMk id="2" creationId="{F103C0B2-B5E7-8470-7B49-B7D9ADA7CCBF}"/>
-          </ac:spMkLst>
-        </pc:spChg>
         <pc:spChg chg="mod">
           <ac:chgData name="Kristopher Wilson" userId="d9235ecf0b42df88" providerId="LiveId" clId="{98FB6949-0D5E-4FCD-B882-DDB7FE643806}" dt="2025-02-13T18:57:16.606" v="5795" actId="20577"/>
           <ac:spMkLst>
@@ -607,14 +504,6 @@
           <pc:sldMk cId="3498946490" sldId="317"/>
         </pc:sldMkLst>
         <pc:spChg chg="mod">
-          <ac:chgData name="Kristopher Wilson" userId="d9235ecf0b42df88" providerId="LiveId" clId="{98FB6949-0D5E-4FCD-B882-DDB7FE643806}" dt="2025-01-05T21:28:42.367" v="1160" actId="20577"/>
-          <ac:spMkLst>
-            <pc:docMk/>
-            <pc:sldMk cId="3498946490" sldId="317"/>
-            <ac:spMk id="2" creationId="{FD0D070A-F66E-9B9D-669B-FE0C1060C4C9}"/>
-          </ac:spMkLst>
-        </pc:spChg>
-        <pc:spChg chg="mod">
           <ac:chgData name="Kristopher Wilson" userId="d9235ecf0b42df88" providerId="LiveId" clId="{98FB6949-0D5E-4FCD-B882-DDB7FE643806}" dt="2025-02-13T18:55:22.992" v="5726" actId="20577"/>
           <ac:spMkLst>
             <pc:docMk/>
@@ -629,14 +518,6 @@
           <pc:docMk/>
           <pc:sldMk cId="4236198678" sldId="318"/>
         </pc:sldMkLst>
-        <pc:spChg chg="mod">
-          <ac:chgData name="Kristopher Wilson" userId="d9235ecf0b42df88" providerId="LiveId" clId="{98FB6949-0D5E-4FCD-B882-DDB7FE643806}" dt="2025-01-05T22:12:53.975" v="2975" actId="20577"/>
-          <ac:spMkLst>
-            <pc:docMk/>
-            <pc:sldMk cId="4236198678" sldId="318"/>
-            <ac:spMk id="3" creationId="{7EF66D20-3C87-215E-F322-E6F32E6E51B3}"/>
-          </ac:spMkLst>
-        </pc:spChg>
       </pc:sldChg>
       <pc:sldChg chg="modNotesTx">
         <pc:chgData name="Kristopher Wilson" userId="d9235ecf0b42df88" providerId="LiveId" clId="{98FB6949-0D5E-4FCD-B882-DDB7FE643806}" dt="2025-01-14T15:41:01.979" v="3480" actId="20577"/>
@@ -658,22 +539,6 @@
           <pc:docMk/>
           <pc:sldMk cId="3782467395" sldId="323"/>
         </pc:sldMkLst>
-        <pc:spChg chg="mod">
-          <ac:chgData name="Kristopher Wilson" userId="d9235ecf0b42df88" providerId="LiveId" clId="{98FB6949-0D5E-4FCD-B882-DDB7FE643806}" dt="2025-01-05T00:33:34.015" v="164" actId="1076"/>
-          <ac:spMkLst>
-            <pc:docMk/>
-            <pc:sldMk cId="3782467395" sldId="323"/>
-            <ac:spMk id="2" creationId="{AAD0A121-6F0C-5B14-DBDE-AFC0B7999256}"/>
-          </ac:spMkLst>
-        </pc:spChg>
-        <pc:spChg chg="mod">
-          <ac:chgData name="Kristopher Wilson" userId="d9235ecf0b42df88" providerId="LiveId" clId="{98FB6949-0D5E-4FCD-B882-DDB7FE643806}" dt="2025-01-05T00:33:33.613" v="163" actId="1076"/>
-          <ac:spMkLst>
-            <pc:docMk/>
-            <pc:sldMk cId="3782467395" sldId="323"/>
-            <ac:spMk id="3" creationId="{60FC461A-1603-E5E0-E26B-DCB986B0CB9E}"/>
-          </ac:spMkLst>
-        </pc:spChg>
       </pc:sldChg>
       <pc:sldChg chg="modNotesTx">
         <pc:chgData name="Kristopher Wilson" userId="d9235ecf0b42df88" providerId="LiveId" clId="{98FB6949-0D5E-4FCD-B882-DDB7FE643806}" dt="2025-01-14T15:40:49.272" v="3447" actId="20577"/>
@@ -709,22 +574,6 @@
           <pc:docMk/>
           <pc:sldMk cId="1430486210" sldId="327"/>
         </pc:sldMkLst>
-        <pc:spChg chg="mod">
-          <ac:chgData name="Kristopher Wilson" userId="d9235ecf0b42df88" providerId="LiveId" clId="{98FB6949-0D5E-4FCD-B882-DDB7FE643806}" dt="2025-01-05T00:18:24.015" v="56" actId="20577"/>
-          <ac:spMkLst>
-            <pc:docMk/>
-            <pc:sldMk cId="1430486210" sldId="327"/>
-            <ac:spMk id="2" creationId="{0EE78915-CBAE-E09C-D39B-9C37510AAD14}"/>
-          </ac:spMkLst>
-        </pc:spChg>
-        <pc:spChg chg="add mod">
-          <ac:chgData name="Kristopher Wilson" userId="d9235ecf0b42df88" providerId="LiveId" clId="{98FB6949-0D5E-4FCD-B882-DDB7FE643806}" dt="2025-01-05T00:18:28.438" v="58" actId="478"/>
-          <ac:spMkLst>
-            <pc:docMk/>
-            <pc:sldMk cId="1430486210" sldId="327"/>
-            <ac:spMk id="5" creationId="{DC7C5BC1-3B98-AB1E-B9A2-07BEFD98C3F2}"/>
-          </ac:spMkLst>
-        </pc:spChg>
       </pc:sldChg>
       <pc:sldChg chg="addSp delSp modSp add del mod">
         <pc:chgData name="Kristopher Wilson" userId="d9235ecf0b42df88" providerId="LiveId" clId="{98FB6949-0D5E-4FCD-B882-DDB7FE643806}" dt="2025-01-14T15:44:05.280" v="3857" actId="20577"/>
@@ -747,62 +596,6 @@
           <pc:docMk/>
           <pc:sldMk cId="4138575850" sldId="329"/>
         </pc:sldMkLst>
-        <pc:spChg chg="mod">
-          <ac:chgData name="Kristopher Wilson" userId="d9235ecf0b42df88" providerId="LiveId" clId="{98FB6949-0D5E-4FCD-B882-DDB7FE643806}" dt="2025-01-05T00:24:22.770" v="127" actId="1076"/>
-          <ac:spMkLst>
-            <pc:docMk/>
-            <pc:sldMk cId="4138575850" sldId="329"/>
-            <ac:spMk id="5" creationId="{00000000-0000-0000-0000-000000000000}"/>
-          </ac:spMkLst>
-        </pc:spChg>
-        <pc:spChg chg="mod">
-          <ac:chgData name="Kristopher Wilson" userId="d9235ecf0b42df88" providerId="LiveId" clId="{98FB6949-0D5E-4FCD-B882-DDB7FE643806}" dt="2025-01-05T00:24:18.636" v="126" actId="1076"/>
-          <ac:spMkLst>
-            <pc:docMk/>
-            <pc:sldMk cId="4138575850" sldId="329"/>
-            <ac:spMk id="6" creationId="{00000000-0000-0000-0000-000000000000}"/>
-          </ac:spMkLst>
-        </pc:spChg>
-        <pc:spChg chg="mod">
-          <ac:chgData name="Kristopher Wilson" userId="d9235ecf0b42df88" providerId="LiveId" clId="{98FB6949-0D5E-4FCD-B882-DDB7FE643806}" dt="2025-01-05T00:21:41.586" v="90" actId="403"/>
-          <ac:spMkLst>
-            <pc:docMk/>
-            <pc:sldMk cId="4138575850" sldId="329"/>
-            <ac:spMk id="9" creationId="{00000000-0000-0000-0000-000000000000}"/>
-          </ac:spMkLst>
-        </pc:spChg>
-        <pc:spChg chg="mod">
-          <ac:chgData name="Kristopher Wilson" userId="d9235ecf0b42df88" providerId="LiveId" clId="{98FB6949-0D5E-4FCD-B882-DDB7FE643806}" dt="2025-01-05T00:21:46.533" v="93" actId="404"/>
-          <ac:spMkLst>
-            <pc:docMk/>
-            <pc:sldMk cId="4138575850" sldId="329"/>
-            <ac:spMk id="10" creationId="{00000000-0000-0000-0000-000000000000}"/>
-          </ac:spMkLst>
-        </pc:spChg>
-        <pc:spChg chg="mod">
-          <ac:chgData name="Kristopher Wilson" userId="d9235ecf0b42df88" providerId="LiveId" clId="{98FB6949-0D5E-4FCD-B882-DDB7FE643806}" dt="2025-01-05T00:22:42.695" v="112" actId="1076"/>
-          <ac:spMkLst>
-            <pc:docMk/>
-            <pc:sldMk cId="4138575850" sldId="329"/>
-            <ac:spMk id="12" creationId="{00000000-0000-0000-0000-000000000000}"/>
-          </ac:spMkLst>
-        </pc:spChg>
-        <pc:grpChg chg="mod">
-          <ac:chgData name="Kristopher Wilson" userId="d9235ecf0b42df88" providerId="LiveId" clId="{98FB6949-0D5E-4FCD-B882-DDB7FE643806}" dt="2025-01-05T00:22:47.574" v="113" actId="1076"/>
-          <ac:grpSpMkLst>
-            <pc:docMk/>
-            <pc:sldMk cId="4138575850" sldId="329"/>
-            <ac:grpSpMk id="7" creationId="{00000000-0000-0000-0000-000000000000}"/>
-          </ac:grpSpMkLst>
-        </pc:grpChg>
-        <pc:grpChg chg="mod">
-          <ac:chgData name="Kristopher Wilson" userId="d9235ecf0b42df88" providerId="LiveId" clId="{98FB6949-0D5E-4FCD-B882-DDB7FE643806}" dt="2025-01-05T00:22:09.400" v="98" actId="1076"/>
-          <ac:grpSpMkLst>
-            <pc:docMk/>
-            <pc:sldMk cId="4138575850" sldId="329"/>
-            <ac:grpSpMk id="8" creationId="{00000000-0000-0000-0000-000000000000}"/>
-          </ac:grpSpMkLst>
-        </pc:grpChg>
         <pc:graphicFrameChg chg="add del mod">
           <ac:chgData name="Kristopher Wilson" userId="d9235ecf0b42df88" providerId="LiveId" clId="{98FB6949-0D5E-4FCD-B882-DDB7FE643806}" dt="2025-01-14T15:44:09.486" v="3864" actId="20577"/>
           <ac:graphicFrameMkLst>
@@ -863,30 +656,6 @@
           <pc:docMk/>
           <pc:sldMk cId="2398605309" sldId="331"/>
         </pc:sldMkLst>
-        <pc:spChg chg="mod">
-          <ac:chgData name="Kristopher Wilson" userId="d9235ecf0b42df88" providerId="LiveId" clId="{98FB6949-0D5E-4FCD-B882-DDB7FE643806}" dt="2025-01-05T00:26:36.746" v="142" actId="207"/>
-          <ac:spMkLst>
-            <pc:docMk/>
-            <pc:sldMk cId="2398605309" sldId="331"/>
-            <ac:spMk id="9" creationId="{14DEEA2C-EC41-AE9F-0C39-21874BC1C7DB}"/>
-          </ac:spMkLst>
-        </pc:spChg>
-        <pc:spChg chg="mod">
-          <ac:chgData name="Kristopher Wilson" userId="d9235ecf0b42df88" providerId="LiveId" clId="{98FB6949-0D5E-4FCD-B882-DDB7FE643806}" dt="2025-01-05T00:26:36.746" v="142" actId="207"/>
-          <ac:spMkLst>
-            <pc:docMk/>
-            <pc:sldMk cId="2398605309" sldId="331"/>
-            <ac:spMk id="10" creationId="{F41C980C-3741-7565-6E6E-FA35F57BE68C}"/>
-          </ac:spMkLst>
-        </pc:spChg>
-        <pc:grpChg chg="mod">
-          <ac:chgData name="Kristopher Wilson" userId="d9235ecf0b42df88" providerId="LiveId" clId="{98FB6949-0D5E-4FCD-B882-DDB7FE643806}" dt="2025-01-05T00:26:36.746" v="142" actId="207"/>
-          <ac:grpSpMkLst>
-            <pc:docMk/>
-            <pc:sldMk cId="2398605309" sldId="331"/>
-            <ac:grpSpMk id="8" creationId="{136F60AC-EF2B-7127-204D-C36ED8EDDE56}"/>
-          </ac:grpSpMkLst>
-        </pc:grpChg>
         <pc:graphicFrameChg chg="mod">
           <ac:chgData name="Kristopher Wilson" userId="d9235ecf0b42df88" providerId="LiveId" clId="{98FB6949-0D5E-4FCD-B882-DDB7FE643806}" dt="2025-01-14T15:44:13.487" v="3871" actId="20577"/>
           <ac:graphicFrameMkLst>
@@ -902,14 +671,6 @@
           <pc:docMk/>
           <pc:sldMk cId="3248761571" sldId="332"/>
         </pc:sldMkLst>
-        <pc:picChg chg="add mod">
-          <ac:chgData name="Kristopher Wilson" userId="d9235ecf0b42df88" providerId="LiveId" clId="{98FB6949-0D5E-4FCD-B882-DDB7FE643806}" dt="2025-01-05T00:54:21.678" v="432" actId="14100"/>
-          <ac:picMkLst>
-            <pc:docMk/>
-            <pc:sldMk cId="3248761571" sldId="332"/>
-            <ac:picMk id="8" creationId="{EC6EE1F6-29FC-1B60-DA49-84D91856AF06}"/>
-          </ac:picMkLst>
-        </pc:picChg>
       </pc:sldChg>
       <pc:sldChg chg="addSp delSp modSp add mod ord">
         <pc:chgData name="Kristopher Wilson" userId="d9235ecf0b42df88" providerId="LiveId" clId="{98FB6949-0D5E-4FCD-B882-DDB7FE643806}" dt="2025-01-05T00:58:57.191" v="453" actId="478"/>
@@ -917,14 +678,6 @@
           <pc:docMk/>
           <pc:sldMk cId="1050950386" sldId="333"/>
         </pc:sldMkLst>
-        <pc:picChg chg="add mod">
-          <ac:chgData name="Kristopher Wilson" userId="d9235ecf0b42df88" providerId="LiveId" clId="{98FB6949-0D5E-4FCD-B882-DDB7FE643806}" dt="2025-01-05T00:56:33.356" v="452" actId="1076"/>
-          <ac:picMkLst>
-            <pc:docMk/>
-            <pc:sldMk cId="1050950386" sldId="333"/>
-            <ac:picMk id="5" creationId="{E2E43B54-0CC3-19ED-F64C-6EBB179644FA}"/>
-          </ac:picMkLst>
-        </pc:picChg>
       </pc:sldChg>
       <pc:sldChg chg="addSp delSp modSp add mod">
         <pc:chgData name="Kristopher Wilson" userId="d9235ecf0b42df88" providerId="LiveId" clId="{98FB6949-0D5E-4FCD-B882-DDB7FE643806}" dt="2025-01-05T01:01:25.885" v="462" actId="1076"/>
@@ -932,14 +685,6 @@
           <pc:docMk/>
           <pc:sldMk cId="3950797710" sldId="334"/>
         </pc:sldMkLst>
-        <pc:picChg chg="add mod">
-          <ac:chgData name="Kristopher Wilson" userId="d9235ecf0b42df88" providerId="LiveId" clId="{98FB6949-0D5E-4FCD-B882-DDB7FE643806}" dt="2025-01-05T01:01:25.885" v="462" actId="1076"/>
-          <ac:picMkLst>
-            <pc:docMk/>
-            <pc:sldMk cId="3950797710" sldId="334"/>
-            <ac:picMk id="4" creationId="{E4FBA84E-D18D-D7A4-C7BA-15B043486957}"/>
-          </ac:picMkLst>
-        </pc:picChg>
       </pc:sldChg>
       <pc:sldChg chg="addSp delSp modSp add mod chgLayout modNotesTx">
         <pc:chgData name="Kristopher Wilson" userId="d9235ecf0b42df88" providerId="LiveId" clId="{98FB6949-0D5E-4FCD-B882-DDB7FE643806}" dt="2025-01-14T15:58:28.824" v="5535" actId="20577"/>
@@ -947,22 +692,6 @@
           <pc:docMk/>
           <pc:sldMk cId="3936327406" sldId="335"/>
         </pc:sldMkLst>
-        <pc:spChg chg="mod ord">
-          <ac:chgData name="Kristopher Wilson" userId="d9235ecf0b42df88" providerId="LiveId" clId="{98FB6949-0D5E-4FCD-B882-DDB7FE643806}" dt="2025-01-05T01:02:36.013" v="467" actId="700"/>
-          <ac:spMkLst>
-            <pc:docMk/>
-            <pc:sldMk cId="3936327406" sldId="335"/>
-            <ac:spMk id="2" creationId="{C5D87504-5E0D-4DA5-0443-DCB7FEA7E295}"/>
-          </ac:spMkLst>
-        </pc:spChg>
-        <pc:spChg chg="add del mod ord">
-          <ac:chgData name="Kristopher Wilson" userId="d9235ecf0b42df88" providerId="LiveId" clId="{98FB6949-0D5E-4FCD-B882-DDB7FE643806}" dt="2025-01-05T22:34:47.768" v="3094" actId="20577"/>
-          <ac:spMkLst>
-            <pc:docMk/>
-            <pc:sldMk cId="3936327406" sldId="335"/>
-            <ac:spMk id="3" creationId="{3F76013A-9653-D243-FEFE-6FD1FC6AFC67}"/>
-          </ac:spMkLst>
-        </pc:spChg>
       </pc:sldChg>
       <pc:sldChg chg="addSp delSp modSp add mod">
         <pc:chgData name="Kristopher Wilson" userId="d9235ecf0b42df88" providerId="LiveId" clId="{98FB6949-0D5E-4FCD-B882-DDB7FE643806}" dt="2025-01-05T22:13:12.323" v="2976"/>
@@ -970,22 +699,6 @@
           <pc:docMk/>
           <pc:sldMk cId="1721295034" sldId="336"/>
         </pc:sldMkLst>
-        <pc:spChg chg="mod">
-          <ac:chgData name="Kristopher Wilson" userId="d9235ecf0b42df88" providerId="LiveId" clId="{98FB6949-0D5E-4FCD-B882-DDB7FE643806}" dt="2025-01-05T22:13:12.323" v="2976"/>
-          <ac:spMkLst>
-            <pc:docMk/>
-            <pc:sldMk cId="1721295034" sldId="336"/>
-            <ac:spMk id="2" creationId="{DC1682A1-9910-7144-EF88-6D210E65FED4}"/>
-          </ac:spMkLst>
-        </pc:spChg>
-        <pc:picChg chg="add mod">
-          <ac:chgData name="Kristopher Wilson" userId="d9235ecf0b42df88" providerId="LiveId" clId="{98FB6949-0D5E-4FCD-B882-DDB7FE643806}" dt="2025-01-05T01:10:45.649" v="937" actId="14100"/>
-          <ac:picMkLst>
-            <pc:docMk/>
-            <pc:sldMk cId="1721295034" sldId="336"/>
-            <ac:picMk id="5" creationId="{51B0D0B0-193D-14E7-08DE-6B5CD715AEC4}"/>
-          </ac:picMkLst>
-        </pc:picChg>
       </pc:sldChg>
       <pc:sldChg chg="modSp add mod">
         <pc:chgData name="Kristopher Wilson" userId="d9235ecf0b42df88" providerId="LiveId" clId="{98FB6949-0D5E-4FCD-B882-DDB7FE643806}" dt="2025-01-05T21:31:26.909" v="1194" actId="313"/>
@@ -993,14 +706,6 @@
           <pc:docMk/>
           <pc:sldMk cId="2597847957" sldId="337"/>
         </pc:sldMkLst>
-        <pc:spChg chg="mod">
-          <ac:chgData name="Kristopher Wilson" userId="d9235ecf0b42df88" providerId="LiveId" clId="{98FB6949-0D5E-4FCD-B882-DDB7FE643806}" dt="2025-01-05T21:31:26.909" v="1194" actId="313"/>
-          <ac:spMkLst>
-            <pc:docMk/>
-            <pc:sldMk cId="2597847957" sldId="337"/>
-            <ac:spMk id="3" creationId="{5CDCD9C3-5114-C0AF-605F-A823E177DFE1}"/>
-          </ac:spMkLst>
-        </pc:spChg>
       </pc:sldChg>
       <pc:sldChg chg="modSp add mod">
         <pc:chgData name="Kristopher Wilson" userId="d9235ecf0b42df88" providerId="LiveId" clId="{98FB6949-0D5E-4FCD-B882-DDB7FE643806}" dt="2025-01-05T21:34:32.203" v="1301" actId="20577"/>
@@ -1008,14 +713,6 @@
           <pc:docMk/>
           <pc:sldMk cId="2372013364" sldId="338"/>
         </pc:sldMkLst>
-        <pc:spChg chg="mod">
-          <ac:chgData name="Kristopher Wilson" userId="d9235ecf0b42df88" providerId="LiveId" clId="{98FB6949-0D5E-4FCD-B882-DDB7FE643806}" dt="2025-01-05T21:34:32.203" v="1301" actId="20577"/>
-          <ac:spMkLst>
-            <pc:docMk/>
-            <pc:sldMk cId="2372013364" sldId="338"/>
-            <ac:spMk id="3" creationId="{7422DDBE-6142-8F01-B17E-3C2728BE69F3}"/>
-          </ac:spMkLst>
-        </pc:spChg>
       </pc:sldChg>
       <pc:sldChg chg="modSp add mod">
         <pc:chgData name="Kristopher Wilson" userId="d9235ecf0b42df88" providerId="LiveId" clId="{98FB6949-0D5E-4FCD-B882-DDB7FE643806}" dt="2025-01-05T22:11:15.786" v="2949" actId="20577"/>
@@ -1023,14 +720,6 @@
           <pc:docMk/>
           <pc:sldMk cId="53646025" sldId="339"/>
         </pc:sldMkLst>
-        <pc:spChg chg="mod">
-          <ac:chgData name="Kristopher Wilson" userId="d9235ecf0b42df88" providerId="LiveId" clId="{98FB6949-0D5E-4FCD-B882-DDB7FE643806}" dt="2025-01-05T22:11:15.786" v="2949" actId="20577"/>
-          <ac:spMkLst>
-            <pc:docMk/>
-            <pc:sldMk cId="53646025" sldId="339"/>
-            <ac:spMk id="3" creationId="{0EC9A167-FEC5-5BD9-F9DF-DFC761CF10FB}"/>
-          </ac:spMkLst>
-        </pc:spChg>
       </pc:sldChg>
       <pc:sldChg chg="modSp add mod">
         <pc:chgData name="Kristopher Wilson" userId="d9235ecf0b42df88" providerId="LiveId" clId="{98FB6949-0D5E-4FCD-B882-DDB7FE643806}" dt="2025-01-05T22:10:58.440" v="2932" actId="5793"/>
@@ -1038,14 +727,6 @@
           <pc:docMk/>
           <pc:sldMk cId="2288729008" sldId="340"/>
         </pc:sldMkLst>
-        <pc:spChg chg="mod">
-          <ac:chgData name="Kristopher Wilson" userId="d9235ecf0b42df88" providerId="LiveId" clId="{98FB6949-0D5E-4FCD-B882-DDB7FE643806}" dt="2025-01-05T22:10:58.440" v="2932" actId="5793"/>
-          <ac:spMkLst>
-            <pc:docMk/>
-            <pc:sldMk cId="2288729008" sldId="340"/>
-            <ac:spMk id="3" creationId="{B7C5E6BC-5EF2-326E-2E12-CDE77E0E16FA}"/>
-          </ac:spMkLst>
-        </pc:spChg>
       </pc:sldChg>
       <pc:sldChg chg="addSp delSp modSp add mod">
         <pc:chgData name="Kristopher Wilson" userId="d9235ecf0b42df88" providerId="LiveId" clId="{98FB6949-0D5E-4FCD-B882-DDB7FE643806}" dt="2025-01-05T21:39:47.047" v="1610" actId="207"/>
@@ -1053,22 +734,6 @@
           <pc:docMk/>
           <pc:sldMk cId="1185489136" sldId="341"/>
         </pc:sldMkLst>
-        <pc:spChg chg="add mod">
-          <ac:chgData name="Kristopher Wilson" userId="d9235ecf0b42df88" providerId="LiveId" clId="{98FB6949-0D5E-4FCD-B882-DDB7FE643806}" dt="2025-01-05T21:39:47.047" v="1610" actId="207"/>
-          <ac:spMkLst>
-            <pc:docMk/>
-            <pc:sldMk cId="1185489136" sldId="341"/>
-            <ac:spMk id="6" creationId="{F21E9A7B-463E-83AC-7B55-70783A65AF93}"/>
-          </ac:spMkLst>
-        </pc:spChg>
-        <pc:picChg chg="add mod">
-          <ac:chgData name="Kristopher Wilson" userId="d9235ecf0b42df88" providerId="LiveId" clId="{98FB6949-0D5E-4FCD-B882-DDB7FE643806}" dt="2025-01-05T21:39:35.268" v="1608" actId="208"/>
-          <ac:picMkLst>
-            <pc:docMk/>
-            <pc:sldMk cId="1185489136" sldId="341"/>
-            <ac:picMk id="1026" creationId="{39DC8FC2-661C-8899-5E22-86F2A0905D10}"/>
-          </ac:picMkLst>
-        </pc:picChg>
       </pc:sldChg>
       <pc:sldChg chg="addSp modSp add mod modNotesTx">
         <pc:chgData name="Kristopher Wilson" userId="d9235ecf0b42df88" providerId="LiveId" clId="{98FB6949-0D5E-4FCD-B882-DDB7FE643806}" dt="2025-01-05T21:56:11.688" v="2544" actId="20577"/>
@@ -1076,38 +741,6 @@
           <pc:docMk/>
           <pc:sldMk cId="3385912420" sldId="342"/>
         </pc:sldMkLst>
-        <pc:spChg chg="add mod">
-          <ac:chgData name="Kristopher Wilson" userId="d9235ecf0b42df88" providerId="LiveId" clId="{98FB6949-0D5E-4FCD-B882-DDB7FE643806}" dt="2025-01-05T21:40:14.608" v="1612" actId="207"/>
-          <ac:spMkLst>
-            <pc:docMk/>
-            <pc:sldMk cId="3385912420" sldId="342"/>
-            <ac:spMk id="3" creationId="{2DE08B81-BED9-C56E-AC80-3C753B5A388B}"/>
-          </ac:spMkLst>
-        </pc:spChg>
-        <pc:spChg chg="add mod">
-          <ac:chgData name="Kristopher Wilson" userId="d9235ecf0b42df88" providerId="LiveId" clId="{98FB6949-0D5E-4FCD-B882-DDB7FE643806}" dt="2025-01-05T21:40:45.456" v="1614" actId="207"/>
-          <ac:spMkLst>
-            <pc:docMk/>
-            <pc:sldMk cId="3385912420" sldId="342"/>
-            <ac:spMk id="4" creationId="{C7CF52AC-D77E-F937-C75E-677448C36CB1}"/>
-          </ac:spMkLst>
-        </pc:spChg>
-        <pc:spChg chg="add mod ord">
-          <ac:chgData name="Kristopher Wilson" userId="d9235ecf0b42df88" providerId="LiveId" clId="{98FB6949-0D5E-4FCD-B882-DDB7FE643806}" dt="2025-01-05T21:42:31.374" v="1643" actId="1076"/>
-          <ac:spMkLst>
-            <pc:docMk/>
-            <pc:sldMk cId="3385912420" sldId="342"/>
-            <ac:spMk id="5" creationId="{9C16AE27-68C6-079C-F1C4-D43A1E723118}"/>
-          </ac:spMkLst>
-        </pc:spChg>
-        <pc:picChg chg="mod">
-          <ac:chgData name="Kristopher Wilson" userId="d9235ecf0b42df88" providerId="LiveId" clId="{98FB6949-0D5E-4FCD-B882-DDB7FE643806}" dt="2025-01-05T21:42:21.167" v="1640" actId="1076"/>
-          <ac:picMkLst>
-            <pc:docMk/>
-            <pc:sldMk cId="3385912420" sldId="342"/>
-            <ac:picMk id="1026" creationId="{373B456B-8F93-2B45-D9A6-F93CC1CD7AA7}"/>
-          </ac:picMkLst>
-        </pc:picChg>
       </pc:sldChg>
       <pc:sldChg chg="addSp modSp add mod modNotesTx">
         <pc:chgData name="Kristopher Wilson" userId="d9235ecf0b42df88" providerId="LiveId" clId="{98FB6949-0D5E-4FCD-B882-DDB7FE643806}" dt="2025-01-05T22:14:15.121" v="3022" actId="20577"/>
@@ -1115,14 +748,6 @@
           <pc:docMk/>
           <pc:sldMk cId="3078689509" sldId="343"/>
         </pc:sldMkLst>
-        <pc:spChg chg="add mod">
-          <ac:chgData name="Kristopher Wilson" userId="d9235ecf0b42df88" providerId="LiveId" clId="{98FB6949-0D5E-4FCD-B882-DDB7FE643806}" dt="2025-01-05T21:44:34.751" v="1767" actId="20577"/>
-          <ac:spMkLst>
-            <pc:docMk/>
-            <pc:sldMk cId="3078689509" sldId="343"/>
-            <ac:spMk id="6" creationId="{5A581534-1586-F902-2D5D-8712AA3D649F}"/>
-          </ac:spMkLst>
-        </pc:spChg>
       </pc:sldChg>
       <pc:sldChg chg="add modNotesTx">
         <pc:chgData name="Kristopher Wilson" userId="d9235ecf0b42df88" providerId="LiveId" clId="{98FB6949-0D5E-4FCD-B882-DDB7FE643806}" dt="2025-01-05T22:14:04.164" v="3006" actId="20577"/>
@@ -1137,14 +762,6 @@
           <pc:docMk/>
           <pc:sldMk cId="1260089647" sldId="345"/>
         </pc:sldMkLst>
-        <pc:spChg chg="mod">
-          <ac:chgData name="Kristopher Wilson" userId="d9235ecf0b42df88" providerId="LiveId" clId="{98FB6949-0D5E-4FCD-B882-DDB7FE643806}" dt="2025-01-05T21:47:17.048" v="2101" actId="20577"/>
-          <ac:spMkLst>
-            <pc:docMk/>
-            <pc:sldMk cId="1260089647" sldId="345"/>
-            <ac:spMk id="3" creationId="{28C748E8-5D8D-51B5-3C84-B96FE080A1E6}"/>
-          </ac:spMkLst>
-        </pc:spChg>
       </pc:sldChg>
       <pc:sldChg chg="modSp add mod">
         <pc:chgData name="Kristopher Wilson" userId="d9235ecf0b42df88" providerId="LiveId" clId="{98FB6949-0D5E-4FCD-B882-DDB7FE643806}" dt="2025-01-05T21:54:06.610" v="2486" actId="404"/>
@@ -1152,14 +769,6 @@
           <pc:docMk/>
           <pc:sldMk cId="673009535" sldId="346"/>
         </pc:sldMkLst>
-        <pc:spChg chg="mod">
-          <ac:chgData name="Kristopher Wilson" userId="d9235ecf0b42df88" providerId="LiveId" clId="{98FB6949-0D5E-4FCD-B882-DDB7FE643806}" dt="2025-01-05T21:54:06.610" v="2486" actId="404"/>
-          <ac:spMkLst>
-            <pc:docMk/>
-            <pc:sldMk cId="673009535" sldId="346"/>
-            <ac:spMk id="3" creationId="{76835A5C-2663-4DAD-48CD-00AF4B7B5EE9}"/>
-          </ac:spMkLst>
-        </pc:spChg>
       </pc:sldChg>
       <pc:sldChg chg="modSp add mod ord">
         <pc:chgData name="Kristopher Wilson" userId="d9235ecf0b42df88" providerId="LiveId" clId="{98FB6949-0D5E-4FCD-B882-DDB7FE643806}" dt="2025-01-05T22:37:55.813" v="3136" actId="20577"/>
@@ -1167,22 +776,6 @@
           <pc:docMk/>
           <pc:sldMk cId="2911196260" sldId="347"/>
         </pc:sldMkLst>
-        <pc:spChg chg="mod">
-          <ac:chgData name="Kristopher Wilson" userId="d9235ecf0b42df88" providerId="LiveId" clId="{98FB6949-0D5E-4FCD-B882-DDB7FE643806}" dt="2025-01-05T21:48:25.509" v="2168"/>
-          <ac:spMkLst>
-            <pc:docMk/>
-            <pc:sldMk cId="2911196260" sldId="347"/>
-            <ac:spMk id="2" creationId="{DA3DC2BA-4DB2-9E5D-F713-7852BFC5BE94}"/>
-          </ac:spMkLst>
-        </pc:spChg>
-        <pc:spChg chg="mod">
-          <ac:chgData name="Kristopher Wilson" userId="d9235ecf0b42df88" providerId="LiveId" clId="{98FB6949-0D5E-4FCD-B882-DDB7FE643806}" dt="2025-01-05T22:37:55.813" v="3136" actId="20577"/>
-          <ac:spMkLst>
-            <pc:docMk/>
-            <pc:sldMk cId="2911196260" sldId="347"/>
-            <ac:spMk id="3" creationId="{8F7ED231-ECD0-4E01-AE09-0ABA98D347F8}"/>
-          </ac:spMkLst>
-        </pc:spChg>
       </pc:sldChg>
       <pc:sldChg chg="modSp add mod">
         <pc:chgData name="Kristopher Wilson" userId="d9235ecf0b42df88" providerId="LiveId" clId="{98FB6949-0D5E-4FCD-B882-DDB7FE643806}" dt="2025-01-05T22:38:22.972" v="3178" actId="20577"/>
@@ -1190,14 +783,6 @@
           <pc:docMk/>
           <pc:sldMk cId="1266372052" sldId="348"/>
         </pc:sldMkLst>
-        <pc:spChg chg="mod">
-          <ac:chgData name="Kristopher Wilson" userId="d9235ecf0b42df88" providerId="LiveId" clId="{98FB6949-0D5E-4FCD-B882-DDB7FE643806}" dt="2025-01-05T22:38:22.972" v="3178" actId="20577"/>
-          <ac:spMkLst>
-            <pc:docMk/>
-            <pc:sldMk cId="1266372052" sldId="348"/>
-            <ac:spMk id="3" creationId="{CCB7AC8B-2C84-9BA0-3B06-2067987B6070}"/>
-          </ac:spMkLst>
-        </pc:spChg>
       </pc:sldChg>
       <pc:sldChg chg="modSp add del mod">
         <pc:chgData name="Kristopher Wilson" userId="d9235ecf0b42df88" providerId="LiveId" clId="{98FB6949-0D5E-4FCD-B882-DDB7FE643806}" dt="2025-01-05T21:51:24.364" v="2346" actId="2890"/>
@@ -1212,22 +797,6 @@
           <pc:docMk/>
           <pc:sldMk cId="407703383" sldId="349"/>
         </pc:sldMkLst>
-        <pc:spChg chg="mod">
-          <ac:chgData name="Kristopher Wilson" userId="d9235ecf0b42df88" providerId="LiveId" clId="{98FB6949-0D5E-4FCD-B882-DDB7FE643806}" dt="2025-01-05T21:56:53.626" v="2573" actId="20577"/>
-          <ac:spMkLst>
-            <pc:docMk/>
-            <pc:sldMk cId="407703383" sldId="349"/>
-            <ac:spMk id="2" creationId="{8BE15D5D-261D-72A7-937D-FA72BF615A85}"/>
-          </ac:spMkLst>
-        </pc:spChg>
-        <pc:spChg chg="mod">
-          <ac:chgData name="Kristopher Wilson" userId="d9235ecf0b42df88" providerId="LiveId" clId="{98FB6949-0D5E-4FCD-B882-DDB7FE643806}" dt="2025-01-05T22:05:46.011" v="2794" actId="14100"/>
-          <ac:spMkLst>
-            <pc:docMk/>
-            <pc:sldMk cId="407703383" sldId="349"/>
-            <ac:spMk id="3" creationId="{A1B1BEB4-AC70-4110-FA90-706CE05F734E}"/>
-          </ac:spMkLst>
-        </pc:spChg>
       </pc:sldChg>
       <pc:sldChg chg="addSp modSp add">
         <pc:chgData name="Kristopher Wilson" userId="d9235ecf0b42df88" providerId="LiveId" clId="{98FB6949-0D5E-4FCD-B882-DDB7FE643806}" dt="2025-01-05T22:39:23.130" v="3182" actId="1076"/>
@@ -1235,14 +804,6 @@
           <pc:docMk/>
           <pc:sldMk cId="3125979769" sldId="350"/>
         </pc:sldMkLst>
-        <pc:picChg chg="add mod">
-          <ac:chgData name="Kristopher Wilson" userId="d9235ecf0b42df88" providerId="LiveId" clId="{98FB6949-0D5E-4FCD-B882-DDB7FE643806}" dt="2025-01-05T22:39:23.130" v="3182" actId="1076"/>
-          <ac:picMkLst>
-            <pc:docMk/>
-            <pc:sldMk cId="3125979769" sldId="350"/>
-            <ac:picMk id="1026" creationId="{AFF01538-6812-C6BD-FC5D-089D8DEB2CFC}"/>
-          </ac:picMkLst>
-        </pc:picChg>
       </pc:sldChg>
     </pc:docChg>
   </pc:docChgLst>
@@ -1259,22 +820,6 @@
           <pc:docMk/>
           <pc:sldMk cId="0" sldId="256"/>
         </pc:sldMkLst>
-        <pc:spChg chg="mod">
-          <ac:chgData name="Kristopher Wilson" userId="d9235ecf0b42df88" providerId="LiveId" clId="{5020D20C-3E53-41A5-994E-EEB677E292C3}" dt="2024-12-21T22:50:30.856" v="104" actId="20577"/>
-          <ac:spMkLst>
-            <pc:docMk/>
-            <pc:sldMk cId="0" sldId="256"/>
-            <ac:spMk id="3" creationId="{00000000-0000-0000-0000-000000000000}"/>
-          </ac:spMkLst>
-        </pc:spChg>
-        <pc:spChg chg="mod">
-          <ac:chgData name="Kristopher Wilson" userId="d9235ecf0b42df88" providerId="LiveId" clId="{5020D20C-3E53-41A5-994E-EEB677E292C3}" dt="2024-12-21T22:50:09.315" v="75" actId="21"/>
-          <ac:spMkLst>
-            <pc:docMk/>
-            <pc:sldMk cId="0" sldId="256"/>
-            <ac:spMk id="2049" creationId="{00000000-0000-0000-0000-000000000000}"/>
-          </ac:spMkLst>
-        </pc:spChg>
       </pc:sldChg>
       <pc:sldChg chg="modSp new mod">
         <pc:chgData name="Kristopher Wilson" userId="d9235ecf0b42df88" providerId="LiveId" clId="{5020D20C-3E53-41A5-994E-EEB677E292C3}" dt="2024-12-23T03:51:00.423" v="4533" actId="20577"/>
@@ -1282,22 +827,6 @@
           <pc:docMk/>
           <pc:sldMk cId="2836881828" sldId="257"/>
         </pc:sldMkLst>
-        <pc:spChg chg="mod">
-          <ac:chgData name="Kristopher Wilson" userId="d9235ecf0b42df88" providerId="LiveId" clId="{5020D20C-3E53-41A5-994E-EEB677E292C3}" dt="2024-12-23T03:39:38.956" v="4275" actId="120"/>
-          <ac:spMkLst>
-            <pc:docMk/>
-            <pc:sldMk cId="2836881828" sldId="257"/>
-            <ac:spMk id="2" creationId="{0D0A4555-9C90-B311-1F43-828EBD6EAC19}"/>
-          </ac:spMkLst>
-        </pc:spChg>
-        <pc:spChg chg="mod">
-          <ac:chgData name="Kristopher Wilson" userId="d9235ecf0b42df88" providerId="LiveId" clId="{5020D20C-3E53-41A5-994E-EEB677E292C3}" dt="2024-12-23T03:51:00.423" v="4533" actId="20577"/>
-          <ac:spMkLst>
-            <pc:docMk/>
-            <pc:sldMk cId="2836881828" sldId="257"/>
-            <ac:spMk id="3" creationId="{BFA3BD3C-BB43-6C85-615C-D801D30A35B4}"/>
-          </ac:spMkLst>
-        </pc:spChg>
       </pc:sldChg>
       <pc:sldChg chg="modSp new mod">
         <pc:chgData name="Kristopher Wilson" userId="d9235ecf0b42df88" providerId="LiveId" clId="{5020D20C-3E53-41A5-994E-EEB677E292C3}" dt="2024-12-21T22:57:10.591" v="520" actId="120"/>
@@ -1305,22 +834,6 @@
           <pc:docMk/>
           <pc:sldMk cId="882672246" sldId="258"/>
         </pc:sldMkLst>
-        <pc:spChg chg="mod">
-          <ac:chgData name="Kristopher Wilson" userId="d9235ecf0b42df88" providerId="LiveId" clId="{5020D20C-3E53-41A5-994E-EEB677E292C3}" dt="2024-12-21T22:57:10.591" v="520" actId="120"/>
-          <ac:spMkLst>
-            <pc:docMk/>
-            <pc:sldMk cId="882672246" sldId="258"/>
-            <ac:spMk id="2" creationId="{275F9150-49E0-70F0-844D-09F3254602F1}"/>
-          </ac:spMkLst>
-        </pc:spChg>
-        <pc:spChg chg="mod">
-          <ac:chgData name="Kristopher Wilson" userId="d9235ecf0b42df88" providerId="LiveId" clId="{5020D20C-3E53-41A5-994E-EEB677E292C3}" dt="2024-12-21T22:56:07.603" v="470" actId="14100"/>
-          <ac:spMkLst>
-            <pc:docMk/>
-            <pc:sldMk cId="882672246" sldId="258"/>
-            <ac:spMk id="3" creationId="{8CF0B107-985B-708A-9026-428FAAFAB1AD}"/>
-          </ac:spMkLst>
-        </pc:spChg>
       </pc:sldChg>
       <pc:sldChg chg="modSp add mod">
         <pc:chgData name="Kristopher Wilson" userId="d9235ecf0b42df88" providerId="LiveId" clId="{5020D20C-3E53-41A5-994E-EEB677E292C3}" dt="2024-12-21T23:00:10.956" v="781" actId="20577"/>
@@ -1328,22 +841,6 @@
           <pc:docMk/>
           <pc:sldMk cId="4008082755" sldId="259"/>
         </pc:sldMkLst>
-        <pc:spChg chg="mod">
-          <ac:chgData name="Kristopher Wilson" userId="d9235ecf0b42df88" providerId="LiveId" clId="{5020D20C-3E53-41A5-994E-EEB677E292C3}" dt="2024-12-21T22:59:18.068" v="672" actId="120"/>
-          <ac:spMkLst>
-            <pc:docMk/>
-            <pc:sldMk cId="4008082755" sldId="259"/>
-            <ac:spMk id="2" creationId="{08F81669-AF19-65FF-DF45-018DFD57C12B}"/>
-          </ac:spMkLst>
-        </pc:spChg>
-        <pc:spChg chg="mod">
-          <ac:chgData name="Kristopher Wilson" userId="d9235ecf0b42df88" providerId="LiveId" clId="{5020D20C-3E53-41A5-994E-EEB677E292C3}" dt="2024-12-21T23:00:10.956" v="781" actId="20577"/>
-          <ac:spMkLst>
-            <pc:docMk/>
-            <pc:sldMk cId="4008082755" sldId="259"/>
-            <ac:spMk id="3" creationId="{4B223F9C-5427-D8EC-CD39-55B28BDECB8C}"/>
-          </ac:spMkLst>
-        </pc:spChg>
       </pc:sldChg>
       <pc:sldChg chg="modSp add mod">
         <pc:chgData name="Kristopher Wilson" userId="d9235ecf0b42df88" providerId="LiveId" clId="{5020D20C-3E53-41A5-994E-EEB677E292C3}" dt="2024-12-21T23:13:40.475" v="1994" actId="20577"/>
@@ -1351,22 +848,6 @@
           <pc:docMk/>
           <pc:sldMk cId="429673183" sldId="260"/>
         </pc:sldMkLst>
-        <pc:spChg chg="mod">
-          <ac:chgData name="Kristopher Wilson" userId="d9235ecf0b42df88" providerId="LiveId" clId="{5020D20C-3E53-41A5-994E-EEB677E292C3}" dt="2024-12-21T23:03:28.578" v="1057" actId="120"/>
-          <ac:spMkLst>
-            <pc:docMk/>
-            <pc:sldMk cId="429673183" sldId="260"/>
-            <ac:spMk id="2" creationId="{07D87585-BBFA-DF23-EEA2-0DB894C0E95D}"/>
-          </ac:spMkLst>
-        </pc:spChg>
-        <pc:spChg chg="mod">
-          <ac:chgData name="Kristopher Wilson" userId="d9235ecf0b42df88" providerId="LiveId" clId="{5020D20C-3E53-41A5-994E-EEB677E292C3}" dt="2024-12-21T23:13:40.475" v="1994" actId="20577"/>
-          <ac:spMkLst>
-            <pc:docMk/>
-            <pc:sldMk cId="429673183" sldId="260"/>
-            <ac:spMk id="3" creationId="{EBE1E069-03B1-30F1-8911-C2741016ADB7}"/>
-          </ac:spMkLst>
-        </pc:spChg>
       </pc:sldChg>
       <pc:sldChg chg="modSp add mod replId">
         <pc:chgData name="Kristopher Wilson" userId="d9235ecf0b42df88" providerId="LiveId" clId="{5020D20C-3E53-41A5-994E-EEB677E292C3}" dt="2024-12-21T23:13:58.748" v="1998" actId="20577"/>
@@ -1374,22 +855,6 @@
           <pc:docMk/>
           <pc:sldMk cId="1139770979" sldId="261"/>
         </pc:sldMkLst>
-        <pc:spChg chg="mod">
-          <ac:chgData name="Kristopher Wilson" userId="d9235ecf0b42df88" providerId="LiveId" clId="{5020D20C-3E53-41A5-994E-EEB677E292C3}" dt="2024-12-21T23:05:27.301" v="1359" actId="120"/>
-          <ac:spMkLst>
-            <pc:docMk/>
-            <pc:sldMk cId="1139770979" sldId="261"/>
-            <ac:spMk id="2" creationId="{2DC3703E-80A1-8223-1799-5C6228091F11}"/>
-          </ac:spMkLst>
-        </pc:spChg>
-        <pc:spChg chg="mod">
-          <ac:chgData name="Kristopher Wilson" userId="d9235ecf0b42df88" providerId="LiveId" clId="{5020D20C-3E53-41A5-994E-EEB677E292C3}" dt="2024-12-21T23:13:58.748" v="1998" actId="20577"/>
-          <ac:spMkLst>
-            <pc:docMk/>
-            <pc:sldMk cId="1139770979" sldId="261"/>
-            <ac:spMk id="3" creationId="{EF0557E4-E7BE-E60B-6DE1-06D47C634DE7}"/>
-          </ac:spMkLst>
-        </pc:spChg>
       </pc:sldChg>
       <pc:sldChg chg="modSp add mod">
         <pc:chgData name="Kristopher Wilson" userId="d9235ecf0b42df88" providerId="LiveId" clId="{5020D20C-3E53-41A5-994E-EEB677E292C3}" dt="2024-12-21T23:18:50.255" v="2060"/>
@@ -1397,22 +862,6 @@
           <pc:docMk/>
           <pc:sldMk cId="3287609126" sldId="262"/>
         </pc:sldMkLst>
-        <pc:spChg chg="mod">
-          <ac:chgData name="Kristopher Wilson" userId="d9235ecf0b42df88" providerId="LiveId" clId="{5020D20C-3E53-41A5-994E-EEB677E292C3}" dt="2024-12-21T23:18:41.113" v="2059" actId="20577"/>
-          <ac:spMkLst>
-            <pc:docMk/>
-            <pc:sldMk cId="3287609126" sldId="262"/>
-            <ac:spMk id="2" creationId="{CC270D7E-1E11-FE40-8CF1-BE4A6CA294CB}"/>
-          </ac:spMkLst>
-        </pc:spChg>
-        <pc:spChg chg="mod">
-          <ac:chgData name="Kristopher Wilson" userId="d9235ecf0b42df88" providerId="LiveId" clId="{5020D20C-3E53-41A5-994E-EEB677E292C3}" dt="2024-12-21T23:18:50.255" v="2060"/>
-          <ac:spMkLst>
-            <pc:docMk/>
-            <pc:sldMk cId="3287609126" sldId="262"/>
-            <ac:spMk id="3" creationId="{66256EC1-2B61-D4D2-A094-57FFCE58DE03}"/>
-          </ac:spMkLst>
-        </pc:spChg>
       </pc:sldChg>
       <pc:sldChg chg="modSp add mod replId">
         <pc:chgData name="Kristopher Wilson" userId="d9235ecf0b42df88" providerId="LiveId" clId="{5020D20C-3E53-41A5-994E-EEB677E292C3}" dt="2024-12-21T23:29:18.768" v="2786" actId="120"/>
@@ -1420,14 +869,6 @@
           <pc:docMk/>
           <pc:sldMk cId="494933417" sldId="263"/>
         </pc:sldMkLst>
-        <pc:spChg chg="mod">
-          <ac:chgData name="Kristopher Wilson" userId="d9235ecf0b42df88" providerId="LiveId" clId="{5020D20C-3E53-41A5-994E-EEB677E292C3}" dt="2024-12-21T23:29:18.768" v="2786" actId="120"/>
-          <ac:spMkLst>
-            <pc:docMk/>
-            <pc:sldMk cId="494933417" sldId="263"/>
-            <ac:spMk id="2" creationId="{C41119C7-041E-F420-8581-EDBBB9D78BB1}"/>
-          </ac:spMkLst>
-        </pc:spChg>
       </pc:sldChg>
       <pc:sldChg chg="add del replId">
         <pc:chgData name="Kristopher Wilson" userId="d9235ecf0b42df88" providerId="LiveId" clId="{5020D20C-3E53-41A5-994E-EEB677E292C3}" dt="2024-12-21T23:29:23.205" v="2787" actId="47"/>
@@ -1498,14 +939,6 @@
           <pc:docMk/>
           <pc:sldMk cId="712649988" sldId="273"/>
         </pc:sldMkLst>
-        <pc:spChg chg="mod">
-          <ac:chgData name="Kristopher Wilson" userId="d9235ecf0b42df88" providerId="LiveId" clId="{5020D20C-3E53-41A5-994E-EEB677E292C3}" dt="2024-12-23T03:27:45.879" v="3905" actId="20577"/>
-          <ac:spMkLst>
-            <pc:docMk/>
-            <pc:sldMk cId="712649988" sldId="273"/>
-            <ac:spMk id="2" creationId="{E142FD7B-B5F8-6A9B-9F4A-AA2FD05C89E0}"/>
-          </ac:spMkLst>
-        </pc:spChg>
       </pc:sldChg>
       <pc:sldChg chg="modSp add mod">
         <pc:chgData name="Kristopher Wilson" userId="d9235ecf0b42df88" providerId="LiveId" clId="{5020D20C-3E53-41A5-994E-EEB677E292C3}" dt="2024-12-21T22:57:54.888" v="577" actId="20577"/>
@@ -1513,14 +946,6 @@
           <pc:docMk/>
           <pc:sldMk cId="1002264300" sldId="274"/>
         </pc:sldMkLst>
-        <pc:spChg chg="mod">
-          <ac:chgData name="Kristopher Wilson" userId="d9235ecf0b42df88" providerId="LiveId" clId="{5020D20C-3E53-41A5-994E-EEB677E292C3}" dt="2024-12-21T22:57:54.888" v="577" actId="20577"/>
-          <ac:spMkLst>
-            <pc:docMk/>
-            <pc:sldMk cId="1002264300" sldId="274"/>
-            <ac:spMk id="3" creationId="{2958E0C9-902B-6F8E-7E18-273D812A66E9}"/>
-          </ac:spMkLst>
-        </pc:spChg>
       </pc:sldChg>
       <pc:sldChg chg="modSp add mod">
         <pc:chgData name="Kristopher Wilson" userId="d9235ecf0b42df88" providerId="LiveId" clId="{5020D20C-3E53-41A5-994E-EEB677E292C3}" dt="2024-12-21T22:58:49.104" v="647" actId="20577"/>
@@ -1528,14 +953,6 @@
           <pc:docMk/>
           <pc:sldMk cId="66861886" sldId="275"/>
         </pc:sldMkLst>
-        <pc:spChg chg="mod">
-          <ac:chgData name="Kristopher Wilson" userId="d9235ecf0b42df88" providerId="LiveId" clId="{5020D20C-3E53-41A5-994E-EEB677E292C3}" dt="2024-12-21T22:58:49.104" v="647" actId="20577"/>
-          <ac:spMkLst>
-            <pc:docMk/>
-            <pc:sldMk cId="66861886" sldId="275"/>
-            <ac:spMk id="3" creationId="{40291309-253B-06E6-948E-23D5D095F05B}"/>
-          </ac:spMkLst>
-        </pc:spChg>
       </pc:sldChg>
       <pc:sldChg chg="modSp add mod">
         <pc:chgData name="Kristopher Wilson" userId="d9235ecf0b42df88" providerId="LiveId" clId="{5020D20C-3E53-41A5-994E-EEB677E292C3}" dt="2024-12-21T23:01:12.609" v="856" actId="404"/>
@@ -1543,14 +960,6 @@
           <pc:docMk/>
           <pc:sldMk cId="3667430688" sldId="276"/>
         </pc:sldMkLst>
-        <pc:spChg chg="mod">
-          <ac:chgData name="Kristopher Wilson" userId="d9235ecf0b42df88" providerId="LiveId" clId="{5020D20C-3E53-41A5-994E-EEB677E292C3}" dt="2024-12-21T23:01:12.609" v="856" actId="404"/>
-          <ac:spMkLst>
-            <pc:docMk/>
-            <pc:sldMk cId="3667430688" sldId="276"/>
-            <ac:spMk id="3" creationId="{5BBE3141-9D58-5F98-5440-0F4C6AE6D331}"/>
-          </ac:spMkLst>
-        </pc:spChg>
       </pc:sldChg>
       <pc:sldChg chg="modSp add mod">
         <pc:chgData name="Kristopher Wilson" userId="d9235ecf0b42df88" providerId="LiveId" clId="{5020D20C-3E53-41A5-994E-EEB677E292C3}" dt="2024-12-21T23:15:57.387" v="2028" actId="20577"/>
@@ -1558,14 +967,6 @@
           <pc:docMk/>
           <pc:sldMk cId="2102535329" sldId="277"/>
         </pc:sldMkLst>
-        <pc:spChg chg="mod">
-          <ac:chgData name="Kristopher Wilson" userId="d9235ecf0b42df88" providerId="LiveId" clId="{5020D20C-3E53-41A5-994E-EEB677E292C3}" dt="2024-12-21T23:15:57.387" v="2028" actId="20577"/>
-          <ac:spMkLst>
-            <pc:docMk/>
-            <pc:sldMk cId="2102535329" sldId="277"/>
-            <ac:spMk id="3" creationId="{6A92E7D9-CF53-24D7-9F45-60F14EA4BD64}"/>
-          </ac:spMkLst>
-        </pc:spChg>
       </pc:sldChg>
       <pc:sldChg chg="modSp add mod">
         <pc:chgData name="Kristopher Wilson" userId="d9235ecf0b42df88" providerId="LiveId" clId="{5020D20C-3E53-41A5-994E-EEB677E292C3}" dt="2024-12-21T23:16:12.959" v="2030" actId="20577"/>
@@ -1573,14 +974,6 @@
           <pc:docMk/>
           <pc:sldMk cId="2444421147" sldId="278"/>
         </pc:sldMkLst>
-        <pc:spChg chg="mod">
-          <ac:chgData name="Kristopher Wilson" userId="d9235ecf0b42df88" providerId="LiveId" clId="{5020D20C-3E53-41A5-994E-EEB677E292C3}" dt="2024-12-21T23:16:12.959" v="2030" actId="20577"/>
-          <ac:spMkLst>
-            <pc:docMk/>
-            <pc:sldMk cId="2444421147" sldId="278"/>
-            <ac:spMk id="3" creationId="{47BDF7FC-9A02-32AC-07E7-3DC6D627CC21}"/>
-          </ac:spMkLst>
-        </pc:spChg>
       </pc:sldChg>
       <pc:sldChg chg="modSp add mod">
         <pc:chgData name="Kristopher Wilson" userId="d9235ecf0b42df88" providerId="LiveId" clId="{5020D20C-3E53-41A5-994E-EEB677E292C3}" dt="2024-12-21T23:06:31.184" v="1590" actId="20577"/>
@@ -1588,14 +981,6 @@
           <pc:docMk/>
           <pc:sldMk cId="1990716763" sldId="279"/>
         </pc:sldMkLst>
-        <pc:spChg chg="mod">
-          <ac:chgData name="Kristopher Wilson" userId="d9235ecf0b42df88" providerId="LiveId" clId="{5020D20C-3E53-41A5-994E-EEB677E292C3}" dt="2024-12-21T23:06:31.184" v="1590" actId="20577"/>
-          <ac:spMkLst>
-            <pc:docMk/>
-            <pc:sldMk cId="1990716763" sldId="279"/>
-            <ac:spMk id="3" creationId="{613467C0-27B3-5984-4002-85B061A2C1A6}"/>
-          </ac:spMkLst>
-        </pc:spChg>
       </pc:sldChg>
       <pc:sldChg chg="new del">
         <pc:chgData name="Kristopher Wilson" userId="d9235ecf0b42df88" providerId="LiveId" clId="{5020D20C-3E53-41A5-994E-EEB677E292C3}" dt="2024-12-21T23:05:01.465" v="1306" actId="680"/>
@@ -1610,14 +995,6 @@
           <pc:docMk/>
           <pc:sldMk cId="1993618158" sldId="280"/>
         </pc:sldMkLst>
-        <pc:spChg chg="mod">
-          <ac:chgData name="Kristopher Wilson" userId="d9235ecf0b42df88" providerId="LiveId" clId="{5020D20C-3E53-41A5-994E-EEB677E292C3}" dt="2024-12-21T23:06:58.033" v="1680" actId="20577"/>
-          <ac:spMkLst>
-            <pc:docMk/>
-            <pc:sldMk cId="1993618158" sldId="280"/>
-            <ac:spMk id="3" creationId="{BA6F9EA2-1518-65CD-27D0-A6AB492EB460}"/>
-          </ac:spMkLst>
-        </pc:spChg>
       </pc:sldChg>
       <pc:sldChg chg="modSp add del mod">
         <pc:chgData name="Kristopher Wilson" userId="d9235ecf0b42df88" providerId="LiveId" clId="{5020D20C-3E53-41A5-994E-EEB677E292C3}" dt="2024-12-21T23:07:56.624" v="1729" actId="47"/>
@@ -1632,14 +1009,6 @@
           <pc:docMk/>
           <pc:sldMk cId="436788954" sldId="281"/>
         </pc:sldMkLst>
-        <pc:spChg chg="mod">
-          <ac:chgData name="Kristopher Wilson" userId="d9235ecf0b42df88" providerId="LiveId" clId="{5020D20C-3E53-41A5-994E-EEB677E292C3}" dt="2024-12-21T23:11:12.225" v="1946" actId="20577"/>
-          <ac:spMkLst>
-            <pc:docMk/>
-            <pc:sldMk cId="436788954" sldId="281"/>
-            <ac:spMk id="3" creationId="{73A713BE-9FA8-2CF5-8847-59CF4472C948}"/>
-          </ac:spMkLst>
-        </pc:spChg>
       </pc:sldChg>
       <pc:sldChg chg="modSp add mod ord">
         <pc:chgData name="Kristopher Wilson" userId="d9235ecf0b42df88" providerId="LiveId" clId="{5020D20C-3E53-41A5-994E-EEB677E292C3}" dt="2024-12-21T23:10:57.891" v="1942" actId="5793"/>
@@ -1647,14 +1016,6 @@
           <pc:docMk/>
           <pc:sldMk cId="4123815107" sldId="282"/>
         </pc:sldMkLst>
-        <pc:spChg chg="mod">
-          <ac:chgData name="Kristopher Wilson" userId="d9235ecf0b42df88" providerId="LiveId" clId="{5020D20C-3E53-41A5-994E-EEB677E292C3}" dt="2024-12-21T23:10:57.891" v="1942" actId="5793"/>
-          <ac:spMkLst>
-            <pc:docMk/>
-            <pc:sldMk cId="4123815107" sldId="282"/>
-            <ac:spMk id="3" creationId="{7EF3D849-1B82-A698-76BD-09DAAF5333EF}"/>
-          </ac:spMkLst>
-        </pc:spChg>
       </pc:sldChg>
       <pc:sldChg chg="add">
         <pc:chgData name="Kristopher Wilson" userId="d9235ecf0b42df88" providerId="LiveId" clId="{5020D20C-3E53-41A5-994E-EEB677E292C3}" dt="2024-12-21T23:11:08.197" v="1943" actId="2890"/>
@@ -1669,14 +1030,6 @@
           <pc:docMk/>
           <pc:sldMk cId="3366460609" sldId="284"/>
         </pc:sldMkLst>
-        <pc:spChg chg="mod">
-          <ac:chgData name="Kristopher Wilson" userId="d9235ecf0b42df88" providerId="LiveId" clId="{5020D20C-3E53-41A5-994E-EEB677E292C3}" dt="2024-12-21T23:58:53.531" v="3812" actId="114"/>
-          <ac:spMkLst>
-            <pc:docMk/>
-            <pc:sldMk cId="3366460609" sldId="284"/>
-            <ac:spMk id="3" creationId="{D9021F52-9C1F-303F-41EC-6EEC9A0F2CD6}"/>
-          </ac:spMkLst>
-        </pc:spChg>
       </pc:sldChg>
       <pc:sldChg chg="modSp add mod ord">
         <pc:chgData name="Kristopher Wilson" userId="d9235ecf0b42df88" providerId="LiveId" clId="{5020D20C-3E53-41A5-994E-EEB677E292C3}" dt="2024-12-21T23:13:27.704" v="1990" actId="20577"/>
@@ -1684,14 +1037,6 @@
           <pc:docMk/>
           <pc:sldMk cId="816926912" sldId="285"/>
         </pc:sldMkLst>
-        <pc:spChg chg="mod">
-          <ac:chgData name="Kristopher Wilson" userId="d9235ecf0b42df88" providerId="LiveId" clId="{5020D20C-3E53-41A5-994E-EEB677E292C3}" dt="2024-12-21T23:13:27.704" v="1990" actId="20577"/>
-          <ac:spMkLst>
-            <pc:docMk/>
-            <pc:sldMk cId="816926912" sldId="285"/>
-            <ac:spMk id="3" creationId="{6EB5D472-A563-2965-EA6F-FA806AE627D5}"/>
-          </ac:spMkLst>
-        </pc:spChg>
       </pc:sldChg>
       <pc:sldChg chg="modSp add mod">
         <pc:chgData name="Kristopher Wilson" userId="d9235ecf0b42df88" providerId="LiveId" clId="{5020D20C-3E53-41A5-994E-EEB677E292C3}" dt="2024-12-23T03:26:55.980" v="3836" actId="20577"/>
@@ -1699,22 +1044,6 @@
           <pc:docMk/>
           <pc:sldMk cId="1181845431" sldId="286"/>
         </pc:sldMkLst>
-        <pc:spChg chg="mod">
-          <ac:chgData name="Kristopher Wilson" userId="d9235ecf0b42df88" providerId="LiveId" clId="{5020D20C-3E53-41A5-994E-EEB677E292C3}" dt="2024-12-21T23:57:58.913" v="3799" actId="20577"/>
-          <ac:spMkLst>
-            <pc:docMk/>
-            <pc:sldMk cId="1181845431" sldId="286"/>
-            <ac:spMk id="2" creationId="{D5374FD7-6CC8-C110-7BD6-A03715FFD922}"/>
-          </ac:spMkLst>
-        </pc:spChg>
-        <pc:spChg chg="mod">
-          <ac:chgData name="Kristopher Wilson" userId="d9235ecf0b42df88" providerId="LiveId" clId="{5020D20C-3E53-41A5-994E-EEB677E292C3}" dt="2024-12-23T03:26:55.980" v="3836" actId="20577"/>
-          <ac:spMkLst>
-            <pc:docMk/>
-            <pc:sldMk cId="1181845431" sldId="286"/>
-            <ac:spMk id="3" creationId="{93AF2E06-ADFD-4C07-8F40-4DCD6E537236}"/>
-          </ac:spMkLst>
-        </pc:spChg>
       </pc:sldChg>
       <pc:sldChg chg="add">
         <pc:chgData name="Kristopher Wilson" userId="d9235ecf0b42df88" providerId="LiveId" clId="{5020D20C-3E53-41A5-994E-EEB677E292C3}" dt="2024-12-21T23:13:54.098" v="1995" actId="2890"/>
@@ -1729,22 +1058,6 @@
           <pc:docMk/>
           <pc:sldMk cId="2316342644" sldId="288"/>
         </pc:sldMkLst>
-        <pc:spChg chg="mod">
-          <ac:chgData name="Kristopher Wilson" userId="d9235ecf0b42df88" providerId="LiveId" clId="{5020D20C-3E53-41A5-994E-EEB677E292C3}" dt="2024-12-21T23:57:39.629" v="3797" actId="20577"/>
-          <ac:spMkLst>
-            <pc:docMk/>
-            <pc:sldMk cId="2316342644" sldId="288"/>
-            <ac:spMk id="2" creationId="{BE001372-1801-9186-75CF-F546FBAB0508}"/>
-          </ac:spMkLst>
-        </pc:spChg>
-        <pc:spChg chg="mod">
-          <ac:chgData name="Kristopher Wilson" userId="d9235ecf0b42df88" providerId="LiveId" clId="{5020D20C-3E53-41A5-994E-EEB677E292C3}" dt="2024-12-21T23:26:19.788" v="2718" actId="20577"/>
-          <ac:spMkLst>
-            <pc:docMk/>
-            <pc:sldMk cId="2316342644" sldId="288"/>
-            <ac:spMk id="3" creationId="{EBBFE19F-C6A0-F400-8CA5-6C900F885502}"/>
-          </ac:spMkLst>
-        </pc:spChg>
       </pc:sldChg>
       <pc:sldChg chg="modSp add mod modNotesTx">
         <pc:chgData name="Kristopher Wilson" userId="d9235ecf0b42df88" providerId="LiveId" clId="{5020D20C-3E53-41A5-994E-EEB677E292C3}" dt="2024-12-23T03:27:19.915" v="3893" actId="20577"/>
@@ -1752,22 +1065,6 @@
           <pc:docMk/>
           <pc:sldMk cId="4035132302" sldId="289"/>
         </pc:sldMkLst>
-        <pc:spChg chg="mod">
-          <ac:chgData name="Kristopher Wilson" userId="d9235ecf0b42df88" providerId="LiveId" clId="{5020D20C-3E53-41A5-994E-EEB677E292C3}" dt="2024-12-21T23:57:32.766" v="3795" actId="20577"/>
-          <ac:spMkLst>
-            <pc:docMk/>
-            <pc:sldMk cId="4035132302" sldId="289"/>
-            <ac:spMk id="2" creationId="{958AC994-EEE8-A262-BBB1-C19E23CBB2ED}"/>
-          </ac:spMkLst>
-        </pc:spChg>
-        <pc:spChg chg="mod">
-          <ac:chgData name="Kristopher Wilson" userId="d9235ecf0b42df88" providerId="LiveId" clId="{5020D20C-3E53-41A5-994E-EEB677E292C3}" dt="2024-12-21T23:26:08.972" v="2717" actId="20577"/>
-          <ac:spMkLst>
-            <pc:docMk/>
-            <pc:sldMk cId="4035132302" sldId="289"/>
-            <ac:spMk id="3" creationId="{21A82464-6E08-6B12-BA78-3D3C5F2CAD45}"/>
-          </ac:spMkLst>
-        </pc:spChg>
       </pc:sldChg>
       <pc:sldChg chg="modSp add mod ord">
         <pc:chgData name="Kristopher Wilson" userId="d9235ecf0b42df88" providerId="LiveId" clId="{5020D20C-3E53-41A5-994E-EEB677E292C3}" dt="2024-12-21T23:26:04.862" v="2716" actId="20577"/>
@@ -1775,22 +1072,6 @@
           <pc:docMk/>
           <pc:sldMk cId="3876551106" sldId="290"/>
         </pc:sldMkLst>
-        <pc:spChg chg="mod">
-          <ac:chgData name="Kristopher Wilson" userId="d9235ecf0b42df88" providerId="LiveId" clId="{5020D20C-3E53-41A5-994E-EEB677E292C3}" dt="2024-12-21T23:20:58.048" v="2234" actId="20577"/>
-          <ac:spMkLst>
-            <pc:docMk/>
-            <pc:sldMk cId="3876551106" sldId="290"/>
-            <ac:spMk id="2" creationId="{E9CE96A9-1994-73B7-0F92-6984EAC4BCF6}"/>
-          </ac:spMkLst>
-        </pc:spChg>
-        <pc:spChg chg="mod">
-          <ac:chgData name="Kristopher Wilson" userId="d9235ecf0b42df88" providerId="LiveId" clId="{5020D20C-3E53-41A5-994E-EEB677E292C3}" dt="2024-12-21T23:26:04.862" v="2716" actId="20577"/>
-          <ac:spMkLst>
-            <pc:docMk/>
-            <pc:sldMk cId="3876551106" sldId="290"/>
-            <ac:spMk id="3" creationId="{3CBF228F-9F61-814B-E3C3-D78C613F5357}"/>
-          </ac:spMkLst>
-        </pc:spChg>
       </pc:sldChg>
       <pc:sldChg chg="modSp add mod">
         <pc:chgData name="Kristopher Wilson" userId="d9235ecf0b42df88" providerId="LiveId" clId="{5020D20C-3E53-41A5-994E-EEB677E292C3}" dt="2024-12-21T23:57:15.114" v="3793" actId="20577"/>
@@ -1798,14 +1079,6 @@
           <pc:docMk/>
           <pc:sldMk cId="1522484694" sldId="291"/>
         </pc:sldMkLst>
-        <pc:spChg chg="mod">
-          <ac:chgData name="Kristopher Wilson" userId="d9235ecf0b42df88" providerId="LiveId" clId="{5020D20C-3E53-41A5-994E-EEB677E292C3}" dt="2024-12-21T23:57:15.114" v="3793" actId="20577"/>
-          <ac:spMkLst>
-            <pc:docMk/>
-            <pc:sldMk cId="1522484694" sldId="291"/>
-            <ac:spMk id="3" creationId="{DD8330C7-6A76-082A-46C5-E08846F7EBB3}"/>
-          </ac:spMkLst>
-        </pc:spChg>
       </pc:sldChg>
       <pc:sldChg chg="modSp add mod ord">
         <pc:chgData name="Kristopher Wilson" userId="d9235ecf0b42df88" providerId="LiveId" clId="{5020D20C-3E53-41A5-994E-EEB677E292C3}" dt="2024-12-21T23:56:55.483" v="3787" actId="5793"/>
@@ -1813,22 +1086,6 @@
           <pc:docMk/>
           <pc:sldMk cId="679513996" sldId="292"/>
         </pc:sldMkLst>
-        <pc:spChg chg="mod">
-          <ac:chgData name="Kristopher Wilson" userId="d9235ecf0b42df88" providerId="LiveId" clId="{5020D20C-3E53-41A5-994E-EEB677E292C3}" dt="2024-12-21T23:23:35.672" v="2568" actId="20577"/>
-          <ac:spMkLst>
-            <pc:docMk/>
-            <pc:sldMk cId="679513996" sldId="292"/>
-            <ac:spMk id="2" creationId="{92ED6A62-1296-4DCC-57D9-C77D39464D37}"/>
-          </ac:spMkLst>
-        </pc:spChg>
-        <pc:spChg chg="mod">
-          <ac:chgData name="Kristopher Wilson" userId="d9235ecf0b42df88" providerId="LiveId" clId="{5020D20C-3E53-41A5-994E-EEB677E292C3}" dt="2024-12-21T23:56:55.483" v="3787" actId="5793"/>
-          <ac:spMkLst>
-            <pc:docMk/>
-            <pc:sldMk cId="679513996" sldId="292"/>
-            <ac:spMk id="3" creationId="{023A0E05-6FBC-4443-565F-33A3329CA493}"/>
-          </ac:spMkLst>
-        </pc:spChg>
       </pc:sldChg>
       <pc:sldChg chg="modSp add mod">
         <pc:chgData name="Kristopher Wilson" userId="d9235ecf0b42df88" providerId="LiveId" clId="{5020D20C-3E53-41A5-994E-EEB677E292C3}" dt="2024-12-21T23:24:59.535" v="2670" actId="20577"/>
@@ -1836,14 +1093,6 @@
           <pc:docMk/>
           <pc:sldMk cId="3963218690" sldId="293"/>
         </pc:sldMkLst>
-        <pc:spChg chg="mod">
-          <ac:chgData name="Kristopher Wilson" userId="d9235ecf0b42df88" providerId="LiveId" clId="{5020D20C-3E53-41A5-994E-EEB677E292C3}" dt="2024-12-21T23:24:59.535" v="2670" actId="20577"/>
-          <ac:spMkLst>
-            <pc:docMk/>
-            <pc:sldMk cId="3963218690" sldId="293"/>
-            <ac:spMk id="3" creationId="{EAE189EC-84A1-2029-578E-4FCF6AEED87E}"/>
-          </ac:spMkLst>
-        </pc:spChg>
       </pc:sldChg>
       <pc:sldChg chg="modSp add mod">
         <pc:chgData name="Kristopher Wilson" userId="d9235ecf0b42df88" providerId="LiveId" clId="{5020D20C-3E53-41A5-994E-EEB677E292C3}" dt="2024-12-21T23:25:39.439" v="2712" actId="20577"/>
@@ -1851,14 +1100,6 @@
           <pc:docMk/>
           <pc:sldMk cId="1981443278" sldId="294"/>
         </pc:sldMkLst>
-        <pc:spChg chg="mod">
-          <ac:chgData name="Kristopher Wilson" userId="d9235ecf0b42df88" providerId="LiveId" clId="{5020D20C-3E53-41A5-994E-EEB677E292C3}" dt="2024-12-21T23:25:39.439" v="2712" actId="20577"/>
-          <ac:spMkLst>
-            <pc:docMk/>
-            <pc:sldMk cId="1981443278" sldId="294"/>
-            <ac:spMk id="3" creationId="{52BBF0D7-D747-33C7-3697-F377FD56280A}"/>
-          </ac:spMkLst>
-        </pc:spChg>
       </pc:sldChg>
       <pc:sldChg chg="modSp add mod ord">
         <pc:chgData name="Kristopher Wilson" userId="d9235ecf0b42df88" providerId="LiveId" clId="{5020D20C-3E53-41A5-994E-EEB677E292C3}" dt="2024-12-21T23:25:34.475" v="2711" actId="20577"/>
@@ -1866,14 +1107,6 @@
           <pc:docMk/>
           <pc:sldMk cId="989147322" sldId="295"/>
         </pc:sldMkLst>
-        <pc:spChg chg="mod">
-          <ac:chgData name="Kristopher Wilson" userId="d9235ecf0b42df88" providerId="LiveId" clId="{5020D20C-3E53-41A5-994E-EEB677E292C3}" dt="2024-12-21T23:25:34.475" v="2711" actId="20577"/>
-          <ac:spMkLst>
-            <pc:docMk/>
-            <pc:sldMk cId="989147322" sldId="295"/>
-            <ac:spMk id="3" creationId="{771251A6-AFD0-5919-3B31-4E56B1A8F942}"/>
-          </ac:spMkLst>
-        </pc:spChg>
       </pc:sldChg>
       <pc:sldChg chg="modSp add mod">
         <pc:chgData name="Kristopher Wilson" userId="d9235ecf0b42df88" providerId="LiveId" clId="{5020D20C-3E53-41A5-994E-EEB677E292C3}" dt="2024-12-21T23:31:00.789" v="2928" actId="20577"/>
@@ -1881,14 +1114,6 @@
           <pc:docMk/>
           <pc:sldMk cId="2923286288" sldId="296"/>
         </pc:sldMkLst>
-        <pc:spChg chg="mod">
-          <ac:chgData name="Kristopher Wilson" userId="d9235ecf0b42df88" providerId="LiveId" clId="{5020D20C-3E53-41A5-994E-EEB677E292C3}" dt="2024-12-21T23:31:00.789" v="2928" actId="20577"/>
-          <ac:spMkLst>
-            <pc:docMk/>
-            <pc:sldMk cId="2923286288" sldId="296"/>
-            <ac:spMk id="3" creationId="{C0F6C96A-BFA1-F095-DFDF-9CDE256DB5FD}"/>
-          </ac:spMkLst>
-        </pc:spChg>
       </pc:sldChg>
       <pc:sldChg chg="modSp add mod">
         <pc:chgData name="Kristopher Wilson" userId="d9235ecf0b42df88" providerId="LiveId" clId="{5020D20C-3E53-41A5-994E-EEB677E292C3}" dt="2024-12-21T23:30:58.500" v="2927" actId="20577"/>
@@ -1896,14 +1121,6 @@
           <pc:docMk/>
           <pc:sldMk cId="1769890543" sldId="297"/>
         </pc:sldMkLst>
-        <pc:spChg chg="mod">
-          <ac:chgData name="Kristopher Wilson" userId="d9235ecf0b42df88" providerId="LiveId" clId="{5020D20C-3E53-41A5-994E-EEB677E292C3}" dt="2024-12-21T23:30:58.500" v="2927" actId="20577"/>
-          <ac:spMkLst>
-            <pc:docMk/>
-            <pc:sldMk cId="1769890543" sldId="297"/>
-            <ac:spMk id="3" creationId="{0CB7BAD6-F500-19EB-08E6-15C5364A1CEB}"/>
-          </ac:spMkLst>
-        </pc:spChg>
       </pc:sldChg>
       <pc:sldChg chg="modSp add mod">
         <pc:chgData name="Kristopher Wilson" userId="d9235ecf0b42df88" providerId="LiveId" clId="{5020D20C-3E53-41A5-994E-EEB677E292C3}" dt="2024-12-21T23:36:19.314" v="3438" actId="20577"/>
@@ -1911,14 +1128,6 @@
           <pc:docMk/>
           <pc:sldMk cId="3648429014" sldId="298"/>
         </pc:sldMkLst>
-        <pc:spChg chg="mod">
-          <ac:chgData name="Kristopher Wilson" userId="d9235ecf0b42df88" providerId="LiveId" clId="{5020D20C-3E53-41A5-994E-EEB677E292C3}" dt="2024-12-21T23:36:19.314" v="3438" actId="20577"/>
-          <ac:spMkLst>
-            <pc:docMk/>
-            <pc:sldMk cId="3648429014" sldId="298"/>
-            <ac:spMk id="3" creationId="{5607464F-D99F-CA71-2B04-F5541CB75838}"/>
-          </ac:spMkLst>
-        </pc:spChg>
       </pc:sldChg>
       <pc:sldChg chg="modSp add mod">
         <pc:chgData name="Kristopher Wilson" userId="d9235ecf0b42df88" providerId="LiveId" clId="{5020D20C-3E53-41A5-994E-EEB677E292C3}" dt="2024-12-21T23:36:47.658" v="3446" actId="20577"/>
@@ -1926,14 +1135,6 @@
           <pc:docMk/>
           <pc:sldMk cId="2225648882" sldId="299"/>
         </pc:sldMkLst>
-        <pc:spChg chg="mod">
-          <ac:chgData name="Kristopher Wilson" userId="d9235ecf0b42df88" providerId="LiveId" clId="{5020D20C-3E53-41A5-994E-EEB677E292C3}" dt="2024-12-21T23:36:47.658" v="3446" actId="20577"/>
-          <ac:spMkLst>
-            <pc:docMk/>
-            <pc:sldMk cId="2225648882" sldId="299"/>
-            <ac:spMk id="3" creationId="{3A9F9BC1-72F6-1898-BB60-DEA0E33BBB51}"/>
-          </ac:spMkLst>
-        </pc:spChg>
       </pc:sldChg>
       <pc:sldChg chg="add del">
         <pc:chgData name="Kristopher Wilson" userId="d9235ecf0b42df88" providerId="LiveId" clId="{5020D20C-3E53-41A5-994E-EEB677E292C3}" dt="2024-12-21T23:36:36.250" v="3441" actId="2890"/>
@@ -1955,14 +1156,6 @@
           <pc:docMk/>
           <pc:sldMk cId="3435593851" sldId="301"/>
         </pc:sldMkLst>
-        <pc:spChg chg="mod">
-          <ac:chgData name="Kristopher Wilson" userId="d9235ecf0b42df88" providerId="LiveId" clId="{5020D20C-3E53-41A5-994E-EEB677E292C3}" dt="2024-12-21T23:37:08.872" v="3450" actId="20577"/>
-          <ac:spMkLst>
-            <pc:docMk/>
-            <pc:sldMk cId="3435593851" sldId="301"/>
-            <ac:spMk id="3" creationId="{53841077-11AB-28CC-62F1-DCBE0ECF418C}"/>
-          </ac:spMkLst>
-        </pc:spChg>
       </pc:sldChg>
       <pc:sldChg chg="modSp add mod">
         <pc:chgData name="Kristopher Wilson" userId="d9235ecf0b42df88" providerId="LiveId" clId="{5020D20C-3E53-41A5-994E-EEB677E292C3}" dt="2024-12-21T23:37:13.945" v="3451" actId="20577"/>
@@ -1970,14 +1163,6 @@
           <pc:docMk/>
           <pc:sldMk cId="3218717936" sldId="302"/>
         </pc:sldMkLst>
-        <pc:spChg chg="mod">
-          <ac:chgData name="Kristopher Wilson" userId="d9235ecf0b42df88" providerId="LiveId" clId="{5020D20C-3E53-41A5-994E-EEB677E292C3}" dt="2024-12-21T23:37:13.945" v="3451" actId="20577"/>
-          <ac:spMkLst>
-            <pc:docMk/>
-            <pc:sldMk cId="3218717936" sldId="302"/>
-            <ac:spMk id="3" creationId="{2787EFD5-5E56-C652-2B4E-0F18513D25C7}"/>
-          </ac:spMkLst>
-        </pc:spChg>
       </pc:sldChg>
       <pc:sldChg chg="modSp add mod">
         <pc:chgData name="Kristopher Wilson" userId="d9235ecf0b42df88" providerId="LiveId" clId="{5020D20C-3E53-41A5-994E-EEB677E292C3}" dt="2024-12-21T23:37:57.102" v="3477" actId="20577"/>
@@ -1985,14 +1170,6 @@
           <pc:docMk/>
           <pc:sldMk cId="2223618688" sldId="303"/>
         </pc:sldMkLst>
-        <pc:spChg chg="mod">
-          <ac:chgData name="Kristopher Wilson" userId="d9235ecf0b42df88" providerId="LiveId" clId="{5020D20C-3E53-41A5-994E-EEB677E292C3}" dt="2024-12-21T23:37:57.102" v="3477" actId="20577"/>
-          <ac:spMkLst>
-            <pc:docMk/>
-            <pc:sldMk cId="2223618688" sldId="303"/>
-            <ac:spMk id="3" creationId="{9EAE9B8E-40EF-C579-6C9E-CB719339BCEB}"/>
-          </ac:spMkLst>
-        </pc:spChg>
       </pc:sldChg>
       <pc:sldChg chg="modSp add mod">
         <pc:chgData name="Kristopher Wilson" userId="d9235ecf0b42df88" providerId="LiveId" clId="{5020D20C-3E53-41A5-994E-EEB677E292C3}" dt="2024-12-21T23:39:04.410" v="3556" actId="20577"/>
@@ -2000,14 +1177,6 @@
           <pc:docMk/>
           <pc:sldMk cId="3954241241" sldId="304"/>
         </pc:sldMkLst>
-        <pc:spChg chg="mod">
-          <ac:chgData name="Kristopher Wilson" userId="d9235ecf0b42df88" providerId="LiveId" clId="{5020D20C-3E53-41A5-994E-EEB677E292C3}" dt="2024-12-21T23:39:04.410" v="3556" actId="20577"/>
-          <ac:spMkLst>
-            <pc:docMk/>
-            <pc:sldMk cId="3954241241" sldId="304"/>
-            <ac:spMk id="3" creationId="{D848CF1E-C5C3-A76F-589E-24CE25E68DB9}"/>
-          </ac:spMkLst>
-        </pc:spChg>
       </pc:sldChg>
       <pc:sldChg chg="modSp add mod">
         <pc:chgData name="Kristopher Wilson" userId="d9235ecf0b42df88" providerId="LiveId" clId="{5020D20C-3E53-41A5-994E-EEB677E292C3}" dt="2024-12-21T23:56:25.473" v="3782" actId="403"/>
@@ -2015,14 +1184,6 @@
           <pc:docMk/>
           <pc:sldMk cId="3601568719" sldId="305"/>
         </pc:sldMkLst>
-        <pc:spChg chg="mod">
-          <ac:chgData name="Kristopher Wilson" userId="d9235ecf0b42df88" providerId="LiveId" clId="{5020D20C-3E53-41A5-994E-EEB677E292C3}" dt="2024-12-21T23:56:25.473" v="3782" actId="403"/>
-          <ac:spMkLst>
-            <pc:docMk/>
-            <pc:sldMk cId="3601568719" sldId="305"/>
-            <ac:spMk id="3" creationId="{9FE113F8-D5B9-6CA9-70F1-255627482CF5}"/>
-          </ac:spMkLst>
-        </pc:spChg>
       </pc:sldChg>
       <pc:sldChg chg="modSp add mod">
         <pc:chgData name="Kristopher Wilson" userId="d9235ecf0b42df88" providerId="LiveId" clId="{5020D20C-3E53-41A5-994E-EEB677E292C3}" dt="2024-12-21T23:40:19.295" v="3676" actId="20577"/>
@@ -2030,14 +1191,6 @@
           <pc:docMk/>
           <pc:sldMk cId="3778556512" sldId="306"/>
         </pc:sldMkLst>
-        <pc:spChg chg="mod">
-          <ac:chgData name="Kristopher Wilson" userId="d9235ecf0b42df88" providerId="LiveId" clId="{5020D20C-3E53-41A5-994E-EEB677E292C3}" dt="2024-12-21T23:40:19.295" v="3676" actId="20577"/>
-          <ac:spMkLst>
-            <pc:docMk/>
-            <pc:sldMk cId="3778556512" sldId="306"/>
-            <ac:spMk id="3" creationId="{F851DE0E-7FBB-5088-45A4-C88B2C951827}"/>
-          </ac:spMkLst>
-        </pc:spChg>
       </pc:sldChg>
       <pc:sldChg chg="modSp add mod">
         <pc:chgData name="Kristopher Wilson" userId="d9235ecf0b42df88" providerId="LiveId" clId="{5020D20C-3E53-41A5-994E-EEB677E292C3}" dt="2024-12-21T23:40:56.442" v="3730" actId="20577"/>
@@ -2045,14 +1198,6 @@
           <pc:docMk/>
           <pc:sldMk cId="4075359980" sldId="307"/>
         </pc:sldMkLst>
-        <pc:spChg chg="mod">
-          <ac:chgData name="Kristopher Wilson" userId="d9235ecf0b42df88" providerId="LiveId" clId="{5020D20C-3E53-41A5-994E-EEB677E292C3}" dt="2024-12-21T23:40:56.442" v="3730" actId="20577"/>
-          <ac:spMkLst>
-            <pc:docMk/>
-            <pc:sldMk cId="4075359980" sldId="307"/>
-            <ac:spMk id="3" creationId="{67B7C064-0699-D40E-6929-3CD7A30D03BD}"/>
-          </ac:spMkLst>
-        </pc:spChg>
       </pc:sldChg>
       <pc:sldChg chg="add del">
         <pc:chgData name="Kristopher Wilson" userId="d9235ecf0b42df88" providerId="LiveId" clId="{5020D20C-3E53-41A5-994E-EEB677E292C3}" dt="2024-12-21T23:56:46.376" v="3784" actId="2890"/>
@@ -2102,14 +1247,6 @@
           <pc:docMk/>
           <pc:sldMk cId="3753935443" sldId="313"/>
         </pc:sldMkLst>
-        <pc:spChg chg="mod">
-          <ac:chgData name="Kristopher Wilson" userId="d9235ecf0b42df88" providerId="LiveId" clId="{5020D20C-3E53-41A5-994E-EEB677E292C3}" dt="2024-12-23T03:29:04.475" v="4005" actId="20577"/>
-          <ac:spMkLst>
-            <pc:docMk/>
-            <pc:sldMk cId="3753935443" sldId="313"/>
-            <ac:spMk id="3" creationId="{B8EB9AF8-28B0-7343-5437-7F20DA88AF37}"/>
-          </ac:spMkLst>
-        </pc:spChg>
       </pc:sldChg>
       <pc:sldChg chg="modSp new mod">
         <pc:chgData name="Kristopher Wilson" userId="d9235ecf0b42df88" providerId="LiveId" clId="{5020D20C-3E53-41A5-994E-EEB677E292C3}" dt="2024-12-23T03:29:43.200" v="4085" actId="20577"/>
@@ -2138,22 +1275,6 @@
           <pc:docMk/>
           <pc:sldMk cId="3498946490" sldId="317"/>
         </pc:sldMkLst>
-        <pc:spChg chg="mod">
-          <ac:chgData name="Kristopher Wilson" userId="d9235ecf0b42df88" providerId="LiveId" clId="{5020D20C-3E53-41A5-994E-EEB677E292C3}" dt="2024-12-23T03:31:19.627" v="4218" actId="20577"/>
-          <ac:spMkLst>
-            <pc:docMk/>
-            <pc:sldMk cId="3498946490" sldId="317"/>
-            <ac:spMk id="2" creationId="{FD0D070A-F66E-9B9D-669B-FE0C1060C4C9}"/>
-          </ac:spMkLst>
-        </pc:spChg>
-        <pc:spChg chg="mod">
-          <ac:chgData name="Kristopher Wilson" userId="d9235ecf0b42df88" providerId="LiveId" clId="{5020D20C-3E53-41A5-994E-EEB677E292C3}" dt="2024-12-23T03:31:21.370" v="4219" actId="5793"/>
-          <ac:spMkLst>
-            <pc:docMk/>
-            <pc:sldMk cId="3498946490" sldId="317"/>
-            <ac:spMk id="3" creationId="{41938072-D7F2-B06E-8E9C-00B455DD474A}"/>
-          </ac:spMkLst>
-        </pc:spChg>
       </pc:sldChg>
       <pc:sldChg chg="modSp new mod">
         <pc:chgData name="Kristopher Wilson" userId="d9235ecf0b42df88" providerId="LiveId" clId="{5020D20C-3E53-41A5-994E-EEB677E292C3}" dt="2024-12-23T03:31:35.550" v="4263" actId="20577"/>
@@ -2161,14 +1282,6 @@
           <pc:docMk/>
           <pc:sldMk cId="4236198678" sldId="318"/>
         </pc:sldMkLst>
-        <pc:spChg chg="mod">
-          <ac:chgData name="Kristopher Wilson" userId="d9235ecf0b42df88" providerId="LiveId" clId="{5020D20C-3E53-41A5-994E-EEB677E292C3}" dt="2024-12-23T03:31:35.550" v="4263" actId="20577"/>
-          <ac:spMkLst>
-            <pc:docMk/>
-            <pc:sldMk cId="4236198678" sldId="318"/>
-            <ac:spMk id="2" creationId="{3A4D2D10-DB96-861E-D58F-E16F4048AB6D}"/>
-          </ac:spMkLst>
-        </pc:spChg>
       </pc:sldChg>
       <pc:sldChg chg="modSp add mod ord">
         <pc:chgData name="Kristopher Wilson" userId="d9235ecf0b42df88" providerId="LiveId" clId="{5020D20C-3E53-41A5-994E-EEB677E292C3}" dt="2024-12-23T03:39:30.600" v="4274" actId="120"/>
@@ -2176,14 +1289,6 @@
           <pc:docMk/>
           <pc:sldMk cId="2579033125" sldId="319"/>
         </pc:sldMkLst>
-        <pc:spChg chg="mod">
-          <ac:chgData name="Kristopher Wilson" userId="d9235ecf0b42df88" providerId="LiveId" clId="{5020D20C-3E53-41A5-994E-EEB677E292C3}" dt="2024-12-23T03:39:30.600" v="4274" actId="120"/>
-          <ac:spMkLst>
-            <pc:docMk/>
-            <pc:sldMk cId="2579033125" sldId="319"/>
-            <ac:spMk id="2" creationId="{EC3E0F93-C35A-D204-5AB6-96589EDCB3FC}"/>
-          </ac:spMkLst>
-        </pc:spChg>
       </pc:sldChg>
       <pc:sldChg chg="addSp delSp modSp new mod">
         <pc:chgData name="Kristopher Wilson" userId="d9235ecf0b42df88" providerId="LiveId" clId="{5020D20C-3E53-41A5-994E-EEB677E292C3}" dt="2024-12-23T03:50:26.059" v="4529" actId="478"/>
@@ -2191,22 +1296,6 @@
           <pc:docMk/>
           <pc:sldMk cId="858770862" sldId="320"/>
         </pc:sldMkLst>
-        <pc:spChg chg="mod">
-          <ac:chgData name="Kristopher Wilson" userId="d9235ecf0b42df88" providerId="LiveId" clId="{5020D20C-3E53-41A5-994E-EEB677E292C3}" dt="2024-12-23T03:49:23.090" v="4526" actId="404"/>
-          <ac:spMkLst>
-            <pc:docMk/>
-            <pc:sldMk cId="858770862" sldId="320"/>
-            <ac:spMk id="2" creationId="{CF042282-E5AA-B9FE-D9A3-1015E1B69164}"/>
-          </ac:spMkLst>
-        </pc:spChg>
-        <pc:spChg chg="add mod">
-          <ac:chgData name="Kristopher Wilson" userId="d9235ecf0b42df88" providerId="LiveId" clId="{5020D20C-3E53-41A5-994E-EEB677E292C3}" dt="2024-12-23T03:50:26.059" v="4529" actId="478"/>
-          <ac:spMkLst>
-            <pc:docMk/>
-            <pc:sldMk cId="858770862" sldId="320"/>
-            <ac:spMk id="5" creationId="{CE5179F1-4FAD-9FB4-CB88-7A9EB81B32EC}"/>
-          </ac:spMkLst>
-        </pc:spChg>
       </pc:sldChg>
       <pc:sldChg chg="modSp add mod">
         <pc:chgData name="Kristopher Wilson" userId="d9235ecf0b42df88" providerId="LiveId" clId="{5020D20C-3E53-41A5-994E-EEB677E292C3}" dt="2024-12-23T03:50:34.046" v="4530" actId="20577"/>
@@ -2214,14 +1303,6 @@
           <pc:docMk/>
           <pc:sldMk cId="159208069" sldId="321"/>
         </pc:sldMkLst>
-        <pc:spChg chg="mod">
-          <ac:chgData name="Kristopher Wilson" userId="d9235ecf0b42df88" providerId="LiveId" clId="{5020D20C-3E53-41A5-994E-EEB677E292C3}" dt="2024-12-23T03:50:34.046" v="4530" actId="20577"/>
-          <ac:spMkLst>
-            <pc:docMk/>
-            <pc:sldMk cId="159208069" sldId="321"/>
-            <ac:spMk id="3" creationId="{872BC526-6FF8-AA5C-AF1B-A6020A1992A9}"/>
-          </ac:spMkLst>
-        </pc:spChg>
       </pc:sldChg>
       <pc:sldChg chg="add">
         <pc:chgData name="Kristopher Wilson" userId="d9235ecf0b42df88" providerId="LiveId" clId="{5020D20C-3E53-41A5-994E-EEB677E292C3}" dt="2024-12-23T03:49:40.463" v="4528" actId="2890"/>
@@ -2236,14 +1317,6 @@
           <pc:docMk/>
           <pc:sldMk cId="3782467395" sldId="323"/>
         </pc:sldMkLst>
-        <pc:spChg chg="mod">
-          <ac:chgData name="Kristopher Wilson" userId="d9235ecf0b42df88" providerId="LiveId" clId="{5020D20C-3E53-41A5-994E-EEB677E292C3}" dt="2024-12-23T03:51:03.621" v="4534" actId="20577"/>
-          <ac:spMkLst>
-            <pc:docMk/>
-            <pc:sldMk cId="3782467395" sldId="323"/>
-            <ac:spMk id="3" creationId="{60FC461A-1603-E5E0-E26B-DCB986B0CB9E}"/>
-          </ac:spMkLst>
-        </pc:spChg>
       </pc:sldChg>
       <pc:sldChg chg="modSp add mod">
         <pc:chgData name="Kristopher Wilson" userId="d9235ecf0b42df88" providerId="LiveId" clId="{5020D20C-3E53-41A5-994E-EEB677E292C3}" dt="2024-12-23T03:51:07.969" v="4535" actId="20577"/>
@@ -2251,14 +1324,6 @@
           <pc:docMk/>
           <pc:sldMk cId="3041388678" sldId="324"/>
         </pc:sldMkLst>
-        <pc:spChg chg="mod">
-          <ac:chgData name="Kristopher Wilson" userId="d9235ecf0b42df88" providerId="LiveId" clId="{5020D20C-3E53-41A5-994E-EEB677E292C3}" dt="2024-12-23T03:51:07.969" v="4535" actId="20577"/>
-          <ac:spMkLst>
-            <pc:docMk/>
-            <pc:sldMk cId="3041388678" sldId="324"/>
-            <ac:spMk id="3" creationId="{78615006-76EE-28FB-7856-FE177687C3B2}"/>
-          </ac:spMkLst>
-        </pc:spChg>
       </pc:sldChg>
       <pc:sldChg chg="add replId">
         <pc:chgData name="Kristopher Wilson" userId="d9235ecf0b42df88" providerId="LiveId" clId="{5020D20C-3E53-41A5-994E-EEB677E292C3}" dt="2024-12-23T03:50:55.756" v="4532" actId="2890"/>
@@ -2273,12 +1338,80 @@
           <pc:docMk/>
           <pc:sldMk cId="599783447" sldId="326"/>
         </pc:sldMkLst>
+      </pc:sldChg>
+    </pc:docChg>
+  </pc:docChgLst>
+  <pc:docChgLst>
+    <pc:chgData name="Kristopher Wilson" userId="d9235ecf0b42df88" providerId="LiveId" clId="{92B5EAFA-E965-443A-83E5-24B74068C74E}"/>
+    <pc:docChg chg="undo custSel addSld delSld modSld">
+      <pc:chgData name="Kristopher Wilson" userId="d9235ecf0b42df88" providerId="LiveId" clId="{92B5EAFA-E965-443A-83E5-24B74068C74E}" dt="2025-04-07T03:45:33.705" v="212" actId="20577"/>
+      <pc:docMkLst>
+        <pc:docMk/>
+      </pc:docMkLst>
+      <pc:sldChg chg="modSp mod">
+        <pc:chgData name="Kristopher Wilson" userId="d9235ecf0b42df88" providerId="LiveId" clId="{92B5EAFA-E965-443A-83E5-24B74068C74E}" dt="2025-04-07T03:42:02.184" v="108" actId="1076"/>
+        <pc:sldMkLst>
+          <pc:docMk/>
+          <pc:sldMk cId="3753935443" sldId="313"/>
+        </pc:sldMkLst>
         <pc:spChg chg="mod">
-          <ac:chgData name="Kristopher Wilson" userId="d9235ecf0b42df88" providerId="LiveId" clId="{5020D20C-3E53-41A5-994E-EEB677E292C3}" dt="2024-12-23T03:51:23.399" v="4537" actId="20577"/>
+          <ac:chgData name="Kristopher Wilson" userId="d9235ecf0b42df88" providerId="LiveId" clId="{92B5EAFA-E965-443A-83E5-24B74068C74E}" dt="2025-04-07T03:42:02.184" v="108" actId="1076"/>
           <ac:spMkLst>
             <pc:docMk/>
-            <pc:sldMk cId="599783447" sldId="326"/>
-            <ac:spMk id="3" creationId="{8F04BDDC-09B5-B9F5-D5CE-54E52064FD1E}"/>
+            <pc:sldMk cId="3753935443" sldId="313"/>
+            <ac:spMk id="3" creationId="{B8EB9AF8-28B0-7343-5437-7F20DA88AF37}"/>
+          </ac:spMkLst>
+        </pc:spChg>
+      </pc:sldChg>
+      <pc:sldChg chg="modSp mod">
+        <pc:chgData name="Kristopher Wilson" userId="d9235ecf0b42df88" providerId="LiveId" clId="{92B5EAFA-E965-443A-83E5-24B74068C74E}" dt="2025-04-07T03:45:33.705" v="212" actId="20577"/>
+        <pc:sldMkLst>
+          <pc:docMk/>
+          <pc:sldMk cId="858770862" sldId="320"/>
+        </pc:sldMkLst>
+        <pc:spChg chg="mod">
+          <ac:chgData name="Kristopher Wilson" userId="d9235ecf0b42df88" providerId="LiveId" clId="{92B5EAFA-E965-443A-83E5-24B74068C74E}" dt="2025-04-07T03:45:33.705" v="212" actId="20577"/>
+          <ac:spMkLst>
+            <pc:docMk/>
+            <pc:sldMk cId="858770862" sldId="320"/>
+            <ac:spMk id="5" creationId="{CE5179F1-4FAD-9FB4-CB88-7A9EB81B32EC}"/>
+          </ac:spMkLst>
+        </pc:spChg>
+      </pc:sldChg>
+      <pc:sldChg chg="modNotesTx">
+        <pc:chgData name="Kristopher Wilson" userId="d9235ecf0b42df88" providerId="LiveId" clId="{92B5EAFA-E965-443A-83E5-24B74068C74E}" dt="2025-04-07T03:43:39.869" v="176" actId="20577"/>
+        <pc:sldMkLst>
+          <pc:docMk/>
+          <pc:sldMk cId="3248761571" sldId="332"/>
+        </pc:sldMkLst>
+      </pc:sldChg>
+      <pc:sldChg chg="modSp add mod">
+        <pc:chgData name="Kristopher Wilson" userId="d9235ecf0b42df88" providerId="LiveId" clId="{92B5EAFA-E965-443A-83E5-24B74068C74E}" dt="2025-04-07T03:43:10.134" v="136" actId="20577"/>
+        <pc:sldMkLst>
+          <pc:docMk/>
+          <pc:sldMk cId="2899426858" sldId="351"/>
+        </pc:sldMkLst>
+        <pc:spChg chg="mod">
+          <ac:chgData name="Kristopher Wilson" userId="d9235ecf0b42df88" providerId="LiveId" clId="{92B5EAFA-E965-443A-83E5-24B74068C74E}" dt="2025-04-07T03:43:10.134" v="136" actId="20577"/>
+          <ac:spMkLst>
+            <pc:docMk/>
+            <pc:sldMk cId="2899426858" sldId="351"/>
+            <ac:spMk id="3" creationId="{67275018-C38F-DD6C-0416-B0586614BCEE}"/>
+          </ac:spMkLst>
+        </pc:spChg>
+      </pc:sldChg>
+      <pc:sldChg chg="modSp add del mod">
+        <pc:chgData name="Kristopher Wilson" userId="d9235ecf0b42df88" providerId="LiveId" clId="{92B5EAFA-E965-443A-83E5-24B74068C74E}" dt="2025-04-07T03:43:18.027" v="149" actId="2890"/>
+        <pc:sldMkLst>
+          <pc:docMk/>
+          <pc:sldMk cId="3610657229" sldId="352"/>
+        </pc:sldMkLst>
+        <pc:spChg chg="mod">
+          <ac:chgData name="Kristopher Wilson" userId="d9235ecf0b42df88" providerId="LiveId" clId="{92B5EAFA-E965-443A-83E5-24B74068C74E}" dt="2025-04-07T03:43:17.358" v="148" actId="20577"/>
+          <ac:spMkLst>
+            <pc:docMk/>
+            <pc:sldMk cId="3610657229" sldId="352"/>
+            <ac:spMk id="3" creationId="{724A4C51-B6EF-9A8B-7888-16D34777FCB0}"/>
           </ac:spMkLst>
         </pc:spChg>
       </pc:sldChg>
@@ -13111,7 +12244,7 @@
           <a:p>
             <a:fld id="{6D28F817-3C1E-4980-A2D0-234BDA11B01B}" type="datetimeFigureOut">
               <a:rPr lang="en-US" smtClean="0"/>
-              <a:t>2/13/2025</a:t>
+              <a:t>4/6/2025</a:t>
             </a:fld>
             <a:endParaRPr lang="en-US"/>
           </a:p>
@@ -15238,7 +14371,13 @@
   <p:cSld>
     <p:spTree>
       <p:nvGrpSpPr>
-        <p:cNvPr id="1" name=""/>
+        <p:cNvPr id="1" name="">
+          <a:extLst>
+            <a:ext uri="{FF2B5EF4-FFF2-40B4-BE49-F238E27FC236}">
+              <a16:creationId xmlns:a16="http://schemas.microsoft.com/office/drawing/2014/main" id="{1E417B39-0F2B-D0E6-4B04-DF032A89C8F7}"/>
+            </a:ext>
+          </a:extLst>
+        </p:cNvPr>
         <p:cNvGrpSpPr/>
         <p:nvPr/>
       </p:nvGrpSpPr>
@@ -15252,7 +14391,13 @@
       </p:grpSpPr>
       <p:sp>
         <p:nvSpPr>
-          <p:cNvPr id="2" name="Slide Image Placeholder 1"/>
+          <p:cNvPr id="2" name="Slide Image Placeholder 1">
+            <a:extLst>
+              <a:ext uri="{FF2B5EF4-FFF2-40B4-BE49-F238E27FC236}">
+                <a16:creationId xmlns:a16="http://schemas.microsoft.com/office/drawing/2014/main" id="{7AEE5ADD-6246-3E84-83F4-7E1860AF6745}"/>
+              </a:ext>
+            </a:extLst>
+          </p:cNvPr>
           <p:cNvSpPr>
             <a:spLocks noGrp="1" noRot="1" noChangeAspect="1"/>
           </p:cNvSpPr>
@@ -15264,7 +14409,13 @@
       </p:sp>
       <p:sp>
         <p:nvSpPr>
-          <p:cNvPr id="3" name="Notes Placeholder 2"/>
+          <p:cNvPr id="3" name="Notes Placeholder 2">
+            <a:extLst>
+              <a:ext uri="{FF2B5EF4-FFF2-40B4-BE49-F238E27FC236}">
+                <a16:creationId xmlns:a16="http://schemas.microsoft.com/office/drawing/2014/main" id="{16E6DC0B-BEB5-8C78-6E16-E9FD05FE393A}"/>
+              </a:ext>
+            </a:extLst>
+          </p:cNvPr>
           <p:cNvSpPr>
             <a:spLocks noGrp="1"/>
           </p:cNvSpPr>
@@ -15279,14 +14430,20 @@
           <a:p>
             <a:r>
               <a:rPr lang="en-US" dirty="0"/>
-              <a:t>Kickers usually make under 35 yards. Doesn’t appear to be related to score differential</a:t>
+              <a:t>Play-by-play data from 2014 NFL regular season. </a:t>
             </a:r>
           </a:p>
         </p:txBody>
       </p:sp>
       <p:sp>
         <p:nvSpPr>
-          <p:cNvPr id="4" name="Slide Number Placeholder 3"/>
+          <p:cNvPr id="4" name="Slide Number Placeholder 3">
+            <a:extLst>
+              <a:ext uri="{FF2B5EF4-FFF2-40B4-BE49-F238E27FC236}">
+                <a16:creationId xmlns:a16="http://schemas.microsoft.com/office/drawing/2014/main" id="{42CBC43E-AABF-5275-5BD4-AB64209ACE0A}"/>
+              </a:ext>
+            </a:extLst>
+          </p:cNvPr>
           <p:cNvSpPr>
             <a:spLocks noGrp="1"/>
           </p:cNvSpPr>
@@ -15310,7 +14467,7 @@
     </p:spTree>
     <p:extLst>
       <p:ext uri="{BB962C8B-B14F-4D97-AF65-F5344CB8AC3E}">
-        <p14:creationId xmlns:p14="http://schemas.microsoft.com/office/powerpoint/2010/main" val="1004045761"/>
+        <p14:creationId xmlns:p14="http://schemas.microsoft.com/office/powerpoint/2010/main" val="481853724"/>
       </p:ext>
     </p:extLst>
   </p:cSld>
@@ -15452,16 +14609,9 @@
           <a:lstStyle/>
           <a:p>
             <a:r>
-              <a:rPr lang="en-US" b="0" i="0" dirty="0">
-                <a:solidFill>
-                  <a:srgbClr val="303030"/>
-                </a:solidFill>
-                <a:effectLst/>
-                <a:latin typeface="ui-sans-serif"/>
-              </a:rPr>
-              <a:t>Dataset of student enrollment information (academic path, undergraduate major, demographics, and socioeconomic factors) and the students' academic performance at the end of the first and second semesters. Three classes—graduate, enrolled, dropout—with a strong imbalance towards one of the classes.</a:t>
-            </a:r>
-            <a:endParaRPr lang="en-US" dirty="0"/>
+              <a:rPr lang="en-US" dirty="0"/>
+              <a:t>Kickers usually make under 35 yards. Doesn’t appear to be related to score differential. Switch to code now!</a:t>
+            </a:r>
           </a:p>
         </p:txBody>
       </p:sp>
@@ -15482,7 +14632,7 @@
           <a:p>
             <a:fld id="{2CF3E296-9A10-4A48-B25C-C4EEE84E5793}" type="slidenum">
               <a:rPr lang="en-US" smtClean="0"/>
-              <a:t>69</a:t>
+              <a:t>68</a:t>
             </a:fld>
             <a:endParaRPr lang="en-US"/>
           </a:p>
@@ -15491,7 +14641,7 @@
     </p:spTree>
     <p:extLst>
       <p:ext uri="{BB962C8B-B14F-4D97-AF65-F5344CB8AC3E}">
-        <p14:creationId xmlns:p14="http://schemas.microsoft.com/office/powerpoint/2010/main" val="1418350244"/>
+        <p14:creationId xmlns:p14="http://schemas.microsoft.com/office/powerpoint/2010/main" val="1004045761"/>
       </p:ext>
     </p:extLst>
   </p:cSld>
@@ -15545,6 +14695,16 @@
           <a:bodyPr/>
           <a:lstStyle/>
           <a:p>
+            <a:r>
+              <a:rPr lang="en-US" b="0" i="0" dirty="0">
+                <a:solidFill>
+                  <a:srgbClr val="303030"/>
+                </a:solidFill>
+                <a:effectLst/>
+                <a:latin typeface="ui-sans-serif"/>
+              </a:rPr>
+              <a:t>Dataset of student enrollment information (academic path, undergraduate major, demographics, and socioeconomic factors) and the students' academic performance at the end of the first and second semesters. Three classes—graduate, enrolled, dropout—with a strong imbalance towards one of the classes.</a:t>
+            </a:r>
             <a:endParaRPr lang="en-US" dirty="0"/>
           </a:p>
         </p:txBody>
@@ -15575,7 +14735,7 @@
     </p:spTree>
     <p:extLst>
       <p:ext uri="{BB962C8B-B14F-4D97-AF65-F5344CB8AC3E}">
-        <p14:creationId xmlns:p14="http://schemas.microsoft.com/office/powerpoint/2010/main" val="4252193329"/>
+        <p14:creationId xmlns:p14="http://schemas.microsoft.com/office/powerpoint/2010/main" val="1418350244"/>
       </p:ext>
     </p:extLst>
   </p:cSld>
@@ -15629,36 +14789,7 @@
           <a:bodyPr/>
           <a:lstStyle/>
           <a:p>
-            <a:r>
-              <a:rPr lang="en-US" dirty="0"/>
-              <a:t>Struggles with enrolled </a:t>
-            </a:r>
-            <a:r>
-              <a:rPr lang="en-US" dirty="0" err="1"/>
-              <a:t>bc</a:t>
-            </a:r>
-            <a:r>
-              <a:rPr lang="en-US" dirty="0"/>
-              <a:t> class with least amount of responses</a:t>
-            </a:r>
-          </a:p>
-          <a:p>
-            <a:r>
-              <a:rPr lang="en-US" dirty="0"/>
-              <a:t>Sensitivity: true positives (“if it’s in there, the model gets it”)</a:t>
-            </a:r>
-          </a:p>
-          <a:p>
-            <a:r>
-              <a:rPr lang="en-US" dirty="0"/>
-              <a:t>Specificity: true negatives (“if it’s not in there, the model gets it”)</a:t>
-            </a:r>
-          </a:p>
-          <a:p>
-            <a:r>
-              <a:rPr lang="en-US" dirty="0"/>
-              <a:t>No info rate: success rate if you just guessed most common class for everything</a:t>
-            </a:r>
+            <a:endParaRPr lang="en-US" dirty="0"/>
           </a:p>
         </p:txBody>
       </p:sp>
@@ -15688,7 +14819,7 @@
     </p:spTree>
     <p:extLst>
       <p:ext uri="{BB962C8B-B14F-4D97-AF65-F5344CB8AC3E}">
-        <p14:creationId xmlns:p14="http://schemas.microsoft.com/office/powerpoint/2010/main" val="2146171382"/>
+        <p14:creationId xmlns:p14="http://schemas.microsoft.com/office/powerpoint/2010/main" val="4252193329"/>
       </p:ext>
     </p:extLst>
   </p:cSld>
@@ -15743,47 +14874,35 @@
           <a:lstStyle/>
           <a:p>
             <a:r>
-              <a:rPr lang="en-US" b="0" i="0" dirty="0">
-                <a:solidFill>
-                  <a:srgbClr val="9198A1"/>
-                </a:solidFill>
-                <a:effectLst/>
-                <a:latin typeface="-apple-system"/>
-              </a:rPr>
-              <a:t>Every Scooby-Doo episode and movie's various variables. Collected by hand and some subjectivity, but it’s fun! If you’re unaware, The show follows the iconic mystery solving detectives, know as Mystery Inc., as they set out to solve crime and unmask criminals, bent on revenge or committing criminal acts for their own personal gain</a:t>
-            </a:r>
-          </a:p>
-          <a:p>
-            <a:endParaRPr lang="en-US" b="0" i="0" dirty="0">
-              <a:solidFill>
-                <a:srgbClr val="9198A1"/>
-              </a:solidFill>
-              <a:effectLst/>
-              <a:latin typeface="-apple-system"/>
-            </a:endParaRPr>
-          </a:p>
-          <a:p>
-            <a:r>
-              <a:rPr lang="en-US" b="0" i="0" dirty="0">
-                <a:solidFill>
-                  <a:srgbClr val="9198A1"/>
-                </a:solidFill>
-                <a:effectLst/>
-                <a:latin typeface="-apple-system"/>
-              </a:rPr>
-              <a:t>Goal: predict </a:t>
-            </a:r>
-            <a:r>
-              <a:rPr lang="en-US" b="0" i="0">
-                <a:solidFill>
-                  <a:srgbClr val="9198A1"/>
-                </a:solidFill>
-                <a:effectLst/>
-                <a:latin typeface="-apple-system"/>
-              </a:rPr>
-              <a:t>IMDB rating</a:t>
-            </a:r>
-            <a:endParaRPr lang="en-US" dirty="0"/>
+              <a:rPr lang="en-US" dirty="0"/>
+              <a:t>Struggles with enrolled </a:t>
+            </a:r>
+            <a:r>
+              <a:rPr lang="en-US" dirty="0" err="1"/>
+              <a:t>bc</a:t>
+            </a:r>
+            <a:r>
+              <a:rPr lang="en-US" dirty="0"/>
+              <a:t> class with least amount of responses</a:t>
+            </a:r>
+          </a:p>
+          <a:p>
+            <a:r>
+              <a:rPr lang="en-US" dirty="0"/>
+              <a:t>Sensitivity: true positives (“if it’s in there, the model gets it”)</a:t>
+            </a:r>
+          </a:p>
+          <a:p>
+            <a:r>
+              <a:rPr lang="en-US" dirty="0"/>
+              <a:t>Specificity: true negatives (“if it’s not in there, the model gets it”)</a:t>
+            </a:r>
+          </a:p>
+          <a:p>
+            <a:r>
+              <a:rPr lang="en-US" dirty="0"/>
+              <a:t>No info rate: success rate if you just guessed most common class for everything</a:t>
+            </a:r>
           </a:p>
         </p:txBody>
       </p:sp>
@@ -15813,7 +14932,7 @@
     </p:spTree>
     <p:extLst>
       <p:ext uri="{BB962C8B-B14F-4D97-AF65-F5344CB8AC3E}">
-        <p14:creationId xmlns:p14="http://schemas.microsoft.com/office/powerpoint/2010/main" val="2203474969"/>
+        <p14:creationId xmlns:p14="http://schemas.microsoft.com/office/powerpoint/2010/main" val="2146171382"/>
       </p:ext>
     </p:extLst>
   </p:cSld>
@@ -15868,9 +14987,47 @@
           <a:lstStyle/>
           <a:p>
             <a:r>
-              <a:rPr lang="en-US" dirty="0"/>
-              <a:t>ISL: both R and Python!</a:t>
-            </a:r>
+              <a:rPr lang="en-US" b="0" i="0" dirty="0">
+                <a:solidFill>
+                  <a:srgbClr val="9198A1"/>
+                </a:solidFill>
+                <a:effectLst/>
+                <a:latin typeface="-apple-system"/>
+              </a:rPr>
+              <a:t>Every Scooby-Doo episode and movie's various variables. Collected by hand and some subjectivity, but it’s fun! If you’re unaware, The show follows the iconic mystery solving detectives, know as Mystery Inc., as they set out to solve crime and unmask criminals, bent on revenge or committing criminal acts for their own personal gain</a:t>
+            </a:r>
+          </a:p>
+          <a:p>
+            <a:endParaRPr lang="en-US" b="0" i="0" dirty="0">
+              <a:solidFill>
+                <a:srgbClr val="9198A1"/>
+              </a:solidFill>
+              <a:effectLst/>
+              <a:latin typeface="-apple-system"/>
+            </a:endParaRPr>
+          </a:p>
+          <a:p>
+            <a:r>
+              <a:rPr lang="en-US" b="0" i="0" dirty="0">
+                <a:solidFill>
+                  <a:srgbClr val="9198A1"/>
+                </a:solidFill>
+                <a:effectLst/>
+                <a:latin typeface="-apple-system"/>
+              </a:rPr>
+              <a:t>Goal: predict </a:t>
+            </a:r>
+            <a:r>
+              <a:rPr lang="en-US" b="0" i="0">
+                <a:solidFill>
+                  <a:srgbClr val="9198A1"/>
+                </a:solidFill>
+                <a:effectLst/>
+                <a:latin typeface="-apple-system"/>
+              </a:rPr>
+              <a:t>IMDB rating</a:t>
+            </a:r>
+            <a:endParaRPr lang="en-US" dirty="0"/>
           </a:p>
         </p:txBody>
       </p:sp>
@@ -15891,7 +15048,94 @@
           <a:p>
             <a:fld id="{2CF3E296-9A10-4A48-B25C-C4EEE84E5793}" type="slidenum">
               <a:rPr lang="en-US" smtClean="0"/>
-              <a:t>80</a:t>
+              <a:t>73</a:t>
+            </a:fld>
+            <a:endParaRPr lang="en-US"/>
+          </a:p>
+        </p:txBody>
+      </p:sp>
+    </p:spTree>
+    <p:extLst>
+      <p:ext uri="{BB962C8B-B14F-4D97-AF65-F5344CB8AC3E}">
+        <p14:creationId xmlns:p14="http://schemas.microsoft.com/office/powerpoint/2010/main" val="2203474969"/>
+      </p:ext>
+    </p:extLst>
+  </p:cSld>
+  <p:clrMapOvr>
+    <a:masterClrMapping/>
+  </p:clrMapOvr>
+</p:notes>
+</file>
+
+<file path=ppt/notesSlides/notesSlide35.xml><?xml version="1.0" encoding="utf-8"?>
+<p:notes xmlns:a="http://schemas.openxmlformats.org/drawingml/2006/main" xmlns:r="http://schemas.openxmlformats.org/officeDocument/2006/relationships" xmlns:p="http://schemas.openxmlformats.org/presentationml/2006/main">
+  <p:cSld>
+    <p:spTree>
+      <p:nvGrpSpPr>
+        <p:cNvPr id="1" name=""/>
+        <p:cNvGrpSpPr/>
+        <p:nvPr/>
+      </p:nvGrpSpPr>
+      <p:grpSpPr>
+        <a:xfrm>
+          <a:off x="0" y="0"/>
+          <a:ext cx="0" cy="0"/>
+          <a:chOff x="0" y="0"/>
+          <a:chExt cx="0" cy="0"/>
+        </a:xfrm>
+      </p:grpSpPr>
+      <p:sp>
+        <p:nvSpPr>
+          <p:cNvPr id="2" name="Slide Image Placeholder 1"/>
+          <p:cNvSpPr>
+            <a:spLocks noGrp="1" noRot="1" noChangeAspect="1"/>
+          </p:cNvSpPr>
+          <p:nvPr>
+            <p:ph type="sldImg"/>
+          </p:nvPr>
+        </p:nvSpPr>
+        <p:spPr/>
+      </p:sp>
+      <p:sp>
+        <p:nvSpPr>
+          <p:cNvPr id="3" name="Notes Placeholder 2"/>
+          <p:cNvSpPr>
+            <a:spLocks noGrp="1"/>
+          </p:cNvSpPr>
+          <p:nvPr>
+            <p:ph type="body" idx="1"/>
+          </p:nvPr>
+        </p:nvSpPr>
+        <p:spPr/>
+        <p:txBody>
+          <a:bodyPr/>
+          <a:lstStyle/>
+          <a:p>
+            <a:r>
+              <a:rPr lang="en-US" dirty="0"/>
+              <a:t>ISL: both R and Python!</a:t>
+            </a:r>
+          </a:p>
+        </p:txBody>
+      </p:sp>
+      <p:sp>
+        <p:nvSpPr>
+          <p:cNvPr id="4" name="Slide Number Placeholder 3"/>
+          <p:cNvSpPr>
+            <a:spLocks noGrp="1"/>
+          </p:cNvSpPr>
+          <p:nvPr>
+            <p:ph type="sldNum" sz="quarter" idx="5"/>
+          </p:nvPr>
+        </p:nvSpPr>
+        <p:spPr/>
+        <p:txBody>
+          <a:bodyPr/>
+          <a:lstStyle/>
+          <a:p>
+            <a:fld id="{2CF3E296-9A10-4A48-B25C-C4EEE84E5793}" type="slidenum">
+              <a:rPr lang="en-US" smtClean="0"/>
+              <a:t>81</a:t>
             </a:fld>
             <a:endParaRPr lang="en-US"/>
           </a:p>
@@ -16623,7 +15867,7 @@
               <a:pPr>
                 <a:defRPr/>
               </a:pPr>
-              <a:t>2/13/2025</a:t>
+              <a:t>4/6/2025</a:t>
             </a:fld>
             <a:endParaRPr lang="en-US"/>
           </a:p>
@@ -16819,7 +16063,7 @@
               <a:pPr>
                 <a:defRPr/>
               </a:pPr>
-              <a:t>2/13/2025</a:t>
+              <a:t>4/6/2025</a:t>
             </a:fld>
             <a:endParaRPr lang="en-US"/>
           </a:p>
@@ -17024,7 +16268,7 @@
               <a:pPr>
                 <a:defRPr/>
               </a:pPr>
-              <a:t>2/13/2025</a:t>
+              <a:t>4/6/2025</a:t>
             </a:fld>
             <a:endParaRPr lang="en-US"/>
           </a:p>
@@ -17221,7 +16465,7 @@
               <a:pPr>
                 <a:defRPr/>
               </a:pPr>
-              <a:t>2/13/2025</a:t>
+              <a:t>4/6/2025</a:t>
             </a:fld>
             <a:endParaRPr lang="en-US"/>
           </a:p>
@@ -17494,7 +16738,7 @@
               <a:pPr>
                 <a:defRPr/>
               </a:pPr>
-              <a:t>2/13/2025</a:t>
+              <a:t>4/6/2025</a:t>
             </a:fld>
             <a:endParaRPr lang="en-US"/>
           </a:p>
@@ -17808,7 +17052,7 @@
               <a:pPr>
                 <a:defRPr/>
               </a:pPr>
-              <a:t>2/13/2025</a:t>
+              <a:t>4/6/2025</a:t>
             </a:fld>
             <a:endParaRPr lang="en-US"/>
           </a:p>
@@ -18131,7 +17375,7 @@
               <a:pPr>
                 <a:defRPr/>
               </a:pPr>
-              <a:t>2/13/2025</a:t>
+              <a:t>4/6/2025</a:t>
             </a:fld>
             <a:endParaRPr lang="en-US"/>
           </a:p>
@@ -18275,7 +17519,7 @@
               <a:pPr>
                 <a:defRPr/>
               </a:pPr>
-              <a:t>2/13/2025</a:t>
+              <a:t>4/6/2025</a:t>
             </a:fld>
             <a:endParaRPr lang="en-US"/>
           </a:p>
@@ -18397,7 +17641,7 @@
               <a:pPr>
                 <a:defRPr/>
               </a:pPr>
-              <a:t>2/13/2025</a:t>
+              <a:t>4/6/2025</a:t>
             </a:fld>
             <a:endParaRPr lang="en-US"/>
           </a:p>
@@ -18699,7 +17943,7 @@
               <a:pPr>
                 <a:defRPr/>
               </a:pPr>
-              <a:t>2/13/2025</a:t>
+              <a:t>4/6/2025</a:t>
             </a:fld>
             <a:endParaRPr lang="en-US"/>
           </a:p>
@@ -18986,7 +18230,7 @@
               <a:pPr>
                 <a:defRPr/>
               </a:pPr>
-              <a:t>2/13/2025</a:t>
+              <a:t>4/6/2025</a:t>
             </a:fld>
             <a:endParaRPr lang="en-US"/>
           </a:p>
@@ -19110,14 +18354,14 @@
           </a:ln>
           <a:extLst>
             <a:ext uri="{909E8E84-426E-40dd-AFC4-6F175D3DCCD1}">
-              <a14:hiddenFill xmlns="" xmlns:a14="http://schemas.microsoft.com/office/drawing/2010/main">
+              <a14:hiddenFill xmlns:a14="http://schemas.microsoft.com/office/drawing/2010/main" xmlns="">
                 <a:solidFill>
                   <a:srgbClr val="FFFFFF"/>
                 </a:solidFill>
               </a14:hiddenFill>
             </a:ext>
             <a:ext uri="{91240B29-F687-4f45-9708-019B960494DF}">
-              <a14:hiddenLine xmlns="" xmlns:a14="http://schemas.microsoft.com/office/drawing/2010/main" w="9525">
+              <a14:hiddenLine xmlns:a14="http://schemas.microsoft.com/office/drawing/2010/main" xmlns="" w="9525">
                 <a:solidFill>
                   <a:srgbClr val="000000"/>
                 </a:solidFill>
@@ -19127,7 +18371,7 @@
               </a14:hiddenLine>
             </a:ext>
             <a:ext uri="{FAA26D3D-D897-4be2-8F04-BA451C77F1D7}">
-              <ma14:placeholderFlag xmlns="" xmlns:ma14="http://schemas.microsoft.com/office/mac/drawingml/2011/main" val="1"/>
+              <ma14:placeholderFlag xmlns:ma14="http://schemas.microsoft.com/office/mac/drawingml/2011/main" xmlns="" val="1"/>
             </a:ext>
           </a:extLst>
         </p:spPr>
@@ -19178,14 +18422,14 @@
           </a:ln>
           <a:extLst>
             <a:ext uri="{909E8E84-426E-40dd-AFC4-6F175D3DCCD1}">
-              <a14:hiddenFill xmlns="" xmlns:a14="http://schemas.microsoft.com/office/drawing/2010/main">
+              <a14:hiddenFill xmlns:a14="http://schemas.microsoft.com/office/drawing/2010/main" xmlns="">
                 <a:solidFill>
                   <a:srgbClr val="FFFFFF"/>
                 </a:solidFill>
               </a14:hiddenFill>
             </a:ext>
             <a:ext uri="{91240B29-F687-4f45-9708-019B960494DF}">
-              <a14:hiddenLine xmlns="" xmlns:a14="http://schemas.microsoft.com/office/drawing/2010/main" w="9525">
+              <a14:hiddenLine xmlns:a14="http://schemas.microsoft.com/office/drawing/2010/main" xmlns="" w="9525">
                 <a:solidFill>
                   <a:srgbClr val="000000"/>
                 </a:solidFill>
@@ -19195,7 +18439,7 @@
               </a14:hiddenLine>
             </a:ext>
             <a:ext uri="{FAA26D3D-D897-4be2-8F04-BA451C77F1D7}">
-              <ma14:placeholderFlag xmlns="" xmlns:ma14="http://schemas.microsoft.com/office/mac/drawingml/2011/main" val="1"/>
+              <ma14:placeholderFlag xmlns:ma14="http://schemas.microsoft.com/office/mac/drawingml/2011/main" xmlns="" val="1"/>
             </a:ext>
           </a:extLst>
         </p:spPr>
@@ -19294,7 +18538,7 @@
               <a:pPr>
                 <a:defRPr/>
               </a:pPr>
-              <a:t>2/13/2025</a:t>
+              <a:t>4/6/2025</a:t>
             </a:fld>
             <a:endParaRPr lang="en-US" dirty="0"/>
           </a:p>
@@ -28514,7 +27758,12 @@
             <p:ph idx="1"/>
           </p:nvPr>
         </p:nvSpPr>
-        <p:spPr/>
+        <p:spPr>
+          <a:xfrm>
+            <a:off x="457200" y="1476375"/>
+            <a:ext cx="8229600" cy="2327672"/>
+          </a:xfrm>
+        </p:spPr>
         <p:txBody>
           <a:bodyPr/>
           <a:lstStyle/>
@@ -28543,6 +27792,139 @@
 </file>
 
 <file path=ppt/slides/slide67.xml><?xml version="1.0" encoding="utf-8"?>
+<p:sld xmlns:a="http://schemas.openxmlformats.org/drawingml/2006/main" xmlns:r="http://schemas.openxmlformats.org/officeDocument/2006/relationships" xmlns:p="http://schemas.openxmlformats.org/presentationml/2006/main">
+  <p:cSld>
+    <p:spTree>
+      <p:nvGrpSpPr>
+        <p:cNvPr id="1" name="">
+          <a:extLst>
+            <a:ext uri="{FF2B5EF4-FFF2-40B4-BE49-F238E27FC236}">
+              <a16:creationId xmlns:a16="http://schemas.microsoft.com/office/drawing/2014/main" id="{E367D974-55E7-F66D-8934-233EF7DB5FBD}"/>
+            </a:ext>
+          </a:extLst>
+        </p:cNvPr>
+        <p:cNvGrpSpPr/>
+        <p:nvPr/>
+      </p:nvGrpSpPr>
+      <p:grpSpPr>
+        <a:xfrm>
+          <a:off x="0" y="0"/>
+          <a:ext cx="0" cy="0"/>
+          <a:chOff x="0" y="0"/>
+          <a:chExt cx="0" cy="0"/>
+        </a:xfrm>
+      </p:grpSpPr>
+      <p:sp>
+        <p:nvSpPr>
+          <p:cNvPr id="2" name="Title 1">
+            <a:extLst>
+              <a:ext uri="{FF2B5EF4-FFF2-40B4-BE49-F238E27FC236}">
+                <a16:creationId xmlns:a16="http://schemas.microsoft.com/office/drawing/2014/main" id="{08E126AC-4FEA-AD4B-2C29-F15E570BCBE5}"/>
+              </a:ext>
+            </a:extLst>
+          </p:cNvPr>
+          <p:cNvSpPr>
+            <a:spLocks noGrp="1"/>
+          </p:cNvSpPr>
+          <p:nvPr>
+            <p:ph type="title"/>
+          </p:nvPr>
+        </p:nvSpPr>
+        <p:spPr/>
+        <p:txBody>
+          <a:bodyPr/>
+          <a:lstStyle/>
+          <a:p>
+            <a:pPr algn="l"/>
+            <a:r>
+              <a:rPr lang="en-US" dirty="0"/>
+              <a:t>Example 1: NFL field goal attempts</a:t>
+            </a:r>
+          </a:p>
+        </p:txBody>
+      </p:sp>
+      <p:sp>
+        <p:nvSpPr>
+          <p:cNvPr id="3" name="Content Placeholder 2">
+            <a:extLst>
+              <a:ext uri="{FF2B5EF4-FFF2-40B4-BE49-F238E27FC236}">
+                <a16:creationId xmlns:a16="http://schemas.microsoft.com/office/drawing/2014/main" id="{67275018-C38F-DD6C-0416-B0586614BCEE}"/>
+              </a:ext>
+            </a:extLst>
+          </p:cNvPr>
+          <p:cNvSpPr>
+            <a:spLocks noGrp="1"/>
+          </p:cNvSpPr>
+          <p:nvPr>
+            <p:ph idx="1"/>
+          </p:nvPr>
+        </p:nvSpPr>
+        <p:spPr>
+          <a:xfrm>
+            <a:off x="457200" y="1476375"/>
+            <a:ext cx="8229600" cy="2327672"/>
+          </a:xfrm>
+        </p:spPr>
+        <p:txBody>
+          <a:bodyPr/>
+          <a:lstStyle/>
+          <a:p>
+            <a:pPr marL="0" indent="0">
+              <a:buNone/>
+            </a:pPr>
+            <a:r>
+              <a:rPr lang="en-US" dirty="0"/>
+              <a:t>Dataset contains play-by-play data from the 2014 NFL regular season</a:t>
+            </a:r>
+          </a:p>
+          <a:p>
+            <a:pPr marL="0" indent="0">
+              <a:buNone/>
+            </a:pPr>
+            <a:endParaRPr lang="en-US" dirty="0"/>
+          </a:p>
+          <a:p>
+            <a:pPr marL="0" indent="0">
+              <a:buNone/>
+            </a:pPr>
+            <a:r>
+              <a:rPr lang="en-US" dirty="0"/>
+              <a:t>Link: </a:t>
+            </a:r>
+            <a:r>
+              <a:rPr lang="en-US" dirty="0">
+                <a:hlinkClick r:id="rId3"/>
+              </a:rPr>
+              <a:t>https://tinyurl.com/ykr289ew</a:t>
+            </a:r>
+            <a:r>
+              <a:rPr lang="en-US" dirty="0"/>
+              <a:t> </a:t>
+            </a:r>
+          </a:p>
+          <a:p>
+            <a:pPr lvl="1"/>
+            <a:r>
+              <a:rPr lang="en-US" sz="1800" i="1" dirty="0"/>
+              <a:t>(I would not click this if I was you!)</a:t>
+            </a:r>
+          </a:p>
+        </p:txBody>
+      </p:sp>
+    </p:spTree>
+    <p:extLst>
+      <p:ext uri="{BB962C8B-B14F-4D97-AF65-F5344CB8AC3E}">
+        <p14:creationId xmlns:p14="http://schemas.microsoft.com/office/powerpoint/2010/main" val="2899426858"/>
+      </p:ext>
+    </p:extLst>
+  </p:cSld>
+  <p:clrMapOvr>
+    <a:masterClrMapping/>
+  </p:clrMapOvr>
+</p:sld>
+</file>
+
+<file path=ppt/slides/slide68.xml><?xml version="1.0" encoding="utf-8"?>
 <p:sld xmlns:a="http://schemas.openxmlformats.org/drawingml/2006/main" xmlns:r="http://schemas.openxmlformats.org/officeDocument/2006/relationships" xmlns:p="http://schemas.openxmlformats.org/presentationml/2006/main">
   <p:cSld>
     <p:spTree>
@@ -28637,7 +28019,7 @@
 </p:sld>
 </file>
 
-<file path=ppt/slides/slide68.xml><?xml version="1.0" encoding="utf-8"?>
+<file path=ppt/slides/slide69.xml><?xml version="1.0" encoding="utf-8"?>
 <p:sld xmlns:a="http://schemas.openxmlformats.org/drawingml/2006/main" xmlns:r="http://schemas.openxmlformats.org/officeDocument/2006/relationships" xmlns:p="http://schemas.openxmlformats.org/presentationml/2006/main">
   <p:cSld>
     <p:spTree>
@@ -28732,99 +28114,6 @@
 </p:sld>
 </file>
 
-<file path=ppt/slides/slide69.xml><?xml version="1.0" encoding="utf-8"?>
-<p:sld xmlns:a="http://schemas.openxmlformats.org/drawingml/2006/main" xmlns:r="http://schemas.openxmlformats.org/officeDocument/2006/relationships" xmlns:p="http://schemas.openxmlformats.org/presentationml/2006/main">
-  <p:cSld>
-    <p:spTree>
-      <p:nvGrpSpPr>
-        <p:cNvPr id="1" name=""/>
-        <p:cNvGrpSpPr/>
-        <p:nvPr/>
-      </p:nvGrpSpPr>
-      <p:grpSpPr>
-        <a:xfrm>
-          <a:off x="0" y="0"/>
-          <a:ext cx="0" cy="0"/>
-          <a:chOff x="0" y="0"/>
-          <a:chExt cx="0" cy="0"/>
-        </a:xfrm>
-      </p:grpSpPr>
-      <p:sp>
-        <p:nvSpPr>
-          <p:cNvPr id="2" name="Title 1">
-            <a:extLst>
-              <a:ext uri="{FF2B5EF4-FFF2-40B4-BE49-F238E27FC236}">
-                <a16:creationId xmlns:a16="http://schemas.microsoft.com/office/drawing/2014/main" id="{F1B36A43-7826-7521-E812-B21AE7BD8F01}"/>
-              </a:ext>
-            </a:extLst>
-          </p:cNvPr>
-          <p:cNvSpPr>
-            <a:spLocks noGrp="1"/>
-          </p:cNvSpPr>
-          <p:nvPr>
-            <p:ph type="title"/>
-          </p:nvPr>
-        </p:nvSpPr>
-        <p:spPr/>
-        <p:txBody>
-          <a:bodyPr/>
-          <a:lstStyle/>
-          <a:p>
-            <a:pPr algn="l"/>
-            <a:r>
-              <a:rPr lang="en-US" dirty="0"/>
-              <a:t>Example 2: Predicting Student Success</a:t>
-            </a:r>
-          </a:p>
-        </p:txBody>
-      </p:sp>
-      <p:sp>
-        <p:nvSpPr>
-          <p:cNvPr id="5" name="Content Placeholder 4">
-            <a:extLst>
-              <a:ext uri="{FF2B5EF4-FFF2-40B4-BE49-F238E27FC236}">
-                <a16:creationId xmlns:a16="http://schemas.microsoft.com/office/drawing/2014/main" id="{93ACE0BB-ABE3-C123-8610-DF2860670617}"/>
-              </a:ext>
-            </a:extLst>
-          </p:cNvPr>
-          <p:cNvSpPr>
-            <a:spLocks noGrp="1"/>
-          </p:cNvSpPr>
-          <p:nvPr>
-            <p:ph idx="1"/>
-          </p:nvPr>
-        </p:nvSpPr>
-        <p:spPr/>
-        <p:txBody>
-          <a:bodyPr/>
-          <a:lstStyle/>
-          <a:p>
-            <a:pPr marL="0" indent="0">
-              <a:buNone/>
-            </a:pPr>
-            <a:r>
-              <a:rPr lang="en-US" dirty="0">
-                <a:hlinkClick r:id="rId3"/>
-              </a:rPr>
-              <a:t>Information about the dataset</a:t>
-            </a:r>
-            <a:endParaRPr lang="en-US" dirty="0"/>
-          </a:p>
-        </p:txBody>
-      </p:sp>
-    </p:spTree>
-    <p:extLst>
-      <p:ext uri="{BB962C8B-B14F-4D97-AF65-F5344CB8AC3E}">
-        <p14:creationId xmlns:p14="http://schemas.microsoft.com/office/powerpoint/2010/main" val="3238990568"/>
-      </p:ext>
-    </p:extLst>
-  </p:cSld>
-  <p:clrMapOvr>
-    <a:masterClrMapping/>
-  </p:clrMapOvr>
-</p:sld>
-</file>
-
 <file path=ppt/slides/slide7.xml><?xml version="1.0" encoding="utf-8"?>
 <p:sld xmlns:a="http://schemas.openxmlformats.org/drawingml/2006/main" xmlns:r="http://schemas.openxmlformats.org/officeDocument/2006/relationships" xmlns:p="http://schemas.openxmlformats.org/presentationml/2006/main">
   <p:cSld>
@@ -28897,6 +28186,12 @@
           <a:bodyPr/>
           <a:lstStyle/>
           <a:p>
+            <a:r>
+              <a:rPr lang="en-US" dirty="0">
+                <a:hlinkClick r:id="rId3"/>
+              </a:rPr>
+              <a:t>Link to slides, code, and data</a:t>
+            </a:r>
             <a:endParaRPr lang="en-US" dirty="0"/>
           </a:p>
         </p:txBody>
@@ -28915,6 +28210,99 @@
 </file>
 
 <file path=ppt/slides/slide70.xml><?xml version="1.0" encoding="utf-8"?>
+<p:sld xmlns:a="http://schemas.openxmlformats.org/drawingml/2006/main" xmlns:r="http://schemas.openxmlformats.org/officeDocument/2006/relationships" xmlns:p="http://schemas.openxmlformats.org/presentationml/2006/main">
+  <p:cSld>
+    <p:spTree>
+      <p:nvGrpSpPr>
+        <p:cNvPr id="1" name=""/>
+        <p:cNvGrpSpPr/>
+        <p:nvPr/>
+      </p:nvGrpSpPr>
+      <p:grpSpPr>
+        <a:xfrm>
+          <a:off x="0" y="0"/>
+          <a:ext cx="0" cy="0"/>
+          <a:chOff x="0" y="0"/>
+          <a:chExt cx="0" cy="0"/>
+        </a:xfrm>
+      </p:grpSpPr>
+      <p:sp>
+        <p:nvSpPr>
+          <p:cNvPr id="2" name="Title 1">
+            <a:extLst>
+              <a:ext uri="{FF2B5EF4-FFF2-40B4-BE49-F238E27FC236}">
+                <a16:creationId xmlns:a16="http://schemas.microsoft.com/office/drawing/2014/main" id="{F1B36A43-7826-7521-E812-B21AE7BD8F01}"/>
+              </a:ext>
+            </a:extLst>
+          </p:cNvPr>
+          <p:cNvSpPr>
+            <a:spLocks noGrp="1"/>
+          </p:cNvSpPr>
+          <p:nvPr>
+            <p:ph type="title"/>
+          </p:nvPr>
+        </p:nvSpPr>
+        <p:spPr/>
+        <p:txBody>
+          <a:bodyPr/>
+          <a:lstStyle/>
+          <a:p>
+            <a:pPr algn="l"/>
+            <a:r>
+              <a:rPr lang="en-US" dirty="0"/>
+              <a:t>Example 2: Predicting Student Success</a:t>
+            </a:r>
+          </a:p>
+        </p:txBody>
+      </p:sp>
+      <p:sp>
+        <p:nvSpPr>
+          <p:cNvPr id="5" name="Content Placeholder 4">
+            <a:extLst>
+              <a:ext uri="{FF2B5EF4-FFF2-40B4-BE49-F238E27FC236}">
+                <a16:creationId xmlns:a16="http://schemas.microsoft.com/office/drawing/2014/main" id="{93ACE0BB-ABE3-C123-8610-DF2860670617}"/>
+              </a:ext>
+            </a:extLst>
+          </p:cNvPr>
+          <p:cNvSpPr>
+            <a:spLocks noGrp="1"/>
+          </p:cNvSpPr>
+          <p:nvPr>
+            <p:ph idx="1"/>
+          </p:nvPr>
+        </p:nvSpPr>
+        <p:spPr/>
+        <p:txBody>
+          <a:bodyPr/>
+          <a:lstStyle/>
+          <a:p>
+            <a:pPr marL="0" indent="0">
+              <a:buNone/>
+            </a:pPr>
+            <a:r>
+              <a:rPr lang="en-US" dirty="0">
+                <a:hlinkClick r:id="rId3"/>
+              </a:rPr>
+              <a:t>Information about the dataset</a:t>
+            </a:r>
+            <a:endParaRPr lang="en-US" dirty="0"/>
+          </a:p>
+        </p:txBody>
+      </p:sp>
+    </p:spTree>
+    <p:extLst>
+      <p:ext uri="{BB962C8B-B14F-4D97-AF65-F5344CB8AC3E}">
+        <p14:creationId xmlns:p14="http://schemas.microsoft.com/office/powerpoint/2010/main" val="3238990568"/>
+      </p:ext>
+    </p:extLst>
+  </p:cSld>
+  <p:clrMapOvr>
+    <a:masterClrMapping/>
+  </p:clrMapOvr>
+</p:sld>
+</file>
+
+<file path=ppt/slides/slide71.xml><?xml version="1.0" encoding="utf-8"?>
 <p:sld xmlns:a="http://schemas.openxmlformats.org/drawingml/2006/main" xmlns:r="http://schemas.openxmlformats.org/officeDocument/2006/relationships" xmlns:p="http://schemas.openxmlformats.org/presentationml/2006/main">
   <p:cSld>
     <p:spTree>
@@ -29009,7 +28397,7 @@
 </p:sld>
 </file>
 
-<file path=ppt/slides/slide71.xml><?xml version="1.0" encoding="utf-8"?>
+<file path=ppt/slides/slide72.xml><?xml version="1.0" encoding="utf-8"?>
 <p:sld xmlns:a="http://schemas.openxmlformats.org/drawingml/2006/main" xmlns:r="http://schemas.openxmlformats.org/officeDocument/2006/relationships" xmlns:p="http://schemas.openxmlformats.org/presentationml/2006/main">
   <p:cSld>
     <p:spTree>
@@ -29164,7 +28552,7 @@
 </p:sld>
 </file>
 
-<file path=ppt/slides/slide72.xml><?xml version="1.0" encoding="utf-8"?>
+<file path=ppt/slides/slide73.xml><?xml version="1.0" encoding="utf-8"?>
 <p:sld xmlns:a="http://schemas.openxmlformats.org/drawingml/2006/main" xmlns:r="http://schemas.openxmlformats.org/officeDocument/2006/relationships" xmlns:p="http://schemas.openxmlformats.org/presentationml/2006/main">
   <p:cSld>
     <p:spTree>
@@ -29257,7 +28645,7 @@
 </p:sld>
 </file>
 
-<file path=ppt/slides/slide73.xml><?xml version="1.0" encoding="utf-8"?>
+<file path=ppt/slides/slide74.xml><?xml version="1.0" encoding="utf-8"?>
 <p:sld xmlns:a="http://schemas.openxmlformats.org/drawingml/2006/main" xmlns:r="http://schemas.openxmlformats.org/officeDocument/2006/relationships" xmlns:p="http://schemas.openxmlformats.org/presentationml/2006/main">
   <p:cSld>
     <p:spTree>
@@ -29355,7 +28743,7 @@
 </p:sld>
 </file>
 
-<file path=ppt/slides/slide74.xml><?xml version="1.0" encoding="utf-8"?>
+<file path=ppt/slides/slide75.xml><?xml version="1.0" encoding="utf-8"?>
 <p:sld xmlns:a="http://schemas.openxmlformats.org/drawingml/2006/main" xmlns:r="http://schemas.openxmlformats.org/officeDocument/2006/relationships" xmlns:p="http://schemas.openxmlformats.org/presentationml/2006/main">
   <p:cSld>
     <p:spTree>
@@ -29460,7 +28848,7 @@
 </p:sld>
 </file>
 
-<file path=ppt/slides/slide75.xml><?xml version="1.0" encoding="utf-8"?>
+<file path=ppt/slides/slide76.xml><?xml version="1.0" encoding="utf-8"?>
 <p:sld xmlns:a="http://schemas.openxmlformats.org/drawingml/2006/main" xmlns:r="http://schemas.openxmlformats.org/officeDocument/2006/relationships" xmlns:p="http://schemas.openxmlformats.org/presentationml/2006/main">
   <p:cSld>
     <p:spTree>
@@ -29618,7 +29006,7 @@
 </p:sld>
 </file>
 
-<file path=ppt/slides/slide76.xml><?xml version="1.0" encoding="utf-8"?>
+<file path=ppt/slides/slide77.xml><?xml version="1.0" encoding="utf-8"?>
 <p:sld xmlns:a="http://schemas.openxmlformats.org/drawingml/2006/main" xmlns:r="http://schemas.openxmlformats.org/officeDocument/2006/relationships" xmlns:p="http://schemas.openxmlformats.org/presentationml/2006/main">
   <p:cSld>
     <p:spTree>
@@ -29829,7 +29217,7 @@
 </p:sld>
 </file>
 
-<file path=ppt/slides/slide77.xml><?xml version="1.0" encoding="utf-8"?>
+<file path=ppt/slides/slide78.xml><?xml version="1.0" encoding="utf-8"?>
 <p:sld xmlns:a="http://schemas.openxmlformats.org/drawingml/2006/main" xmlns:r="http://schemas.openxmlformats.org/officeDocument/2006/relationships" xmlns:p="http://schemas.openxmlformats.org/presentationml/2006/main">
   <p:cSld>
     <p:spTree>
@@ -29924,7 +29312,7 @@
 </p:sld>
 </file>
 
-<file path=ppt/slides/slide78.xml><?xml version="1.0" encoding="utf-8"?>
+<file path=ppt/slides/slide79.xml><?xml version="1.0" encoding="utf-8"?>
 <p:sld xmlns:a="http://schemas.openxmlformats.org/drawingml/2006/main" xmlns:r="http://schemas.openxmlformats.org/officeDocument/2006/relationships" xmlns:p="http://schemas.openxmlformats.org/presentationml/2006/main">
   <p:cSld>
     <p:spTree>
@@ -30058,7 +29446,113 @@
 </p:sld>
 </file>
 
-<file path=ppt/slides/slide79.xml><?xml version="1.0" encoding="utf-8"?>
+<file path=ppt/slides/slide8.xml><?xml version="1.0" encoding="utf-8"?>
+<p:sld xmlns:a="http://schemas.openxmlformats.org/drawingml/2006/main" xmlns:r="http://schemas.openxmlformats.org/officeDocument/2006/relationships" xmlns:p="http://schemas.openxmlformats.org/presentationml/2006/main">
+  <p:cSld>
+    <p:spTree>
+      <p:nvGrpSpPr>
+        <p:cNvPr id="1" name="">
+          <a:extLst>
+            <a:ext uri="{FF2B5EF4-FFF2-40B4-BE49-F238E27FC236}">
+              <a16:creationId xmlns:a16="http://schemas.microsoft.com/office/drawing/2014/main" id="{0080835A-012B-7555-EA5C-792B17DB5923}"/>
+            </a:ext>
+          </a:extLst>
+        </p:cNvPr>
+        <p:cNvGrpSpPr/>
+        <p:nvPr/>
+      </p:nvGrpSpPr>
+      <p:grpSpPr>
+        <a:xfrm>
+          <a:off x="0" y="0"/>
+          <a:ext cx="0" cy="0"/>
+          <a:chOff x="0" y="0"/>
+          <a:chExt cx="0" cy="0"/>
+        </a:xfrm>
+      </p:grpSpPr>
+      <p:sp>
+        <p:nvSpPr>
+          <p:cNvPr id="2" name="Title 1">
+            <a:extLst>
+              <a:ext uri="{FF2B5EF4-FFF2-40B4-BE49-F238E27FC236}">
+                <a16:creationId xmlns:a16="http://schemas.microsoft.com/office/drawing/2014/main" id="{0EAEFE04-2B31-8016-9CE1-68D71A448A3B}"/>
+              </a:ext>
+            </a:extLst>
+          </p:cNvPr>
+          <p:cNvSpPr>
+            <a:spLocks noGrp="1"/>
+          </p:cNvSpPr>
+          <p:nvPr>
+            <p:ph type="title"/>
+          </p:nvPr>
+        </p:nvSpPr>
+        <p:spPr>
+          <a:xfrm>
+            <a:off x="457199" y="675085"/>
+            <a:ext cx="8776607" cy="801290"/>
+          </a:xfrm>
+        </p:spPr>
+        <p:txBody>
+          <a:bodyPr/>
+          <a:lstStyle/>
+          <a:p>
+            <a:pPr algn="l"/>
+            <a:r>
+              <a:rPr lang="en-US" sz="2800" dirty="0"/>
+              <a:t>I’m Glad You Signed Up, but Why are You Here?</a:t>
+            </a:r>
+          </a:p>
+        </p:txBody>
+      </p:sp>
+      <p:sp>
+        <p:nvSpPr>
+          <p:cNvPr id="3" name="Content Placeholder 2">
+            <a:extLst>
+              <a:ext uri="{FF2B5EF4-FFF2-40B4-BE49-F238E27FC236}">
+                <a16:creationId xmlns:a16="http://schemas.microsoft.com/office/drawing/2014/main" id="{872BC526-6FF8-AA5C-AF1B-A6020A1992A9}"/>
+              </a:ext>
+            </a:extLst>
+          </p:cNvPr>
+          <p:cNvSpPr>
+            <a:spLocks noGrp="1"/>
+          </p:cNvSpPr>
+          <p:nvPr>
+            <p:ph idx="1"/>
+          </p:nvPr>
+        </p:nvSpPr>
+        <p:spPr>
+          <a:xfrm>
+            <a:off x="457200" y="1476375"/>
+            <a:ext cx="8229600" cy="3488361"/>
+          </a:xfrm>
+        </p:spPr>
+        <p:txBody>
+          <a:bodyPr/>
+          <a:lstStyle/>
+          <a:p>
+            <a:r>
+              <a:rPr lang="en-US" dirty="0"/>
+              <a:t>Data is all around us, and we need to know how to make sense of it</a:t>
+            </a:r>
+          </a:p>
+          <a:p>
+            <a:endParaRPr lang="en-US" dirty="0"/>
+          </a:p>
+        </p:txBody>
+      </p:sp>
+    </p:spTree>
+    <p:extLst>
+      <p:ext uri="{BB962C8B-B14F-4D97-AF65-F5344CB8AC3E}">
+        <p14:creationId xmlns:p14="http://schemas.microsoft.com/office/powerpoint/2010/main" val="159208069"/>
+      </p:ext>
+    </p:extLst>
+  </p:cSld>
+  <p:clrMapOvr>
+    <a:masterClrMapping/>
+  </p:clrMapOvr>
+</p:sld>
+</file>
+
+<file path=ppt/slides/slide80.xml><?xml version="1.0" encoding="utf-8"?>
 <p:sld xmlns:a="http://schemas.openxmlformats.org/drawingml/2006/main" xmlns:r="http://schemas.openxmlformats.org/officeDocument/2006/relationships" xmlns:p="http://schemas.openxmlformats.org/presentationml/2006/main">
   <p:cSld>
     <p:spTree>
@@ -30239,113 +29733,7 @@
 </p:sld>
 </file>
 
-<file path=ppt/slides/slide8.xml><?xml version="1.0" encoding="utf-8"?>
-<p:sld xmlns:a="http://schemas.openxmlformats.org/drawingml/2006/main" xmlns:r="http://schemas.openxmlformats.org/officeDocument/2006/relationships" xmlns:p="http://schemas.openxmlformats.org/presentationml/2006/main">
-  <p:cSld>
-    <p:spTree>
-      <p:nvGrpSpPr>
-        <p:cNvPr id="1" name="">
-          <a:extLst>
-            <a:ext uri="{FF2B5EF4-FFF2-40B4-BE49-F238E27FC236}">
-              <a16:creationId xmlns:a16="http://schemas.microsoft.com/office/drawing/2014/main" id="{0080835A-012B-7555-EA5C-792B17DB5923}"/>
-            </a:ext>
-          </a:extLst>
-        </p:cNvPr>
-        <p:cNvGrpSpPr/>
-        <p:nvPr/>
-      </p:nvGrpSpPr>
-      <p:grpSpPr>
-        <a:xfrm>
-          <a:off x="0" y="0"/>
-          <a:ext cx="0" cy="0"/>
-          <a:chOff x="0" y="0"/>
-          <a:chExt cx="0" cy="0"/>
-        </a:xfrm>
-      </p:grpSpPr>
-      <p:sp>
-        <p:nvSpPr>
-          <p:cNvPr id="2" name="Title 1">
-            <a:extLst>
-              <a:ext uri="{FF2B5EF4-FFF2-40B4-BE49-F238E27FC236}">
-                <a16:creationId xmlns:a16="http://schemas.microsoft.com/office/drawing/2014/main" id="{0EAEFE04-2B31-8016-9CE1-68D71A448A3B}"/>
-              </a:ext>
-            </a:extLst>
-          </p:cNvPr>
-          <p:cNvSpPr>
-            <a:spLocks noGrp="1"/>
-          </p:cNvSpPr>
-          <p:nvPr>
-            <p:ph type="title"/>
-          </p:nvPr>
-        </p:nvSpPr>
-        <p:spPr>
-          <a:xfrm>
-            <a:off x="457199" y="675085"/>
-            <a:ext cx="8776607" cy="801290"/>
-          </a:xfrm>
-        </p:spPr>
-        <p:txBody>
-          <a:bodyPr/>
-          <a:lstStyle/>
-          <a:p>
-            <a:pPr algn="l"/>
-            <a:r>
-              <a:rPr lang="en-US" sz="2800" dirty="0"/>
-              <a:t>I’m Glad You Signed Up, but Why are You Here?</a:t>
-            </a:r>
-          </a:p>
-        </p:txBody>
-      </p:sp>
-      <p:sp>
-        <p:nvSpPr>
-          <p:cNvPr id="3" name="Content Placeholder 2">
-            <a:extLst>
-              <a:ext uri="{FF2B5EF4-FFF2-40B4-BE49-F238E27FC236}">
-                <a16:creationId xmlns:a16="http://schemas.microsoft.com/office/drawing/2014/main" id="{872BC526-6FF8-AA5C-AF1B-A6020A1992A9}"/>
-              </a:ext>
-            </a:extLst>
-          </p:cNvPr>
-          <p:cNvSpPr>
-            <a:spLocks noGrp="1"/>
-          </p:cNvSpPr>
-          <p:nvPr>
-            <p:ph idx="1"/>
-          </p:nvPr>
-        </p:nvSpPr>
-        <p:spPr>
-          <a:xfrm>
-            <a:off x="457200" y="1476375"/>
-            <a:ext cx="8229600" cy="3488361"/>
-          </a:xfrm>
-        </p:spPr>
-        <p:txBody>
-          <a:bodyPr/>
-          <a:lstStyle/>
-          <a:p>
-            <a:r>
-              <a:rPr lang="en-US" dirty="0"/>
-              <a:t>Data is all around us, and we need to know how to make sense of it</a:t>
-            </a:r>
-          </a:p>
-          <a:p>
-            <a:endParaRPr lang="en-US" dirty="0"/>
-          </a:p>
-        </p:txBody>
-      </p:sp>
-    </p:spTree>
-    <p:extLst>
-      <p:ext uri="{BB962C8B-B14F-4D97-AF65-F5344CB8AC3E}">
-        <p14:creationId xmlns:p14="http://schemas.microsoft.com/office/powerpoint/2010/main" val="159208069"/>
-      </p:ext>
-    </p:extLst>
-  </p:cSld>
-  <p:clrMapOvr>
-    <a:masterClrMapping/>
-  </p:clrMapOvr>
-</p:sld>
-</file>
-
-<file path=ppt/slides/slide80.xml><?xml version="1.0" encoding="utf-8"?>
+<file path=ppt/slides/slide81.xml><?xml version="1.0" encoding="utf-8"?>
 <p:sld xmlns:a="http://schemas.openxmlformats.org/drawingml/2006/main" xmlns:r="http://schemas.openxmlformats.org/officeDocument/2006/relationships" xmlns:p="http://schemas.openxmlformats.org/presentationml/2006/main">
   <p:cSld>
     <p:spTree>
@@ -30476,7 +29864,7 @@
 </p:sld>
 </file>
 
-<file path=ppt/slides/slide81.xml><?xml version="1.0" encoding="utf-8"?>
+<file path=ppt/slides/slide82.xml><?xml version="1.0" encoding="utf-8"?>
 <p:sld xmlns:a="http://schemas.openxmlformats.org/drawingml/2006/main" xmlns:r="http://schemas.openxmlformats.org/officeDocument/2006/relationships" xmlns:p="http://schemas.openxmlformats.org/presentationml/2006/main">
   <p:cSld>
     <p:spTree>
